--- a/Intro to ML.pptx
+++ b/Intro to ML.pptx
@@ -10,15 +10,17 @@
     <p:sldId id="267" r:id="rId4"/>
     <p:sldId id="268" r:id="rId5"/>
     <p:sldId id="271" r:id="rId6"/>
-    <p:sldId id="258" r:id="rId7"/>
-    <p:sldId id="270" r:id="rId8"/>
-    <p:sldId id="264" r:id="rId9"/>
-    <p:sldId id="260" r:id="rId10"/>
-    <p:sldId id="265" r:id="rId11"/>
-    <p:sldId id="261" r:id="rId12"/>
-    <p:sldId id="262" r:id="rId13"/>
-    <p:sldId id="263" r:id="rId14"/>
-    <p:sldId id="269" r:id="rId15"/>
+    <p:sldId id="273" r:id="rId7"/>
+    <p:sldId id="258" r:id="rId8"/>
+    <p:sldId id="270" r:id="rId9"/>
+    <p:sldId id="264" r:id="rId10"/>
+    <p:sldId id="274" r:id="rId11"/>
+    <p:sldId id="260" r:id="rId12"/>
+    <p:sldId id="265" r:id="rId13"/>
+    <p:sldId id="275" r:id="rId14"/>
+    <p:sldId id="272" r:id="rId15"/>
+    <p:sldId id="261" r:id="rId16"/>
+    <p:sldId id="269" r:id="rId17"/>
   </p:sldIdLst>
   <p:sldSz cx="12192000" cy="6858000"/>
   <p:notesSz cx="6858000" cy="9144000"/>
@@ -117,7 +119,5458 @@
       </a:defRPr>
     </a:lvl9pPr>
   </p:defaultTextStyle>
+  <p:extLst>
+    <p:ext uri="{EFAFB233-063F-42B5-8137-9DF3F51BA10A}">
+      <p15:sldGuideLst xmlns:p15="http://schemas.microsoft.com/office/powerpoint/2012/main"/>
+    </p:ext>
+  </p:extLst>
 </p:presentation>
+</file>
+
+<file path=ppt/diagrams/colors1.xml><?xml version="1.0" encoding="utf-8"?>
+<dgm:colorsDef xmlns:dgm="http://schemas.openxmlformats.org/drawingml/2006/diagram" xmlns:a="http://schemas.openxmlformats.org/drawingml/2006/main" uniqueId="urn:microsoft.com/office/officeart/2005/8/colors/accent1_2">
+  <dgm:title val=""/>
+  <dgm:desc val=""/>
+  <dgm:catLst>
+    <dgm:cat type="accent1" pri="11200"/>
+  </dgm:catLst>
+  <dgm:styleLbl name="node0">
+    <dgm:fillClrLst meth="repeat">
+      <a:schemeClr val="accent1"/>
+    </dgm:fillClrLst>
+    <dgm:linClrLst meth="repeat">
+      <a:schemeClr val="lt1"/>
+    </dgm:linClrLst>
+    <dgm:effectClrLst/>
+    <dgm:txLinClrLst/>
+    <dgm:txFillClrLst/>
+    <dgm:txEffectClrLst/>
+  </dgm:styleLbl>
+  <dgm:styleLbl name="alignNode1">
+    <dgm:fillClrLst meth="repeat">
+      <a:schemeClr val="accent1"/>
+    </dgm:fillClrLst>
+    <dgm:linClrLst meth="repeat">
+      <a:schemeClr val="accent1"/>
+    </dgm:linClrLst>
+    <dgm:effectClrLst/>
+    <dgm:txLinClrLst/>
+    <dgm:txFillClrLst/>
+    <dgm:txEffectClrLst/>
+  </dgm:styleLbl>
+  <dgm:styleLbl name="node1">
+    <dgm:fillClrLst meth="repeat">
+      <a:schemeClr val="accent1"/>
+    </dgm:fillClrLst>
+    <dgm:linClrLst meth="repeat">
+      <a:schemeClr val="lt1"/>
+    </dgm:linClrLst>
+    <dgm:effectClrLst/>
+    <dgm:txLinClrLst/>
+    <dgm:txFillClrLst/>
+    <dgm:txEffectClrLst/>
+  </dgm:styleLbl>
+  <dgm:styleLbl name="lnNode1">
+    <dgm:fillClrLst meth="repeat">
+      <a:schemeClr val="accent1"/>
+    </dgm:fillClrLst>
+    <dgm:linClrLst meth="repeat">
+      <a:schemeClr val="lt1"/>
+    </dgm:linClrLst>
+    <dgm:effectClrLst/>
+    <dgm:txLinClrLst/>
+    <dgm:txFillClrLst/>
+    <dgm:txEffectClrLst/>
+  </dgm:styleLbl>
+  <dgm:styleLbl name="vennNode1">
+    <dgm:fillClrLst meth="repeat">
+      <a:schemeClr val="accent1">
+        <a:alpha val="50000"/>
+      </a:schemeClr>
+    </dgm:fillClrLst>
+    <dgm:linClrLst meth="repeat">
+      <a:schemeClr val="lt1"/>
+    </dgm:linClrLst>
+    <dgm:effectClrLst/>
+    <dgm:txLinClrLst/>
+    <dgm:txFillClrLst/>
+    <dgm:txEffectClrLst/>
+  </dgm:styleLbl>
+  <dgm:styleLbl name="node2">
+    <dgm:fillClrLst meth="repeat">
+      <a:schemeClr val="accent1"/>
+    </dgm:fillClrLst>
+    <dgm:linClrLst meth="repeat">
+      <a:schemeClr val="lt1"/>
+    </dgm:linClrLst>
+    <dgm:effectClrLst/>
+    <dgm:txLinClrLst/>
+    <dgm:txFillClrLst/>
+    <dgm:txEffectClrLst/>
+  </dgm:styleLbl>
+  <dgm:styleLbl name="node3">
+    <dgm:fillClrLst meth="repeat">
+      <a:schemeClr val="accent1"/>
+    </dgm:fillClrLst>
+    <dgm:linClrLst meth="repeat">
+      <a:schemeClr val="lt1"/>
+    </dgm:linClrLst>
+    <dgm:effectClrLst/>
+    <dgm:txLinClrLst/>
+    <dgm:txFillClrLst/>
+    <dgm:txEffectClrLst/>
+  </dgm:styleLbl>
+  <dgm:styleLbl name="node4">
+    <dgm:fillClrLst meth="repeat">
+      <a:schemeClr val="accent1"/>
+    </dgm:fillClrLst>
+    <dgm:linClrLst meth="repeat">
+      <a:schemeClr val="lt1"/>
+    </dgm:linClrLst>
+    <dgm:effectClrLst/>
+    <dgm:txLinClrLst/>
+    <dgm:txFillClrLst/>
+    <dgm:txEffectClrLst/>
+  </dgm:styleLbl>
+  <dgm:styleLbl name="fgImgPlace1">
+    <dgm:fillClrLst meth="repeat">
+      <a:schemeClr val="accent1">
+        <a:tint val="50000"/>
+      </a:schemeClr>
+    </dgm:fillClrLst>
+    <dgm:linClrLst meth="repeat">
+      <a:schemeClr val="lt1"/>
+    </dgm:linClrLst>
+    <dgm:effectClrLst/>
+    <dgm:txLinClrLst/>
+    <dgm:txFillClrLst meth="repeat">
+      <a:schemeClr val="lt1"/>
+    </dgm:txFillClrLst>
+    <dgm:txEffectClrLst/>
+  </dgm:styleLbl>
+  <dgm:styleLbl name="alignImgPlace1">
+    <dgm:fillClrLst meth="repeat">
+      <a:schemeClr val="accent1">
+        <a:tint val="50000"/>
+      </a:schemeClr>
+    </dgm:fillClrLst>
+    <dgm:linClrLst meth="repeat">
+      <a:schemeClr val="lt1"/>
+    </dgm:linClrLst>
+    <dgm:effectClrLst/>
+    <dgm:txLinClrLst/>
+    <dgm:txFillClrLst meth="repeat">
+      <a:schemeClr val="lt1"/>
+    </dgm:txFillClrLst>
+    <dgm:txEffectClrLst/>
+  </dgm:styleLbl>
+  <dgm:styleLbl name="bgImgPlace1">
+    <dgm:fillClrLst meth="repeat">
+      <a:schemeClr val="accent1">
+        <a:tint val="50000"/>
+      </a:schemeClr>
+    </dgm:fillClrLst>
+    <dgm:linClrLst meth="repeat">
+      <a:schemeClr val="lt1"/>
+    </dgm:linClrLst>
+    <dgm:effectClrLst/>
+    <dgm:txLinClrLst/>
+    <dgm:txFillClrLst meth="repeat">
+      <a:schemeClr val="lt1"/>
+    </dgm:txFillClrLst>
+    <dgm:txEffectClrLst/>
+  </dgm:styleLbl>
+  <dgm:styleLbl name="sibTrans2D1">
+    <dgm:fillClrLst meth="repeat">
+      <a:schemeClr val="accent1">
+        <a:tint val="60000"/>
+      </a:schemeClr>
+    </dgm:fillClrLst>
+    <dgm:linClrLst meth="repeat">
+      <a:schemeClr val="accent1">
+        <a:tint val="60000"/>
+      </a:schemeClr>
+    </dgm:linClrLst>
+    <dgm:effectClrLst/>
+    <dgm:txLinClrLst/>
+    <dgm:txFillClrLst/>
+    <dgm:txEffectClrLst/>
+  </dgm:styleLbl>
+  <dgm:styleLbl name="fgSibTrans2D1">
+    <dgm:fillClrLst meth="repeat">
+      <a:schemeClr val="accent1">
+        <a:tint val="60000"/>
+      </a:schemeClr>
+    </dgm:fillClrLst>
+    <dgm:linClrLst meth="repeat">
+      <a:schemeClr val="accent1">
+        <a:tint val="60000"/>
+      </a:schemeClr>
+    </dgm:linClrLst>
+    <dgm:effectClrLst/>
+    <dgm:txLinClrLst/>
+    <dgm:txFillClrLst/>
+    <dgm:txEffectClrLst/>
+  </dgm:styleLbl>
+  <dgm:styleLbl name="bgSibTrans2D1">
+    <dgm:fillClrLst meth="repeat">
+      <a:schemeClr val="accent1">
+        <a:tint val="60000"/>
+      </a:schemeClr>
+    </dgm:fillClrLst>
+    <dgm:linClrLst meth="repeat">
+      <a:schemeClr val="accent1">
+        <a:tint val="60000"/>
+      </a:schemeClr>
+    </dgm:linClrLst>
+    <dgm:effectClrLst/>
+    <dgm:txLinClrLst/>
+    <dgm:txFillClrLst/>
+    <dgm:txEffectClrLst/>
+  </dgm:styleLbl>
+  <dgm:styleLbl name="sibTrans1D1">
+    <dgm:fillClrLst meth="repeat">
+      <a:schemeClr val="accent1"/>
+    </dgm:fillClrLst>
+    <dgm:linClrLst meth="repeat">
+      <a:schemeClr val="accent1"/>
+    </dgm:linClrLst>
+    <dgm:effectClrLst/>
+    <dgm:txLinClrLst/>
+    <dgm:txFillClrLst meth="repeat">
+      <a:schemeClr val="tx1"/>
+    </dgm:txFillClrLst>
+    <dgm:txEffectClrLst/>
+  </dgm:styleLbl>
+  <dgm:styleLbl name="callout">
+    <dgm:fillClrLst meth="repeat">
+      <a:schemeClr val="accent1"/>
+    </dgm:fillClrLst>
+    <dgm:linClrLst meth="repeat">
+      <a:schemeClr val="accent1">
+        <a:tint val="50000"/>
+      </a:schemeClr>
+    </dgm:linClrLst>
+    <dgm:effectClrLst/>
+    <dgm:txLinClrLst/>
+    <dgm:txFillClrLst meth="repeat">
+      <a:schemeClr val="tx1"/>
+    </dgm:txFillClrLst>
+    <dgm:txEffectClrLst/>
+  </dgm:styleLbl>
+  <dgm:styleLbl name="asst0">
+    <dgm:fillClrLst meth="repeat">
+      <a:schemeClr val="accent1"/>
+    </dgm:fillClrLst>
+    <dgm:linClrLst meth="repeat">
+      <a:schemeClr val="lt1"/>
+    </dgm:linClrLst>
+    <dgm:effectClrLst/>
+    <dgm:txLinClrLst/>
+    <dgm:txFillClrLst/>
+    <dgm:txEffectClrLst/>
+  </dgm:styleLbl>
+  <dgm:styleLbl name="asst1">
+    <dgm:fillClrLst meth="repeat">
+      <a:schemeClr val="accent1"/>
+    </dgm:fillClrLst>
+    <dgm:linClrLst meth="repeat">
+      <a:schemeClr val="lt1"/>
+    </dgm:linClrLst>
+    <dgm:effectClrLst/>
+    <dgm:txLinClrLst/>
+    <dgm:txFillClrLst/>
+    <dgm:txEffectClrLst/>
+  </dgm:styleLbl>
+  <dgm:styleLbl name="asst2">
+    <dgm:fillClrLst meth="repeat">
+      <a:schemeClr val="accent1"/>
+    </dgm:fillClrLst>
+    <dgm:linClrLst meth="repeat">
+      <a:schemeClr val="lt1"/>
+    </dgm:linClrLst>
+    <dgm:effectClrLst/>
+    <dgm:txLinClrLst/>
+    <dgm:txFillClrLst/>
+    <dgm:txEffectClrLst/>
+  </dgm:styleLbl>
+  <dgm:styleLbl name="asst3">
+    <dgm:fillClrLst meth="repeat">
+      <a:schemeClr val="accent1"/>
+    </dgm:fillClrLst>
+    <dgm:linClrLst meth="repeat">
+      <a:schemeClr val="lt1"/>
+    </dgm:linClrLst>
+    <dgm:effectClrLst/>
+    <dgm:txLinClrLst/>
+    <dgm:txFillClrLst/>
+    <dgm:txEffectClrLst/>
+  </dgm:styleLbl>
+  <dgm:styleLbl name="asst4">
+    <dgm:fillClrLst meth="repeat">
+      <a:schemeClr val="accent1"/>
+    </dgm:fillClrLst>
+    <dgm:linClrLst meth="repeat">
+      <a:schemeClr val="lt1"/>
+    </dgm:linClrLst>
+    <dgm:effectClrLst/>
+    <dgm:txLinClrLst/>
+    <dgm:txFillClrLst/>
+    <dgm:txEffectClrLst/>
+  </dgm:styleLbl>
+  <dgm:styleLbl name="parChTrans2D1">
+    <dgm:fillClrLst meth="repeat">
+      <a:schemeClr val="accent1">
+        <a:tint val="60000"/>
+      </a:schemeClr>
+    </dgm:fillClrLst>
+    <dgm:linClrLst meth="repeat">
+      <a:schemeClr val="accent1">
+        <a:tint val="60000"/>
+      </a:schemeClr>
+    </dgm:linClrLst>
+    <dgm:effectClrLst/>
+    <dgm:txLinClrLst/>
+    <dgm:txFillClrLst meth="repeat">
+      <a:schemeClr val="lt1"/>
+    </dgm:txFillClrLst>
+    <dgm:txEffectClrLst/>
+  </dgm:styleLbl>
+  <dgm:styleLbl name="parChTrans2D2">
+    <dgm:fillClrLst meth="repeat">
+      <a:schemeClr val="accent1"/>
+    </dgm:fillClrLst>
+    <dgm:linClrLst meth="repeat">
+      <a:schemeClr val="accent1"/>
+    </dgm:linClrLst>
+    <dgm:effectClrLst/>
+    <dgm:txLinClrLst/>
+    <dgm:txFillClrLst meth="repeat">
+      <a:schemeClr val="lt1"/>
+    </dgm:txFillClrLst>
+    <dgm:txEffectClrLst/>
+  </dgm:styleLbl>
+  <dgm:styleLbl name="parChTrans2D3">
+    <dgm:fillClrLst meth="repeat">
+      <a:schemeClr val="accent1"/>
+    </dgm:fillClrLst>
+    <dgm:linClrLst meth="repeat">
+      <a:schemeClr val="accent1"/>
+    </dgm:linClrLst>
+    <dgm:effectClrLst/>
+    <dgm:txLinClrLst/>
+    <dgm:txFillClrLst meth="repeat">
+      <a:schemeClr val="lt1"/>
+    </dgm:txFillClrLst>
+    <dgm:txEffectClrLst/>
+  </dgm:styleLbl>
+  <dgm:styleLbl name="parChTrans2D4">
+    <dgm:fillClrLst meth="repeat">
+      <a:schemeClr val="accent1"/>
+    </dgm:fillClrLst>
+    <dgm:linClrLst meth="repeat">
+      <a:schemeClr val="accent1"/>
+    </dgm:linClrLst>
+    <dgm:effectClrLst/>
+    <dgm:txLinClrLst/>
+    <dgm:txFillClrLst meth="repeat">
+      <a:schemeClr val="lt1"/>
+    </dgm:txFillClrLst>
+    <dgm:txEffectClrLst/>
+  </dgm:styleLbl>
+  <dgm:styleLbl name="parChTrans1D1">
+    <dgm:fillClrLst meth="repeat">
+      <a:schemeClr val="accent1"/>
+    </dgm:fillClrLst>
+    <dgm:linClrLst meth="repeat">
+      <a:schemeClr val="accent1">
+        <a:shade val="60000"/>
+      </a:schemeClr>
+    </dgm:linClrLst>
+    <dgm:effectClrLst/>
+    <dgm:txLinClrLst/>
+    <dgm:txFillClrLst meth="repeat">
+      <a:schemeClr val="tx1"/>
+    </dgm:txFillClrLst>
+    <dgm:txEffectClrLst/>
+  </dgm:styleLbl>
+  <dgm:styleLbl name="parChTrans1D2">
+    <dgm:fillClrLst meth="repeat">
+      <a:schemeClr val="accent1"/>
+    </dgm:fillClrLst>
+    <dgm:linClrLst meth="repeat">
+      <a:schemeClr val="accent1">
+        <a:shade val="60000"/>
+      </a:schemeClr>
+    </dgm:linClrLst>
+    <dgm:effectClrLst/>
+    <dgm:txLinClrLst/>
+    <dgm:txFillClrLst meth="repeat">
+      <a:schemeClr val="tx1"/>
+    </dgm:txFillClrLst>
+    <dgm:txEffectClrLst/>
+  </dgm:styleLbl>
+  <dgm:styleLbl name="parChTrans1D3">
+    <dgm:fillClrLst meth="repeat">
+      <a:schemeClr val="accent1"/>
+    </dgm:fillClrLst>
+    <dgm:linClrLst meth="repeat">
+      <a:schemeClr val="accent1">
+        <a:shade val="80000"/>
+      </a:schemeClr>
+    </dgm:linClrLst>
+    <dgm:effectClrLst/>
+    <dgm:txLinClrLst/>
+    <dgm:txFillClrLst meth="repeat">
+      <a:schemeClr val="tx1"/>
+    </dgm:txFillClrLst>
+    <dgm:txEffectClrLst/>
+  </dgm:styleLbl>
+  <dgm:styleLbl name="parChTrans1D4">
+    <dgm:fillClrLst meth="repeat">
+      <a:schemeClr val="accent1"/>
+    </dgm:fillClrLst>
+    <dgm:linClrLst meth="repeat">
+      <a:schemeClr val="accent1">
+        <a:shade val="80000"/>
+      </a:schemeClr>
+    </dgm:linClrLst>
+    <dgm:effectClrLst/>
+    <dgm:txLinClrLst/>
+    <dgm:txFillClrLst meth="repeat">
+      <a:schemeClr val="tx1"/>
+    </dgm:txFillClrLst>
+    <dgm:txEffectClrLst/>
+  </dgm:styleLbl>
+  <dgm:styleLbl name="fgAcc1">
+    <dgm:fillClrLst meth="repeat">
+      <a:schemeClr val="lt1">
+        <a:alpha val="90000"/>
+      </a:schemeClr>
+    </dgm:fillClrLst>
+    <dgm:linClrLst meth="repeat">
+      <a:schemeClr val="accent1"/>
+    </dgm:linClrLst>
+    <dgm:effectClrLst/>
+    <dgm:txLinClrLst/>
+    <dgm:txFillClrLst meth="repeat">
+      <a:schemeClr val="dk1"/>
+    </dgm:txFillClrLst>
+    <dgm:txEffectClrLst/>
+  </dgm:styleLbl>
+  <dgm:styleLbl name="conFgAcc1">
+    <dgm:fillClrLst meth="repeat">
+      <a:schemeClr val="lt1">
+        <a:alpha val="90000"/>
+      </a:schemeClr>
+    </dgm:fillClrLst>
+    <dgm:linClrLst meth="repeat">
+      <a:schemeClr val="accent1"/>
+    </dgm:linClrLst>
+    <dgm:effectClrLst/>
+    <dgm:txLinClrLst/>
+    <dgm:txFillClrLst meth="repeat">
+      <a:schemeClr val="dk1"/>
+    </dgm:txFillClrLst>
+    <dgm:txEffectClrLst/>
+  </dgm:styleLbl>
+  <dgm:styleLbl name="alignAcc1">
+    <dgm:fillClrLst meth="repeat">
+      <a:schemeClr val="lt1">
+        <a:alpha val="90000"/>
+      </a:schemeClr>
+    </dgm:fillClrLst>
+    <dgm:linClrLst meth="repeat">
+      <a:schemeClr val="accent1"/>
+    </dgm:linClrLst>
+    <dgm:effectClrLst/>
+    <dgm:txLinClrLst/>
+    <dgm:txFillClrLst meth="repeat">
+      <a:schemeClr val="dk1"/>
+    </dgm:txFillClrLst>
+    <dgm:txEffectClrLst/>
+  </dgm:styleLbl>
+  <dgm:styleLbl name="trAlignAcc1">
+    <dgm:fillClrLst meth="repeat">
+      <a:schemeClr val="lt1">
+        <a:alpha val="40000"/>
+      </a:schemeClr>
+    </dgm:fillClrLst>
+    <dgm:linClrLst meth="repeat">
+      <a:schemeClr val="accent1"/>
+    </dgm:linClrLst>
+    <dgm:effectClrLst/>
+    <dgm:txLinClrLst/>
+    <dgm:txFillClrLst meth="repeat">
+      <a:schemeClr val="dk1"/>
+    </dgm:txFillClrLst>
+    <dgm:txEffectClrLst/>
+  </dgm:styleLbl>
+  <dgm:styleLbl name="bgAcc1">
+    <dgm:fillClrLst meth="repeat">
+      <a:schemeClr val="lt1">
+        <a:alpha val="90000"/>
+      </a:schemeClr>
+    </dgm:fillClrLst>
+    <dgm:linClrLst meth="repeat">
+      <a:schemeClr val="accent1"/>
+    </dgm:linClrLst>
+    <dgm:effectClrLst/>
+    <dgm:txLinClrLst/>
+    <dgm:txFillClrLst meth="repeat">
+      <a:schemeClr val="dk1"/>
+    </dgm:txFillClrLst>
+    <dgm:txEffectClrLst/>
+  </dgm:styleLbl>
+  <dgm:styleLbl name="solidFgAcc1">
+    <dgm:fillClrLst meth="repeat">
+      <a:schemeClr val="lt1"/>
+    </dgm:fillClrLst>
+    <dgm:linClrLst meth="repeat">
+      <a:schemeClr val="accent1"/>
+    </dgm:linClrLst>
+    <dgm:effectClrLst/>
+    <dgm:txLinClrLst/>
+    <dgm:txFillClrLst meth="repeat">
+      <a:schemeClr val="dk1"/>
+    </dgm:txFillClrLst>
+    <dgm:txEffectClrLst/>
+  </dgm:styleLbl>
+  <dgm:styleLbl name="solidAlignAcc1">
+    <dgm:fillClrLst meth="repeat">
+      <a:schemeClr val="lt1"/>
+    </dgm:fillClrLst>
+    <dgm:linClrLst meth="repeat">
+      <a:schemeClr val="accent1"/>
+    </dgm:linClrLst>
+    <dgm:effectClrLst/>
+    <dgm:txLinClrLst/>
+    <dgm:txFillClrLst meth="repeat">
+      <a:schemeClr val="dk1"/>
+    </dgm:txFillClrLst>
+    <dgm:txEffectClrLst/>
+  </dgm:styleLbl>
+  <dgm:styleLbl name="solidBgAcc1">
+    <dgm:fillClrLst meth="repeat">
+      <a:schemeClr val="lt1"/>
+    </dgm:fillClrLst>
+    <dgm:linClrLst meth="repeat">
+      <a:schemeClr val="accent1"/>
+    </dgm:linClrLst>
+    <dgm:effectClrLst/>
+    <dgm:txLinClrLst/>
+    <dgm:txFillClrLst meth="repeat">
+      <a:schemeClr val="dk1"/>
+    </dgm:txFillClrLst>
+    <dgm:txEffectClrLst/>
+  </dgm:styleLbl>
+  <dgm:styleLbl name="fgAccFollowNode1">
+    <dgm:fillClrLst meth="repeat">
+      <a:schemeClr val="accent1">
+        <a:alpha val="90000"/>
+        <a:tint val="40000"/>
+      </a:schemeClr>
+    </dgm:fillClrLst>
+    <dgm:linClrLst meth="repeat">
+      <a:schemeClr val="accent1">
+        <a:alpha val="90000"/>
+        <a:tint val="40000"/>
+      </a:schemeClr>
+    </dgm:linClrLst>
+    <dgm:effectClrLst/>
+    <dgm:txLinClrLst/>
+    <dgm:txFillClrLst meth="repeat">
+      <a:schemeClr val="dk1"/>
+    </dgm:txFillClrLst>
+    <dgm:txEffectClrLst/>
+  </dgm:styleLbl>
+  <dgm:styleLbl name="alignAccFollowNode1">
+    <dgm:fillClrLst meth="repeat">
+      <a:schemeClr val="accent1">
+        <a:alpha val="90000"/>
+        <a:tint val="40000"/>
+      </a:schemeClr>
+    </dgm:fillClrLst>
+    <dgm:linClrLst meth="repeat">
+      <a:schemeClr val="accent1">
+        <a:alpha val="90000"/>
+        <a:tint val="40000"/>
+      </a:schemeClr>
+    </dgm:linClrLst>
+    <dgm:effectClrLst/>
+    <dgm:txLinClrLst/>
+    <dgm:txFillClrLst meth="repeat">
+      <a:schemeClr val="dk1"/>
+    </dgm:txFillClrLst>
+    <dgm:txEffectClrLst/>
+  </dgm:styleLbl>
+  <dgm:styleLbl name="bgAccFollowNode1">
+    <dgm:fillClrLst meth="repeat">
+      <a:schemeClr val="accent1">
+        <a:alpha val="90000"/>
+        <a:tint val="40000"/>
+      </a:schemeClr>
+    </dgm:fillClrLst>
+    <dgm:linClrLst meth="repeat">
+      <a:schemeClr val="accent1">
+        <a:alpha val="90000"/>
+        <a:tint val="40000"/>
+      </a:schemeClr>
+    </dgm:linClrLst>
+    <dgm:effectClrLst/>
+    <dgm:txLinClrLst/>
+    <dgm:txFillClrLst meth="repeat">
+      <a:schemeClr val="dk1"/>
+    </dgm:txFillClrLst>
+    <dgm:txEffectClrLst/>
+  </dgm:styleLbl>
+  <dgm:styleLbl name="fgAcc0">
+    <dgm:fillClrLst meth="repeat">
+      <a:schemeClr val="lt1">
+        <a:alpha val="90000"/>
+      </a:schemeClr>
+    </dgm:fillClrLst>
+    <dgm:linClrLst meth="repeat">
+      <a:schemeClr val="accent1"/>
+    </dgm:linClrLst>
+    <dgm:effectClrLst/>
+    <dgm:txLinClrLst/>
+    <dgm:txFillClrLst meth="repeat">
+      <a:schemeClr val="dk1"/>
+    </dgm:txFillClrLst>
+    <dgm:txEffectClrLst/>
+  </dgm:styleLbl>
+  <dgm:styleLbl name="fgAcc2">
+    <dgm:fillClrLst meth="repeat">
+      <a:schemeClr val="lt1">
+        <a:alpha val="90000"/>
+      </a:schemeClr>
+    </dgm:fillClrLst>
+    <dgm:linClrLst meth="repeat">
+      <a:schemeClr val="accent1"/>
+    </dgm:linClrLst>
+    <dgm:effectClrLst/>
+    <dgm:txLinClrLst/>
+    <dgm:txFillClrLst meth="repeat">
+      <a:schemeClr val="dk1"/>
+    </dgm:txFillClrLst>
+    <dgm:txEffectClrLst/>
+  </dgm:styleLbl>
+  <dgm:styleLbl name="fgAcc3">
+    <dgm:fillClrLst meth="repeat">
+      <a:schemeClr val="lt1">
+        <a:alpha val="90000"/>
+      </a:schemeClr>
+    </dgm:fillClrLst>
+    <dgm:linClrLst meth="repeat">
+      <a:schemeClr val="accent1"/>
+    </dgm:linClrLst>
+    <dgm:effectClrLst/>
+    <dgm:txLinClrLst/>
+    <dgm:txFillClrLst meth="repeat">
+      <a:schemeClr val="dk1"/>
+    </dgm:txFillClrLst>
+    <dgm:txEffectClrLst/>
+  </dgm:styleLbl>
+  <dgm:styleLbl name="fgAcc4">
+    <dgm:fillClrLst meth="repeat">
+      <a:schemeClr val="lt1">
+        <a:alpha val="90000"/>
+      </a:schemeClr>
+    </dgm:fillClrLst>
+    <dgm:linClrLst meth="repeat">
+      <a:schemeClr val="accent1"/>
+    </dgm:linClrLst>
+    <dgm:effectClrLst/>
+    <dgm:txLinClrLst/>
+    <dgm:txFillClrLst meth="repeat">
+      <a:schemeClr val="dk1"/>
+    </dgm:txFillClrLst>
+    <dgm:txEffectClrLst/>
+  </dgm:styleLbl>
+  <dgm:styleLbl name="bgShp">
+    <dgm:fillClrLst meth="repeat">
+      <a:schemeClr val="accent1">
+        <a:tint val="40000"/>
+      </a:schemeClr>
+    </dgm:fillClrLst>
+    <dgm:linClrLst meth="repeat">
+      <a:schemeClr val="accent1"/>
+    </dgm:linClrLst>
+    <dgm:effectClrLst/>
+    <dgm:txLinClrLst/>
+    <dgm:txFillClrLst meth="repeat">
+      <a:schemeClr val="dk1"/>
+    </dgm:txFillClrLst>
+    <dgm:txEffectClrLst/>
+  </dgm:styleLbl>
+  <dgm:styleLbl name="dkBgShp">
+    <dgm:fillClrLst meth="repeat">
+      <a:schemeClr val="accent1">
+        <a:shade val="80000"/>
+      </a:schemeClr>
+    </dgm:fillClrLst>
+    <dgm:linClrLst meth="repeat">
+      <a:schemeClr val="accent1"/>
+    </dgm:linClrLst>
+    <dgm:effectClrLst/>
+    <dgm:txLinClrLst/>
+    <dgm:txFillClrLst meth="repeat">
+      <a:schemeClr val="lt1"/>
+    </dgm:txFillClrLst>
+    <dgm:txEffectClrLst/>
+  </dgm:styleLbl>
+  <dgm:styleLbl name="trBgShp">
+    <dgm:fillClrLst meth="repeat">
+      <a:schemeClr val="accent1">
+        <a:tint val="50000"/>
+        <a:alpha val="40000"/>
+      </a:schemeClr>
+    </dgm:fillClrLst>
+    <dgm:linClrLst meth="repeat">
+      <a:schemeClr val="accent1"/>
+    </dgm:linClrLst>
+    <dgm:effectClrLst/>
+    <dgm:txLinClrLst/>
+    <dgm:txFillClrLst meth="repeat">
+      <a:schemeClr val="lt1"/>
+    </dgm:txFillClrLst>
+    <dgm:txEffectClrLst/>
+  </dgm:styleLbl>
+  <dgm:styleLbl name="fgShp">
+    <dgm:fillClrLst meth="repeat">
+      <a:schemeClr val="accent1">
+        <a:tint val="60000"/>
+      </a:schemeClr>
+    </dgm:fillClrLst>
+    <dgm:linClrLst meth="repeat">
+      <a:schemeClr val="lt1"/>
+    </dgm:linClrLst>
+    <dgm:effectClrLst/>
+    <dgm:txLinClrLst/>
+    <dgm:txFillClrLst meth="repeat">
+      <a:schemeClr val="dk1"/>
+    </dgm:txFillClrLst>
+    <dgm:txEffectClrLst/>
+  </dgm:styleLbl>
+  <dgm:styleLbl name="revTx">
+    <dgm:fillClrLst meth="repeat">
+      <a:schemeClr val="lt1">
+        <a:alpha val="0"/>
+      </a:schemeClr>
+    </dgm:fillClrLst>
+    <dgm:linClrLst meth="repeat">
+      <a:schemeClr val="dk1">
+        <a:alpha val="0"/>
+      </a:schemeClr>
+    </dgm:linClrLst>
+    <dgm:effectClrLst/>
+    <dgm:txLinClrLst/>
+    <dgm:txFillClrLst meth="repeat">
+      <a:schemeClr val="tx1"/>
+    </dgm:txFillClrLst>
+    <dgm:txEffectClrLst/>
+  </dgm:styleLbl>
+</dgm:colorsDef>
+</file>
+
+<file path=ppt/diagrams/colors2.xml><?xml version="1.0" encoding="utf-8"?>
+<dgm:colorsDef xmlns:dgm="http://schemas.openxmlformats.org/drawingml/2006/diagram" xmlns:a="http://schemas.openxmlformats.org/drawingml/2006/main" uniqueId="urn:microsoft.com/office/officeart/2005/8/colors/accent1_2">
+  <dgm:title val=""/>
+  <dgm:desc val=""/>
+  <dgm:catLst>
+    <dgm:cat type="accent1" pri="11200"/>
+  </dgm:catLst>
+  <dgm:styleLbl name="node0">
+    <dgm:fillClrLst meth="repeat">
+      <a:schemeClr val="accent1"/>
+    </dgm:fillClrLst>
+    <dgm:linClrLst meth="repeat">
+      <a:schemeClr val="lt1"/>
+    </dgm:linClrLst>
+    <dgm:effectClrLst/>
+    <dgm:txLinClrLst/>
+    <dgm:txFillClrLst/>
+    <dgm:txEffectClrLst/>
+  </dgm:styleLbl>
+  <dgm:styleLbl name="alignNode1">
+    <dgm:fillClrLst meth="repeat">
+      <a:schemeClr val="accent1"/>
+    </dgm:fillClrLst>
+    <dgm:linClrLst meth="repeat">
+      <a:schemeClr val="accent1"/>
+    </dgm:linClrLst>
+    <dgm:effectClrLst/>
+    <dgm:txLinClrLst/>
+    <dgm:txFillClrLst/>
+    <dgm:txEffectClrLst/>
+  </dgm:styleLbl>
+  <dgm:styleLbl name="node1">
+    <dgm:fillClrLst meth="repeat">
+      <a:schemeClr val="accent1"/>
+    </dgm:fillClrLst>
+    <dgm:linClrLst meth="repeat">
+      <a:schemeClr val="lt1"/>
+    </dgm:linClrLst>
+    <dgm:effectClrLst/>
+    <dgm:txLinClrLst/>
+    <dgm:txFillClrLst/>
+    <dgm:txEffectClrLst/>
+  </dgm:styleLbl>
+  <dgm:styleLbl name="lnNode1">
+    <dgm:fillClrLst meth="repeat">
+      <a:schemeClr val="accent1"/>
+    </dgm:fillClrLst>
+    <dgm:linClrLst meth="repeat">
+      <a:schemeClr val="lt1"/>
+    </dgm:linClrLst>
+    <dgm:effectClrLst/>
+    <dgm:txLinClrLst/>
+    <dgm:txFillClrLst/>
+    <dgm:txEffectClrLst/>
+  </dgm:styleLbl>
+  <dgm:styleLbl name="vennNode1">
+    <dgm:fillClrLst meth="repeat">
+      <a:schemeClr val="accent1">
+        <a:alpha val="50000"/>
+      </a:schemeClr>
+    </dgm:fillClrLst>
+    <dgm:linClrLst meth="repeat">
+      <a:schemeClr val="lt1"/>
+    </dgm:linClrLst>
+    <dgm:effectClrLst/>
+    <dgm:txLinClrLst/>
+    <dgm:txFillClrLst/>
+    <dgm:txEffectClrLst/>
+  </dgm:styleLbl>
+  <dgm:styleLbl name="node2">
+    <dgm:fillClrLst meth="repeat">
+      <a:schemeClr val="accent1"/>
+    </dgm:fillClrLst>
+    <dgm:linClrLst meth="repeat">
+      <a:schemeClr val="lt1"/>
+    </dgm:linClrLst>
+    <dgm:effectClrLst/>
+    <dgm:txLinClrLst/>
+    <dgm:txFillClrLst/>
+    <dgm:txEffectClrLst/>
+  </dgm:styleLbl>
+  <dgm:styleLbl name="node3">
+    <dgm:fillClrLst meth="repeat">
+      <a:schemeClr val="accent1"/>
+    </dgm:fillClrLst>
+    <dgm:linClrLst meth="repeat">
+      <a:schemeClr val="lt1"/>
+    </dgm:linClrLst>
+    <dgm:effectClrLst/>
+    <dgm:txLinClrLst/>
+    <dgm:txFillClrLst/>
+    <dgm:txEffectClrLst/>
+  </dgm:styleLbl>
+  <dgm:styleLbl name="node4">
+    <dgm:fillClrLst meth="repeat">
+      <a:schemeClr val="accent1"/>
+    </dgm:fillClrLst>
+    <dgm:linClrLst meth="repeat">
+      <a:schemeClr val="lt1"/>
+    </dgm:linClrLst>
+    <dgm:effectClrLst/>
+    <dgm:txLinClrLst/>
+    <dgm:txFillClrLst/>
+    <dgm:txEffectClrLst/>
+  </dgm:styleLbl>
+  <dgm:styleLbl name="fgImgPlace1">
+    <dgm:fillClrLst meth="repeat">
+      <a:schemeClr val="accent1">
+        <a:tint val="50000"/>
+      </a:schemeClr>
+    </dgm:fillClrLst>
+    <dgm:linClrLst meth="repeat">
+      <a:schemeClr val="lt1"/>
+    </dgm:linClrLst>
+    <dgm:effectClrLst/>
+    <dgm:txLinClrLst/>
+    <dgm:txFillClrLst meth="repeat">
+      <a:schemeClr val="lt1"/>
+    </dgm:txFillClrLst>
+    <dgm:txEffectClrLst/>
+  </dgm:styleLbl>
+  <dgm:styleLbl name="alignImgPlace1">
+    <dgm:fillClrLst meth="repeat">
+      <a:schemeClr val="accent1">
+        <a:tint val="50000"/>
+      </a:schemeClr>
+    </dgm:fillClrLst>
+    <dgm:linClrLst meth="repeat">
+      <a:schemeClr val="lt1"/>
+    </dgm:linClrLst>
+    <dgm:effectClrLst/>
+    <dgm:txLinClrLst/>
+    <dgm:txFillClrLst meth="repeat">
+      <a:schemeClr val="lt1"/>
+    </dgm:txFillClrLst>
+    <dgm:txEffectClrLst/>
+  </dgm:styleLbl>
+  <dgm:styleLbl name="bgImgPlace1">
+    <dgm:fillClrLst meth="repeat">
+      <a:schemeClr val="accent1">
+        <a:tint val="50000"/>
+      </a:schemeClr>
+    </dgm:fillClrLst>
+    <dgm:linClrLst meth="repeat">
+      <a:schemeClr val="lt1"/>
+    </dgm:linClrLst>
+    <dgm:effectClrLst/>
+    <dgm:txLinClrLst/>
+    <dgm:txFillClrLst meth="repeat">
+      <a:schemeClr val="lt1"/>
+    </dgm:txFillClrLst>
+    <dgm:txEffectClrLst/>
+  </dgm:styleLbl>
+  <dgm:styleLbl name="sibTrans2D1">
+    <dgm:fillClrLst meth="repeat">
+      <a:schemeClr val="accent1">
+        <a:tint val="60000"/>
+      </a:schemeClr>
+    </dgm:fillClrLst>
+    <dgm:linClrLst meth="repeat">
+      <a:schemeClr val="accent1">
+        <a:tint val="60000"/>
+      </a:schemeClr>
+    </dgm:linClrLst>
+    <dgm:effectClrLst/>
+    <dgm:txLinClrLst/>
+    <dgm:txFillClrLst/>
+    <dgm:txEffectClrLst/>
+  </dgm:styleLbl>
+  <dgm:styleLbl name="fgSibTrans2D1">
+    <dgm:fillClrLst meth="repeat">
+      <a:schemeClr val="accent1">
+        <a:tint val="60000"/>
+      </a:schemeClr>
+    </dgm:fillClrLst>
+    <dgm:linClrLst meth="repeat">
+      <a:schemeClr val="accent1">
+        <a:tint val="60000"/>
+      </a:schemeClr>
+    </dgm:linClrLst>
+    <dgm:effectClrLst/>
+    <dgm:txLinClrLst/>
+    <dgm:txFillClrLst/>
+    <dgm:txEffectClrLst/>
+  </dgm:styleLbl>
+  <dgm:styleLbl name="bgSibTrans2D1">
+    <dgm:fillClrLst meth="repeat">
+      <a:schemeClr val="accent1">
+        <a:tint val="60000"/>
+      </a:schemeClr>
+    </dgm:fillClrLst>
+    <dgm:linClrLst meth="repeat">
+      <a:schemeClr val="accent1">
+        <a:tint val="60000"/>
+      </a:schemeClr>
+    </dgm:linClrLst>
+    <dgm:effectClrLst/>
+    <dgm:txLinClrLst/>
+    <dgm:txFillClrLst/>
+    <dgm:txEffectClrLst/>
+  </dgm:styleLbl>
+  <dgm:styleLbl name="sibTrans1D1">
+    <dgm:fillClrLst meth="repeat">
+      <a:schemeClr val="accent1"/>
+    </dgm:fillClrLst>
+    <dgm:linClrLst meth="repeat">
+      <a:schemeClr val="accent1"/>
+    </dgm:linClrLst>
+    <dgm:effectClrLst/>
+    <dgm:txLinClrLst/>
+    <dgm:txFillClrLst meth="repeat">
+      <a:schemeClr val="tx1"/>
+    </dgm:txFillClrLst>
+    <dgm:txEffectClrLst/>
+  </dgm:styleLbl>
+  <dgm:styleLbl name="callout">
+    <dgm:fillClrLst meth="repeat">
+      <a:schemeClr val="accent1"/>
+    </dgm:fillClrLst>
+    <dgm:linClrLst meth="repeat">
+      <a:schemeClr val="accent1">
+        <a:tint val="50000"/>
+      </a:schemeClr>
+    </dgm:linClrLst>
+    <dgm:effectClrLst/>
+    <dgm:txLinClrLst/>
+    <dgm:txFillClrLst meth="repeat">
+      <a:schemeClr val="tx1"/>
+    </dgm:txFillClrLst>
+    <dgm:txEffectClrLst/>
+  </dgm:styleLbl>
+  <dgm:styleLbl name="asst0">
+    <dgm:fillClrLst meth="repeat">
+      <a:schemeClr val="accent1"/>
+    </dgm:fillClrLst>
+    <dgm:linClrLst meth="repeat">
+      <a:schemeClr val="lt1"/>
+    </dgm:linClrLst>
+    <dgm:effectClrLst/>
+    <dgm:txLinClrLst/>
+    <dgm:txFillClrLst/>
+    <dgm:txEffectClrLst/>
+  </dgm:styleLbl>
+  <dgm:styleLbl name="asst1">
+    <dgm:fillClrLst meth="repeat">
+      <a:schemeClr val="accent1"/>
+    </dgm:fillClrLst>
+    <dgm:linClrLst meth="repeat">
+      <a:schemeClr val="lt1"/>
+    </dgm:linClrLst>
+    <dgm:effectClrLst/>
+    <dgm:txLinClrLst/>
+    <dgm:txFillClrLst/>
+    <dgm:txEffectClrLst/>
+  </dgm:styleLbl>
+  <dgm:styleLbl name="asst2">
+    <dgm:fillClrLst meth="repeat">
+      <a:schemeClr val="accent1"/>
+    </dgm:fillClrLst>
+    <dgm:linClrLst meth="repeat">
+      <a:schemeClr val="lt1"/>
+    </dgm:linClrLst>
+    <dgm:effectClrLst/>
+    <dgm:txLinClrLst/>
+    <dgm:txFillClrLst/>
+    <dgm:txEffectClrLst/>
+  </dgm:styleLbl>
+  <dgm:styleLbl name="asst3">
+    <dgm:fillClrLst meth="repeat">
+      <a:schemeClr val="accent1"/>
+    </dgm:fillClrLst>
+    <dgm:linClrLst meth="repeat">
+      <a:schemeClr val="lt1"/>
+    </dgm:linClrLst>
+    <dgm:effectClrLst/>
+    <dgm:txLinClrLst/>
+    <dgm:txFillClrLst/>
+    <dgm:txEffectClrLst/>
+  </dgm:styleLbl>
+  <dgm:styleLbl name="asst4">
+    <dgm:fillClrLst meth="repeat">
+      <a:schemeClr val="accent1"/>
+    </dgm:fillClrLst>
+    <dgm:linClrLst meth="repeat">
+      <a:schemeClr val="lt1"/>
+    </dgm:linClrLst>
+    <dgm:effectClrLst/>
+    <dgm:txLinClrLst/>
+    <dgm:txFillClrLst/>
+    <dgm:txEffectClrLst/>
+  </dgm:styleLbl>
+  <dgm:styleLbl name="parChTrans2D1">
+    <dgm:fillClrLst meth="repeat">
+      <a:schemeClr val="accent1">
+        <a:tint val="60000"/>
+      </a:schemeClr>
+    </dgm:fillClrLst>
+    <dgm:linClrLst meth="repeat">
+      <a:schemeClr val="accent1">
+        <a:tint val="60000"/>
+      </a:schemeClr>
+    </dgm:linClrLst>
+    <dgm:effectClrLst/>
+    <dgm:txLinClrLst/>
+    <dgm:txFillClrLst meth="repeat">
+      <a:schemeClr val="lt1"/>
+    </dgm:txFillClrLst>
+    <dgm:txEffectClrLst/>
+  </dgm:styleLbl>
+  <dgm:styleLbl name="parChTrans2D2">
+    <dgm:fillClrLst meth="repeat">
+      <a:schemeClr val="accent1"/>
+    </dgm:fillClrLst>
+    <dgm:linClrLst meth="repeat">
+      <a:schemeClr val="accent1"/>
+    </dgm:linClrLst>
+    <dgm:effectClrLst/>
+    <dgm:txLinClrLst/>
+    <dgm:txFillClrLst meth="repeat">
+      <a:schemeClr val="lt1"/>
+    </dgm:txFillClrLst>
+    <dgm:txEffectClrLst/>
+  </dgm:styleLbl>
+  <dgm:styleLbl name="parChTrans2D3">
+    <dgm:fillClrLst meth="repeat">
+      <a:schemeClr val="accent1"/>
+    </dgm:fillClrLst>
+    <dgm:linClrLst meth="repeat">
+      <a:schemeClr val="accent1"/>
+    </dgm:linClrLst>
+    <dgm:effectClrLst/>
+    <dgm:txLinClrLst/>
+    <dgm:txFillClrLst meth="repeat">
+      <a:schemeClr val="lt1"/>
+    </dgm:txFillClrLst>
+    <dgm:txEffectClrLst/>
+  </dgm:styleLbl>
+  <dgm:styleLbl name="parChTrans2D4">
+    <dgm:fillClrLst meth="repeat">
+      <a:schemeClr val="accent1"/>
+    </dgm:fillClrLst>
+    <dgm:linClrLst meth="repeat">
+      <a:schemeClr val="accent1"/>
+    </dgm:linClrLst>
+    <dgm:effectClrLst/>
+    <dgm:txLinClrLst/>
+    <dgm:txFillClrLst meth="repeat">
+      <a:schemeClr val="lt1"/>
+    </dgm:txFillClrLst>
+    <dgm:txEffectClrLst/>
+  </dgm:styleLbl>
+  <dgm:styleLbl name="parChTrans1D1">
+    <dgm:fillClrLst meth="repeat">
+      <a:schemeClr val="accent1"/>
+    </dgm:fillClrLst>
+    <dgm:linClrLst meth="repeat">
+      <a:schemeClr val="accent1">
+        <a:shade val="60000"/>
+      </a:schemeClr>
+    </dgm:linClrLst>
+    <dgm:effectClrLst/>
+    <dgm:txLinClrLst/>
+    <dgm:txFillClrLst meth="repeat">
+      <a:schemeClr val="tx1"/>
+    </dgm:txFillClrLst>
+    <dgm:txEffectClrLst/>
+  </dgm:styleLbl>
+  <dgm:styleLbl name="parChTrans1D2">
+    <dgm:fillClrLst meth="repeat">
+      <a:schemeClr val="accent1"/>
+    </dgm:fillClrLst>
+    <dgm:linClrLst meth="repeat">
+      <a:schemeClr val="accent1">
+        <a:shade val="60000"/>
+      </a:schemeClr>
+    </dgm:linClrLst>
+    <dgm:effectClrLst/>
+    <dgm:txLinClrLst/>
+    <dgm:txFillClrLst meth="repeat">
+      <a:schemeClr val="tx1"/>
+    </dgm:txFillClrLst>
+    <dgm:txEffectClrLst/>
+  </dgm:styleLbl>
+  <dgm:styleLbl name="parChTrans1D3">
+    <dgm:fillClrLst meth="repeat">
+      <a:schemeClr val="accent1"/>
+    </dgm:fillClrLst>
+    <dgm:linClrLst meth="repeat">
+      <a:schemeClr val="accent1">
+        <a:shade val="80000"/>
+      </a:schemeClr>
+    </dgm:linClrLst>
+    <dgm:effectClrLst/>
+    <dgm:txLinClrLst/>
+    <dgm:txFillClrLst meth="repeat">
+      <a:schemeClr val="tx1"/>
+    </dgm:txFillClrLst>
+    <dgm:txEffectClrLst/>
+  </dgm:styleLbl>
+  <dgm:styleLbl name="parChTrans1D4">
+    <dgm:fillClrLst meth="repeat">
+      <a:schemeClr val="accent1"/>
+    </dgm:fillClrLst>
+    <dgm:linClrLst meth="repeat">
+      <a:schemeClr val="accent1">
+        <a:shade val="80000"/>
+      </a:schemeClr>
+    </dgm:linClrLst>
+    <dgm:effectClrLst/>
+    <dgm:txLinClrLst/>
+    <dgm:txFillClrLst meth="repeat">
+      <a:schemeClr val="tx1"/>
+    </dgm:txFillClrLst>
+    <dgm:txEffectClrLst/>
+  </dgm:styleLbl>
+  <dgm:styleLbl name="fgAcc1">
+    <dgm:fillClrLst meth="repeat">
+      <a:schemeClr val="lt1">
+        <a:alpha val="90000"/>
+      </a:schemeClr>
+    </dgm:fillClrLst>
+    <dgm:linClrLst meth="repeat">
+      <a:schemeClr val="accent1"/>
+    </dgm:linClrLst>
+    <dgm:effectClrLst/>
+    <dgm:txLinClrLst/>
+    <dgm:txFillClrLst meth="repeat">
+      <a:schemeClr val="dk1"/>
+    </dgm:txFillClrLst>
+    <dgm:txEffectClrLst/>
+  </dgm:styleLbl>
+  <dgm:styleLbl name="conFgAcc1">
+    <dgm:fillClrLst meth="repeat">
+      <a:schemeClr val="lt1">
+        <a:alpha val="90000"/>
+      </a:schemeClr>
+    </dgm:fillClrLst>
+    <dgm:linClrLst meth="repeat">
+      <a:schemeClr val="accent1"/>
+    </dgm:linClrLst>
+    <dgm:effectClrLst/>
+    <dgm:txLinClrLst/>
+    <dgm:txFillClrLst meth="repeat">
+      <a:schemeClr val="dk1"/>
+    </dgm:txFillClrLst>
+    <dgm:txEffectClrLst/>
+  </dgm:styleLbl>
+  <dgm:styleLbl name="alignAcc1">
+    <dgm:fillClrLst meth="repeat">
+      <a:schemeClr val="lt1">
+        <a:alpha val="90000"/>
+      </a:schemeClr>
+    </dgm:fillClrLst>
+    <dgm:linClrLst meth="repeat">
+      <a:schemeClr val="accent1"/>
+    </dgm:linClrLst>
+    <dgm:effectClrLst/>
+    <dgm:txLinClrLst/>
+    <dgm:txFillClrLst meth="repeat">
+      <a:schemeClr val="dk1"/>
+    </dgm:txFillClrLst>
+    <dgm:txEffectClrLst/>
+  </dgm:styleLbl>
+  <dgm:styleLbl name="trAlignAcc1">
+    <dgm:fillClrLst meth="repeat">
+      <a:schemeClr val="lt1">
+        <a:alpha val="40000"/>
+      </a:schemeClr>
+    </dgm:fillClrLst>
+    <dgm:linClrLst meth="repeat">
+      <a:schemeClr val="accent1"/>
+    </dgm:linClrLst>
+    <dgm:effectClrLst/>
+    <dgm:txLinClrLst/>
+    <dgm:txFillClrLst meth="repeat">
+      <a:schemeClr val="dk1"/>
+    </dgm:txFillClrLst>
+    <dgm:txEffectClrLst/>
+  </dgm:styleLbl>
+  <dgm:styleLbl name="bgAcc1">
+    <dgm:fillClrLst meth="repeat">
+      <a:schemeClr val="lt1">
+        <a:alpha val="90000"/>
+      </a:schemeClr>
+    </dgm:fillClrLst>
+    <dgm:linClrLst meth="repeat">
+      <a:schemeClr val="accent1"/>
+    </dgm:linClrLst>
+    <dgm:effectClrLst/>
+    <dgm:txLinClrLst/>
+    <dgm:txFillClrLst meth="repeat">
+      <a:schemeClr val="dk1"/>
+    </dgm:txFillClrLst>
+    <dgm:txEffectClrLst/>
+  </dgm:styleLbl>
+  <dgm:styleLbl name="solidFgAcc1">
+    <dgm:fillClrLst meth="repeat">
+      <a:schemeClr val="lt1"/>
+    </dgm:fillClrLst>
+    <dgm:linClrLst meth="repeat">
+      <a:schemeClr val="accent1"/>
+    </dgm:linClrLst>
+    <dgm:effectClrLst/>
+    <dgm:txLinClrLst/>
+    <dgm:txFillClrLst meth="repeat">
+      <a:schemeClr val="dk1"/>
+    </dgm:txFillClrLst>
+    <dgm:txEffectClrLst/>
+  </dgm:styleLbl>
+  <dgm:styleLbl name="solidAlignAcc1">
+    <dgm:fillClrLst meth="repeat">
+      <a:schemeClr val="lt1"/>
+    </dgm:fillClrLst>
+    <dgm:linClrLst meth="repeat">
+      <a:schemeClr val="accent1"/>
+    </dgm:linClrLst>
+    <dgm:effectClrLst/>
+    <dgm:txLinClrLst/>
+    <dgm:txFillClrLst meth="repeat">
+      <a:schemeClr val="dk1"/>
+    </dgm:txFillClrLst>
+    <dgm:txEffectClrLst/>
+  </dgm:styleLbl>
+  <dgm:styleLbl name="solidBgAcc1">
+    <dgm:fillClrLst meth="repeat">
+      <a:schemeClr val="lt1"/>
+    </dgm:fillClrLst>
+    <dgm:linClrLst meth="repeat">
+      <a:schemeClr val="accent1"/>
+    </dgm:linClrLst>
+    <dgm:effectClrLst/>
+    <dgm:txLinClrLst/>
+    <dgm:txFillClrLst meth="repeat">
+      <a:schemeClr val="dk1"/>
+    </dgm:txFillClrLst>
+    <dgm:txEffectClrLst/>
+  </dgm:styleLbl>
+  <dgm:styleLbl name="fgAccFollowNode1">
+    <dgm:fillClrLst meth="repeat">
+      <a:schemeClr val="accent1">
+        <a:alpha val="90000"/>
+        <a:tint val="40000"/>
+      </a:schemeClr>
+    </dgm:fillClrLst>
+    <dgm:linClrLst meth="repeat">
+      <a:schemeClr val="accent1">
+        <a:alpha val="90000"/>
+        <a:tint val="40000"/>
+      </a:schemeClr>
+    </dgm:linClrLst>
+    <dgm:effectClrLst/>
+    <dgm:txLinClrLst/>
+    <dgm:txFillClrLst meth="repeat">
+      <a:schemeClr val="dk1"/>
+    </dgm:txFillClrLst>
+    <dgm:txEffectClrLst/>
+  </dgm:styleLbl>
+  <dgm:styleLbl name="alignAccFollowNode1">
+    <dgm:fillClrLst meth="repeat">
+      <a:schemeClr val="accent1">
+        <a:alpha val="90000"/>
+        <a:tint val="40000"/>
+      </a:schemeClr>
+    </dgm:fillClrLst>
+    <dgm:linClrLst meth="repeat">
+      <a:schemeClr val="accent1">
+        <a:alpha val="90000"/>
+        <a:tint val="40000"/>
+      </a:schemeClr>
+    </dgm:linClrLst>
+    <dgm:effectClrLst/>
+    <dgm:txLinClrLst/>
+    <dgm:txFillClrLst meth="repeat">
+      <a:schemeClr val="dk1"/>
+    </dgm:txFillClrLst>
+    <dgm:txEffectClrLst/>
+  </dgm:styleLbl>
+  <dgm:styleLbl name="bgAccFollowNode1">
+    <dgm:fillClrLst meth="repeat">
+      <a:schemeClr val="accent1">
+        <a:alpha val="90000"/>
+        <a:tint val="40000"/>
+      </a:schemeClr>
+    </dgm:fillClrLst>
+    <dgm:linClrLst meth="repeat">
+      <a:schemeClr val="accent1">
+        <a:alpha val="90000"/>
+        <a:tint val="40000"/>
+      </a:schemeClr>
+    </dgm:linClrLst>
+    <dgm:effectClrLst/>
+    <dgm:txLinClrLst/>
+    <dgm:txFillClrLst meth="repeat">
+      <a:schemeClr val="dk1"/>
+    </dgm:txFillClrLst>
+    <dgm:txEffectClrLst/>
+  </dgm:styleLbl>
+  <dgm:styleLbl name="fgAcc0">
+    <dgm:fillClrLst meth="repeat">
+      <a:schemeClr val="lt1">
+        <a:alpha val="90000"/>
+      </a:schemeClr>
+    </dgm:fillClrLst>
+    <dgm:linClrLst meth="repeat">
+      <a:schemeClr val="accent1"/>
+    </dgm:linClrLst>
+    <dgm:effectClrLst/>
+    <dgm:txLinClrLst/>
+    <dgm:txFillClrLst meth="repeat">
+      <a:schemeClr val="dk1"/>
+    </dgm:txFillClrLst>
+    <dgm:txEffectClrLst/>
+  </dgm:styleLbl>
+  <dgm:styleLbl name="fgAcc2">
+    <dgm:fillClrLst meth="repeat">
+      <a:schemeClr val="lt1">
+        <a:alpha val="90000"/>
+      </a:schemeClr>
+    </dgm:fillClrLst>
+    <dgm:linClrLst meth="repeat">
+      <a:schemeClr val="accent1"/>
+    </dgm:linClrLst>
+    <dgm:effectClrLst/>
+    <dgm:txLinClrLst/>
+    <dgm:txFillClrLst meth="repeat">
+      <a:schemeClr val="dk1"/>
+    </dgm:txFillClrLst>
+    <dgm:txEffectClrLst/>
+  </dgm:styleLbl>
+  <dgm:styleLbl name="fgAcc3">
+    <dgm:fillClrLst meth="repeat">
+      <a:schemeClr val="lt1">
+        <a:alpha val="90000"/>
+      </a:schemeClr>
+    </dgm:fillClrLst>
+    <dgm:linClrLst meth="repeat">
+      <a:schemeClr val="accent1"/>
+    </dgm:linClrLst>
+    <dgm:effectClrLst/>
+    <dgm:txLinClrLst/>
+    <dgm:txFillClrLst meth="repeat">
+      <a:schemeClr val="dk1"/>
+    </dgm:txFillClrLst>
+    <dgm:txEffectClrLst/>
+  </dgm:styleLbl>
+  <dgm:styleLbl name="fgAcc4">
+    <dgm:fillClrLst meth="repeat">
+      <a:schemeClr val="lt1">
+        <a:alpha val="90000"/>
+      </a:schemeClr>
+    </dgm:fillClrLst>
+    <dgm:linClrLst meth="repeat">
+      <a:schemeClr val="accent1"/>
+    </dgm:linClrLst>
+    <dgm:effectClrLst/>
+    <dgm:txLinClrLst/>
+    <dgm:txFillClrLst meth="repeat">
+      <a:schemeClr val="dk1"/>
+    </dgm:txFillClrLst>
+    <dgm:txEffectClrLst/>
+  </dgm:styleLbl>
+  <dgm:styleLbl name="bgShp">
+    <dgm:fillClrLst meth="repeat">
+      <a:schemeClr val="accent1">
+        <a:tint val="40000"/>
+      </a:schemeClr>
+    </dgm:fillClrLst>
+    <dgm:linClrLst meth="repeat">
+      <a:schemeClr val="accent1"/>
+    </dgm:linClrLst>
+    <dgm:effectClrLst/>
+    <dgm:txLinClrLst/>
+    <dgm:txFillClrLst meth="repeat">
+      <a:schemeClr val="dk1"/>
+    </dgm:txFillClrLst>
+    <dgm:txEffectClrLst/>
+  </dgm:styleLbl>
+  <dgm:styleLbl name="dkBgShp">
+    <dgm:fillClrLst meth="repeat">
+      <a:schemeClr val="accent1">
+        <a:shade val="80000"/>
+      </a:schemeClr>
+    </dgm:fillClrLst>
+    <dgm:linClrLst meth="repeat">
+      <a:schemeClr val="accent1"/>
+    </dgm:linClrLst>
+    <dgm:effectClrLst/>
+    <dgm:txLinClrLst/>
+    <dgm:txFillClrLst meth="repeat">
+      <a:schemeClr val="lt1"/>
+    </dgm:txFillClrLst>
+    <dgm:txEffectClrLst/>
+  </dgm:styleLbl>
+  <dgm:styleLbl name="trBgShp">
+    <dgm:fillClrLst meth="repeat">
+      <a:schemeClr val="accent1">
+        <a:tint val="50000"/>
+        <a:alpha val="40000"/>
+      </a:schemeClr>
+    </dgm:fillClrLst>
+    <dgm:linClrLst meth="repeat">
+      <a:schemeClr val="accent1"/>
+    </dgm:linClrLst>
+    <dgm:effectClrLst/>
+    <dgm:txLinClrLst/>
+    <dgm:txFillClrLst meth="repeat">
+      <a:schemeClr val="lt1"/>
+    </dgm:txFillClrLst>
+    <dgm:txEffectClrLst/>
+  </dgm:styleLbl>
+  <dgm:styleLbl name="fgShp">
+    <dgm:fillClrLst meth="repeat">
+      <a:schemeClr val="accent1">
+        <a:tint val="60000"/>
+      </a:schemeClr>
+    </dgm:fillClrLst>
+    <dgm:linClrLst meth="repeat">
+      <a:schemeClr val="lt1"/>
+    </dgm:linClrLst>
+    <dgm:effectClrLst/>
+    <dgm:txLinClrLst/>
+    <dgm:txFillClrLst meth="repeat">
+      <a:schemeClr val="dk1"/>
+    </dgm:txFillClrLst>
+    <dgm:txEffectClrLst/>
+  </dgm:styleLbl>
+  <dgm:styleLbl name="revTx">
+    <dgm:fillClrLst meth="repeat">
+      <a:schemeClr val="lt1">
+        <a:alpha val="0"/>
+      </a:schemeClr>
+    </dgm:fillClrLst>
+    <dgm:linClrLst meth="repeat">
+      <a:schemeClr val="dk1">
+        <a:alpha val="0"/>
+      </a:schemeClr>
+    </dgm:linClrLst>
+    <dgm:effectClrLst/>
+    <dgm:txLinClrLst/>
+    <dgm:txFillClrLst meth="repeat">
+      <a:schemeClr val="tx1"/>
+    </dgm:txFillClrLst>
+    <dgm:txEffectClrLst/>
+  </dgm:styleLbl>
+</dgm:colorsDef>
+</file>
+
+<file path=ppt/diagrams/data1.xml><?xml version="1.0" encoding="utf-8"?>
+<dgm:dataModel xmlns:dgm="http://schemas.openxmlformats.org/drawingml/2006/diagram" xmlns:a="http://schemas.openxmlformats.org/drawingml/2006/main">
+  <dgm:ptLst>
+    <dgm:pt modelId="{1DDDEB39-CD74-4DF9-82A1-032DC00D80DA}" type="doc">
+      <dgm:prSet loTypeId="urn:microsoft.com/office/officeart/2005/8/layout/process1" loCatId="process" qsTypeId="urn:microsoft.com/office/officeart/2005/8/quickstyle/simple1" qsCatId="simple" csTypeId="urn:microsoft.com/office/officeart/2005/8/colors/accent1_2" csCatId="accent1" phldr="1"/>
+      <dgm:spPr/>
+    </dgm:pt>
+    <dgm:pt modelId="{F6534C05-7226-4B9F-9075-432104F398A2}">
+      <dgm:prSet phldrT="[Text]"/>
+      <dgm:spPr/>
+      <dgm:t>
+        <a:bodyPr/>
+        <a:lstStyle/>
+        <a:p>
+          <a:r>
+            <a:rPr lang="en-US" dirty="0"/>
+            <a:t>Features</a:t>
+          </a:r>
+        </a:p>
+      </dgm:t>
+    </dgm:pt>
+    <dgm:pt modelId="{077BCD35-B9BE-431A-A023-6C7D4C6E4C67}" type="parTrans" cxnId="{0EF0C116-DFDD-485E-B73E-EFA1ED334948}">
+      <dgm:prSet/>
+      <dgm:spPr/>
+      <dgm:t>
+        <a:bodyPr/>
+        <a:lstStyle/>
+        <a:p>
+          <a:endParaRPr lang="en-US"/>
+        </a:p>
+      </dgm:t>
+    </dgm:pt>
+    <dgm:pt modelId="{84B7A8B5-C59D-4169-8234-92AB28BE555C}" type="sibTrans" cxnId="{0EF0C116-DFDD-485E-B73E-EFA1ED334948}">
+      <dgm:prSet/>
+      <dgm:spPr/>
+      <dgm:t>
+        <a:bodyPr/>
+        <a:lstStyle/>
+        <a:p>
+          <a:endParaRPr lang="en-US"/>
+        </a:p>
+      </dgm:t>
+    </dgm:pt>
+    <dgm:pt modelId="{22A0A84D-ACC6-4B12-8119-62E926DD7991}">
+      <dgm:prSet phldrT="[Text]"/>
+      <dgm:spPr/>
+      <dgm:t>
+        <a:bodyPr/>
+        <a:lstStyle/>
+        <a:p>
+          <a:r>
+            <a:rPr lang="en-US" dirty="0"/>
+            <a:t>Model</a:t>
+          </a:r>
+        </a:p>
+      </dgm:t>
+    </dgm:pt>
+    <dgm:pt modelId="{1BEF0A43-2D13-4F75-BEE1-A7FBD3BEE048}" type="parTrans" cxnId="{A4080711-C99D-4D82-B9D2-C6699F240F05}">
+      <dgm:prSet/>
+      <dgm:spPr/>
+      <dgm:t>
+        <a:bodyPr/>
+        <a:lstStyle/>
+        <a:p>
+          <a:endParaRPr lang="en-US"/>
+        </a:p>
+      </dgm:t>
+    </dgm:pt>
+    <dgm:pt modelId="{E1431C8A-B097-4DA7-A599-49BC7415BC56}" type="sibTrans" cxnId="{A4080711-C99D-4D82-B9D2-C6699F240F05}">
+      <dgm:prSet/>
+      <dgm:spPr/>
+      <dgm:t>
+        <a:bodyPr/>
+        <a:lstStyle/>
+        <a:p>
+          <a:endParaRPr lang="en-US"/>
+        </a:p>
+      </dgm:t>
+    </dgm:pt>
+    <dgm:pt modelId="{0187D040-DB84-428B-A94E-1C87EA497A5C}">
+      <dgm:prSet phldrT="[Text]"/>
+      <dgm:spPr/>
+      <dgm:t>
+        <a:bodyPr/>
+        <a:lstStyle/>
+        <a:p>
+          <a:r>
+            <a:rPr lang="en-US" dirty="0"/>
+            <a:t>Output</a:t>
+          </a:r>
+        </a:p>
+      </dgm:t>
+    </dgm:pt>
+    <dgm:pt modelId="{1F707769-0283-49E5-8735-4EDA2C51190D}" type="parTrans" cxnId="{9EF9D1AD-4EAE-4625-A6A0-14F613651208}">
+      <dgm:prSet/>
+      <dgm:spPr/>
+      <dgm:t>
+        <a:bodyPr/>
+        <a:lstStyle/>
+        <a:p>
+          <a:endParaRPr lang="en-US"/>
+        </a:p>
+      </dgm:t>
+    </dgm:pt>
+    <dgm:pt modelId="{471DC0E9-D57F-431F-847D-A620D8037A1C}" type="sibTrans" cxnId="{9EF9D1AD-4EAE-4625-A6A0-14F613651208}">
+      <dgm:prSet/>
+      <dgm:spPr/>
+      <dgm:t>
+        <a:bodyPr/>
+        <a:lstStyle/>
+        <a:p>
+          <a:endParaRPr lang="en-US"/>
+        </a:p>
+      </dgm:t>
+    </dgm:pt>
+    <dgm:pt modelId="{3948A160-B9E1-42F4-B168-94F7E556CE10}">
+      <dgm:prSet/>
+      <dgm:spPr/>
+      <dgm:t>
+        <a:bodyPr/>
+        <a:lstStyle/>
+        <a:p>
+          <a:r>
+            <a:rPr lang="en-US" dirty="0"/>
+            <a:t>Loss</a:t>
+          </a:r>
+        </a:p>
+      </dgm:t>
+    </dgm:pt>
+    <dgm:pt modelId="{29DC20BE-40C1-41F4-BA14-0BB0479BB501}" type="parTrans" cxnId="{E62A5E45-1711-455F-B374-94A227E92D33}">
+      <dgm:prSet/>
+      <dgm:spPr/>
+      <dgm:t>
+        <a:bodyPr/>
+        <a:lstStyle/>
+        <a:p>
+          <a:endParaRPr lang="en-US"/>
+        </a:p>
+      </dgm:t>
+    </dgm:pt>
+    <dgm:pt modelId="{8A4F309F-5D57-47EE-80DC-1CF91199B083}" type="sibTrans" cxnId="{E62A5E45-1711-455F-B374-94A227E92D33}">
+      <dgm:prSet/>
+      <dgm:spPr/>
+      <dgm:t>
+        <a:bodyPr/>
+        <a:lstStyle/>
+        <a:p>
+          <a:endParaRPr lang="en-US"/>
+        </a:p>
+      </dgm:t>
+    </dgm:pt>
+    <dgm:pt modelId="{3C7AE3BD-E3FC-406D-A67C-46C7E1BC7208}" type="pres">
+      <dgm:prSet presAssocID="{1DDDEB39-CD74-4DF9-82A1-032DC00D80DA}" presName="Name0" presStyleCnt="0">
+        <dgm:presLayoutVars>
+          <dgm:dir/>
+          <dgm:resizeHandles val="exact"/>
+        </dgm:presLayoutVars>
+      </dgm:prSet>
+      <dgm:spPr/>
+    </dgm:pt>
+    <dgm:pt modelId="{FAAA4337-E25F-4769-965A-BCEC1473107B}" type="pres">
+      <dgm:prSet presAssocID="{F6534C05-7226-4B9F-9075-432104F398A2}" presName="node" presStyleLbl="node1" presStyleIdx="0" presStyleCnt="4">
+        <dgm:presLayoutVars>
+          <dgm:bulletEnabled val="1"/>
+        </dgm:presLayoutVars>
+      </dgm:prSet>
+      <dgm:spPr/>
+    </dgm:pt>
+    <dgm:pt modelId="{D4078E2C-E77B-46C8-AE5C-33F8281E42AE}" type="pres">
+      <dgm:prSet presAssocID="{84B7A8B5-C59D-4169-8234-92AB28BE555C}" presName="sibTrans" presStyleLbl="sibTrans2D1" presStyleIdx="0" presStyleCnt="3"/>
+      <dgm:spPr/>
+    </dgm:pt>
+    <dgm:pt modelId="{5C3F3B02-91A2-4C85-938F-3858436C0F4A}" type="pres">
+      <dgm:prSet presAssocID="{84B7A8B5-C59D-4169-8234-92AB28BE555C}" presName="connectorText" presStyleLbl="sibTrans2D1" presStyleIdx="0" presStyleCnt="3"/>
+      <dgm:spPr/>
+    </dgm:pt>
+    <dgm:pt modelId="{63D7CBEF-0B10-490B-BD60-F61FD3F09C85}" type="pres">
+      <dgm:prSet presAssocID="{22A0A84D-ACC6-4B12-8119-62E926DD7991}" presName="node" presStyleLbl="node1" presStyleIdx="1" presStyleCnt="4">
+        <dgm:presLayoutVars>
+          <dgm:bulletEnabled val="1"/>
+        </dgm:presLayoutVars>
+      </dgm:prSet>
+      <dgm:spPr/>
+    </dgm:pt>
+    <dgm:pt modelId="{ED86B3B0-5FA1-4362-812C-97A25AEBC71C}" type="pres">
+      <dgm:prSet presAssocID="{E1431C8A-B097-4DA7-A599-49BC7415BC56}" presName="sibTrans" presStyleLbl="sibTrans2D1" presStyleIdx="1" presStyleCnt="3"/>
+      <dgm:spPr/>
+    </dgm:pt>
+    <dgm:pt modelId="{4081A163-EA37-43FB-988B-A00F494EC22A}" type="pres">
+      <dgm:prSet presAssocID="{E1431C8A-B097-4DA7-A599-49BC7415BC56}" presName="connectorText" presStyleLbl="sibTrans2D1" presStyleIdx="1" presStyleCnt="3"/>
+      <dgm:spPr/>
+    </dgm:pt>
+    <dgm:pt modelId="{79C66157-58C7-477D-999E-D6E13E08749F}" type="pres">
+      <dgm:prSet presAssocID="{0187D040-DB84-428B-A94E-1C87EA497A5C}" presName="node" presStyleLbl="node1" presStyleIdx="2" presStyleCnt="4">
+        <dgm:presLayoutVars>
+          <dgm:bulletEnabled val="1"/>
+        </dgm:presLayoutVars>
+      </dgm:prSet>
+      <dgm:spPr/>
+    </dgm:pt>
+    <dgm:pt modelId="{B0FD2DB9-F2E6-4D62-97CF-729DBFD162CC}" type="pres">
+      <dgm:prSet presAssocID="{471DC0E9-D57F-431F-847D-A620D8037A1C}" presName="sibTrans" presStyleLbl="sibTrans2D1" presStyleIdx="2" presStyleCnt="3"/>
+      <dgm:spPr/>
+    </dgm:pt>
+    <dgm:pt modelId="{C92EFE1F-B986-4045-BF81-710C944EDCC0}" type="pres">
+      <dgm:prSet presAssocID="{471DC0E9-D57F-431F-847D-A620D8037A1C}" presName="connectorText" presStyleLbl="sibTrans2D1" presStyleIdx="2" presStyleCnt="3"/>
+      <dgm:spPr/>
+    </dgm:pt>
+    <dgm:pt modelId="{2D681E52-F1C6-4EF2-8EC0-2E88871F8ECC}" type="pres">
+      <dgm:prSet presAssocID="{3948A160-B9E1-42F4-B168-94F7E556CE10}" presName="node" presStyleLbl="node1" presStyleIdx="3" presStyleCnt="4">
+        <dgm:presLayoutVars>
+          <dgm:bulletEnabled val="1"/>
+        </dgm:presLayoutVars>
+      </dgm:prSet>
+      <dgm:spPr/>
+    </dgm:pt>
+  </dgm:ptLst>
+  <dgm:cxnLst>
+    <dgm:cxn modelId="{7D4BC494-8E6D-4F97-B334-DE76C1F29EDA}" type="presOf" srcId="{471DC0E9-D57F-431F-847D-A620D8037A1C}" destId="{B0FD2DB9-F2E6-4D62-97CF-729DBFD162CC}" srcOrd="0" destOrd="0" presId="urn:microsoft.com/office/officeart/2005/8/layout/process1"/>
+    <dgm:cxn modelId="{DB24782C-4374-4A23-9C10-7D17835E7AE8}" type="presOf" srcId="{84B7A8B5-C59D-4169-8234-92AB28BE555C}" destId="{D4078E2C-E77B-46C8-AE5C-33F8281E42AE}" srcOrd="0" destOrd="0" presId="urn:microsoft.com/office/officeart/2005/8/layout/process1"/>
+    <dgm:cxn modelId="{9EF9D1AD-4EAE-4625-A6A0-14F613651208}" srcId="{1DDDEB39-CD74-4DF9-82A1-032DC00D80DA}" destId="{0187D040-DB84-428B-A94E-1C87EA497A5C}" srcOrd="2" destOrd="0" parTransId="{1F707769-0283-49E5-8735-4EDA2C51190D}" sibTransId="{471DC0E9-D57F-431F-847D-A620D8037A1C}"/>
+    <dgm:cxn modelId="{1F9B3883-1164-4920-AFC4-409C507C39DF}" type="presOf" srcId="{3948A160-B9E1-42F4-B168-94F7E556CE10}" destId="{2D681E52-F1C6-4EF2-8EC0-2E88871F8ECC}" srcOrd="0" destOrd="0" presId="urn:microsoft.com/office/officeart/2005/8/layout/process1"/>
+    <dgm:cxn modelId="{59FCBC80-6EA8-4104-9A18-B69570A28B1F}" type="presOf" srcId="{0187D040-DB84-428B-A94E-1C87EA497A5C}" destId="{79C66157-58C7-477D-999E-D6E13E08749F}" srcOrd="0" destOrd="0" presId="urn:microsoft.com/office/officeart/2005/8/layout/process1"/>
+    <dgm:cxn modelId="{0EF0C116-DFDD-485E-B73E-EFA1ED334948}" srcId="{1DDDEB39-CD74-4DF9-82A1-032DC00D80DA}" destId="{F6534C05-7226-4B9F-9075-432104F398A2}" srcOrd="0" destOrd="0" parTransId="{077BCD35-B9BE-431A-A023-6C7D4C6E4C67}" sibTransId="{84B7A8B5-C59D-4169-8234-92AB28BE555C}"/>
+    <dgm:cxn modelId="{A4080711-C99D-4D82-B9D2-C6699F240F05}" srcId="{1DDDEB39-CD74-4DF9-82A1-032DC00D80DA}" destId="{22A0A84D-ACC6-4B12-8119-62E926DD7991}" srcOrd="1" destOrd="0" parTransId="{1BEF0A43-2D13-4F75-BEE1-A7FBD3BEE048}" sibTransId="{E1431C8A-B097-4DA7-A599-49BC7415BC56}"/>
+    <dgm:cxn modelId="{E62A5E45-1711-455F-B374-94A227E92D33}" srcId="{1DDDEB39-CD74-4DF9-82A1-032DC00D80DA}" destId="{3948A160-B9E1-42F4-B168-94F7E556CE10}" srcOrd="3" destOrd="0" parTransId="{29DC20BE-40C1-41F4-BA14-0BB0479BB501}" sibTransId="{8A4F309F-5D57-47EE-80DC-1CF91199B083}"/>
+    <dgm:cxn modelId="{1C5BD832-AE75-4C51-9223-B5D3E9039750}" type="presOf" srcId="{84B7A8B5-C59D-4169-8234-92AB28BE555C}" destId="{5C3F3B02-91A2-4C85-938F-3858436C0F4A}" srcOrd="1" destOrd="0" presId="urn:microsoft.com/office/officeart/2005/8/layout/process1"/>
+    <dgm:cxn modelId="{0EF4C71A-4D68-4924-9270-97A7F0AB8F53}" type="presOf" srcId="{471DC0E9-D57F-431F-847D-A620D8037A1C}" destId="{C92EFE1F-B986-4045-BF81-710C944EDCC0}" srcOrd="1" destOrd="0" presId="urn:microsoft.com/office/officeart/2005/8/layout/process1"/>
+    <dgm:cxn modelId="{8303CE5E-B622-48F7-A571-3855F567DF89}" type="presOf" srcId="{22A0A84D-ACC6-4B12-8119-62E926DD7991}" destId="{63D7CBEF-0B10-490B-BD60-F61FD3F09C85}" srcOrd="0" destOrd="0" presId="urn:microsoft.com/office/officeart/2005/8/layout/process1"/>
+    <dgm:cxn modelId="{969DC7B4-D4AD-42DF-BDC7-2C0082E43421}" type="presOf" srcId="{E1431C8A-B097-4DA7-A599-49BC7415BC56}" destId="{ED86B3B0-5FA1-4362-812C-97A25AEBC71C}" srcOrd="0" destOrd="0" presId="urn:microsoft.com/office/officeart/2005/8/layout/process1"/>
+    <dgm:cxn modelId="{EFE75548-11A0-4FFE-B2A2-E796D27BCEDB}" type="presOf" srcId="{F6534C05-7226-4B9F-9075-432104F398A2}" destId="{FAAA4337-E25F-4769-965A-BCEC1473107B}" srcOrd="0" destOrd="0" presId="urn:microsoft.com/office/officeart/2005/8/layout/process1"/>
+    <dgm:cxn modelId="{210F88D3-0583-43D1-9299-E547859F4B4D}" type="presOf" srcId="{1DDDEB39-CD74-4DF9-82A1-032DC00D80DA}" destId="{3C7AE3BD-E3FC-406D-A67C-46C7E1BC7208}" srcOrd="0" destOrd="0" presId="urn:microsoft.com/office/officeart/2005/8/layout/process1"/>
+    <dgm:cxn modelId="{142D58C3-7C00-4DB9-96B4-678F0C346DA7}" type="presOf" srcId="{E1431C8A-B097-4DA7-A599-49BC7415BC56}" destId="{4081A163-EA37-43FB-988B-A00F494EC22A}" srcOrd="1" destOrd="0" presId="urn:microsoft.com/office/officeart/2005/8/layout/process1"/>
+    <dgm:cxn modelId="{87920805-9A6A-4C92-A039-15B2DD6FD309}" type="presParOf" srcId="{3C7AE3BD-E3FC-406D-A67C-46C7E1BC7208}" destId="{FAAA4337-E25F-4769-965A-BCEC1473107B}" srcOrd="0" destOrd="0" presId="urn:microsoft.com/office/officeart/2005/8/layout/process1"/>
+    <dgm:cxn modelId="{1D518381-9801-4820-8E11-3DC7C69FCC57}" type="presParOf" srcId="{3C7AE3BD-E3FC-406D-A67C-46C7E1BC7208}" destId="{D4078E2C-E77B-46C8-AE5C-33F8281E42AE}" srcOrd="1" destOrd="0" presId="urn:microsoft.com/office/officeart/2005/8/layout/process1"/>
+    <dgm:cxn modelId="{EB2BB4CB-9232-4305-B472-6C9274F72083}" type="presParOf" srcId="{D4078E2C-E77B-46C8-AE5C-33F8281E42AE}" destId="{5C3F3B02-91A2-4C85-938F-3858436C0F4A}" srcOrd="0" destOrd="0" presId="urn:microsoft.com/office/officeart/2005/8/layout/process1"/>
+    <dgm:cxn modelId="{DF58C4C4-F3AB-42DC-9032-65BFCCCD7FE2}" type="presParOf" srcId="{3C7AE3BD-E3FC-406D-A67C-46C7E1BC7208}" destId="{63D7CBEF-0B10-490B-BD60-F61FD3F09C85}" srcOrd="2" destOrd="0" presId="urn:microsoft.com/office/officeart/2005/8/layout/process1"/>
+    <dgm:cxn modelId="{EE684C7D-8054-4912-84FB-EA6F8D13289E}" type="presParOf" srcId="{3C7AE3BD-E3FC-406D-A67C-46C7E1BC7208}" destId="{ED86B3B0-5FA1-4362-812C-97A25AEBC71C}" srcOrd="3" destOrd="0" presId="urn:microsoft.com/office/officeart/2005/8/layout/process1"/>
+    <dgm:cxn modelId="{AA76B137-1161-474A-8F5B-BC65A95CD6D5}" type="presParOf" srcId="{ED86B3B0-5FA1-4362-812C-97A25AEBC71C}" destId="{4081A163-EA37-43FB-988B-A00F494EC22A}" srcOrd="0" destOrd="0" presId="urn:microsoft.com/office/officeart/2005/8/layout/process1"/>
+    <dgm:cxn modelId="{9A70361D-F2D7-4ACE-8CD6-6B110E261328}" type="presParOf" srcId="{3C7AE3BD-E3FC-406D-A67C-46C7E1BC7208}" destId="{79C66157-58C7-477D-999E-D6E13E08749F}" srcOrd="4" destOrd="0" presId="urn:microsoft.com/office/officeart/2005/8/layout/process1"/>
+    <dgm:cxn modelId="{EC2AC7FD-460A-4AE7-848F-0E171562F494}" type="presParOf" srcId="{3C7AE3BD-E3FC-406D-A67C-46C7E1BC7208}" destId="{B0FD2DB9-F2E6-4D62-97CF-729DBFD162CC}" srcOrd="5" destOrd="0" presId="urn:microsoft.com/office/officeart/2005/8/layout/process1"/>
+    <dgm:cxn modelId="{E94EEDC9-1743-4BC3-9621-1C8149D2D576}" type="presParOf" srcId="{B0FD2DB9-F2E6-4D62-97CF-729DBFD162CC}" destId="{C92EFE1F-B986-4045-BF81-710C944EDCC0}" srcOrd="0" destOrd="0" presId="urn:microsoft.com/office/officeart/2005/8/layout/process1"/>
+    <dgm:cxn modelId="{340FC895-547D-4445-A467-0858BCB91E6D}" type="presParOf" srcId="{3C7AE3BD-E3FC-406D-A67C-46C7E1BC7208}" destId="{2D681E52-F1C6-4EF2-8EC0-2E88871F8ECC}" srcOrd="6" destOrd="0" presId="urn:microsoft.com/office/officeart/2005/8/layout/process1"/>
+  </dgm:cxnLst>
+  <dgm:bg/>
+  <dgm:whole/>
+  <dgm:extLst>
+    <a:ext uri="http://schemas.microsoft.com/office/drawing/2008/diagram">
+      <dsp:dataModelExt xmlns:dsp="http://schemas.microsoft.com/office/drawing/2008/diagram" relId="rId6" minVer="http://schemas.openxmlformats.org/drawingml/2006/diagram"/>
+    </a:ext>
+  </dgm:extLst>
+</dgm:dataModel>
+</file>
+
+<file path=ppt/diagrams/data2.xml><?xml version="1.0" encoding="utf-8"?>
+<dgm:dataModel xmlns:dgm="http://schemas.openxmlformats.org/drawingml/2006/diagram" xmlns:a="http://schemas.openxmlformats.org/drawingml/2006/main">
+  <dgm:ptLst>
+    <dgm:pt modelId="{1DDDEB39-CD74-4DF9-82A1-032DC00D80DA}" type="doc">
+      <dgm:prSet loTypeId="urn:microsoft.com/office/officeart/2005/8/layout/process1" loCatId="process" qsTypeId="urn:microsoft.com/office/officeart/2005/8/quickstyle/simple1" qsCatId="simple" csTypeId="urn:microsoft.com/office/officeart/2005/8/colors/accent1_2" csCatId="accent1" phldr="1"/>
+      <dgm:spPr/>
+    </dgm:pt>
+    <dgm:pt modelId="{F6534C05-7226-4B9F-9075-432104F398A2}">
+      <dgm:prSet phldrT="[Text]"/>
+      <dgm:spPr/>
+      <dgm:t>
+        <a:bodyPr/>
+        <a:lstStyle/>
+        <a:p>
+          <a:r>
+            <a:rPr lang="en-US" dirty="0"/>
+            <a:t>Features</a:t>
+          </a:r>
+        </a:p>
+      </dgm:t>
+    </dgm:pt>
+    <dgm:pt modelId="{077BCD35-B9BE-431A-A023-6C7D4C6E4C67}" type="parTrans" cxnId="{0EF0C116-DFDD-485E-B73E-EFA1ED334948}">
+      <dgm:prSet/>
+      <dgm:spPr/>
+      <dgm:t>
+        <a:bodyPr/>
+        <a:lstStyle/>
+        <a:p>
+          <a:endParaRPr lang="en-US"/>
+        </a:p>
+      </dgm:t>
+    </dgm:pt>
+    <dgm:pt modelId="{84B7A8B5-C59D-4169-8234-92AB28BE555C}" type="sibTrans" cxnId="{0EF0C116-DFDD-485E-B73E-EFA1ED334948}">
+      <dgm:prSet/>
+      <dgm:spPr/>
+      <dgm:t>
+        <a:bodyPr/>
+        <a:lstStyle/>
+        <a:p>
+          <a:endParaRPr lang="en-US"/>
+        </a:p>
+      </dgm:t>
+    </dgm:pt>
+    <dgm:pt modelId="{22A0A84D-ACC6-4B12-8119-62E926DD7991}">
+      <dgm:prSet phldrT="[Text]"/>
+      <dgm:spPr/>
+      <dgm:t>
+        <a:bodyPr/>
+        <a:lstStyle/>
+        <a:p>
+          <a:r>
+            <a:rPr lang="en-US" dirty="0"/>
+            <a:t>Model</a:t>
+          </a:r>
+        </a:p>
+      </dgm:t>
+    </dgm:pt>
+    <dgm:pt modelId="{1BEF0A43-2D13-4F75-BEE1-A7FBD3BEE048}" type="parTrans" cxnId="{A4080711-C99D-4D82-B9D2-C6699F240F05}">
+      <dgm:prSet/>
+      <dgm:spPr/>
+      <dgm:t>
+        <a:bodyPr/>
+        <a:lstStyle/>
+        <a:p>
+          <a:endParaRPr lang="en-US"/>
+        </a:p>
+      </dgm:t>
+    </dgm:pt>
+    <dgm:pt modelId="{E1431C8A-B097-4DA7-A599-49BC7415BC56}" type="sibTrans" cxnId="{A4080711-C99D-4D82-B9D2-C6699F240F05}">
+      <dgm:prSet/>
+      <dgm:spPr/>
+      <dgm:t>
+        <a:bodyPr/>
+        <a:lstStyle/>
+        <a:p>
+          <a:endParaRPr lang="en-US"/>
+        </a:p>
+      </dgm:t>
+    </dgm:pt>
+    <dgm:pt modelId="{0187D040-DB84-428B-A94E-1C87EA497A5C}">
+      <dgm:prSet phldrT="[Text]"/>
+      <dgm:spPr/>
+      <dgm:t>
+        <a:bodyPr/>
+        <a:lstStyle/>
+        <a:p>
+          <a:r>
+            <a:rPr lang="en-US" dirty="0"/>
+            <a:t>Output</a:t>
+          </a:r>
+        </a:p>
+      </dgm:t>
+    </dgm:pt>
+    <dgm:pt modelId="{1F707769-0283-49E5-8735-4EDA2C51190D}" type="parTrans" cxnId="{9EF9D1AD-4EAE-4625-A6A0-14F613651208}">
+      <dgm:prSet/>
+      <dgm:spPr/>
+      <dgm:t>
+        <a:bodyPr/>
+        <a:lstStyle/>
+        <a:p>
+          <a:endParaRPr lang="en-US"/>
+        </a:p>
+      </dgm:t>
+    </dgm:pt>
+    <dgm:pt modelId="{471DC0E9-D57F-431F-847D-A620D8037A1C}" type="sibTrans" cxnId="{9EF9D1AD-4EAE-4625-A6A0-14F613651208}">
+      <dgm:prSet/>
+      <dgm:spPr/>
+      <dgm:t>
+        <a:bodyPr/>
+        <a:lstStyle/>
+        <a:p>
+          <a:endParaRPr lang="en-US"/>
+        </a:p>
+      </dgm:t>
+    </dgm:pt>
+    <dgm:pt modelId="{3948A160-B9E1-42F4-B168-94F7E556CE10}">
+      <dgm:prSet/>
+      <dgm:spPr/>
+      <dgm:t>
+        <a:bodyPr/>
+        <a:lstStyle/>
+        <a:p>
+          <a:r>
+            <a:rPr lang="en-US" dirty="0"/>
+            <a:t>Loss</a:t>
+          </a:r>
+        </a:p>
+      </dgm:t>
+    </dgm:pt>
+    <dgm:pt modelId="{29DC20BE-40C1-41F4-BA14-0BB0479BB501}" type="parTrans" cxnId="{E62A5E45-1711-455F-B374-94A227E92D33}">
+      <dgm:prSet/>
+      <dgm:spPr/>
+      <dgm:t>
+        <a:bodyPr/>
+        <a:lstStyle/>
+        <a:p>
+          <a:endParaRPr lang="en-US"/>
+        </a:p>
+      </dgm:t>
+    </dgm:pt>
+    <dgm:pt modelId="{8A4F309F-5D57-47EE-80DC-1CF91199B083}" type="sibTrans" cxnId="{E62A5E45-1711-455F-B374-94A227E92D33}">
+      <dgm:prSet/>
+      <dgm:spPr/>
+      <dgm:t>
+        <a:bodyPr/>
+        <a:lstStyle/>
+        <a:p>
+          <a:endParaRPr lang="en-US"/>
+        </a:p>
+      </dgm:t>
+    </dgm:pt>
+    <dgm:pt modelId="{3C7AE3BD-E3FC-406D-A67C-46C7E1BC7208}" type="pres">
+      <dgm:prSet presAssocID="{1DDDEB39-CD74-4DF9-82A1-032DC00D80DA}" presName="Name0" presStyleCnt="0">
+        <dgm:presLayoutVars>
+          <dgm:dir/>
+          <dgm:resizeHandles val="exact"/>
+        </dgm:presLayoutVars>
+      </dgm:prSet>
+      <dgm:spPr/>
+    </dgm:pt>
+    <dgm:pt modelId="{FAAA4337-E25F-4769-965A-BCEC1473107B}" type="pres">
+      <dgm:prSet presAssocID="{F6534C05-7226-4B9F-9075-432104F398A2}" presName="node" presStyleLbl="node1" presStyleIdx="0" presStyleCnt="4">
+        <dgm:presLayoutVars>
+          <dgm:bulletEnabled val="1"/>
+        </dgm:presLayoutVars>
+      </dgm:prSet>
+      <dgm:spPr/>
+    </dgm:pt>
+    <dgm:pt modelId="{D4078E2C-E77B-46C8-AE5C-33F8281E42AE}" type="pres">
+      <dgm:prSet presAssocID="{84B7A8B5-C59D-4169-8234-92AB28BE555C}" presName="sibTrans" presStyleLbl="sibTrans2D1" presStyleIdx="0" presStyleCnt="3"/>
+      <dgm:spPr/>
+    </dgm:pt>
+    <dgm:pt modelId="{5C3F3B02-91A2-4C85-938F-3858436C0F4A}" type="pres">
+      <dgm:prSet presAssocID="{84B7A8B5-C59D-4169-8234-92AB28BE555C}" presName="connectorText" presStyleLbl="sibTrans2D1" presStyleIdx="0" presStyleCnt="3"/>
+      <dgm:spPr/>
+    </dgm:pt>
+    <dgm:pt modelId="{63D7CBEF-0B10-490B-BD60-F61FD3F09C85}" type="pres">
+      <dgm:prSet presAssocID="{22A0A84D-ACC6-4B12-8119-62E926DD7991}" presName="node" presStyleLbl="node1" presStyleIdx="1" presStyleCnt="4">
+        <dgm:presLayoutVars>
+          <dgm:bulletEnabled val="1"/>
+        </dgm:presLayoutVars>
+      </dgm:prSet>
+      <dgm:spPr/>
+    </dgm:pt>
+    <dgm:pt modelId="{ED86B3B0-5FA1-4362-812C-97A25AEBC71C}" type="pres">
+      <dgm:prSet presAssocID="{E1431C8A-B097-4DA7-A599-49BC7415BC56}" presName="sibTrans" presStyleLbl="sibTrans2D1" presStyleIdx="1" presStyleCnt="3"/>
+      <dgm:spPr/>
+    </dgm:pt>
+    <dgm:pt modelId="{4081A163-EA37-43FB-988B-A00F494EC22A}" type="pres">
+      <dgm:prSet presAssocID="{E1431C8A-B097-4DA7-A599-49BC7415BC56}" presName="connectorText" presStyleLbl="sibTrans2D1" presStyleIdx="1" presStyleCnt="3"/>
+      <dgm:spPr/>
+    </dgm:pt>
+    <dgm:pt modelId="{79C66157-58C7-477D-999E-D6E13E08749F}" type="pres">
+      <dgm:prSet presAssocID="{0187D040-DB84-428B-A94E-1C87EA497A5C}" presName="node" presStyleLbl="node1" presStyleIdx="2" presStyleCnt="4">
+        <dgm:presLayoutVars>
+          <dgm:bulletEnabled val="1"/>
+        </dgm:presLayoutVars>
+      </dgm:prSet>
+      <dgm:spPr/>
+    </dgm:pt>
+    <dgm:pt modelId="{B0FD2DB9-F2E6-4D62-97CF-729DBFD162CC}" type="pres">
+      <dgm:prSet presAssocID="{471DC0E9-D57F-431F-847D-A620D8037A1C}" presName="sibTrans" presStyleLbl="sibTrans2D1" presStyleIdx="2" presStyleCnt="3"/>
+      <dgm:spPr/>
+    </dgm:pt>
+    <dgm:pt modelId="{C92EFE1F-B986-4045-BF81-710C944EDCC0}" type="pres">
+      <dgm:prSet presAssocID="{471DC0E9-D57F-431F-847D-A620D8037A1C}" presName="connectorText" presStyleLbl="sibTrans2D1" presStyleIdx="2" presStyleCnt="3"/>
+      <dgm:spPr/>
+    </dgm:pt>
+    <dgm:pt modelId="{2D681E52-F1C6-4EF2-8EC0-2E88871F8ECC}" type="pres">
+      <dgm:prSet presAssocID="{3948A160-B9E1-42F4-B168-94F7E556CE10}" presName="node" presStyleLbl="node1" presStyleIdx="3" presStyleCnt="4">
+        <dgm:presLayoutVars>
+          <dgm:bulletEnabled val="1"/>
+        </dgm:presLayoutVars>
+      </dgm:prSet>
+      <dgm:spPr/>
+    </dgm:pt>
+  </dgm:ptLst>
+  <dgm:cxnLst>
+    <dgm:cxn modelId="{7D4BC494-8E6D-4F97-B334-DE76C1F29EDA}" type="presOf" srcId="{471DC0E9-D57F-431F-847D-A620D8037A1C}" destId="{B0FD2DB9-F2E6-4D62-97CF-729DBFD162CC}" srcOrd="0" destOrd="0" presId="urn:microsoft.com/office/officeart/2005/8/layout/process1"/>
+    <dgm:cxn modelId="{DB24782C-4374-4A23-9C10-7D17835E7AE8}" type="presOf" srcId="{84B7A8B5-C59D-4169-8234-92AB28BE555C}" destId="{D4078E2C-E77B-46C8-AE5C-33F8281E42AE}" srcOrd="0" destOrd="0" presId="urn:microsoft.com/office/officeart/2005/8/layout/process1"/>
+    <dgm:cxn modelId="{9EF9D1AD-4EAE-4625-A6A0-14F613651208}" srcId="{1DDDEB39-CD74-4DF9-82A1-032DC00D80DA}" destId="{0187D040-DB84-428B-A94E-1C87EA497A5C}" srcOrd="2" destOrd="0" parTransId="{1F707769-0283-49E5-8735-4EDA2C51190D}" sibTransId="{471DC0E9-D57F-431F-847D-A620D8037A1C}"/>
+    <dgm:cxn modelId="{1F9B3883-1164-4920-AFC4-409C507C39DF}" type="presOf" srcId="{3948A160-B9E1-42F4-B168-94F7E556CE10}" destId="{2D681E52-F1C6-4EF2-8EC0-2E88871F8ECC}" srcOrd="0" destOrd="0" presId="urn:microsoft.com/office/officeart/2005/8/layout/process1"/>
+    <dgm:cxn modelId="{59FCBC80-6EA8-4104-9A18-B69570A28B1F}" type="presOf" srcId="{0187D040-DB84-428B-A94E-1C87EA497A5C}" destId="{79C66157-58C7-477D-999E-D6E13E08749F}" srcOrd="0" destOrd="0" presId="urn:microsoft.com/office/officeart/2005/8/layout/process1"/>
+    <dgm:cxn modelId="{0EF0C116-DFDD-485E-B73E-EFA1ED334948}" srcId="{1DDDEB39-CD74-4DF9-82A1-032DC00D80DA}" destId="{F6534C05-7226-4B9F-9075-432104F398A2}" srcOrd="0" destOrd="0" parTransId="{077BCD35-B9BE-431A-A023-6C7D4C6E4C67}" sibTransId="{84B7A8B5-C59D-4169-8234-92AB28BE555C}"/>
+    <dgm:cxn modelId="{A4080711-C99D-4D82-B9D2-C6699F240F05}" srcId="{1DDDEB39-CD74-4DF9-82A1-032DC00D80DA}" destId="{22A0A84D-ACC6-4B12-8119-62E926DD7991}" srcOrd="1" destOrd="0" parTransId="{1BEF0A43-2D13-4F75-BEE1-A7FBD3BEE048}" sibTransId="{E1431C8A-B097-4DA7-A599-49BC7415BC56}"/>
+    <dgm:cxn modelId="{E62A5E45-1711-455F-B374-94A227E92D33}" srcId="{1DDDEB39-CD74-4DF9-82A1-032DC00D80DA}" destId="{3948A160-B9E1-42F4-B168-94F7E556CE10}" srcOrd="3" destOrd="0" parTransId="{29DC20BE-40C1-41F4-BA14-0BB0479BB501}" sibTransId="{8A4F309F-5D57-47EE-80DC-1CF91199B083}"/>
+    <dgm:cxn modelId="{1C5BD832-AE75-4C51-9223-B5D3E9039750}" type="presOf" srcId="{84B7A8B5-C59D-4169-8234-92AB28BE555C}" destId="{5C3F3B02-91A2-4C85-938F-3858436C0F4A}" srcOrd="1" destOrd="0" presId="urn:microsoft.com/office/officeart/2005/8/layout/process1"/>
+    <dgm:cxn modelId="{0EF4C71A-4D68-4924-9270-97A7F0AB8F53}" type="presOf" srcId="{471DC0E9-D57F-431F-847D-A620D8037A1C}" destId="{C92EFE1F-B986-4045-BF81-710C944EDCC0}" srcOrd="1" destOrd="0" presId="urn:microsoft.com/office/officeart/2005/8/layout/process1"/>
+    <dgm:cxn modelId="{8303CE5E-B622-48F7-A571-3855F567DF89}" type="presOf" srcId="{22A0A84D-ACC6-4B12-8119-62E926DD7991}" destId="{63D7CBEF-0B10-490B-BD60-F61FD3F09C85}" srcOrd="0" destOrd="0" presId="urn:microsoft.com/office/officeart/2005/8/layout/process1"/>
+    <dgm:cxn modelId="{969DC7B4-D4AD-42DF-BDC7-2C0082E43421}" type="presOf" srcId="{E1431C8A-B097-4DA7-A599-49BC7415BC56}" destId="{ED86B3B0-5FA1-4362-812C-97A25AEBC71C}" srcOrd="0" destOrd="0" presId="urn:microsoft.com/office/officeart/2005/8/layout/process1"/>
+    <dgm:cxn modelId="{EFE75548-11A0-4FFE-B2A2-E796D27BCEDB}" type="presOf" srcId="{F6534C05-7226-4B9F-9075-432104F398A2}" destId="{FAAA4337-E25F-4769-965A-BCEC1473107B}" srcOrd="0" destOrd="0" presId="urn:microsoft.com/office/officeart/2005/8/layout/process1"/>
+    <dgm:cxn modelId="{210F88D3-0583-43D1-9299-E547859F4B4D}" type="presOf" srcId="{1DDDEB39-CD74-4DF9-82A1-032DC00D80DA}" destId="{3C7AE3BD-E3FC-406D-A67C-46C7E1BC7208}" srcOrd="0" destOrd="0" presId="urn:microsoft.com/office/officeart/2005/8/layout/process1"/>
+    <dgm:cxn modelId="{142D58C3-7C00-4DB9-96B4-678F0C346DA7}" type="presOf" srcId="{E1431C8A-B097-4DA7-A599-49BC7415BC56}" destId="{4081A163-EA37-43FB-988B-A00F494EC22A}" srcOrd="1" destOrd="0" presId="urn:microsoft.com/office/officeart/2005/8/layout/process1"/>
+    <dgm:cxn modelId="{87920805-9A6A-4C92-A039-15B2DD6FD309}" type="presParOf" srcId="{3C7AE3BD-E3FC-406D-A67C-46C7E1BC7208}" destId="{FAAA4337-E25F-4769-965A-BCEC1473107B}" srcOrd="0" destOrd="0" presId="urn:microsoft.com/office/officeart/2005/8/layout/process1"/>
+    <dgm:cxn modelId="{1D518381-9801-4820-8E11-3DC7C69FCC57}" type="presParOf" srcId="{3C7AE3BD-E3FC-406D-A67C-46C7E1BC7208}" destId="{D4078E2C-E77B-46C8-AE5C-33F8281E42AE}" srcOrd="1" destOrd="0" presId="urn:microsoft.com/office/officeart/2005/8/layout/process1"/>
+    <dgm:cxn modelId="{EB2BB4CB-9232-4305-B472-6C9274F72083}" type="presParOf" srcId="{D4078E2C-E77B-46C8-AE5C-33F8281E42AE}" destId="{5C3F3B02-91A2-4C85-938F-3858436C0F4A}" srcOrd="0" destOrd="0" presId="urn:microsoft.com/office/officeart/2005/8/layout/process1"/>
+    <dgm:cxn modelId="{DF58C4C4-F3AB-42DC-9032-65BFCCCD7FE2}" type="presParOf" srcId="{3C7AE3BD-E3FC-406D-A67C-46C7E1BC7208}" destId="{63D7CBEF-0B10-490B-BD60-F61FD3F09C85}" srcOrd="2" destOrd="0" presId="urn:microsoft.com/office/officeart/2005/8/layout/process1"/>
+    <dgm:cxn modelId="{EE684C7D-8054-4912-84FB-EA6F8D13289E}" type="presParOf" srcId="{3C7AE3BD-E3FC-406D-A67C-46C7E1BC7208}" destId="{ED86B3B0-5FA1-4362-812C-97A25AEBC71C}" srcOrd="3" destOrd="0" presId="urn:microsoft.com/office/officeart/2005/8/layout/process1"/>
+    <dgm:cxn modelId="{AA76B137-1161-474A-8F5B-BC65A95CD6D5}" type="presParOf" srcId="{ED86B3B0-5FA1-4362-812C-97A25AEBC71C}" destId="{4081A163-EA37-43FB-988B-A00F494EC22A}" srcOrd="0" destOrd="0" presId="urn:microsoft.com/office/officeart/2005/8/layout/process1"/>
+    <dgm:cxn modelId="{9A70361D-F2D7-4ACE-8CD6-6B110E261328}" type="presParOf" srcId="{3C7AE3BD-E3FC-406D-A67C-46C7E1BC7208}" destId="{79C66157-58C7-477D-999E-D6E13E08749F}" srcOrd="4" destOrd="0" presId="urn:microsoft.com/office/officeart/2005/8/layout/process1"/>
+    <dgm:cxn modelId="{EC2AC7FD-460A-4AE7-848F-0E171562F494}" type="presParOf" srcId="{3C7AE3BD-E3FC-406D-A67C-46C7E1BC7208}" destId="{B0FD2DB9-F2E6-4D62-97CF-729DBFD162CC}" srcOrd="5" destOrd="0" presId="urn:microsoft.com/office/officeart/2005/8/layout/process1"/>
+    <dgm:cxn modelId="{E94EEDC9-1743-4BC3-9621-1C8149D2D576}" type="presParOf" srcId="{B0FD2DB9-F2E6-4D62-97CF-729DBFD162CC}" destId="{C92EFE1F-B986-4045-BF81-710C944EDCC0}" srcOrd="0" destOrd="0" presId="urn:microsoft.com/office/officeart/2005/8/layout/process1"/>
+    <dgm:cxn modelId="{340FC895-547D-4445-A467-0858BCB91E6D}" type="presParOf" srcId="{3C7AE3BD-E3FC-406D-A67C-46C7E1BC7208}" destId="{2D681E52-F1C6-4EF2-8EC0-2E88871F8ECC}" srcOrd="6" destOrd="0" presId="urn:microsoft.com/office/officeart/2005/8/layout/process1"/>
+  </dgm:cxnLst>
+  <dgm:bg/>
+  <dgm:whole/>
+  <dgm:extLst>
+    <a:ext uri="http://schemas.microsoft.com/office/drawing/2008/diagram">
+      <dsp:dataModelExt xmlns:dsp="http://schemas.microsoft.com/office/drawing/2008/diagram" relId="rId6" minVer="http://schemas.openxmlformats.org/drawingml/2006/diagram"/>
+    </a:ext>
+  </dgm:extLst>
+</dgm:dataModel>
+</file>
+
+<file path=ppt/diagrams/drawing1.xml><?xml version="1.0" encoding="utf-8"?>
+<dsp:drawing xmlns:dgm="http://schemas.openxmlformats.org/drawingml/2006/diagram" xmlns:dsp="http://schemas.microsoft.com/office/drawing/2008/diagram" xmlns:a="http://schemas.openxmlformats.org/drawingml/2006/main">
+  <dsp:spTree>
+    <dsp:nvGrpSpPr>
+      <dsp:cNvPr id="0" name=""/>
+      <dsp:cNvGrpSpPr/>
+    </dsp:nvGrpSpPr>
+    <dsp:grpSpPr/>
+    <dsp:sp modelId="{FAAA4337-E25F-4769-965A-BCEC1473107B}">
+      <dsp:nvSpPr>
+        <dsp:cNvPr id="0" name=""/>
+        <dsp:cNvSpPr/>
+      </dsp:nvSpPr>
+      <dsp:spPr>
+        <a:xfrm>
+          <a:off x="3571" y="2240822"/>
+          <a:ext cx="1561703" cy="937021"/>
+        </a:xfrm>
+        <a:prstGeom prst="roundRect">
+          <a:avLst>
+            <a:gd name="adj" fmla="val 10000"/>
+          </a:avLst>
+        </a:prstGeom>
+        <a:solidFill>
+          <a:schemeClr val="accent1">
+            <a:hueOff val="0"/>
+            <a:satOff val="0"/>
+            <a:lumOff val="0"/>
+            <a:alphaOff val="0"/>
+          </a:schemeClr>
+        </a:solidFill>
+        <a:ln w="12700" cap="flat" cmpd="sng" algn="ctr">
+          <a:solidFill>
+            <a:schemeClr val="lt1">
+              <a:hueOff val="0"/>
+              <a:satOff val="0"/>
+              <a:lumOff val="0"/>
+              <a:alphaOff val="0"/>
+            </a:schemeClr>
+          </a:solidFill>
+          <a:prstDash val="solid"/>
+          <a:miter lim="800000"/>
+        </a:ln>
+        <a:effectLst/>
+      </dsp:spPr>
+      <dsp:style>
+        <a:lnRef idx="2">
+          <a:scrgbClr r="0" g="0" b="0"/>
+        </a:lnRef>
+        <a:fillRef idx="1">
+          <a:scrgbClr r="0" g="0" b="0"/>
+        </a:fillRef>
+        <a:effectRef idx="0">
+          <a:scrgbClr r="0" g="0" b="0"/>
+        </a:effectRef>
+        <a:fontRef idx="minor">
+          <a:schemeClr val="lt1"/>
+        </a:fontRef>
+      </dsp:style>
+      <dsp:txBody>
+        <a:bodyPr spcFirstLastPara="0" vert="horz" wrap="square" lIns="106680" tIns="106680" rIns="106680" bIns="106680" numCol="1" spcCol="1270" anchor="ctr" anchorCtr="0">
+          <a:noAutofit/>
+        </a:bodyPr>
+        <a:lstStyle/>
+        <a:p>
+          <a:pPr marL="0" lvl="0" indent="0" algn="ctr" defTabSz="1244600">
+            <a:lnSpc>
+              <a:spcPct val="90000"/>
+            </a:lnSpc>
+            <a:spcBef>
+              <a:spcPct val="0"/>
+            </a:spcBef>
+            <a:spcAft>
+              <a:spcPct val="35000"/>
+            </a:spcAft>
+            <a:buNone/>
+          </a:pPr>
+          <a:r>
+            <a:rPr lang="en-US" sz="2800" kern="1200" dirty="0"/>
+            <a:t>Features</a:t>
+          </a:r>
+        </a:p>
+      </dsp:txBody>
+      <dsp:txXfrm>
+        <a:off x="31015" y="2268266"/>
+        <a:ext cx="1506815" cy="882133"/>
+      </dsp:txXfrm>
+    </dsp:sp>
+    <dsp:sp modelId="{D4078E2C-E77B-46C8-AE5C-33F8281E42AE}">
+      <dsp:nvSpPr>
+        <dsp:cNvPr id="0" name=""/>
+        <dsp:cNvSpPr/>
+      </dsp:nvSpPr>
+      <dsp:spPr>
+        <a:xfrm>
+          <a:off x="1721445" y="2515682"/>
+          <a:ext cx="331081" cy="387302"/>
+        </a:xfrm>
+        <a:prstGeom prst="rightArrow">
+          <a:avLst>
+            <a:gd name="adj1" fmla="val 60000"/>
+            <a:gd name="adj2" fmla="val 50000"/>
+          </a:avLst>
+        </a:prstGeom>
+        <a:solidFill>
+          <a:schemeClr val="accent1">
+            <a:tint val="60000"/>
+            <a:hueOff val="0"/>
+            <a:satOff val="0"/>
+            <a:lumOff val="0"/>
+            <a:alphaOff val="0"/>
+          </a:schemeClr>
+        </a:solidFill>
+        <a:ln>
+          <a:noFill/>
+        </a:ln>
+        <a:effectLst/>
+      </dsp:spPr>
+      <dsp:style>
+        <a:lnRef idx="0">
+          <a:scrgbClr r="0" g="0" b="0"/>
+        </a:lnRef>
+        <a:fillRef idx="1">
+          <a:scrgbClr r="0" g="0" b="0"/>
+        </a:fillRef>
+        <a:effectRef idx="0">
+          <a:scrgbClr r="0" g="0" b="0"/>
+        </a:effectRef>
+        <a:fontRef idx="minor">
+          <a:schemeClr val="lt1"/>
+        </a:fontRef>
+      </dsp:style>
+      <dsp:txBody>
+        <a:bodyPr spcFirstLastPara="0" vert="horz" wrap="square" lIns="0" tIns="0" rIns="0" bIns="0" numCol="1" spcCol="1270" anchor="ctr" anchorCtr="0">
+          <a:noAutofit/>
+        </a:bodyPr>
+        <a:lstStyle/>
+        <a:p>
+          <a:pPr marL="0" lvl="0" indent="0" algn="ctr" defTabSz="711200">
+            <a:lnSpc>
+              <a:spcPct val="90000"/>
+            </a:lnSpc>
+            <a:spcBef>
+              <a:spcPct val="0"/>
+            </a:spcBef>
+            <a:spcAft>
+              <a:spcPct val="35000"/>
+            </a:spcAft>
+            <a:buNone/>
+          </a:pPr>
+          <a:endParaRPr lang="en-US" sz="1600" kern="1200"/>
+        </a:p>
+      </dsp:txBody>
+      <dsp:txXfrm>
+        <a:off x="1721445" y="2593142"/>
+        <a:ext cx="231757" cy="232382"/>
+      </dsp:txXfrm>
+    </dsp:sp>
+    <dsp:sp modelId="{63D7CBEF-0B10-490B-BD60-F61FD3F09C85}">
+      <dsp:nvSpPr>
+        <dsp:cNvPr id="0" name=""/>
+        <dsp:cNvSpPr/>
+      </dsp:nvSpPr>
+      <dsp:spPr>
+        <a:xfrm>
+          <a:off x="2189956" y="2240822"/>
+          <a:ext cx="1561703" cy="937021"/>
+        </a:xfrm>
+        <a:prstGeom prst="roundRect">
+          <a:avLst>
+            <a:gd name="adj" fmla="val 10000"/>
+          </a:avLst>
+        </a:prstGeom>
+        <a:solidFill>
+          <a:schemeClr val="accent1">
+            <a:hueOff val="0"/>
+            <a:satOff val="0"/>
+            <a:lumOff val="0"/>
+            <a:alphaOff val="0"/>
+          </a:schemeClr>
+        </a:solidFill>
+        <a:ln w="12700" cap="flat" cmpd="sng" algn="ctr">
+          <a:solidFill>
+            <a:schemeClr val="lt1">
+              <a:hueOff val="0"/>
+              <a:satOff val="0"/>
+              <a:lumOff val="0"/>
+              <a:alphaOff val="0"/>
+            </a:schemeClr>
+          </a:solidFill>
+          <a:prstDash val="solid"/>
+          <a:miter lim="800000"/>
+        </a:ln>
+        <a:effectLst/>
+      </dsp:spPr>
+      <dsp:style>
+        <a:lnRef idx="2">
+          <a:scrgbClr r="0" g="0" b="0"/>
+        </a:lnRef>
+        <a:fillRef idx="1">
+          <a:scrgbClr r="0" g="0" b="0"/>
+        </a:fillRef>
+        <a:effectRef idx="0">
+          <a:scrgbClr r="0" g="0" b="0"/>
+        </a:effectRef>
+        <a:fontRef idx="minor">
+          <a:schemeClr val="lt1"/>
+        </a:fontRef>
+      </dsp:style>
+      <dsp:txBody>
+        <a:bodyPr spcFirstLastPara="0" vert="horz" wrap="square" lIns="106680" tIns="106680" rIns="106680" bIns="106680" numCol="1" spcCol="1270" anchor="ctr" anchorCtr="0">
+          <a:noAutofit/>
+        </a:bodyPr>
+        <a:lstStyle/>
+        <a:p>
+          <a:pPr marL="0" lvl="0" indent="0" algn="ctr" defTabSz="1244600">
+            <a:lnSpc>
+              <a:spcPct val="90000"/>
+            </a:lnSpc>
+            <a:spcBef>
+              <a:spcPct val="0"/>
+            </a:spcBef>
+            <a:spcAft>
+              <a:spcPct val="35000"/>
+            </a:spcAft>
+            <a:buNone/>
+          </a:pPr>
+          <a:r>
+            <a:rPr lang="en-US" sz="2800" kern="1200" dirty="0"/>
+            <a:t>Model</a:t>
+          </a:r>
+        </a:p>
+      </dsp:txBody>
+      <dsp:txXfrm>
+        <a:off x="2217400" y="2268266"/>
+        <a:ext cx="1506815" cy="882133"/>
+      </dsp:txXfrm>
+    </dsp:sp>
+    <dsp:sp modelId="{ED86B3B0-5FA1-4362-812C-97A25AEBC71C}">
+      <dsp:nvSpPr>
+        <dsp:cNvPr id="0" name=""/>
+        <dsp:cNvSpPr/>
+      </dsp:nvSpPr>
+      <dsp:spPr>
+        <a:xfrm>
+          <a:off x="3907829" y="2515682"/>
+          <a:ext cx="331081" cy="387302"/>
+        </a:xfrm>
+        <a:prstGeom prst="rightArrow">
+          <a:avLst>
+            <a:gd name="adj1" fmla="val 60000"/>
+            <a:gd name="adj2" fmla="val 50000"/>
+          </a:avLst>
+        </a:prstGeom>
+        <a:solidFill>
+          <a:schemeClr val="accent1">
+            <a:tint val="60000"/>
+            <a:hueOff val="0"/>
+            <a:satOff val="0"/>
+            <a:lumOff val="0"/>
+            <a:alphaOff val="0"/>
+          </a:schemeClr>
+        </a:solidFill>
+        <a:ln>
+          <a:noFill/>
+        </a:ln>
+        <a:effectLst/>
+      </dsp:spPr>
+      <dsp:style>
+        <a:lnRef idx="0">
+          <a:scrgbClr r="0" g="0" b="0"/>
+        </a:lnRef>
+        <a:fillRef idx="1">
+          <a:scrgbClr r="0" g="0" b="0"/>
+        </a:fillRef>
+        <a:effectRef idx="0">
+          <a:scrgbClr r="0" g="0" b="0"/>
+        </a:effectRef>
+        <a:fontRef idx="minor">
+          <a:schemeClr val="lt1"/>
+        </a:fontRef>
+      </dsp:style>
+      <dsp:txBody>
+        <a:bodyPr spcFirstLastPara="0" vert="horz" wrap="square" lIns="0" tIns="0" rIns="0" bIns="0" numCol="1" spcCol="1270" anchor="ctr" anchorCtr="0">
+          <a:noAutofit/>
+        </a:bodyPr>
+        <a:lstStyle/>
+        <a:p>
+          <a:pPr marL="0" lvl="0" indent="0" algn="ctr" defTabSz="711200">
+            <a:lnSpc>
+              <a:spcPct val="90000"/>
+            </a:lnSpc>
+            <a:spcBef>
+              <a:spcPct val="0"/>
+            </a:spcBef>
+            <a:spcAft>
+              <a:spcPct val="35000"/>
+            </a:spcAft>
+            <a:buNone/>
+          </a:pPr>
+          <a:endParaRPr lang="en-US" sz="1600" kern="1200"/>
+        </a:p>
+      </dsp:txBody>
+      <dsp:txXfrm>
+        <a:off x="3907829" y="2593142"/>
+        <a:ext cx="231757" cy="232382"/>
+      </dsp:txXfrm>
+    </dsp:sp>
+    <dsp:sp modelId="{79C66157-58C7-477D-999E-D6E13E08749F}">
+      <dsp:nvSpPr>
+        <dsp:cNvPr id="0" name=""/>
+        <dsp:cNvSpPr/>
+      </dsp:nvSpPr>
+      <dsp:spPr>
+        <a:xfrm>
+          <a:off x="4376340" y="2240822"/>
+          <a:ext cx="1561703" cy="937021"/>
+        </a:xfrm>
+        <a:prstGeom prst="roundRect">
+          <a:avLst>
+            <a:gd name="adj" fmla="val 10000"/>
+          </a:avLst>
+        </a:prstGeom>
+        <a:solidFill>
+          <a:schemeClr val="accent1">
+            <a:hueOff val="0"/>
+            <a:satOff val="0"/>
+            <a:lumOff val="0"/>
+            <a:alphaOff val="0"/>
+          </a:schemeClr>
+        </a:solidFill>
+        <a:ln w="12700" cap="flat" cmpd="sng" algn="ctr">
+          <a:solidFill>
+            <a:schemeClr val="lt1">
+              <a:hueOff val="0"/>
+              <a:satOff val="0"/>
+              <a:lumOff val="0"/>
+              <a:alphaOff val="0"/>
+            </a:schemeClr>
+          </a:solidFill>
+          <a:prstDash val="solid"/>
+          <a:miter lim="800000"/>
+        </a:ln>
+        <a:effectLst/>
+      </dsp:spPr>
+      <dsp:style>
+        <a:lnRef idx="2">
+          <a:scrgbClr r="0" g="0" b="0"/>
+        </a:lnRef>
+        <a:fillRef idx="1">
+          <a:scrgbClr r="0" g="0" b="0"/>
+        </a:fillRef>
+        <a:effectRef idx="0">
+          <a:scrgbClr r="0" g="0" b="0"/>
+        </a:effectRef>
+        <a:fontRef idx="minor">
+          <a:schemeClr val="lt1"/>
+        </a:fontRef>
+      </dsp:style>
+      <dsp:txBody>
+        <a:bodyPr spcFirstLastPara="0" vert="horz" wrap="square" lIns="106680" tIns="106680" rIns="106680" bIns="106680" numCol="1" spcCol="1270" anchor="ctr" anchorCtr="0">
+          <a:noAutofit/>
+        </a:bodyPr>
+        <a:lstStyle/>
+        <a:p>
+          <a:pPr marL="0" lvl="0" indent="0" algn="ctr" defTabSz="1244600">
+            <a:lnSpc>
+              <a:spcPct val="90000"/>
+            </a:lnSpc>
+            <a:spcBef>
+              <a:spcPct val="0"/>
+            </a:spcBef>
+            <a:spcAft>
+              <a:spcPct val="35000"/>
+            </a:spcAft>
+            <a:buNone/>
+          </a:pPr>
+          <a:r>
+            <a:rPr lang="en-US" sz="2800" kern="1200" dirty="0"/>
+            <a:t>Output</a:t>
+          </a:r>
+        </a:p>
+      </dsp:txBody>
+      <dsp:txXfrm>
+        <a:off x="4403784" y="2268266"/>
+        <a:ext cx="1506815" cy="882133"/>
+      </dsp:txXfrm>
+    </dsp:sp>
+    <dsp:sp modelId="{B0FD2DB9-F2E6-4D62-97CF-729DBFD162CC}">
+      <dsp:nvSpPr>
+        <dsp:cNvPr id="0" name=""/>
+        <dsp:cNvSpPr/>
+      </dsp:nvSpPr>
+      <dsp:spPr>
+        <a:xfrm>
+          <a:off x="6094214" y="2515682"/>
+          <a:ext cx="331081" cy="387302"/>
+        </a:xfrm>
+        <a:prstGeom prst="rightArrow">
+          <a:avLst>
+            <a:gd name="adj1" fmla="val 60000"/>
+            <a:gd name="adj2" fmla="val 50000"/>
+          </a:avLst>
+        </a:prstGeom>
+        <a:solidFill>
+          <a:schemeClr val="accent1">
+            <a:tint val="60000"/>
+            <a:hueOff val="0"/>
+            <a:satOff val="0"/>
+            <a:lumOff val="0"/>
+            <a:alphaOff val="0"/>
+          </a:schemeClr>
+        </a:solidFill>
+        <a:ln>
+          <a:noFill/>
+        </a:ln>
+        <a:effectLst/>
+      </dsp:spPr>
+      <dsp:style>
+        <a:lnRef idx="0">
+          <a:scrgbClr r="0" g="0" b="0"/>
+        </a:lnRef>
+        <a:fillRef idx="1">
+          <a:scrgbClr r="0" g="0" b="0"/>
+        </a:fillRef>
+        <a:effectRef idx="0">
+          <a:scrgbClr r="0" g="0" b="0"/>
+        </a:effectRef>
+        <a:fontRef idx="minor">
+          <a:schemeClr val="lt1"/>
+        </a:fontRef>
+      </dsp:style>
+      <dsp:txBody>
+        <a:bodyPr spcFirstLastPara="0" vert="horz" wrap="square" lIns="0" tIns="0" rIns="0" bIns="0" numCol="1" spcCol="1270" anchor="ctr" anchorCtr="0">
+          <a:noAutofit/>
+        </a:bodyPr>
+        <a:lstStyle/>
+        <a:p>
+          <a:pPr marL="0" lvl="0" indent="0" algn="ctr" defTabSz="711200">
+            <a:lnSpc>
+              <a:spcPct val="90000"/>
+            </a:lnSpc>
+            <a:spcBef>
+              <a:spcPct val="0"/>
+            </a:spcBef>
+            <a:spcAft>
+              <a:spcPct val="35000"/>
+            </a:spcAft>
+            <a:buNone/>
+          </a:pPr>
+          <a:endParaRPr lang="en-US" sz="1600" kern="1200"/>
+        </a:p>
+      </dsp:txBody>
+      <dsp:txXfrm>
+        <a:off x="6094214" y="2593142"/>
+        <a:ext cx="231757" cy="232382"/>
+      </dsp:txXfrm>
+    </dsp:sp>
+    <dsp:sp modelId="{2D681E52-F1C6-4EF2-8EC0-2E88871F8ECC}">
+      <dsp:nvSpPr>
+        <dsp:cNvPr id="0" name=""/>
+        <dsp:cNvSpPr/>
+      </dsp:nvSpPr>
+      <dsp:spPr>
+        <a:xfrm>
+          <a:off x="6562724" y="2240822"/>
+          <a:ext cx="1561703" cy="937021"/>
+        </a:xfrm>
+        <a:prstGeom prst="roundRect">
+          <a:avLst>
+            <a:gd name="adj" fmla="val 10000"/>
+          </a:avLst>
+        </a:prstGeom>
+        <a:solidFill>
+          <a:schemeClr val="accent1">
+            <a:hueOff val="0"/>
+            <a:satOff val="0"/>
+            <a:lumOff val="0"/>
+            <a:alphaOff val="0"/>
+          </a:schemeClr>
+        </a:solidFill>
+        <a:ln w="12700" cap="flat" cmpd="sng" algn="ctr">
+          <a:solidFill>
+            <a:schemeClr val="lt1">
+              <a:hueOff val="0"/>
+              <a:satOff val="0"/>
+              <a:lumOff val="0"/>
+              <a:alphaOff val="0"/>
+            </a:schemeClr>
+          </a:solidFill>
+          <a:prstDash val="solid"/>
+          <a:miter lim="800000"/>
+        </a:ln>
+        <a:effectLst/>
+      </dsp:spPr>
+      <dsp:style>
+        <a:lnRef idx="2">
+          <a:scrgbClr r="0" g="0" b="0"/>
+        </a:lnRef>
+        <a:fillRef idx="1">
+          <a:scrgbClr r="0" g="0" b="0"/>
+        </a:fillRef>
+        <a:effectRef idx="0">
+          <a:scrgbClr r="0" g="0" b="0"/>
+        </a:effectRef>
+        <a:fontRef idx="minor">
+          <a:schemeClr val="lt1"/>
+        </a:fontRef>
+      </dsp:style>
+      <dsp:txBody>
+        <a:bodyPr spcFirstLastPara="0" vert="horz" wrap="square" lIns="106680" tIns="106680" rIns="106680" bIns="106680" numCol="1" spcCol="1270" anchor="ctr" anchorCtr="0">
+          <a:noAutofit/>
+        </a:bodyPr>
+        <a:lstStyle/>
+        <a:p>
+          <a:pPr marL="0" lvl="0" indent="0" algn="ctr" defTabSz="1244600">
+            <a:lnSpc>
+              <a:spcPct val="90000"/>
+            </a:lnSpc>
+            <a:spcBef>
+              <a:spcPct val="0"/>
+            </a:spcBef>
+            <a:spcAft>
+              <a:spcPct val="35000"/>
+            </a:spcAft>
+            <a:buNone/>
+          </a:pPr>
+          <a:r>
+            <a:rPr lang="en-US" sz="2800" kern="1200" dirty="0"/>
+            <a:t>Loss</a:t>
+          </a:r>
+        </a:p>
+      </dsp:txBody>
+      <dsp:txXfrm>
+        <a:off x="6590168" y="2268266"/>
+        <a:ext cx="1506815" cy="882133"/>
+      </dsp:txXfrm>
+    </dsp:sp>
+  </dsp:spTree>
+</dsp:drawing>
+</file>
+
+<file path=ppt/diagrams/drawing2.xml><?xml version="1.0" encoding="utf-8"?>
+<dsp:drawing xmlns:dgm="http://schemas.openxmlformats.org/drawingml/2006/diagram" xmlns:dsp="http://schemas.microsoft.com/office/drawing/2008/diagram" xmlns:a="http://schemas.openxmlformats.org/drawingml/2006/main">
+  <dsp:spTree>
+    <dsp:nvGrpSpPr>
+      <dsp:cNvPr id="0" name=""/>
+      <dsp:cNvGrpSpPr/>
+    </dsp:nvGrpSpPr>
+    <dsp:grpSpPr/>
+    <dsp:sp modelId="{FAAA4337-E25F-4769-965A-BCEC1473107B}">
+      <dsp:nvSpPr>
+        <dsp:cNvPr id="0" name=""/>
+        <dsp:cNvSpPr/>
+      </dsp:nvSpPr>
+      <dsp:spPr>
+        <a:xfrm>
+          <a:off x="3571" y="2240822"/>
+          <a:ext cx="1561703" cy="937021"/>
+        </a:xfrm>
+        <a:prstGeom prst="roundRect">
+          <a:avLst>
+            <a:gd name="adj" fmla="val 10000"/>
+          </a:avLst>
+        </a:prstGeom>
+        <a:solidFill>
+          <a:schemeClr val="accent1">
+            <a:hueOff val="0"/>
+            <a:satOff val="0"/>
+            <a:lumOff val="0"/>
+            <a:alphaOff val="0"/>
+          </a:schemeClr>
+        </a:solidFill>
+        <a:ln w="12700" cap="flat" cmpd="sng" algn="ctr">
+          <a:solidFill>
+            <a:schemeClr val="lt1">
+              <a:hueOff val="0"/>
+              <a:satOff val="0"/>
+              <a:lumOff val="0"/>
+              <a:alphaOff val="0"/>
+            </a:schemeClr>
+          </a:solidFill>
+          <a:prstDash val="solid"/>
+          <a:miter lim="800000"/>
+        </a:ln>
+        <a:effectLst/>
+      </dsp:spPr>
+      <dsp:style>
+        <a:lnRef idx="2">
+          <a:scrgbClr r="0" g="0" b="0"/>
+        </a:lnRef>
+        <a:fillRef idx="1">
+          <a:scrgbClr r="0" g="0" b="0"/>
+        </a:fillRef>
+        <a:effectRef idx="0">
+          <a:scrgbClr r="0" g="0" b="0"/>
+        </a:effectRef>
+        <a:fontRef idx="minor">
+          <a:schemeClr val="lt1"/>
+        </a:fontRef>
+      </dsp:style>
+      <dsp:txBody>
+        <a:bodyPr spcFirstLastPara="0" vert="horz" wrap="square" lIns="106680" tIns="106680" rIns="106680" bIns="106680" numCol="1" spcCol="1270" anchor="ctr" anchorCtr="0">
+          <a:noAutofit/>
+        </a:bodyPr>
+        <a:lstStyle/>
+        <a:p>
+          <a:pPr marL="0" lvl="0" indent="0" algn="ctr" defTabSz="1244600">
+            <a:lnSpc>
+              <a:spcPct val="90000"/>
+            </a:lnSpc>
+            <a:spcBef>
+              <a:spcPct val="0"/>
+            </a:spcBef>
+            <a:spcAft>
+              <a:spcPct val="35000"/>
+            </a:spcAft>
+            <a:buNone/>
+          </a:pPr>
+          <a:r>
+            <a:rPr lang="en-US" sz="2800" kern="1200" dirty="0"/>
+            <a:t>Features</a:t>
+          </a:r>
+        </a:p>
+      </dsp:txBody>
+      <dsp:txXfrm>
+        <a:off x="31015" y="2268266"/>
+        <a:ext cx="1506815" cy="882133"/>
+      </dsp:txXfrm>
+    </dsp:sp>
+    <dsp:sp modelId="{D4078E2C-E77B-46C8-AE5C-33F8281E42AE}">
+      <dsp:nvSpPr>
+        <dsp:cNvPr id="0" name=""/>
+        <dsp:cNvSpPr/>
+      </dsp:nvSpPr>
+      <dsp:spPr>
+        <a:xfrm>
+          <a:off x="1721445" y="2515682"/>
+          <a:ext cx="331081" cy="387302"/>
+        </a:xfrm>
+        <a:prstGeom prst="rightArrow">
+          <a:avLst>
+            <a:gd name="adj1" fmla="val 60000"/>
+            <a:gd name="adj2" fmla="val 50000"/>
+          </a:avLst>
+        </a:prstGeom>
+        <a:solidFill>
+          <a:schemeClr val="accent1">
+            <a:tint val="60000"/>
+            <a:hueOff val="0"/>
+            <a:satOff val="0"/>
+            <a:lumOff val="0"/>
+            <a:alphaOff val="0"/>
+          </a:schemeClr>
+        </a:solidFill>
+        <a:ln>
+          <a:noFill/>
+        </a:ln>
+        <a:effectLst/>
+      </dsp:spPr>
+      <dsp:style>
+        <a:lnRef idx="0">
+          <a:scrgbClr r="0" g="0" b="0"/>
+        </a:lnRef>
+        <a:fillRef idx="1">
+          <a:scrgbClr r="0" g="0" b="0"/>
+        </a:fillRef>
+        <a:effectRef idx="0">
+          <a:scrgbClr r="0" g="0" b="0"/>
+        </a:effectRef>
+        <a:fontRef idx="minor">
+          <a:schemeClr val="lt1"/>
+        </a:fontRef>
+      </dsp:style>
+      <dsp:txBody>
+        <a:bodyPr spcFirstLastPara="0" vert="horz" wrap="square" lIns="0" tIns="0" rIns="0" bIns="0" numCol="1" spcCol="1270" anchor="ctr" anchorCtr="0">
+          <a:noAutofit/>
+        </a:bodyPr>
+        <a:lstStyle/>
+        <a:p>
+          <a:pPr marL="0" lvl="0" indent="0" algn="ctr" defTabSz="711200">
+            <a:lnSpc>
+              <a:spcPct val="90000"/>
+            </a:lnSpc>
+            <a:spcBef>
+              <a:spcPct val="0"/>
+            </a:spcBef>
+            <a:spcAft>
+              <a:spcPct val="35000"/>
+            </a:spcAft>
+            <a:buNone/>
+          </a:pPr>
+          <a:endParaRPr lang="en-US" sz="1600" kern="1200"/>
+        </a:p>
+      </dsp:txBody>
+      <dsp:txXfrm>
+        <a:off x="1721445" y="2593142"/>
+        <a:ext cx="231757" cy="232382"/>
+      </dsp:txXfrm>
+    </dsp:sp>
+    <dsp:sp modelId="{63D7CBEF-0B10-490B-BD60-F61FD3F09C85}">
+      <dsp:nvSpPr>
+        <dsp:cNvPr id="0" name=""/>
+        <dsp:cNvSpPr/>
+      </dsp:nvSpPr>
+      <dsp:spPr>
+        <a:xfrm>
+          <a:off x="2189956" y="2240822"/>
+          <a:ext cx="1561703" cy="937021"/>
+        </a:xfrm>
+        <a:prstGeom prst="roundRect">
+          <a:avLst>
+            <a:gd name="adj" fmla="val 10000"/>
+          </a:avLst>
+        </a:prstGeom>
+        <a:solidFill>
+          <a:schemeClr val="accent1">
+            <a:hueOff val="0"/>
+            <a:satOff val="0"/>
+            <a:lumOff val="0"/>
+            <a:alphaOff val="0"/>
+          </a:schemeClr>
+        </a:solidFill>
+        <a:ln w="12700" cap="flat" cmpd="sng" algn="ctr">
+          <a:solidFill>
+            <a:schemeClr val="lt1">
+              <a:hueOff val="0"/>
+              <a:satOff val="0"/>
+              <a:lumOff val="0"/>
+              <a:alphaOff val="0"/>
+            </a:schemeClr>
+          </a:solidFill>
+          <a:prstDash val="solid"/>
+          <a:miter lim="800000"/>
+        </a:ln>
+        <a:effectLst/>
+      </dsp:spPr>
+      <dsp:style>
+        <a:lnRef idx="2">
+          <a:scrgbClr r="0" g="0" b="0"/>
+        </a:lnRef>
+        <a:fillRef idx="1">
+          <a:scrgbClr r="0" g="0" b="0"/>
+        </a:fillRef>
+        <a:effectRef idx="0">
+          <a:scrgbClr r="0" g="0" b="0"/>
+        </a:effectRef>
+        <a:fontRef idx="minor">
+          <a:schemeClr val="lt1"/>
+        </a:fontRef>
+      </dsp:style>
+      <dsp:txBody>
+        <a:bodyPr spcFirstLastPara="0" vert="horz" wrap="square" lIns="106680" tIns="106680" rIns="106680" bIns="106680" numCol="1" spcCol="1270" anchor="ctr" anchorCtr="0">
+          <a:noAutofit/>
+        </a:bodyPr>
+        <a:lstStyle/>
+        <a:p>
+          <a:pPr marL="0" lvl="0" indent="0" algn="ctr" defTabSz="1244600">
+            <a:lnSpc>
+              <a:spcPct val="90000"/>
+            </a:lnSpc>
+            <a:spcBef>
+              <a:spcPct val="0"/>
+            </a:spcBef>
+            <a:spcAft>
+              <a:spcPct val="35000"/>
+            </a:spcAft>
+            <a:buNone/>
+          </a:pPr>
+          <a:r>
+            <a:rPr lang="en-US" sz="2800" kern="1200" dirty="0"/>
+            <a:t>Model</a:t>
+          </a:r>
+        </a:p>
+      </dsp:txBody>
+      <dsp:txXfrm>
+        <a:off x="2217400" y="2268266"/>
+        <a:ext cx="1506815" cy="882133"/>
+      </dsp:txXfrm>
+    </dsp:sp>
+    <dsp:sp modelId="{ED86B3B0-5FA1-4362-812C-97A25AEBC71C}">
+      <dsp:nvSpPr>
+        <dsp:cNvPr id="0" name=""/>
+        <dsp:cNvSpPr/>
+      </dsp:nvSpPr>
+      <dsp:spPr>
+        <a:xfrm>
+          <a:off x="3907829" y="2515682"/>
+          <a:ext cx="331081" cy="387302"/>
+        </a:xfrm>
+        <a:prstGeom prst="rightArrow">
+          <a:avLst>
+            <a:gd name="adj1" fmla="val 60000"/>
+            <a:gd name="adj2" fmla="val 50000"/>
+          </a:avLst>
+        </a:prstGeom>
+        <a:solidFill>
+          <a:schemeClr val="accent1">
+            <a:tint val="60000"/>
+            <a:hueOff val="0"/>
+            <a:satOff val="0"/>
+            <a:lumOff val="0"/>
+            <a:alphaOff val="0"/>
+          </a:schemeClr>
+        </a:solidFill>
+        <a:ln>
+          <a:noFill/>
+        </a:ln>
+        <a:effectLst/>
+      </dsp:spPr>
+      <dsp:style>
+        <a:lnRef idx="0">
+          <a:scrgbClr r="0" g="0" b="0"/>
+        </a:lnRef>
+        <a:fillRef idx="1">
+          <a:scrgbClr r="0" g="0" b="0"/>
+        </a:fillRef>
+        <a:effectRef idx="0">
+          <a:scrgbClr r="0" g="0" b="0"/>
+        </a:effectRef>
+        <a:fontRef idx="minor">
+          <a:schemeClr val="lt1"/>
+        </a:fontRef>
+      </dsp:style>
+      <dsp:txBody>
+        <a:bodyPr spcFirstLastPara="0" vert="horz" wrap="square" lIns="0" tIns="0" rIns="0" bIns="0" numCol="1" spcCol="1270" anchor="ctr" anchorCtr="0">
+          <a:noAutofit/>
+        </a:bodyPr>
+        <a:lstStyle/>
+        <a:p>
+          <a:pPr marL="0" lvl="0" indent="0" algn="ctr" defTabSz="711200">
+            <a:lnSpc>
+              <a:spcPct val="90000"/>
+            </a:lnSpc>
+            <a:spcBef>
+              <a:spcPct val="0"/>
+            </a:spcBef>
+            <a:spcAft>
+              <a:spcPct val="35000"/>
+            </a:spcAft>
+            <a:buNone/>
+          </a:pPr>
+          <a:endParaRPr lang="en-US" sz="1600" kern="1200"/>
+        </a:p>
+      </dsp:txBody>
+      <dsp:txXfrm>
+        <a:off x="3907829" y="2593142"/>
+        <a:ext cx="231757" cy="232382"/>
+      </dsp:txXfrm>
+    </dsp:sp>
+    <dsp:sp modelId="{79C66157-58C7-477D-999E-D6E13E08749F}">
+      <dsp:nvSpPr>
+        <dsp:cNvPr id="0" name=""/>
+        <dsp:cNvSpPr/>
+      </dsp:nvSpPr>
+      <dsp:spPr>
+        <a:xfrm>
+          <a:off x="4376340" y="2240822"/>
+          <a:ext cx="1561703" cy="937021"/>
+        </a:xfrm>
+        <a:prstGeom prst="roundRect">
+          <a:avLst>
+            <a:gd name="adj" fmla="val 10000"/>
+          </a:avLst>
+        </a:prstGeom>
+        <a:solidFill>
+          <a:schemeClr val="accent1">
+            <a:hueOff val="0"/>
+            <a:satOff val="0"/>
+            <a:lumOff val="0"/>
+            <a:alphaOff val="0"/>
+          </a:schemeClr>
+        </a:solidFill>
+        <a:ln w="12700" cap="flat" cmpd="sng" algn="ctr">
+          <a:solidFill>
+            <a:schemeClr val="lt1">
+              <a:hueOff val="0"/>
+              <a:satOff val="0"/>
+              <a:lumOff val="0"/>
+              <a:alphaOff val="0"/>
+            </a:schemeClr>
+          </a:solidFill>
+          <a:prstDash val="solid"/>
+          <a:miter lim="800000"/>
+        </a:ln>
+        <a:effectLst/>
+      </dsp:spPr>
+      <dsp:style>
+        <a:lnRef idx="2">
+          <a:scrgbClr r="0" g="0" b="0"/>
+        </a:lnRef>
+        <a:fillRef idx="1">
+          <a:scrgbClr r="0" g="0" b="0"/>
+        </a:fillRef>
+        <a:effectRef idx="0">
+          <a:scrgbClr r="0" g="0" b="0"/>
+        </a:effectRef>
+        <a:fontRef idx="minor">
+          <a:schemeClr val="lt1"/>
+        </a:fontRef>
+      </dsp:style>
+      <dsp:txBody>
+        <a:bodyPr spcFirstLastPara="0" vert="horz" wrap="square" lIns="106680" tIns="106680" rIns="106680" bIns="106680" numCol="1" spcCol="1270" anchor="ctr" anchorCtr="0">
+          <a:noAutofit/>
+        </a:bodyPr>
+        <a:lstStyle/>
+        <a:p>
+          <a:pPr marL="0" lvl="0" indent="0" algn="ctr" defTabSz="1244600">
+            <a:lnSpc>
+              <a:spcPct val="90000"/>
+            </a:lnSpc>
+            <a:spcBef>
+              <a:spcPct val="0"/>
+            </a:spcBef>
+            <a:spcAft>
+              <a:spcPct val="35000"/>
+            </a:spcAft>
+            <a:buNone/>
+          </a:pPr>
+          <a:r>
+            <a:rPr lang="en-US" sz="2800" kern="1200" dirty="0"/>
+            <a:t>Output</a:t>
+          </a:r>
+        </a:p>
+      </dsp:txBody>
+      <dsp:txXfrm>
+        <a:off x="4403784" y="2268266"/>
+        <a:ext cx="1506815" cy="882133"/>
+      </dsp:txXfrm>
+    </dsp:sp>
+    <dsp:sp modelId="{B0FD2DB9-F2E6-4D62-97CF-729DBFD162CC}">
+      <dsp:nvSpPr>
+        <dsp:cNvPr id="0" name=""/>
+        <dsp:cNvSpPr/>
+      </dsp:nvSpPr>
+      <dsp:spPr>
+        <a:xfrm>
+          <a:off x="6094214" y="2515682"/>
+          <a:ext cx="331081" cy="387302"/>
+        </a:xfrm>
+        <a:prstGeom prst="rightArrow">
+          <a:avLst>
+            <a:gd name="adj1" fmla="val 60000"/>
+            <a:gd name="adj2" fmla="val 50000"/>
+          </a:avLst>
+        </a:prstGeom>
+        <a:solidFill>
+          <a:schemeClr val="accent1">
+            <a:tint val="60000"/>
+            <a:hueOff val="0"/>
+            <a:satOff val="0"/>
+            <a:lumOff val="0"/>
+            <a:alphaOff val="0"/>
+          </a:schemeClr>
+        </a:solidFill>
+        <a:ln>
+          <a:noFill/>
+        </a:ln>
+        <a:effectLst/>
+      </dsp:spPr>
+      <dsp:style>
+        <a:lnRef idx="0">
+          <a:scrgbClr r="0" g="0" b="0"/>
+        </a:lnRef>
+        <a:fillRef idx="1">
+          <a:scrgbClr r="0" g="0" b="0"/>
+        </a:fillRef>
+        <a:effectRef idx="0">
+          <a:scrgbClr r="0" g="0" b="0"/>
+        </a:effectRef>
+        <a:fontRef idx="minor">
+          <a:schemeClr val="lt1"/>
+        </a:fontRef>
+      </dsp:style>
+      <dsp:txBody>
+        <a:bodyPr spcFirstLastPara="0" vert="horz" wrap="square" lIns="0" tIns="0" rIns="0" bIns="0" numCol="1" spcCol="1270" anchor="ctr" anchorCtr="0">
+          <a:noAutofit/>
+        </a:bodyPr>
+        <a:lstStyle/>
+        <a:p>
+          <a:pPr marL="0" lvl="0" indent="0" algn="ctr" defTabSz="711200">
+            <a:lnSpc>
+              <a:spcPct val="90000"/>
+            </a:lnSpc>
+            <a:spcBef>
+              <a:spcPct val="0"/>
+            </a:spcBef>
+            <a:spcAft>
+              <a:spcPct val="35000"/>
+            </a:spcAft>
+            <a:buNone/>
+          </a:pPr>
+          <a:endParaRPr lang="en-US" sz="1600" kern="1200"/>
+        </a:p>
+      </dsp:txBody>
+      <dsp:txXfrm>
+        <a:off x="6094214" y="2593142"/>
+        <a:ext cx="231757" cy="232382"/>
+      </dsp:txXfrm>
+    </dsp:sp>
+    <dsp:sp modelId="{2D681E52-F1C6-4EF2-8EC0-2E88871F8ECC}">
+      <dsp:nvSpPr>
+        <dsp:cNvPr id="0" name=""/>
+        <dsp:cNvSpPr/>
+      </dsp:nvSpPr>
+      <dsp:spPr>
+        <a:xfrm>
+          <a:off x="6562724" y="2240822"/>
+          <a:ext cx="1561703" cy="937021"/>
+        </a:xfrm>
+        <a:prstGeom prst="roundRect">
+          <a:avLst>
+            <a:gd name="adj" fmla="val 10000"/>
+          </a:avLst>
+        </a:prstGeom>
+        <a:solidFill>
+          <a:schemeClr val="accent1">
+            <a:hueOff val="0"/>
+            <a:satOff val="0"/>
+            <a:lumOff val="0"/>
+            <a:alphaOff val="0"/>
+          </a:schemeClr>
+        </a:solidFill>
+        <a:ln w="12700" cap="flat" cmpd="sng" algn="ctr">
+          <a:solidFill>
+            <a:schemeClr val="lt1">
+              <a:hueOff val="0"/>
+              <a:satOff val="0"/>
+              <a:lumOff val="0"/>
+              <a:alphaOff val="0"/>
+            </a:schemeClr>
+          </a:solidFill>
+          <a:prstDash val="solid"/>
+          <a:miter lim="800000"/>
+        </a:ln>
+        <a:effectLst/>
+      </dsp:spPr>
+      <dsp:style>
+        <a:lnRef idx="2">
+          <a:scrgbClr r="0" g="0" b="0"/>
+        </a:lnRef>
+        <a:fillRef idx="1">
+          <a:scrgbClr r="0" g="0" b="0"/>
+        </a:fillRef>
+        <a:effectRef idx="0">
+          <a:scrgbClr r="0" g="0" b="0"/>
+        </a:effectRef>
+        <a:fontRef idx="minor">
+          <a:schemeClr val="lt1"/>
+        </a:fontRef>
+      </dsp:style>
+      <dsp:txBody>
+        <a:bodyPr spcFirstLastPara="0" vert="horz" wrap="square" lIns="106680" tIns="106680" rIns="106680" bIns="106680" numCol="1" spcCol="1270" anchor="ctr" anchorCtr="0">
+          <a:noAutofit/>
+        </a:bodyPr>
+        <a:lstStyle/>
+        <a:p>
+          <a:pPr marL="0" lvl="0" indent="0" algn="ctr" defTabSz="1244600">
+            <a:lnSpc>
+              <a:spcPct val="90000"/>
+            </a:lnSpc>
+            <a:spcBef>
+              <a:spcPct val="0"/>
+            </a:spcBef>
+            <a:spcAft>
+              <a:spcPct val="35000"/>
+            </a:spcAft>
+            <a:buNone/>
+          </a:pPr>
+          <a:r>
+            <a:rPr lang="en-US" sz="2800" kern="1200" dirty="0"/>
+            <a:t>Loss</a:t>
+          </a:r>
+        </a:p>
+      </dsp:txBody>
+      <dsp:txXfrm>
+        <a:off x="6590168" y="2268266"/>
+        <a:ext cx="1506815" cy="882133"/>
+      </dsp:txXfrm>
+    </dsp:sp>
+  </dsp:spTree>
+</dsp:drawing>
+</file>
+
+<file path=ppt/diagrams/layout1.xml><?xml version="1.0" encoding="utf-8"?>
+<dgm:layoutDef xmlns:dgm="http://schemas.openxmlformats.org/drawingml/2006/diagram" xmlns:a="http://schemas.openxmlformats.org/drawingml/2006/main" uniqueId="urn:microsoft.com/office/officeart/2005/8/layout/process1">
+  <dgm:title val=""/>
+  <dgm:desc val=""/>
+  <dgm:catLst>
+    <dgm:cat type="process" pri="1000"/>
+    <dgm:cat type="convert" pri="15000"/>
+  </dgm:catLst>
+  <dgm:sampData useDef="1">
+    <dgm:dataModel>
+      <dgm:ptLst/>
+      <dgm:bg/>
+      <dgm:whole/>
+    </dgm:dataModel>
+  </dgm:sampData>
+  <dgm:styleData>
+    <dgm:dataModel>
+      <dgm:ptLst>
+        <dgm:pt modelId="0" type="doc"/>
+        <dgm:pt modelId="1"/>
+        <dgm:pt modelId="2"/>
+      </dgm:ptLst>
+      <dgm:cxnLst>
+        <dgm:cxn modelId="3" srcId="0" destId="1" srcOrd="0" destOrd="0"/>
+        <dgm:cxn modelId="4" srcId="0" destId="2" srcOrd="1" destOrd="0"/>
+      </dgm:cxnLst>
+      <dgm:bg/>
+      <dgm:whole/>
+    </dgm:dataModel>
+  </dgm:styleData>
+  <dgm:clrData>
+    <dgm:dataModel>
+      <dgm:ptLst>
+        <dgm:pt modelId="0" type="doc"/>
+        <dgm:pt modelId="1"/>
+        <dgm:pt modelId="2"/>
+        <dgm:pt modelId="3"/>
+        <dgm:pt modelId="4"/>
+      </dgm:ptLst>
+      <dgm:cxnLst>
+        <dgm:cxn modelId="5" srcId="0" destId="1" srcOrd="0" destOrd="0"/>
+        <dgm:cxn modelId="6" srcId="0" destId="2" srcOrd="1" destOrd="0"/>
+        <dgm:cxn modelId="7" srcId="0" destId="3" srcOrd="2" destOrd="0"/>
+        <dgm:cxn modelId="8" srcId="0" destId="4" srcOrd="3" destOrd="0"/>
+      </dgm:cxnLst>
+      <dgm:bg/>
+      <dgm:whole/>
+    </dgm:dataModel>
+  </dgm:clrData>
+  <dgm:layoutNode name="Name0">
+    <dgm:varLst>
+      <dgm:dir/>
+      <dgm:resizeHandles val="exact"/>
+    </dgm:varLst>
+    <dgm:choose name="Name1">
+      <dgm:if name="Name2" func="var" arg="dir" op="equ" val="norm">
+        <dgm:alg type="lin"/>
+      </dgm:if>
+      <dgm:else name="Name3">
+        <dgm:alg type="lin">
+          <dgm:param type="linDir" val="fromR"/>
+        </dgm:alg>
+      </dgm:else>
+    </dgm:choose>
+    <dgm:shape xmlns:r="http://schemas.openxmlformats.org/officeDocument/2006/relationships" r:blip="">
+      <dgm:adjLst/>
+    </dgm:shape>
+    <dgm:presOf/>
+    <dgm:constrLst>
+      <dgm:constr type="w" for="ch" ptType="node" refType="w"/>
+      <dgm:constr type="h" for="ch" ptType="node" op="equ"/>
+      <dgm:constr type="primFontSz" for="ch" ptType="node" op="equ" val="65"/>
+      <dgm:constr type="w" for="ch" ptType="sibTrans" refType="w" refFor="ch" refPtType="node" op="equ" fact="0.4"/>
+      <dgm:constr type="h" for="ch" ptType="sibTrans" op="equ"/>
+      <dgm:constr type="primFontSz" for="des" forName="connectorText" op="equ" val="55"/>
+      <dgm:constr type="primFontSz" for="des" forName="connectorText" refType="primFontSz" refFor="ch" refPtType="node" op="lte" fact="0.8"/>
+    </dgm:constrLst>
+    <dgm:ruleLst/>
+    <dgm:forEach name="nodesForEach" axis="ch" ptType="node">
+      <dgm:layoutNode name="node">
+        <dgm:varLst>
+          <dgm:bulletEnabled val="1"/>
+        </dgm:varLst>
+        <dgm:alg type="tx"/>
+        <dgm:shape xmlns:r="http://schemas.openxmlformats.org/officeDocument/2006/relationships" type="roundRect" r:blip="">
+          <dgm:adjLst>
+            <dgm:adj idx="1" val="0.1"/>
+          </dgm:adjLst>
+        </dgm:shape>
+        <dgm:presOf axis="desOrSelf" ptType="node"/>
+        <dgm:constrLst>
+          <dgm:constr type="h" refType="w" fact="0.6"/>
+          <dgm:constr type="tMarg" refType="primFontSz" fact="0.3"/>
+          <dgm:constr type="bMarg" refType="primFontSz" fact="0.3"/>
+          <dgm:constr type="lMarg" refType="primFontSz" fact="0.3"/>
+          <dgm:constr type="rMarg" refType="primFontSz" fact="0.3"/>
+        </dgm:constrLst>
+        <dgm:ruleLst>
+          <dgm:rule type="primFontSz" val="18" fact="NaN" max="NaN"/>
+          <dgm:rule type="h" val="NaN" fact="1.5" max="NaN"/>
+          <dgm:rule type="primFontSz" val="5" fact="NaN" max="NaN"/>
+          <dgm:rule type="h" val="INF" fact="NaN" max="NaN"/>
+        </dgm:ruleLst>
+      </dgm:layoutNode>
+      <dgm:forEach name="sibTransForEach" axis="followSib" ptType="sibTrans" cnt="1">
+        <dgm:layoutNode name="sibTrans">
+          <dgm:alg type="conn">
+            <dgm:param type="begPts" val="auto"/>
+            <dgm:param type="endPts" val="auto"/>
+          </dgm:alg>
+          <dgm:shape xmlns:r="http://schemas.openxmlformats.org/officeDocument/2006/relationships" type="conn" r:blip="">
+            <dgm:adjLst/>
+          </dgm:shape>
+          <dgm:presOf axis="self"/>
+          <dgm:constrLst>
+            <dgm:constr type="h" refType="w" fact="0.62"/>
+            <dgm:constr type="connDist"/>
+            <dgm:constr type="begPad" refType="connDist" fact="0.25"/>
+            <dgm:constr type="endPad" refType="connDist" fact="0.22"/>
+          </dgm:constrLst>
+          <dgm:ruleLst/>
+          <dgm:layoutNode name="connectorText">
+            <dgm:alg type="tx">
+              <dgm:param type="autoTxRot" val="grav"/>
+            </dgm:alg>
+            <dgm:shape xmlns:r="http://schemas.openxmlformats.org/officeDocument/2006/relationships" type="conn" r:blip="" hideGeom="1">
+              <dgm:adjLst/>
+            </dgm:shape>
+            <dgm:presOf axis="self"/>
+            <dgm:constrLst>
+              <dgm:constr type="lMarg"/>
+              <dgm:constr type="rMarg"/>
+              <dgm:constr type="tMarg"/>
+              <dgm:constr type="bMarg"/>
+            </dgm:constrLst>
+            <dgm:ruleLst>
+              <dgm:rule type="primFontSz" val="5" fact="NaN" max="NaN"/>
+            </dgm:ruleLst>
+          </dgm:layoutNode>
+        </dgm:layoutNode>
+      </dgm:forEach>
+    </dgm:forEach>
+  </dgm:layoutNode>
+</dgm:layoutDef>
+</file>
+
+<file path=ppt/diagrams/layout2.xml><?xml version="1.0" encoding="utf-8"?>
+<dgm:layoutDef xmlns:dgm="http://schemas.openxmlformats.org/drawingml/2006/diagram" xmlns:a="http://schemas.openxmlformats.org/drawingml/2006/main" uniqueId="urn:microsoft.com/office/officeart/2005/8/layout/process1">
+  <dgm:title val=""/>
+  <dgm:desc val=""/>
+  <dgm:catLst>
+    <dgm:cat type="process" pri="1000"/>
+    <dgm:cat type="convert" pri="15000"/>
+  </dgm:catLst>
+  <dgm:sampData useDef="1">
+    <dgm:dataModel>
+      <dgm:ptLst/>
+      <dgm:bg/>
+      <dgm:whole/>
+    </dgm:dataModel>
+  </dgm:sampData>
+  <dgm:styleData>
+    <dgm:dataModel>
+      <dgm:ptLst>
+        <dgm:pt modelId="0" type="doc"/>
+        <dgm:pt modelId="1"/>
+        <dgm:pt modelId="2"/>
+      </dgm:ptLst>
+      <dgm:cxnLst>
+        <dgm:cxn modelId="3" srcId="0" destId="1" srcOrd="0" destOrd="0"/>
+        <dgm:cxn modelId="4" srcId="0" destId="2" srcOrd="1" destOrd="0"/>
+      </dgm:cxnLst>
+      <dgm:bg/>
+      <dgm:whole/>
+    </dgm:dataModel>
+  </dgm:styleData>
+  <dgm:clrData>
+    <dgm:dataModel>
+      <dgm:ptLst>
+        <dgm:pt modelId="0" type="doc"/>
+        <dgm:pt modelId="1"/>
+        <dgm:pt modelId="2"/>
+        <dgm:pt modelId="3"/>
+        <dgm:pt modelId="4"/>
+      </dgm:ptLst>
+      <dgm:cxnLst>
+        <dgm:cxn modelId="5" srcId="0" destId="1" srcOrd="0" destOrd="0"/>
+        <dgm:cxn modelId="6" srcId="0" destId="2" srcOrd="1" destOrd="0"/>
+        <dgm:cxn modelId="7" srcId="0" destId="3" srcOrd="2" destOrd="0"/>
+        <dgm:cxn modelId="8" srcId="0" destId="4" srcOrd="3" destOrd="0"/>
+      </dgm:cxnLst>
+      <dgm:bg/>
+      <dgm:whole/>
+    </dgm:dataModel>
+  </dgm:clrData>
+  <dgm:layoutNode name="Name0">
+    <dgm:varLst>
+      <dgm:dir/>
+      <dgm:resizeHandles val="exact"/>
+    </dgm:varLst>
+    <dgm:choose name="Name1">
+      <dgm:if name="Name2" func="var" arg="dir" op="equ" val="norm">
+        <dgm:alg type="lin"/>
+      </dgm:if>
+      <dgm:else name="Name3">
+        <dgm:alg type="lin">
+          <dgm:param type="linDir" val="fromR"/>
+        </dgm:alg>
+      </dgm:else>
+    </dgm:choose>
+    <dgm:shape xmlns:r="http://schemas.openxmlformats.org/officeDocument/2006/relationships" r:blip="">
+      <dgm:adjLst/>
+    </dgm:shape>
+    <dgm:presOf/>
+    <dgm:constrLst>
+      <dgm:constr type="w" for="ch" ptType="node" refType="w"/>
+      <dgm:constr type="h" for="ch" ptType="node" op="equ"/>
+      <dgm:constr type="primFontSz" for="ch" ptType="node" op="equ" val="65"/>
+      <dgm:constr type="w" for="ch" ptType="sibTrans" refType="w" refFor="ch" refPtType="node" op="equ" fact="0.4"/>
+      <dgm:constr type="h" for="ch" ptType="sibTrans" op="equ"/>
+      <dgm:constr type="primFontSz" for="des" forName="connectorText" op="equ" val="55"/>
+      <dgm:constr type="primFontSz" for="des" forName="connectorText" refType="primFontSz" refFor="ch" refPtType="node" op="lte" fact="0.8"/>
+    </dgm:constrLst>
+    <dgm:ruleLst/>
+    <dgm:forEach name="nodesForEach" axis="ch" ptType="node">
+      <dgm:layoutNode name="node">
+        <dgm:varLst>
+          <dgm:bulletEnabled val="1"/>
+        </dgm:varLst>
+        <dgm:alg type="tx"/>
+        <dgm:shape xmlns:r="http://schemas.openxmlformats.org/officeDocument/2006/relationships" type="roundRect" r:blip="">
+          <dgm:adjLst>
+            <dgm:adj idx="1" val="0.1"/>
+          </dgm:adjLst>
+        </dgm:shape>
+        <dgm:presOf axis="desOrSelf" ptType="node"/>
+        <dgm:constrLst>
+          <dgm:constr type="h" refType="w" fact="0.6"/>
+          <dgm:constr type="tMarg" refType="primFontSz" fact="0.3"/>
+          <dgm:constr type="bMarg" refType="primFontSz" fact="0.3"/>
+          <dgm:constr type="lMarg" refType="primFontSz" fact="0.3"/>
+          <dgm:constr type="rMarg" refType="primFontSz" fact="0.3"/>
+        </dgm:constrLst>
+        <dgm:ruleLst>
+          <dgm:rule type="primFontSz" val="18" fact="NaN" max="NaN"/>
+          <dgm:rule type="h" val="NaN" fact="1.5" max="NaN"/>
+          <dgm:rule type="primFontSz" val="5" fact="NaN" max="NaN"/>
+          <dgm:rule type="h" val="INF" fact="NaN" max="NaN"/>
+        </dgm:ruleLst>
+      </dgm:layoutNode>
+      <dgm:forEach name="sibTransForEach" axis="followSib" ptType="sibTrans" cnt="1">
+        <dgm:layoutNode name="sibTrans">
+          <dgm:alg type="conn">
+            <dgm:param type="begPts" val="auto"/>
+            <dgm:param type="endPts" val="auto"/>
+          </dgm:alg>
+          <dgm:shape xmlns:r="http://schemas.openxmlformats.org/officeDocument/2006/relationships" type="conn" r:blip="">
+            <dgm:adjLst/>
+          </dgm:shape>
+          <dgm:presOf axis="self"/>
+          <dgm:constrLst>
+            <dgm:constr type="h" refType="w" fact="0.62"/>
+            <dgm:constr type="connDist"/>
+            <dgm:constr type="begPad" refType="connDist" fact="0.25"/>
+            <dgm:constr type="endPad" refType="connDist" fact="0.22"/>
+          </dgm:constrLst>
+          <dgm:ruleLst/>
+          <dgm:layoutNode name="connectorText">
+            <dgm:alg type="tx">
+              <dgm:param type="autoTxRot" val="grav"/>
+            </dgm:alg>
+            <dgm:shape xmlns:r="http://schemas.openxmlformats.org/officeDocument/2006/relationships" type="conn" r:blip="" hideGeom="1">
+              <dgm:adjLst/>
+            </dgm:shape>
+            <dgm:presOf axis="self"/>
+            <dgm:constrLst>
+              <dgm:constr type="lMarg"/>
+              <dgm:constr type="rMarg"/>
+              <dgm:constr type="tMarg"/>
+              <dgm:constr type="bMarg"/>
+            </dgm:constrLst>
+            <dgm:ruleLst>
+              <dgm:rule type="primFontSz" val="5" fact="NaN" max="NaN"/>
+            </dgm:ruleLst>
+          </dgm:layoutNode>
+        </dgm:layoutNode>
+      </dgm:forEach>
+    </dgm:forEach>
+  </dgm:layoutNode>
+</dgm:layoutDef>
+</file>
+
+<file path=ppt/diagrams/quickStyle1.xml><?xml version="1.0" encoding="utf-8"?>
+<dgm:styleDef xmlns:dgm="http://schemas.openxmlformats.org/drawingml/2006/diagram" xmlns:a="http://schemas.openxmlformats.org/drawingml/2006/main" uniqueId="urn:microsoft.com/office/officeart/2005/8/quickstyle/simple1">
+  <dgm:title val=""/>
+  <dgm:desc val=""/>
+  <dgm:catLst>
+    <dgm:cat type="simple" pri="10100"/>
+  </dgm:catLst>
+  <dgm:scene3d>
+    <a:camera prst="orthographicFront"/>
+    <a:lightRig rig="threePt" dir="t"/>
+  </dgm:scene3d>
+  <dgm:styleLbl name="node0">
+    <dgm:scene3d>
+      <a:camera prst="orthographicFront"/>
+      <a:lightRig rig="threePt" dir="t"/>
+    </dgm:scene3d>
+    <dgm:sp3d/>
+    <dgm:txPr/>
+    <dgm:style>
+      <a:lnRef idx="2">
+        <a:scrgbClr r="0" g="0" b="0"/>
+      </a:lnRef>
+      <a:fillRef idx="1">
+        <a:scrgbClr r="0" g="0" b="0"/>
+      </a:fillRef>
+      <a:effectRef idx="0">
+        <a:scrgbClr r="0" g="0" b="0"/>
+      </a:effectRef>
+      <a:fontRef idx="minor">
+        <a:schemeClr val="lt1"/>
+      </a:fontRef>
+    </dgm:style>
+  </dgm:styleLbl>
+  <dgm:styleLbl name="lnNode1">
+    <dgm:scene3d>
+      <a:camera prst="orthographicFront"/>
+      <a:lightRig rig="threePt" dir="t"/>
+    </dgm:scene3d>
+    <dgm:sp3d/>
+    <dgm:txPr/>
+    <dgm:style>
+      <a:lnRef idx="2">
+        <a:scrgbClr r="0" g="0" b="0"/>
+      </a:lnRef>
+      <a:fillRef idx="1">
+        <a:scrgbClr r="0" g="0" b="0"/>
+      </a:fillRef>
+      <a:effectRef idx="0">
+        <a:scrgbClr r="0" g="0" b="0"/>
+      </a:effectRef>
+      <a:fontRef idx="minor">
+        <a:schemeClr val="lt1"/>
+      </a:fontRef>
+    </dgm:style>
+  </dgm:styleLbl>
+  <dgm:styleLbl name="vennNode1">
+    <dgm:scene3d>
+      <a:camera prst="orthographicFront"/>
+      <a:lightRig rig="threePt" dir="t"/>
+    </dgm:scene3d>
+    <dgm:sp3d/>
+    <dgm:txPr/>
+    <dgm:style>
+      <a:lnRef idx="2">
+        <a:scrgbClr r="0" g="0" b="0"/>
+      </a:lnRef>
+      <a:fillRef idx="1">
+        <a:scrgbClr r="0" g="0" b="0"/>
+      </a:fillRef>
+      <a:effectRef idx="0">
+        <a:scrgbClr r="0" g="0" b="0"/>
+      </a:effectRef>
+      <a:fontRef idx="minor">
+        <a:schemeClr val="tx1"/>
+      </a:fontRef>
+    </dgm:style>
+  </dgm:styleLbl>
+  <dgm:styleLbl name="alignNode1">
+    <dgm:scene3d>
+      <a:camera prst="orthographicFront"/>
+      <a:lightRig rig="threePt" dir="t"/>
+    </dgm:scene3d>
+    <dgm:sp3d/>
+    <dgm:txPr/>
+    <dgm:style>
+      <a:lnRef idx="2">
+        <a:scrgbClr r="0" g="0" b="0"/>
+      </a:lnRef>
+      <a:fillRef idx="1">
+        <a:scrgbClr r="0" g="0" b="0"/>
+      </a:fillRef>
+      <a:effectRef idx="0">
+        <a:scrgbClr r="0" g="0" b="0"/>
+      </a:effectRef>
+      <a:fontRef idx="minor">
+        <a:schemeClr val="lt1"/>
+      </a:fontRef>
+    </dgm:style>
+  </dgm:styleLbl>
+  <dgm:styleLbl name="node1">
+    <dgm:scene3d>
+      <a:camera prst="orthographicFront"/>
+      <a:lightRig rig="threePt" dir="t"/>
+    </dgm:scene3d>
+    <dgm:sp3d/>
+    <dgm:txPr/>
+    <dgm:style>
+      <a:lnRef idx="2">
+        <a:scrgbClr r="0" g="0" b="0"/>
+      </a:lnRef>
+      <a:fillRef idx="1">
+        <a:scrgbClr r="0" g="0" b="0"/>
+      </a:fillRef>
+      <a:effectRef idx="0">
+        <a:scrgbClr r="0" g="0" b="0"/>
+      </a:effectRef>
+      <a:fontRef idx="minor">
+        <a:schemeClr val="lt1"/>
+      </a:fontRef>
+    </dgm:style>
+  </dgm:styleLbl>
+  <dgm:styleLbl name="node2">
+    <dgm:scene3d>
+      <a:camera prst="orthographicFront"/>
+      <a:lightRig rig="threePt" dir="t"/>
+    </dgm:scene3d>
+    <dgm:sp3d/>
+    <dgm:txPr/>
+    <dgm:style>
+      <a:lnRef idx="2">
+        <a:scrgbClr r="0" g="0" b="0"/>
+      </a:lnRef>
+      <a:fillRef idx="1">
+        <a:scrgbClr r="0" g="0" b="0"/>
+      </a:fillRef>
+      <a:effectRef idx="0">
+        <a:scrgbClr r="0" g="0" b="0"/>
+      </a:effectRef>
+      <a:fontRef idx="minor">
+        <a:schemeClr val="lt1"/>
+      </a:fontRef>
+    </dgm:style>
+  </dgm:styleLbl>
+  <dgm:styleLbl name="node3">
+    <dgm:scene3d>
+      <a:camera prst="orthographicFront"/>
+      <a:lightRig rig="threePt" dir="t"/>
+    </dgm:scene3d>
+    <dgm:sp3d/>
+    <dgm:txPr/>
+    <dgm:style>
+      <a:lnRef idx="2">
+        <a:scrgbClr r="0" g="0" b="0"/>
+      </a:lnRef>
+      <a:fillRef idx="1">
+        <a:scrgbClr r="0" g="0" b="0"/>
+      </a:fillRef>
+      <a:effectRef idx="0">
+        <a:scrgbClr r="0" g="0" b="0"/>
+      </a:effectRef>
+      <a:fontRef idx="minor">
+        <a:schemeClr val="lt1"/>
+      </a:fontRef>
+    </dgm:style>
+  </dgm:styleLbl>
+  <dgm:styleLbl name="node4">
+    <dgm:scene3d>
+      <a:camera prst="orthographicFront"/>
+      <a:lightRig rig="threePt" dir="t"/>
+    </dgm:scene3d>
+    <dgm:sp3d/>
+    <dgm:txPr/>
+    <dgm:style>
+      <a:lnRef idx="2">
+        <a:scrgbClr r="0" g="0" b="0"/>
+      </a:lnRef>
+      <a:fillRef idx="1">
+        <a:scrgbClr r="0" g="0" b="0"/>
+      </a:fillRef>
+      <a:effectRef idx="0">
+        <a:scrgbClr r="0" g="0" b="0"/>
+      </a:effectRef>
+      <a:fontRef idx="minor">
+        <a:schemeClr val="lt1"/>
+      </a:fontRef>
+    </dgm:style>
+  </dgm:styleLbl>
+  <dgm:styleLbl name="fgImgPlace1">
+    <dgm:scene3d>
+      <a:camera prst="orthographicFront"/>
+      <a:lightRig rig="threePt" dir="t"/>
+    </dgm:scene3d>
+    <dgm:sp3d/>
+    <dgm:txPr/>
+    <dgm:style>
+      <a:lnRef idx="2">
+        <a:scrgbClr r="0" g="0" b="0"/>
+      </a:lnRef>
+      <a:fillRef idx="1">
+        <a:scrgbClr r="0" g="0" b="0"/>
+      </a:fillRef>
+      <a:effectRef idx="0">
+        <a:scrgbClr r="0" g="0" b="0"/>
+      </a:effectRef>
+      <a:fontRef idx="minor"/>
+    </dgm:style>
+  </dgm:styleLbl>
+  <dgm:styleLbl name="alignImgPlace1">
+    <dgm:scene3d>
+      <a:camera prst="orthographicFront"/>
+      <a:lightRig rig="threePt" dir="t"/>
+    </dgm:scene3d>
+    <dgm:sp3d/>
+    <dgm:txPr/>
+    <dgm:style>
+      <a:lnRef idx="2">
+        <a:scrgbClr r="0" g="0" b="0"/>
+      </a:lnRef>
+      <a:fillRef idx="1">
+        <a:scrgbClr r="0" g="0" b="0"/>
+      </a:fillRef>
+      <a:effectRef idx="0">
+        <a:scrgbClr r="0" g="0" b="0"/>
+      </a:effectRef>
+      <a:fontRef idx="minor"/>
+    </dgm:style>
+  </dgm:styleLbl>
+  <dgm:styleLbl name="bgImgPlace1">
+    <dgm:scene3d>
+      <a:camera prst="orthographicFront"/>
+      <a:lightRig rig="threePt" dir="t"/>
+    </dgm:scene3d>
+    <dgm:sp3d/>
+    <dgm:txPr/>
+    <dgm:style>
+      <a:lnRef idx="2">
+        <a:scrgbClr r="0" g="0" b="0"/>
+      </a:lnRef>
+      <a:fillRef idx="1">
+        <a:scrgbClr r="0" g="0" b="0"/>
+      </a:fillRef>
+      <a:effectRef idx="0">
+        <a:scrgbClr r="0" g="0" b="0"/>
+      </a:effectRef>
+      <a:fontRef idx="minor"/>
+    </dgm:style>
+  </dgm:styleLbl>
+  <dgm:styleLbl name="sibTrans2D1">
+    <dgm:scene3d>
+      <a:camera prst="orthographicFront"/>
+      <a:lightRig rig="threePt" dir="t"/>
+    </dgm:scene3d>
+    <dgm:sp3d/>
+    <dgm:txPr/>
+    <dgm:style>
+      <a:lnRef idx="0">
+        <a:scrgbClr r="0" g="0" b="0"/>
+      </a:lnRef>
+      <a:fillRef idx="1">
+        <a:scrgbClr r="0" g="0" b="0"/>
+      </a:fillRef>
+      <a:effectRef idx="0">
+        <a:scrgbClr r="0" g="0" b="0"/>
+      </a:effectRef>
+      <a:fontRef idx="minor">
+        <a:schemeClr val="lt1"/>
+      </a:fontRef>
+    </dgm:style>
+  </dgm:styleLbl>
+  <dgm:styleLbl name="fgSibTrans2D1">
+    <dgm:scene3d>
+      <a:camera prst="orthographicFront"/>
+      <a:lightRig rig="threePt" dir="t"/>
+    </dgm:scene3d>
+    <dgm:sp3d/>
+    <dgm:txPr/>
+    <dgm:style>
+      <a:lnRef idx="0">
+        <a:scrgbClr r="0" g="0" b="0"/>
+      </a:lnRef>
+      <a:fillRef idx="1">
+        <a:scrgbClr r="0" g="0" b="0"/>
+      </a:fillRef>
+      <a:effectRef idx="0">
+        <a:scrgbClr r="0" g="0" b="0"/>
+      </a:effectRef>
+      <a:fontRef idx="minor">
+        <a:schemeClr val="lt1"/>
+      </a:fontRef>
+    </dgm:style>
+  </dgm:styleLbl>
+  <dgm:styleLbl name="bgSibTrans2D1">
+    <dgm:scene3d>
+      <a:camera prst="orthographicFront"/>
+      <a:lightRig rig="threePt" dir="t"/>
+    </dgm:scene3d>
+    <dgm:sp3d/>
+    <dgm:txPr/>
+    <dgm:style>
+      <a:lnRef idx="0">
+        <a:scrgbClr r="0" g="0" b="0"/>
+      </a:lnRef>
+      <a:fillRef idx="1">
+        <a:scrgbClr r="0" g="0" b="0"/>
+      </a:fillRef>
+      <a:effectRef idx="0">
+        <a:scrgbClr r="0" g="0" b="0"/>
+      </a:effectRef>
+      <a:fontRef idx="minor">
+        <a:schemeClr val="lt1"/>
+      </a:fontRef>
+    </dgm:style>
+  </dgm:styleLbl>
+  <dgm:styleLbl name="sibTrans1D1">
+    <dgm:scene3d>
+      <a:camera prst="orthographicFront"/>
+      <a:lightRig rig="threePt" dir="t"/>
+    </dgm:scene3d>
+    <dgm:sp3d/>
+    <dgm:txPr/>
+    <dgm:style>
+      <a:lnRef idx="1">
+        <a:scrgbClr r="0" g="0" b="0"/>
+      </a:lnRef>
+      <a:fillRef idx="0">
+        <a:scrgbClr r="0" g="0" b="0"/>
+      </a:fillRef>
+      <a:effectRef idx="0">
+        <a:scrgbClr r="0" g="0" b="0"/>
+      </a:effectRef>
+      <a:fontRef idx="minor"/>
+    </dgm:style>
+  </dgm:styleLbl>
+  <dgm:styleLbl name="callout">
+    <dgm:scene3d>
+      <a:camera prst="orthographicFront"/>
+      <a:lightRig rig="threePt" dir="t"/>
+    </dgm:scene3d>
+    <dgm:sp3d/>
+    <dgm:txPr/>
+    <dgm:style>
+      <a:lnRef idx="2">
+        <a:scrgbClr r="0" g="0" b="0"/>
+      </a:lnRef>
+      <a:fillRef idx="1">
+        <a:scrgbClr r="0" g="0" b="0"/>
+      </a:fillRef>
+      <a:effectRef idx="0">
+        <a:scrgbClr r="0" g="0" b="0"/>
+      </a:effectRef>
+      <a:fontRef idx="minor"/>
+    </dgm:style>
+  </dgm:styleLbl>
+  <dgm:styleLbl name="asst0">
+    <dgm:scene3d>
+      <a:camera prst="orthographicFront"/>
+      <a:lightRig rig="threePt" dir="t"/>
+    </dgm:scene3d>
+    <dgm:sp3d/>
+    <dgm:txPr/>
+    <dgm:style>
+      <a:lnRef idx="2">
+        <a:scrgbClr r="0" g="0" b="0"/>
+      </a:lnRef>
+      <a:fillRef idx="1">
+        <a:scrgbClr r="0" g="0" b="0"/>
+      </a:fillRef>
+      <a:effectRef idx="0">
+        <a:scrgbClr r="0" g="0" b="0"/>
+      </a:effectRef>
+      <a:fontRef idx="minor">
+        <a:schemeClr val="lt1"/>
+      </a:fontRef>
+    </dgm:style>
+  </dgm:styleLbl>
+  <dgm:styleLbl name="asst1">
+    <dgm:scene3d>
+      <a:camera prst="orthographicFront"/>
+      <a:lightRig rig="threePt" dir="t"/>
+    </dgm:scene3d>
+    <dgm:sp3d/>
+    <dgm:txPr/>
+    <dgm:style>
+      <a:lnRef idx="2">
+        <a:scrgbClr r="0" g="0" b="0"/>
+      </a:lnRef>
+      <a:fillRef idx="1">
+        <a:scrgbClr r="0" g="0" b="0"/>
+      </a:fillRef>
+      <a:effectRef idx="0">
+        <a:scrgbClr r="0" g="0" b="0"/>
+      </a:effectRef>
+      <a:fontRef idx="minor">
+        <a:schemeClr val="lt1"/>
+      </a:fontRef>
+    </dgm:style>
+  </dgm:styleLbl>
+  <dgm:styleLbl name="asst2">
+    <dgm:scene3d>
+      <a:camera prst="orthographicFront"/>
+      <a:lightRig rig="threePt" dir="t"/>
+    </dgm:scene3d>
+    <dgm:sp3d/>
+    <dgm:txPr/>
+    <dgm:style>
+      <a:lnRef idx="2">
+        <a:scrgbClr r="0" g="0" b="0"/>
+      </a:lnRef>
+      <a:fillRef idx="1">
+        <a:scrgbClr r="0" g="0" b="0"/>
+      </a:fillRef>
+      <a:effectRef idx="0">
+        <a:scrgbClr r="0" g="0" b="0"/>
+      </a:effectRef>
+      <a:fontRef idx="minor">
+        <a:schemeClr val="lt1"/>
+      </a:fontRef>
+    </dgm:style>
+  </dgm:styleLbl>
+  <dgm:styleLbl name="asst3">
+    <dgm:scene3d>
+      <a:camera prst="orthographicFront"/>
+      <a:lightRig rig="threePt" dir="t"/>
+    </dgm:scene3d>
+    <dgm:sp3d/>
+    <dgm:txPr/>
+    <dgm:style>
+      <a:lnRef idx="2">
+        <a:scrgbClr r="0" g="0" b="0"/>
+      </a:lnRef>
+      <a:fillRef idx="1">
+        <a:scrgbClr r="0" g="0" b="0"/>
+      </a:fillRef>
+      <a:effectRef idx="0">
+        <a:scrgbClr r="0" g="0" b="0"/>
+      </a:effectRef>
+      <a:fontRef idx="minor">
+        <a:schemeClr val="lt1"/>
+      </a:fontRef>
+    </dgm:style>
+  </dgm:styleLbl>
+  <dgm:styleLbl name="asst4">
+    <dgm:scene3d>
+      <a:camera prst="orthographicFront"/>
+      <a:lightRig rig="threePt" dir="t"/>
+    </dgm:scene3d>
+    <dgm:sp3d/>
+    <dgm:txPr/>
+    <dgm:style>
+      <a:lnRef idx="2">
+        <a:scrgbClr r="0" g="0" b="0"/>
+      </a:lnRef>
+      <a:fillRef idx="1">
+        <a:scrgbClr r="0" g="0" b="0"/>
+      </a:fillRef>
+      <a:effectRef idx="0">
+        <a:scrgbClr r="0" g="0" b="0"/>
+      </a:effectRef>
+      <a:fontRef idx="minor">
+        <a:schemeClr val="lt1"/>
+      </a:fontRef>
+    </dgm:style>
+  </dgm:styleLbl>
+  <dgm:styleLbl name="parChTrans2D1">
+    <dgm:scene3d>
+      <a:camera prst="orthographicFront"/>
+      <a:lightRig rig="threePt" dir="t"/>
+    </dgm:scene3d>
+    <dgm:sp3d/>
+    <dgm:txPr/>
+    <dgm:style>
+      <a:lnRef idx="2">
+        <a:scrgbClr r="0" g="0" b="0"/>
+      </a:lnRef>
+      <a:fillRef idx="1">
+        <a:scrgbClr r="0" g="0" b="0"/>
+      </a:fillRef>
+      <a:effectRef idx="0">
+        <a:scrgbClr r="0" g="0" b="0"/>
+      </a:effectRef>
+      <a:fontRef idx="minor">
+        <a:schemeClr val="lt1"/>
+      </a:fontRef>
+    </dgm:style>
+  </dgm:styleLbl>
+  <dgm:styleLbl name="parChTrans2D2">
+    <dgm:scene3d>
+      <a:camera prst="orthographicFront"/>
+      <a:lightRig rig="threePt" dir="t"/>
+    </dgm:scene3d>
+    <dgm:sp3d/>
+    <dgm:txPr/>
+    <dgm:style>
+      <a:lnRef idx="2">
+        <a:scrgbClr r="0" g="0" b="0"/>
+      </a:lnRef>
+      <a:fillRef idx="1">
+        <a:scrgbClr r="0" g="0" b="0"/>
+      </a:fillRef>
+      <a:effectRef idx="0">
+        <a:scrgbClr r="0" g="0" b="0"/>
+      </a:effectRef>
+      <a:fontRef idx="minor">
+        <a:schemeClr val="lt1"/>
+      </a:fontRef>
+    </dgm:style>
+  </dgm:styleLbl>
+  <dgm:styleLbl name="parChTrans2D3">
+    <dgm:scene3d>
+      <a:camera prst="orthographicFront"/>
+      <a:lightRig rig="threePt" dir="t"/>
+    </dgm:scene3d>
+    <dgm:sp3d/>
+    <dgm:txPr/>
+    <dgm:style>
+      <a:lnRef idx="2">
+        <a:scrgbClr r="0" g="0" b="0"/>
+      </a:lnRef>
+      <a:fillRef idx="1">
+        <a:scrgbClr r="0" g="0" b="0"/>
+      </a:fillRef>
+      <a:effectRef idx="0">
+        <a:scrgbClr r="0" g="0" b="0"/>
+      </a:effectRef>
+      <a:fontRef idx="minor">
+        <a:schemeClr val="lt1"/>
+      </a:fontRef>
+    </dgm:style>
+  </dgm:styleLbl>
+  <dgm:styleLbl name="parChTrans2D4">
+    <dgm:scene3d>
+      <a:camera prst="orthographicFront"/>
+      <a:lightRig rig="threePt" dir="t"/>
+    </dgm:scene3d>
+    <dgm:sp3d/>
+    <dgm:txPr/>
+    <dgm:style>
+      <a:lnRef idx="2">
+        <a:scrgbClr r="0" g="0" b="0"/>
+      </a:lnRef>
+      <a:fillRef idx="1">
+        <a:scrgbClr r="0" g="0" b="0"/>
+      </a:fillRef>
+      <a:effectRef idx="0">
+        <a:scrgbClr r="0" g="0" b="0"/>
+      </a:effectRef>
+      <a:fontRef idx="minor">
+        <a:schemeClr val="lt1"/>
+      </a:fontRef>
+    </dgm:style>
+  </dgm:styleLbl>
+  <dgm:styleLbl name="parChTrans1D1">
+    <dgm:scene3d>
+      <a:camera prst="orthographicFront"/>
+      <a:lightRig rig="threePt" dir="t"/>
+    </dgm:scene3d>
+    <dgm:sp3d/>
+    <dgm:txPr/>
+    <dgm:style>
+      <a:lnRef idx="2">
+        <a:scrgbClr r="0" g="0" b="0"/>
+      </a:lnRef>
+      <a:fillRef idx="0">
+        <a:scrgbClr r="0" g="0" b="0"/>
+      </a:fillRef>
+      <a:effectRef idx="0">
+        <a:scrgbClr r="0" g="0" b="0"/>
+      </a:effectRef>
+      <a:fontRef idx="minor"/>
+    </dgm:style>
+  </dgm:styleLbl>
+  <dgm:styleLbl name="parChTrans1D2">
+    <dgm:scene3d>
+      <a:camera prst="orthographicFront"/>
+      <a:lightRig rig="threePt" dir="t"/>
+    </dgm:scene3d>
+    <dgm:sp3d/>
+    <dgm:txPr/>
+    <dgm:style>
+      <a:lnRef idx="2">
+        <a:scrgbClr r="0" g="0" b="0"/>
+      </a:lnRef>
+      <a:fillRef idx="0">
+        <a:scrgbClr r="0" g="0" b="0"/>
+      </a:fillRef>
+      <a:effectRef idx="0">
+        <a:scrgbClr r="0" g="0" b="0"/>
+      </a:effectRef>
+      <a:fontRef idx="minor"/>
+    </dgm:style>
+  </dgm:styleLbl>
+  <dgm:styleLbl name="parChTrans1D3">
+    <dgm:scene3d>
+      <a:camera prst="orthographicFront"/>
+      <a:lightRig rig="threePt" dir="t"/>
+    </dgm:scene3d>
+    <dgm:sp3d/>
+    <dgm:txPr/>
+    <dgm:style>
+      <a:lnRef idx="2">
+        <a:scrgbClr r="0" g="0" b="0"/>
+      </a:lnRef>
+      <a:fillRef idx="0">
+        <a:scrgbClr r="0" g="0" b="0"/>
+      </a:fillRef>
+      <a:effectRef idx="0">
+        <a:scrgbClr r="0" g="0" b="0"/>
+      </a:effectRef>
+      <a:fontRef idx="minor"/>
+    </dgm:style>
+  </dgm:styleLbl>
+  <dgm:styleLbl name="parChTrans1D4">
+    <dgm:scene3d>
+      <a:camera prst="orthographicFront"/>
+      <a:lightRig rig="threePt" dir="t"/>
+    </dgm:scene3d>
+    <dgm:sp3d/>
+    <dgm:txPr/>
+    <dgm:style>
+      <a:lnRef idx="2">
+        <a:scrgbClr r="0" g="0" b="0"/>
+      </a:lnRef>
+      <a:fillRef idx="0">
+        <a:scrgbClr r="0" g="0" b="0"/>
+      </a:fillRef>
+      <a:effectRef idx="0">
+        <a:scrgbClr r="0" g="0" b="0"/>
+      </a:effectRef>
+      <a:fontRef idx="minor"/>
+    </dgm:style>
+  </dgm:styleLbl>
+  <dgm:styleLbl name="fgAcc1">
+    <dgm:scene3d>
+      <a:camera prst="orthographicFront"/>
+      <a:lightRig rig="threePt" dir="t"/>
+    </dgm:scene3d>
+    <dgm:sp3d/>
+    <dgm:txPr/>
+    <dgm:style>
+      <a:lnRef idx="2">
+        <a:scrgbClr r="0" g="0" b="0"/>
+      </a:lnRef>
+      <a:fillRef idx="1">
+        <a:scrgbClr r="0" g="0" b="0"/>
+      </a:fillRef>
+      <a:effectRef idx="0">
+        <a:scrgbClr r="0" g="0" b="0"/>
+      </a:effectRef>
+      <a:fontRef idx="minor"/>
+    </dgm:style>
+  </dgm:styleLbl>
+  <dgm:styleLbl name="conFgAcc1">
+    <dgm:scene3d>
+      <a:camera prst="orthographicFront"/>
+      <a:lightRig rig="threePt" dir="t"/>
+    </dgm:scene3d>
+    <dgm:sp3d/>
+    <dgm:txPr/>
+    <dgm:style>
+      <a:lnRef idx="2">
+        <a:scrgbClr r="0" g="0" b="0"/>
+      </a:lnRef>
+      <a:fillRef idx="1">
+        <a:scrgbClr r="0" g="0" b="0"/>
+      </a:fillRef>
+      <a:effectRef idx="0">
+        <a:scrgbClr r="0" g="0" b="0"/>
+      </a:effectRef>
+      <a:fontRef idx="minor"/>
+    </dgm:style>
+  </dgm:styleLbl>
+  <dgm:styleLbl name="alignAcc1">
+    <dgm:scene3d>
+      <a:camera prst="orthographicFront"/>
+      <a:lightRig rig="threePt" dir="t"/>
+    </dgm:scene3d>
+    <dgm:sp3d/>
+    <dgm:txPr/>
+    <dgm:style>
+      <a:lnRef idx="2">
+        <a:scrgbClr r="0" g="0" b="0"/>
+      </a:lnRef>
+      <a:fillRef idx="1">
+        <a:scrgbClr r="0" g="0" b="0"/>
+      </a:fillRef>
+      <a:effectRef idx="0">
+        <a:scrgbClr r="0" g="0" b="0"/>
+      </a:effectRef>
+      <a:fontRef idx="minor"/>
+    </dgm:style>
+  </dgm:styleLbl>
+  <dgm:styleLbl name="trAlignAcc1">
+    <dgm:scene3d>
+      <a:camera prst="orthographicFront"/>
+      <a:lightRig rig="threePt" dir="t"/>
+    </dgm:scene3d>
+    <dgm:sp3d/>
+    <dgm:txPr/>
+    <dgm:style>
+      <a:lnRef idx="1">
+        <a:scrgbClr r="0" g="0" b="0"/>
+      </a:lnRef>
+      <a:fillRef idx="1">
+        <a:scrgbClr r="0" g="0" b="0"/>
+      </a:fillRef>
+      <a:effectRef idx="0">
+        <a:scrgbClr r="0" g="0" b="0"/>
+      </a:effectRef>
+      <a:fontRef idx="minor"/>
+    </dgm:style>
+  </dgm:styleLbl>
+  <dgm:styleLbl name="bgAcc1">
+    <dgm:scene3d>
+      <a:camera prst="orthographicFront"/>
+      <a:lightRig rig="threePt" dir="t"/>
+    </dgm:scene3d>
+    <dgm:sp3d/>
+    <dgm:txPr/>
+    <dgm:style>
+      <a:lnRef idx="2">
+        <a:scrgbClr r="0" g="0" b="0"/>
+      </a:lnRef>
+      <a:fillRef idx="1">
+        <a:scrgbClr r="0" g="0" b="0"/>
+      </a:fillRef>
+      <a:effectRef idx="0">
+        <a:scrgbClr r="0" g="0" b="0"/>
+      </a:effectRef>
+      <a:fontRef idx="minor"/>
+    </dgm:style>
+  </dgm:styleLbl>
+  <dgm:styleLbl name="solidFgAcc1">
+    <dgm:scene3d>
+      <a:camera prst="orthographicFront"/>
+      <a:lightRig rig="threePt" dir="t"/>
+    </dgm:scene3d>
+    <dgm:sp3d/>
+    <dgm:txPr/>
+    <dgm:style>
+      <a:lnRef idx="2">
+        <a:scrgbClr r="0" g="0" b="0"/>
+      </a:lnRef>
+      <a:fillRef idx="1">
+        <a:scrgbClr r="0" g="0" b="0"/>
+      </a:fillRef>
+      <a:effectRef idx="0">
+        <a:scrgbClr r="0" g="0" b="0"/>
+      </a:effectRef>
+      <a:fontRef idx="minor"/>
+    </dgm:style>
+  </dgm:styleLbl>
+  <dgm:styleLbl name="solidAlignAcc1">
+    <dgm:scene3d>
+      <a:camera prst="orthographicFront"/>
+      <a:lightRig rig="threePt" dir="t"/>
+    </dgm:scene3d>
+    <dgm:sp3d/>
+    <dgm:txPr/>
+    <dgm:style>
+      <a:lnRef idx="2">
+        <a:scrgbClr r="0" g="0" b="0"/>
+      </a:lnRef>
+      <a:fillRef idx="1">
+        <a:scrgbClr r="0" g="0" b="0"/>
+      </a:fillRef>
+      <a:effectRef idx="0">
+        <a:scrgbClr r="0" g="0" b="0"/>
+      </a:effectRef>
+      <a:fontRef idx="minor"/>
+    </dgm:style>
+  </dgm:styleLbl>
+  <dgm:styleLbl name="solidBgAcc1">
+    <dgm:scene3d>
+      <a:camera prst="orthographicFront"/>
+      <a:lightRig rig="threePt" dir="t"/>
+    </dgm:scene3d>
+    <dgm:sp3d/>
+    <dgm:txPr/>
+    <dgm:style>
+      <a:lnRef idx="2">
+        <a:scrgbClr r="0" g="0" b="0"/>
+      </a:lnRef>
+      <a:fillRef idx="1">
+        <a:scrgbClr r="0" g="0" b="0"/>
+      </a:fillRef>
+      <a:effectRef idx="0">
+        <a:scrgbClr r="0" g="0" b="0"/>
+      </a:effectRef>
+      <a:fontRef idx="minor"/>
+    </dgm:style>
+  </dgm:styleLbl>
+  <dgm:styleLbl name="fgAccFollowNode1">
+    <dgm:scene3d>
+      <a:camera prst="orthographicFront"/>
+      <a:lightRig rig="threePt" dir="t"/>
+    </dgm:scene3d>
+    <dgm:sp3d/>
+    <dgm:txPr/>
+    <dgm:style>
+      <a:lnRef idx="2">
+        <a:scrgbClr r="0" g="0" b="0"/>
+      </a:lnRef>
+      <a:fillRef idx="1">
+        <a:scrgbClr r="0" g="0" b="0"/>
+      </a:fillRef>
+      <a:effectRef idx="0">
+        <a:scrgbClr r="0" g="0" b="0"/>
+      </a:effectRef>
+      <a:fontRef idx="minor"/>
+    </dgm:style>
+  </dgm:styleLbl>
+  <dgm:styleLbl name="alignAccFollowNode1">
+    <dgm:scene3d>
+      <a:camera prst="orthographicFront"/>
+      <a:lightRig rig="threePt" dir="t"/>
+    </dgm:scene3d>
+    <dgm:sp3d/>
+    <dgm:txPr/>
+    <dgm:style>
+      <a:lnRef idx="2">
+        <a:scrgbClr r="0" g="0" b="0"/>
+      </a:lnRef>
+      <a:fillRef idx="1">
+        <a:scrgbClr r="0" g="0" b="0"/>
+      </a:fillRef>
+      <a:effectRef idx="0">
+        <a:scrgbClr r="0" g="0" b="0"/>
+      </a:effectRef>
+      <a:fontRef idx="minor"/>
+    </dgm:style>
+  </dgm:styleLbl>
+  <dgm:styleLbl name="bgAccFollowNode1">
+    <dgm:scene3d>
+      <a:camera prst="orthographicFront"/>
+      <a:lightRig rig="threePt" dir="t"/>
+    </dgm:scene3d>
+    <dgm:sp3d/>
+    <dgm:txPr/>
+    <dgm:style>
+      <a:lnRef idx="2">
+        <a:scrgbClr r="0" g="0" b="0"/>
+      </a:lnRef>
+      <a:fillRef idx="1">
+        <a:scrgbClr r="0" g="0" b="0"/>
+      </a:fillRef>
+      <a:effectRef idx="0">
+        <a:scrgbClr r="0" g="0" b="0"/>
+      </a:effectRef>
+      <a:fontRef idx="minor"/>
+    </dgm:style>
+  </dgm:styleLbl>
+  <dgm:styleLbl name="fgAcc0">
+    <dgm:scene3d>
+      <a:camera prst="orthographicFront"/>
+      <a:lightRig rig="threePt" dir="t"/>
+    </dgm:scene3d>
+    <dgm:sp3d/>
+    <dgm:txPr/>
+    <dgm:style>
+      <a:lnRef idx="2">
+        <a:scrgbClr r="0" g="0" b="0"/>
+      </a:lnRef>
+      <a:fillRef idx="1">
+        <a:scrgbClr r="0" g="0" b="0"/>
+      </a:fillRef>
+      <a:effectRef idx="0">
+        <a:scrgbClr r="0" g="0" b="0"/>
+      </a:effectRef>
+      <a:fontRef idx="minor"/>
+    </dgm:style>
+  </dgm:styleLbl>
+  <dgm:styleLbl name="fgAcc2">
+    <dgm:scene3d>
+      <a:camera prst="orthographicFront"/>
+      <a:lightRig rig="threePt" dir="t"/>
+    </dgm:scene3d>
+    <dgm:sp3d/>
+    <dgm:txPr/>
+    <dgm:style>
+      <a:lnRef idx="2">
+        <a:scrgbClr r="0" g="0" b="0"/>
+      </a:lnRef>
+      <a:fillRef idx="1">
+        <a:scrgbClr r="0" g="0" b="0"/>
+      </a:fillRef>
+      <a:effectRef idx="0">
+        <a:scrgbClr r="0" g="0" b="0"/>
+      </a:effectRef>
+      <a:fontRef idx="minor"/>
+    </dgm:style>
+  </dgm:styleLbl>
+  <dgm:styleLbl name="fgAcc3">
+    <dgm:scene3d>
+      <a:camera prst="orthographicFront"/>
+      <a:lightRig rig="threePt" dir="t"/>
+    </dgm:scene3d>
+    <dgm:sp3d/>
+    <dgm:txPr/>
+    <dgm:style>
+      <a:lnRef idx="2">
+        <a:scrgbClr r="0" g="0" b="0"/>
+      </a:lnRef>
+      <a:fillRef idx="1">
+        <a:scrgbClr r="0" g="0" b="0"/>
+      </a:fillRef>
+      <a:effectRef idx="0">
+        <a:scrgbClr r="0" g="0" b="0"/>
+      </a:effectRef>
+      <a:fontRef idx="minor"/>
+    </dgm:style>
+  </dgm:styleLbl>
+  <dgm:styleLbl name="fgAcc4">
+    <dgm:scene3d>
+      <a:camera prst="orthographicFront"/>
+      <a:lightRig rig="threePt" dir="t"/>
+    </dgm:scene3d>
+    <dgm:sp3d/>
+    <dgm:txPr/>
+    <dgm:style>
+      <a:lnRef idx="2">
+        <a:scrgbClr r="0" g="0" b="0"/>
+      </a:lnRef>
+      <a:fillRef idx="1">
+        <a:scrgbClr r="0" g="0" b="0"/>
+      </a:fillRef>
+      <a:effectRef idx="0">
+        <a:scrgbClr r="0" g="0" b="0"/>
+      </a:effectRef>
+      <a:fontRef idx="minor"/>
+    </dgm:style>
+  </dgm:styleLbl>
+  <dgm:styleLbl name="bgShp">
+    <dgm:scene3d>
+      <a:camera prst="orthographicFront"/>
+      <a:lightRig rig="threePt" dir="t"/>
+    </dgm:scene3d>
+    <dgm:sp3d/>
+    <dgm:txPr/>
+    <dgm:style>
+      <a:lnRef idx="0">
+        <a:scrgbClr r="0" g="0" b="0"/>
+      </a:lnRef>
+      <a:fillRef idx="1">
+        <a:scrgbClr r="0" g="0" b="0"/>
+      </a:fillRef>
+      <a:effectRef idx="0">
+        <a:scrgbClr r="0" g="0" b="0"/>
+      </a:effectRef>
+      <a:fontRef idx="minor"/>
+    </dgm:style>
+  </dgm:styleLbl>
+  <dgm:styleLbl name="dkBgShp">
+    <dgm:scene3d>
+      <a:camera prst="orthographicFront"/>
+      <a:lightRig rig="threePt" dir="t"/>
+    </dgm:scene3d>
+    <dgm:sp3d/>
+    <dgm:txPr/>
+    <dgm:style>
+      <a:lnRef idx="0">
+        <a:scrgbClr r="0" g="0" b="0"/>
+      </a:lnRef>
+      <a:fillRef idx="1">
+        <a:scrgbClr r="0" g="0" b="0"/>
+      </a:fillRef>
+      <a:effectRef idx="0">
+        <a:scrgbClr r="0" g="0" b="0"/>
+      </a:effectRef>
+      <a:fontRef idx="minor"/>
+    </dgm:style>
+  </dgm:styleLbl>
+  <dgm:styleLbl name="trBgShp">
+    <dgm:scene3d>
+      <a:camera prst="orthographicFront"/>
+      <a:lightRig rig="threePt" dir="t"/>
+    </dgm:scene3d>
+    <dgm:sp3d/>
+    <dgm:txPr/>
+    <dgm:style>
+      <a:lnRef idx="0">
+        <a:scrgbClr r="0" g="0" b="0"/>
+      </a:lnRef>
+      <a:fillRef idx="1">
+        <a:scrgbClr r="0" g="0" b="0"/>
+      </a:fillRef>
+      <a:effectRef idx="0">
+        <a:scrgbClr r="0" g="0" b="0"/>
+      </a:effectRef>
+      <a:fontRef idx="minor"/>
+    </dgm:style>
+  </dgm:styleLbl>
+  <dgm:styleLbl name="fgShp">
+    <dgm:scene3d>
+      <a:camera prst="orthographicFront"/>
+      <a:lightRig rig="threePt" dir="t"/>
+    </dgm:scene3d>
+    <dgm:sp3d/>
+    <dgm:txPr/>
+    <dgm:style>
+      <a:lnRef idx="2">
+        <a:scrgbClr r="0" g="0" b="0"/>
+      </a:lnRef>
+      <a:fillRef idx="1">
+        <a:scrgbClr r="0" g="0" b="0"/>
+      </a:fillRef>
+      <a:effectRef idx="0">
+        <a:scrgbClr r="0" g="0" b="0"/>
+      </a:effectRef>
+      <a:fontRef idx="minor"/>
+    </dgm:style>
+  </dgm:styleLbl>
+  <dgm:styleLbl name="revTx">
+    <dgm:scene3d>
+      <a:camera prst="orthographicFront"/>
+      <a:lightRig rig="threePt" dir="t"/>
+    </dgm:scene3d>
+    <dgm:sp3d/>
+    <dgm:txPr/>
+    <dgm:style>
+      <a:lnRef idx="0">
+        <a:scrgbClr r="0" g="0" b="0"/>
+      </a:lnRef>
+      <a:fillRef idx="0">
+        <a:scrgbClr r="0" g="0" b="0"/>
+      </a:fillRef>
+      <a:effectRef idx="0">
+        <a:scrgbClr r="0" g="0" b="0"/>
+      </a:effectRef>
+      <a:fontRef idx="minor"/>
+    </dgm:style>
+  </dgm:styleLbl>
+</dgm:styleDef>
+</file>
+
+<file path=ppt/diagrams/quickStyle2.xml><?xml version="1.0" encoding="utf-8"?>
+<dgm:styleDef xmlns:dgm="http://schemas.openxmlformats.org/drawingml/2006/diagram" xmlns:a="http://schemas.openxmlformats.org/drawingml/2006/main" uniqueId="urn:microsoft.com/office/officeart/2005/8/quickstyle/simple1">
+  <dgm:title val=""/>
+  <dgm:desc val=""/>
+  <dgm:catLst>
+    <dgm:cat type="simple" pri="10100"/>
+  </dgm:catLst>
+  <dgm:scene3d>
+    <a:camera prst="orthographicFront"/>
+    <a:lightRig rig="threePt" dir="t"/>
+  </dgm:scene3d>
+  <dgm:styleLbl name="node0">
+    <dgm:scene3d>
+      <a:camera prst="orthographicFront"/>
+      <a:lightRig rig="threePt" dir="t"/>
+    </dgm:scene3d>
+    <dgm:sp3d/>
+    <dgm:txPr/>
+    <dgm:style>
+      <a:lnRef idx="2">
+        <a:scrgbClr r="0" g="0" b="0"/>
+      </a:lnRef>
+      <a:fillRef idx="1">
+        <a:scrgbClr r="0" g="0" b="0"/>
+      </a:fillRef>
+      <a:effectRef idx="0">
+        <a:scrgbClr r="0" g="0" b="0"/>
+      </a:effectRef>
+      <a:fontRef idx="minor">
+        <a:schemeClr val="lt1"/>
+      </a:fontRef>
+    </dgm:style>
+  </dgm:styleLbl>
+  <dgm:styleLbl name="lnNode1">
+    <dgm:scene3d>
+      <a:camera prst="orthographicFront"/>
+      <a:lightRig rig="threePt" dir="t"/>
+    </dgm:scene3d>
+    <dgm:sp3d/>
+    <dgm:txPr/>
+    <dgm:style>
+      <a:lnRef idx="2">
+        <a:scrgbClr r="0" g="0" b="0"/>
+      </a:lnRef>
+      <a:fillRef idx="1">
+        <a:scrgbClr r="0" g="0" b="0"/>
+      </a:fillRef>
+      <a:effectRef idx="0">
+        <a:scrgbClr r="0" g="0" b="0"/>
+      </a:effectRef>
+      <a:fontRef idx="minor">
+        <a:schemeClr val="lt1"/>
+      </a:fontRef>
+    </dgm:style>
+  </dgm:styleLbl>
+  <dgm:styleLbl name="vennNode1">
+    <dgm:scene3d>
+      <a:camera prst="orthographicFront"/>
+      <a:lightRig rig="threePt" dir="t"/>
+    </dgm:scene3d>
+    <dgm:sp3d/>
+    <dgm:txPr/>
+    <dgm:style>
+      <a:lnRef idx="2">
+        <a:scrgbClr r="0" g="0" b="0"/>
+      </a:lnRef>
+      <a:fillRef idx="1">
+        <a:scrgbClr r="0" g="0" b="0"/>
+      </a:fillRef>
+      <a:effectRef idx="0">
+        <a:scrgbClr r="0" g="0" b="0"/>
+      </a:effectRef>
+      <a:fontRef idx="minor">
+        <a:schemeClr val="tx1"/>
+      </a:fontRef>
+    </dgm:style>
+  </dgm:styleLbl>
+  <dgm:styleLbl name="alignNode1">
+    <dgm:scene3d>
+      <a:camera prst="orthographicFront"/>
+      <a:lightRig rig="threePt" dir="t"/>
+    </dgm:scene3d>
+    <dgm:sp3d/>
+    <dgm:txPr/>
+    <dgm:style>
+      <a:lnRef idx="2">
+        <a:scrgbClr r="0" g="0" b="0"/>
+      </a:lnRef>
+      <a:fillRef idx="1">
+        <a:scrgbClr r="0" g="0" b="0"/>
+      </a:fillRef>
+      <a:effectRef idx="0">
+        <a:scrgbClr r="0" g="0" b="0"/>
+      </a:effectRef>
+      <a:fontRef idx="minor">
+        <a:schemeClr val="lt1"/>
+      </a:fontRef>
+    </dgm:style>
+  </dgm:styleLbl>
+  <dgm:styleLbl name="node1">
+    <dgm:scene3d>
+      <a:camera prst="orthographicFront"/>
+      <a:lightRig rig="threePt" dir="t"/>
+    </dgm:scene3d>
+    <dgm:sp3d/>
+    <dgm:txPr/>
+    <dgm:style>
+      <a:lnRef idx="2">
+        <a:scrgbClr r="0" g="0" b="0"/>
+      </a:lnRef>
+      <a:fillRef idx="1">
+        <a:scrgbClr r="0" g="0" b="0"/>
+      </a:fillRef>
+      <a:effectRef idx="0">
+        <a:scrgbClr r="0" g="0" b="0"/>
+      </a:effectRef>
+      <a:fontRef idx="minor">
+        <a:schemeClr val="lt1"/>
+      </a:fontRef>
+    </dgm:style>
+  </dgm:styleLbl>
+  <dgm:styleLbl name="node2">
+    <dgm:scene3d>
+      <a:camera prst="orthographicFront"/>
+      <a:lightRig rig="threePt" dir="t"/>
+    </dgm:scene3d>
+    <dgm:sp3d/>
+    <dgm:txPr/>
+    <dgm:style>
+      <a:lnRef idx="2">
+        <a:scrgbClr r="0" g="0" b="0"/>
+      </a:lnRef>
+      <a:fillRef idx="1">
+        <a:scrgbClr r="0" g="0" b="0"/>
+      </a:fillRef>
+      <a:effectRef idx="0">
+        <a:scrgbClr r="0" g="0" b="0"/>
+      </a:effectRef>
+      <a:fontRef idx="minor">
+        <a:schemeClr val="lt1"/>
+      </a:fontRef>
+    </dgm:style>
+  </dgm:styleLbl>
+  <dgm:styleLbl name="node3">
+    <dgm:scene3d>
+      <a:camera prst="orthographicFront"/>
+      <a:lightRig rig="threePt" dir="t"/>
+    </dgm:scene3d>
+    <dgm:sp3d/>
+    <dgm:txPr/>
+    <dgm:style>
+      <a:lnRef idx="2">
+        <a:scrgbClr r="0" g="0" b="0"/>
+      </a:lnRef>
+      <a:fillRef idx="1">
+        <a:scrgbClr r="0" g="0" b="0"/>
+      </a:fillRef>
+      <a:effectRef idx="0">
+        <a:scrgbClr r="0" g="0" b="0"/>
+      </a:effectRef>
+      <a:fontRef idx="minor">
+        <a:schemeClr val="lt1"/>
+      </a:fontRef>
+    </dgm:style>
+  </dgm:styleLbl>
+  <dgm:styleLbl name="node4">
+    <dgm:scene3d>
+      <a:camera prst="orthographicFront"/>
+      <a:lightRig rig="threePt" dir="t"/>
+    </dgm:scene3d>
+    <dgm:sp3d/>
+    <dgm:txPr/>
+    <dgm:style>
+      <a:lnRef idx="2">
+        <a:scrgbClr r="0" g="0" b="0"/>
+      </a:lnRef>
+      <a:fillRef idx="1">
+        <a:scrgbClr r="0" g="0" b="0"/>
+      </a:fillRef>
+      <a:effectRef idx="0">
+        <a:scrgbClr r="0" g="0" b="0"/>
+      </a:effectRef>
+      <a:fontRef idx="minor">
+        <a:schemeClr val="lt1"/>
+      </a:fontRef>
+    </dgm:style>
+  </dgm:styleLbl>
+  <dgm:styleLbl name="fgImgPlace1">
+    <dgm:scene3d>
+      <a:camera prst="orthographicFront"/>
+      <a:lightRig rig="threePt" dir="t"/>
+    </dgm:scene3d>
+    <dgm:sp3d/>
+    <dgm:txPr/>
+    <dgm:style>
+      <a:lnRef idx="2">
+        <a:scrgbClr r="0" g="0" b="0"/>
+      </a:lnRef>
+      <a:fillRef idx="1">
+        <a:scrgbClr r="0" g="0" b="0"/>
+      </a:fillRef>
+      <a:effectRef idx="0">
+        <a:scrgbClr r="0" g="0" b="0"/>
+      </a:effectRef>
+      <a:fontRef idx="minor"/>
+    </dgm:style>
+  </dgm:styleLbl>
+  <dgm:styleLbl name="alignImgPlace1">
+    <dgm:scene3d>
+      <a:camera prst="orthographicFront"/>
+      <a:lightRig rig="threePt" dir="t"/>
+    </dgm:scene3d>
+    <dgm:sp3d/>
+    <dgm:txPr/>
+    <dgm:style>
+      <a:lnRef idx="2">
+        <a:scrgbClr r="0" g="0" b="0"/>
+      </a:lnRef>
+      <a:fillRef idx="1">
+        <a:scrgbClr r="0" g="0" b="0"/>
+      </a:fillRef>
+      <a:effectRef idx="0">
+        <a:scrgbClr r="0" g="0" b="0"/>
+      </a:effectRef>
+      <a:fontRef idx="minor"/>
+    </dgm:style>
+  </dgm:styleLbl>
+  <dgm:styleLbl name="bgImgPlace1">
+    <dgm:scene3d>
+      <a:camera prst="orthographicFront"/>
+      <a:lightRig rig="threePt" dir="t"/>
+    </dgm:scene3d>
+    <dgm:sp3d/>
+    <dgm:txPr/>
+    <dgm:style>
+      <a:lnRef idx="2">
+        <a:scrgbClr r="0" g="0" b="0"/>
+      </a:lnRef>
+      <a:fillRef idx="1">
+        <a:scrgbClr r="0" g="0" b="0"/>
+      </a:fillRef>
+      <a:effectRef idx="0">
+        <a:scrgbClr r="0" g="0" b="0"/>
+      </a:effectRef>
+      <a:fontRef idx="minor"/>
+    </dgm:style>
+  </dgm:styleLbl>
+  <dgm:styleLbl name="sibTrans2D1">
+    <dgm:scene3d>
+      <a:camera prst="orthographicFront"/>
+      <a:lightRig rig="threePt" dir="t"/>
+    </dgm:scene3d>
+    <dgm:sp3d/>
+    <dgm:txPr/>
+    <dgm:style>
+      <a:lnRef idx="0">
+        <a:scrgbClr r="0" g="0" b="0"/>
+      </a:lnRef>
+      <a:fillRef idx="1">
+        <a:scrgbClr r="0" g="0" b="0"/>
+      </a:fillRef>
+      <a:effectRef idx="0">
+        <a:scrgbClr r="0" g="0" b="0"/>
+      </a:effectRef>
+      <a:fontRef idx="minor">
+        <a:schemeClr val="lt1"/>
+      </a:fontRef>
+    </dgm:style>
+  </dgm:styleLbl>
+  <dgm:styleLbl name="fgSibTrans2D1">
+    <dgm:scene3d>
+      <a:camera prst="orthographicFront"/>
+      <a:lightRig rig="threePt" dir="t"/>
+    </dgm:scene3d>
+    <dgm:sp3d/>
+    <dgm:txPr/>
+    <dgm:style>
+      <a:lnRef idx="0">
+        <a:scrgbClr r="0" g="0" b="0"/>
+      </a:lnRef>
+      <a:fillRef idx="1">
+        <a:scrgbClr r="0" g="0" b="0"/>
+      </a:fillRef>
+      <a:effectRef idx="0">
+        <a:scrgbClr r="0" g="0" b="0"/>
+      </a:effectRef>
+      <a:fontRef idx="minor">
+        <a:schemeClr val="lt1"/>
+      </a:fontRef>
+    </dgm:style>
+  </dgm:styleLbl>
+  <dgm:styleLbl name="bgSibTrans2D1">
+    <dgm:scene3d>
+      <a:camera prst="orthographicFront"/>
+      <a:lightRig rig="threePt" dir="t"/>
+    </dgm:scene3d>
+    <dgm:sp3d/>
+    <dgm:txPr/>
+    <dgm:style>
+      <a:lnRef idx="0">
+        <a:scrgbClr r="0" g="0" b="0"/>
+      </a:lnRef>
+      <a:fillRef idx="1">
+        <a:scrgbClr r="0" g="0" b="0"/>
+      </a:fillRef>
+      <a:effectRef idx="0">
+        <a:scrgbClr r="0" g="0" b="0"/>
+      </a:effectRef>
+      <a:fontRef idx="minor">
+        <a:schemeClr val="lt1"/>
+      </a:fontRef>
+    </dgm:style>
+  </dgm:styleLbl>
+  <dgm:styleLbl name="sibTrans1D1">
+    <dgm:scene3d>
+      <a:camera prst="orthographicFront"/>
+      <a:lightRig rig="threePt" dir="t"/>
+    </dgm:scene3d>
+    <dgm:sp3d/>
+    <dgm:txPr/>
+    <dgm:style>
+      <a:lnRef idx="1">
+        <a:scrgbClr r="0" g="0" b="0"/>
+      </a:lnRef>
+      <a:fillRef idx="0">
+        <a:scrgbClr r="0" g="0" b="0"/>
+      </a:fillRef>
+      <a:effectRef idx="0">
+        <a:scrgbClr r="0" g="0" b="0"/>
+      </a:effectRef>
+      <a:fontRef idx="minor"/>
+    </dgm:style>
+  </dgm:styleLbl>
+  <dgm:styleLbl name="callout">
+    <dgm:scene3d>
+      <a:camera prst="orthographicFront"/>
+      <a:lightRig rig="threePt" dir="t"/>
+    </dgm:scene3d>
+    <dgm:sp3d/>
+    <dgm:txPr/>
+    <dgm:style>
+      <a:lnRef idx="2">
+        <a:scrgbClr r="0" g="0" b="0"/>
+      </a:lnRef>
+      <a:fillRef idx="1">
+        <a:scrgbClr r="0" g="0" b="0"/>
+      </a:fillRef>
+      <a:effectRef idx="0">
+        <a:scrgbClr r="0" g="0" b="0"/>
+      </a:effectRef>
+      <a:fontRef idx="minor"/>
+    </dgm:style>
+  </dgm:styleLbl>
+  <dgm:styleLbl name="asst0">
+    <dgm:scene3d>
+      <a:camera prst="orthographicFront"/>
+      <a:lightRig rig="threePt" dir="t"/>
+    </dgm:scene3d>
+    <dgm:sp3d/>
+    <dgm:txPr/>
+    <dgm:style>
+      <a:lnRef idx="2">
+        <a:scrgbClr r="0" g="0" b="0"/>
+      </a:lnRef>
+      <a:fillRef idx="1">
+        <a:scrgbClr r="0" g="0" b="0"/>
+      </a:fillRef>
+      <a:effectRef idx="0">
+        <a:scrgbClr r="0" g="0" b="0"/>
+      </a:effectRef>
+      <a:fontRef idx="minor">
+        <a:schemeClr val="lt1"/>
+      </a:fontRef>
+    </dgm:style>
+  </dgm:styleLbl>
+  <dgm:styleLbl name="asst1">
+    <dgm:scene3d>
+      <a:camera prst="orthographicFront"/>
+      <a:lightRig rig="threePt" dir="t"/>
+    </dgm:scene3d>
+    <dgm:sp3d/>
+    <dgm:txPr/>
+    <dgm:style>
+      <a:lnRef idx="2">
+        <a:scrgbClr r="0" g="0" b="0"/>
+      </a:lnRef>
+      <a:fillRef idx="1">
+        <a:scrgbClr r="0" g="0" b="0"/>
+      </a:fillRef>
+      <a:effectRef idx="0">
+        <a:scrgbClr r="0" g="0" b="0"/>
+      </a:effectRef>
+      <a:fontRef idx="minor">
+        <a:schemeClr val="lt1"/>
+      </a:fontRef>
+    </dgm:style>
+  </dgm:styleLbl>
+  <dgm:styleLbl name="asst2">
+    <dgm:scene3d>
+      <a:camera prst="orthographicFront"/>
+      <a:lightRig rig="threePt" dir="t"/>
+    </dgm:scene3d>
+    <dgm:sp3d/>
+    <dgm:txPr/>
+    <dgm:style>
+      <a:lnRef idx="2">
+        <a:scrgbClr r="0" g="0" b="0"/>
+      </a:lnRef>
+      <a:fillRef idx="1">
+        <a:scrgbClr r="0" g="0" b="0"/>
+      </a:fillRef>
+      <a:effectRef idx="0">
+        <a:scrgbClr r="0" g="0" b="0"/>
+      </a:effectRef>
+      <a:fontRef idx="minor">
+        <a:schemeClr val="lt1"/>
+      </a:fontRef>
+    </dgm:style>
+  </dgm:styleLbl>
+  <dgm:styleLbl name="asst3">
+    <dgm:scene3d>
+      <a:camera prst="orthographicFront"/>
+      <a:lightRig rig="threePt" dir="t"/>
+    </dgm:scene3d>
+    <dgm:sp3d/>
+    <dgm:txPr/>
+    <dgm:style>
+      <a:lnRef idx="2">
+        <a:scrgbClr r="0" g="0" b="0"/>
+      </a:lnRef>
+      <a:fillRef idx="1">
+        <a:scrgbClr r="0" g="0" b="0"/>
+      </a:fillRef>
+      <a:effectRef idx="0">
+        <a:scrgbClr r="0" g="0" b="0"/>
+      </a:effectRef>
+      <a:fontRef idx="minor">
+        <a:schemeClr val="lt1"/>
+      </a:fontRef>
+    </dgm:style>
+  </dgm:styleLbl>
+  <dgm:styleLbl name="asst4">
+    <dgm:scene3d>
+      <a:camera prst="orthographicFront"/>
+      <a:lightRig rig="threePt" dir="t"/>
+    </dgm:scene3d>
+    <dgm:sp3d/>
+    <dgm:txPr/>
+    <dgm:style>
+      <a:lnRef idx="2">
+        <a:scrgbClr r="0" g="0" b="0"/>
+      </a:lnRef>
+      <a:fillRef idx="1">
+        <a:scrgbClr r="0" g="0" b="0"/>
+      </a:fillRef>
+      <a:effectRef idx="0">
+        <a:scrgbClr r="0" g="0" b="0"/>
+      </a:effectRef>
+      <a:fontRef idx="minor">
+        <a:schemeClr val="lt1"/>
+      </a:fontRef>
+    </dgm:style>
+  </dgm:styleLbl>
+  <dgm:styleLbl name="parChTrans2D1">
+    <dgm:scene3d>
+      <a:camera prst="orthographicFront"/>
+      <a:lightRig rig="threePt" dir="t"/>
+    </dgm:scene3d>
+    <dgm:sp3d/>
+    <dgm:txPr/>
+    <dgm:style>
+      <a:lnRef idx="2">
+        <a:scrgbClr r="0" g="0" b="0"/>
+      </a:lnRef>
+      <a:fillRef idx="1">
+        <a:scrgbClr r="0" g="0" b="0"/>
+      </a:fillRef>
+      <a:effectRef idx="0">
+        <a:scrgbClr r="0" g="0" b="0"/>
+      </a:effectRef>
+      <a:fontRef idx="minor">
+        <a:schemeClr val="lt1"/>
+      </a:fontRef>
+    </dgm:style>
+  </dgm:styleLbl>
+  <dgm:styleLbl name="parChTrans2D2">
+    <dgm:scene3d>
+      <a:camera prst="orthographicFront"/>
+      <a:lightRig rig="threePt" dir="t"/>
+    </dgm:scene3d>
+    <dgm:sp3d/>
+    <dgm:txPr/>
+    <dgm:style>
+      <a:lnRef idx="2">
+        <a:scrgbClr r="0" g="0" b="0"/>
+      </a:lnRef>
+      <a:fillRef idx="1">
+        <a:scrgbClr r="0" g="0" b="0"/>
+      </a:fillRef>
+      <a:effectRef idx="0">
+        <a:scrgbClr r="0" g="0" b="0"/>
+      </a:effectRef>
+      <a:fontRef idx="minor">
+        <a:schemeClr val="lt1"/>
+      </a:fontRef>
+    </dgm:style>
+  </dgm:styleLbl>
+  <dgm:styleLbl name="parChTrans2D3">
+    <dgm:scene3d>
+      <a:camera prst="orthographicFront"/>
+      <a:lightRig rig="threePt" dir="t"/>
+    </dgm:scene3d>
+    <dgm:sp3d/>
+    <dgm:txPr/>
+    <dgm:style>
+      <a:lnRef idx="2">
+        <a:scrgbClr r="0" g="0" b="0"/>
+      </a:lnRef>
+      <a:fillRef idx="1">
+        <a:scrgbClr r="0" g="0" b="0"/>
+      </a:fillRef>
+      <a:effectRef idx="0">
+        <a:scrgbClr r="0" g="0" b="0"/>
+      </a:effectRef>
+      <a:fontRef idx="minor">
+        <a:schemeClr val="lt1"/>
+      </a:fontRef>
+    </dgm:style>
+  </dgm:styleLbl>
+  <dgm:styleLbl name="parChTrans2D4">
+    <dgm:scene3d>
+      <a:camera prst="orthographicFront"/>
+      <a:lightRig rig="threePt" dir="t"/>
+    </dgm:scene3d>
+    <dgm:sp3d/>
+    <dgm:txPr/>
+    <dgm:style>
+      <a:lnRef idx="2">
+        <a:scrgbClr r="0" g="0" b="0"/>
+      </a:lnRef>
+      <a:fillRef idx="1">
+        <a:scrgbClr r="0" g="0" b="0"/>
+      </a:fillRef>
+      <a:effectRef idx="0">
+        <a:scrgbClr r="0" g="0" b="0"/>
+      </a:effectRef>
+      <a:fontRef idx="minor">
+        <a:schemeClr val="lt1"/>
+      </a:fontRef>
+    </dgm:style>
+  </dgm:styleLbl>
+  <dgm:styleLbl name="parChTrans1D1">
+    <dgm:scene3d>
+      <a:camera prst="orthographicFront"/>
+      <a:lightRig rig="threePt" dir="t"/>
+    </dgm:scene3d>
+    <dgm:sp3d/>
+    <dgm:txPr/>
+    <dgm:style>
+      <a:lnRef idx="2">
+        <a:scrgbClr r="0" g="0" b="0"/>
+      </a:lnRef>
+      <a:fillRef idx="0">
+        <a:scrgbClr r="0" g="0" b="0"/>
+      </a:fillRef>
+      <a:effectRef idx="0">
+        <a:scrgbClr r="0" g="0" b="0"/>
+      </a:effectRef>
+      <a:fontRef idx="minor"/>
+    </dgm:style>
+  </dgm:styleLbl>
+  <dgm:styleLbl name="parChTrans1D2">
+    <dgm:scene3d>
+      <a:camera prst="orthographicFront"/>
+      <a:lightRig rig="threePt" dir="t"/>
+    </dgm:scene3d>
+    <dgm:sp3d/>
+    <dgm:txPr/>
+    <dgm:style>
+      <a:lnRef idx="2">
+        <a:scrgbClr r="0" g="0" b="0"/>
+      </a:lnRef>
+      <a:fillRef idx="0">
+        <a:scrgbClr r="0" g="0" b="0"/>
+      </a:fillRef>
+      <a:effectRef idx="0">
+        <a:scrgbClr r="0" g="0" b="0"/>
+      </a:effectRef>
+      <a:fontRef idx="minor"/>
+    </dgm:style>
+  </dgm:styleLbl>
+  <dgm:styleLbl name="parChTrans1D3">
+    <dgm:scene3d>
+      <a:camera prst="orthographicFront"/>
+      <a:lightRig rig="threePt" dir="t"/>
+    </dgm:scene3d>
+    <dgm:sp3d/>
+    <dgm:txPr/>
+    <dgm:style>
+      <a:lnRef idx="2">
+        <a:scrgbClr r="0" g="0" b="0"/>
+      </a:lnRef>
+      <a:fillRef idx="0">
+        <a:scrgbClr r="0" g="0" b="0"/>
+      </a:fillRef>
+      <a:effectRef idx="0">
+        <a:scrgbClr r="0" g="0" b="0"/>
+      </a:effectRef>
+      <a:fontRef idx="minor"/>
+    </dgm:style>
+  </dgm:styleLbl>
+  <dgm:styleLbl name="parChTrans1D4">
+    <dgm:scene3d>
+      <a:camera prst="orthographicFront"/>
+      <a:lightRig rig="threePt" dir="t"/>
+    </dgm:scene3d>
+    <dgm:sp3d/>
+    <dgm:txPr/>
+    <dgm:style>
+      <a:lnRef idx="2">
+        <a:scrgbClr r="0" g="0" b="0"/>
+      </a:lnRef>
+      <a:fillRef idx="0">
+        <a:scrgbClr r="0" g="0" b="0"/>
+      </a:fillRef>
+      <a:effectRef idx="0">
+        <a:scrgbClr r="0" g="0" b="0"/>
+      </a:effectRef>
+      <a:fontRef idx="minor"/>
+    </dgm:style>
+  </dgm:styleLbl>
+  <dgm:styleLbl name="fgAcc1">
+    <dgm:scene3d>
+      <a:camera prst="orthographicFront"/>
+      <a:lightRig rig="threePt" dir="t"/>
+    </dgm:scene3d>
+    <dgm:sp3d/>
+    <dgm:txPr/>
+    <dgm:style>
+      <a:lnRef idx="2">
+        <a:scrgbClr r="0" g="0" b="0"/>
+      </a:lnRef>
+      <a:fillRef idx="1">
+        <a:scrgbClr r="0" g="0" b="0"/>
+      </a:fillRef>
+      <a:effectRef idx="0">
+        <a:scrgbClr r="0" g="0" b="0"/>
+      </a:effectRef>
+      <a:fontRef idx="minor"/>
+    </dgm:style>
+  </dgm:styleLbl>
+  <dgm:styleLbl name="conFgAcc1">
+    <dgm:scene3d>
+      <a:camera prst="orthographicFront"/>
+      <a:lightRig rig="threePt" dir="t"/>
+    </dgm:scene3d>
+    <dgm:sp3d/>
+    <dgm:txPr/>
+    <dgm:style>
+      <a:lnRef idx="2">
+        <a:scrgbClr r="0" g="0" b="0"/>
+      </a:lnRef>
+      <a:fillRef idx="1">
+        <a:scrgbClr r="0" g="0" b="0"/>
+      </a:fillRef>
+      <a:effectRef idx="0">
+        <a:scrgbClr r="0" g="0" b="0"/>
+      </a:effectRef>
+      <a:fontRef idx="minor"/>
+    </dgm:style>
+  </dgm:styleLbl>
+  <dgm:styleLbl name="alignAcc1">
+    <dgm:scene3d>
+      <a:camera prst="orthographicFront"/>
+      <a:lightRig rig="threePt" dir="t"/>
+    </dgm:scene3d>
+    <dgm:sp3d/>
+    <dgm:txPr/>
+    <dgm:style>
+      <a:lnRef idx="2">
+        <a:scrgbClr r="0" g="0" b="0"/>
+      </a:lnRef>
+      <a:fillRef idx="1">
+        <a:scrgbClr r="0" g="0" b="0"/>
+      </a:fillRef>
+      <a:effectRef idx="0">
+        <a:scrgbClr r="0" g="0" b="0"/>
+      </a:effectRef>
+      <a:fontRef idx="minor"/>
+    </dgm:style>
+  </dgm:styleLbl>
+  <dgm:styleLbl name="trAlignAcc1">
+    <dgm:scene3d>
+      <a:camera prst="orthographicFront"/>
+      <a:lightRig rig="threePt" dir="t"/>
+    </dgm:scene3d>
+    <dgm:sp3d/>
+    <dgm:txPr/>
+    <dgm:style>
+      <a:lnRef idx="1">
+        <a:scrgbClr r="0" g="0" b="0"/>
+      </a:lnRef>
+      <a:fillRef idx="1">
+        <a:scrgbClr r="0" g="0" b="0"/>
+      </a:fillRef>
+      <a:effectRef idx="0">
+        <a:scrgbClr r="0" g="0" b="0"/>
+      </a:effectRef>
+      <a:fontRef idx="minor"/>
+    </dgm:style>
+  </dgm:styleLbl>
+  <dgm:styleLbl name="bgAcc1">
+    <dgm:scene3d>
+      <a:camera prst="orthographicFront"/>
+      <a:lightRig rig="threePt" dir="t"/>
+    </dgm:scene3d>
+    <dgm:sp3d/>
+    <dgm:txPr/>
+    <dgm:style>
+      <a:lnRef idx="2">
+        <a:scrgbClr r="0" g="0" b="0"/>
+      </a:lnRef>
+      <a:fillRef idx="1">
+        <a:scrgbClr r="0" g="0" b="0"/>
+      </a:fillRef>
+      <a:effectRef idx="0">
+        <a:scrgbClr r="0" g="0" b="0"/>
+      </a:effectRef>
+      <a:fontRef idx="minor"/>
+    </dgm:style>
+  </dgm:styleLbl>
+  <dgm:styleLbl name="solidFgAcc1">
+    <dgm:scene3d>
+      <a:camera prst="orthographicFront"/>
+      <a:lightRig rig="threePt" dir="t"/>
+    </dgm:scene3d>
+    <dgm:sp3d/>
+    <dgm:txPr/>
+    <dgm:style>
+      <a:lnRef idx="2">
+        <a:scrgbClr r="0" g="0" b="0"/>
+      </a:lnRef>
+      <a:fillRef idx="1">
+        <a:scrgbClr r="0" g="0" b="0"/>
+      </a:fillRef>
+      <a:effectRef idx="0">
+        <a:scrgbClr r="0" g="0" b="0"/>
+      </a:effectRef>
+      <a:fontRef idx="minor"/>
+    </dgm:style>
+  </dgm:styleLbl>
+  <dgm:styleLbl name="solidAlignAcc1">
+    <dgm:scene3d>
+      <a:camera prst="orthographicFront"/>
+      <a:lightRig rig="threePt" dir="t"/>
+    </dgm:scene3d>
+    <dgm:sp3d/>
+    <dgm:txPr/>
+    <dgm:style>
+      <a:lnRef idx="2">
+        <a:scrgbClr r="0" g="0" b="0"/>
+      </a:lnRef>
+      <a:fillRef idx="1">
+        <a:scrgbClr r="0" g="0" b="0"/>
+      </a:fillRef>
+      <a:effectRef idx="0">
+        <a:scrgbClr r="0" g="0" b="0"/>
+      </a:effectRef>
+      <a:fontRef idx="minor"/>
+    </dgm:style>
+  </dgm:styleLbl>
+  <dgm:styleLbl name="solidBgAcc1">
+    <dgm:scene3d>
+      <a:camera prst="orthographicFront"/>
+      <a:lightRig rig="threePt" dir="t"/>
+    </dgm:scene3d>
+    <dgm:sp3d/>
+    <dgm:txPr/>
+    <dgm:style>
+      <a:lnRef idx="2">
+        <a:scrgbClr r="0" g="0" b="0"/>
+      </a:lnRef>
+      <a:fillRef idx="1">
+        <a:scrgbClr r="0" g="0" b="0"/>
+      </a:fillRef>
+      <a:effectRef idx="0">
+        <a:scrgbClr r="0" g="0" b="0"/>
+      </a:effectRef>
+      <a:fontRef idx="minor"/>
+    </dgm:style>
+  </dgm:styleLbl>
+  <dgm:styleLbl name="fgAccFollowNode1">
+    <dgm:scene3d>
+      <a:camera prst="orthographicFront"/>
+      <a:lightRig rig="threePt" dir="t"/>
+    </dgm:scene3d>
+    <dgm:sp3d/>
+    <dgm:txPr/>
+    <dgm:style>
+      <a:lnRef idx="2">
+        <a:scrgbClr r="0" g="0" b="0"/>
+      </a:lnRef>
+      <a:fillRef idx="1">
+        <a:scrgbClr r="0" g="0" b="0"/>
+      </a:fillRef>
+      <a:effectRef idx="0">
+        <a:scrgbClr r="0" g="0" b="0"/>
+      </a:effectRef>
+      <a:fontRef idx="minor"/>
+    </dgm:style>
+  </dgm:styleLbl>
+  <dgm:styleLbl name="alignAccFollowNode1">
+    <dgm:scene3d>
+      <a:camera prst="orthographicFront"/>
+      <a:lightRig rig="threePt" dir="t"/>
+    </dgm:scene3d>
+    <dgm:sp3d/>
+    <dgm:txPr/>
+    <dgm:style>
+      <a:lnRef idx="2">
+        <a:scrgbClr r="0" g="0" b="0"/>
+      </a:lnRef>
+      <a:fillRef idx="1">
+        <a:scrgbClr r="0" g="0" b="0"/>
+      </a:fillRef>
+      <a:effectRef idx="0">
+        <a:scrgbClr r="0" g="0" b="0"/>
+      </a:effectRef>
+      <a:fontRef idx="minor"/>
+    </dgm:style>
+  </dgm:styleLbl>
+  <dgm:styleLbl name="bgAccFollowNode1">
+    <dgm:scene3d>
+      <a:camera prst="orthographicFront"/>
+      <a:lightRig rig="threePt" dir="t"/>
+    </dgm:scene3d>
+    <dgm:sp3d/>
+    <dgm:txPr/>
+    <dgm:style>
+      <a:lnRef idx="2">
+        <a:scrgbClr r="0" g="0" b="0"/>
+      </a:lnRef>
+      <a:fillRef idx="1">
+        <a:scrgbClr r="0" g="0" b="0"/>
+      </a:fillRef>
+      <a:effectRef idx="0">
+        <a:scrgbClr r="0" g="0" b="0"/>
+      </a:effectRef>
+      <a:fontRef idx="minor"/>
+    </dgm:style>
+  </dgm:styleLbl>
+  <dgm:styleLbl name="fgAcc0">
+    <dgm:scene3d>
+      <a:camera prst="orthographicFront"/>
+      <a:lightRig rig="threePt" dir="t"/>
+    </dgm:scene3d>
+    <dgm:sp3d/>
+    <dgm:txPr/>
+    <dgm:style>
+      <a:lnRef idx="2">
+        <a:scrgbClr r="0" g="0" b="0"/>
+      </a:lnRef>
+      <a:fillRef idx="1">
+        <a:scrgbClr r="0" g="0" b="0"/>
+      </a:fillRef>
+      <a:effectRef idx="0">
+        <a:scrgbClr r="0" g="0" b="0"/>
+      </a:effectRef>
+      <a:fontRef idx="minor"/>
+    </dgm:style>
+  </dgm:styleLbl>
+  <dgm:styleLbl name="fgAcc2">
+    <dgm:scene3d>
+      <a:camera prst="orthographicFront"/>
+      <a:lightRig rig="threePt" dir="t"/>
+    </dgm:scene3d>
+    <dgm:sp3d/>
+    <dgm:txPr/>
+    <dgm:style>
+      <a:lnRef idx="2">
+        <a:scrgbClr r="0" g="0" b="0"/>
+      </a:lnRef>
+      <a:fillRef idx="1">
+        <a:scrgbClr r="0" g="0" b="0"/>
+      </a:fillRef>
+      <a:effectRef idx="0">
+        <a:scrgbClr r="0" g="0" b="0"/>
+      </a:effectRef>
+      <a:fontRef idx="minor"/>
+    </dgm:style>
+  </dgm:styleLbl>
+  <dgm:styleLbl name="fgAcc3">
+    <dgm:scene3d>
+      <a:camera prst="orthographicFront"/>
+      <a:lightRig rig="threePt" dir="t"/>
+    </dgm:scene3d>
+    <dgm:sp3d/>
+    <dgm:txPr/>
+    <dgm:style>
+      <a:lnRef idx="2">
+        <a:scrgbClr r="0" g="0" b="0"/>
+      </a:lnRef>
+      <a:fillRef idx="1">
+        <a:scrgbClr r="0" g="0" b="0"/>
+      </a:fillRef>
+      <a:effectRef idx="0">
+        <a:scrgbClr r="0" g="0" b="0"/>
+      </a:effectRef>
+      <a:fontRef idx="minor"/>
+    </dgm:style>
+  </dgm:styleLbl>
+  <dgm:styleLbl name="fgAcc4">
+    <dgm:scene3d>
+      <a:camera prst="orthographicFront"/>
+      <a:lightRig rig="threePt" dir="t"/>
+    </dgm:scene3d>
+    <dgm:sp3d/>
+    <dgm:txPr/>
+    <dgm:style>
+      <a:lnRef idx="2">
+        <a:scrgbClr r="0" g="0" b="0"/>
+      </a:lnRef>
+      <a:fillRef idx="1">
+        <a:scrgbClr r="0" g="0" b="0"/>
+      </a:fillRef>
+      <a:effectRef idx="0">
+        <a:scrgbClr r="0" g="0" b="0"/>
+      </a:effectRef>
+      <a:fontRef idx="minor"/>
+    </dgm:style>
+  </dgm:styleLbl>
+  <dgm:styleLbl name="bgShp">
+    <dgm:scene3d>
+      <a:camera prst="orthographicFront"/>
+      <a:lightRig rig="threePt" dir="t"/>
+    </dgm:scene3d>
+    <dgm:sp3d/>
+    <dgm:txPr/>
+    <dgm:style>
+      <a:lnRef idx="0">
+        <a:scrgbClr r="0" g="0" b="0"/>
+      </a:lnRef>
+      <a:fillRef idx="1">
+        <a:scrgbClr r="0" g="0" b="0"/>
+      </a:fillRef>
+      <a:effectRef idx="0">
+        <a:scrgbClr r="0" g="0" b="0"/>
+      </a:effectRef>
+      <a:fontRef idx="minor"/>
+    </dgm:style>
+  </dgm:styleLbl>
+  <dgm:styleLbl name="dkBgShp">
+    <dgm:scene3d>
+      <a:camera prst="orthographicFront"/>
+      <a:lightRig rig="threePt" dir="t"/>
+    </dgm:scene3d>
+    <dgm:sp3d/>
+    <dgm:txPr/>
+    <dgm:style>
+      <a:lnRef idx="0">
+        <a:scrgbClr r="0" g="0" b="0"/>
+      </a:lnRef>
+      <a:fillRef idx="1">
+        <a:scrgbClr r="0" g="0" b="0"/>
+      </a:fillRef>
+      <a:effectRef idx="0">
+        <a:scrgbClr r="0" g="0" b="0"/>
+      </a:effectRef>
+      <a:fontRef idx="minor"/>
+    </dgm:style>
+  </dgm:styleLbl>
+  <dgm:styleLbl name="trBgShp">
+    <dgm:scene3d>
+      <a:camera prst="orthographicFront"/>
+      <a:lightRig rig="threePt" dir="t"/>
+    </dgm:scene3d>
+    <dgm:sp3d/>
+    <dgm:txPr/>
+    <dgm:style>
+      <a:lnRef idx="0">
+        <a:scrgbClr r="0" g="0" b="0"/>
+      </a:lnRef>
+      <a:fillRef idx="1">
+        <a:scrgbClr r="0" g="0" b="0"/>
+      </a:fillRef>
+      <a:effectRef idx="0">
+        <a:scrgbClr r="0" g="0" b="0"/>
+      </a:effectRef>
+      <a:fontRef idx="minor"/>
+    </dgm:style>
+  </dgm:styleLbl>
+  <dgm:styleLbl name="fgShp">
+    <dgm:scene3d>
+      <a:camera prst="orthographicFront"/>
+      <a:lightRig rig="threePt" dir="t"/>
+    </dgm:scene3d>
+    <dgm:sp3d/>
+    <dgm:txPr/>
+    <dgm:style>
+      <a:lnRef idx="2">
+        <a:scrgbClr r="0" g="0" b="0"/>
+      </a:lnRef>
+      <a:fillRef idx="1">
+        <a:scrgbClr r="0" g="0" b="0"/>
+      </a:fillRef>
+      <a:effectRef idx="0">
+        <a:scrgbClr r="0" g="0" b="0"/>
+      </a:effectRef>
+      <a:fontRef idx="minor"/>
+    </dgm:style>
+  </dgm:styleLbl>
+  <dgm:styleLbl name="revTx">
+    <dgm:scene3d>
+      <a:camera prst="orthographicFront"/>
+      <a:lightRig rig="threePt" dir="t"/>
+    </dgm:scene3d>
+    <dgm:sp3d/>
+    <dgm:txPr/>
+    <dgm:style>
+      <a:lnRef idx="0">
+        <a:scrgbClr r="0" g="0" b="0"/>
+      </a:lnRef>
+      <a:fillRef idx="0">
+        <a:scrgbClr r="0" g="0" b="0"/>
+      </a:fillRef>
+      <a:effectRef idx="0">
+        <a:scrgbClr r="0" g="0" b="0"/>
+      </a:effectRef>
+      <a:fontRef idx="minor"/>
+    </dgm:style>
+  </dgm:styleLbl>
+</dgm:styleDef>
 </file>
 
 <file path=ppt/slideLayouts/slideLayout1.xml><?xml version="1.0" encoding="utf-8"?>
@@ -165,7 +5618,6 @@
               <a:rPr lang="en-US"/>
               <a:t>Click to edit Master title style</a:t>
             </a:r>
-            <a:endParaRPr lang="en-US"/>
           </a:p>
         </p:txBody>
       </p:sp>
@@ -230,7 +5682,6 @@
               <a:rPr lang="en-US"/>
               <a:t>Click to edit Master subtitle style</a:t>
             </a:r>
-            <a:endParaRPr lang="en-US"/>
           </a:p>
         </p:txBody>
       </p:sp>
@@ -251,7 +5702,7 @@
           <a:p>
             <a:fld id="{A80F9A5C-1441-486E-9C03-F12FDE2E90CA}" type="datetimeFigureOut">
               <a:rPr lang="en-US" smtClean="0"/>
-              <a:t>10/23/2019</a:t>
+              <a:t>10/24/2019</a:t>
             </a:fld>
             <a:endParaRPr lang="en-US"/>
           </a:p>
@@ -348,7 +5799,6 @@
               <a:rPr lang="en-US"/>
               <a:t>Click to edit Master title style</a:t>
             </a:r>
-            <a:endParaRPr lang="en-US"/>
           </a:p>
         </p:txBody>
       </p:sp>
@@ -400,7 +5850,6 @@
               <a:rPr lang="en-US"/>
               <a:t>Fifth level</a:t>
             </a:r>
-            <a:endParaRPr lang="en-US"/>
           </a:p>
         </p:txBody>
       </p:sp>
@@ -421,7 +5870,7 @@
           <a:p>
             <a:fld id="{A80F9A5C-1441-486E-9C03-F12FDE2E90CA}" type="datetimeFigureOut">
               <a:rPr lang="en-US" smtClean="0"/>
-              <a:t>10/23/2019</a:t>
+              <a:t>10/24/2019</a:t>
             </a:fld>
             <a:endParaRPr lang="en-US"/>
           </a:p>
@@ -523,7 +5972,6 @@
               <a:rPr lang="en-US"/>
               <a:t>Click to edit Master title style</a:t>
             </a:r>
-            <a:endParaRPr lang="en-US"/>
           </a:p>
         </p:txBody>
       </p:sp>
@@ -580,7 +6028,6 @@
               <a:rPr lang="en-US"/>
               <a:t>Fifth level</a:t>
             </a:r>
-            <a:endParaRPr lang="en-US"/>
           </a:p>
         </p:txBody>
       </p:sp>
@@ -601,7 +6048,7 @@
           <a:p>
             <a:fld id="{A80F9A5C-1441-486E-9C03-F12FDE2E90CA}" type="datetimeFigureOut">
               <a:rPr lang="en-US" smtClean="0"/>
-              <a:t>10/23/2019</a:t>
+              <a:t>10/24/2019</a:t>
             </a:fld>
             <a:endParaRPr lang="en-US"/>
           </a:p>
@@ -698,7 +6145,6 @@
               <a:rPr lang="en-US"/>
               <a:t>Click to edit Master title style</a:t>
             </a:r>
-            <a:endParaRPr lang="en-US"/>
           </a:p>
         </p:txBody>
       </p:sp>
@@ -750,7 +6196,6 @@
               <a:rPr lang="en-US"/>
               <a:t>Fifth level</a:t>
             </a:r>
-            <a:endParaRPr lang="en-US"/>
           </a:p>
         </p:txBody>
       </p:sp>
@@ -771,7 +6216,7 @@
           <a:p>
             <a:fld id="{A80F9A5C-1441-486E-9C03-F12FDE2E90CA}" type="datetimeFigureOut">
               <a:rPr lang="en-US" smtClean="0"/>
-              <a:t>10/23/2019</a:t>
+              <a:t>10/24/2019</a:t>
             </a:fld>
             <a:endParaRPr lang="en-US"/>
           </a:p>
@@ -877,7 +6322,6 @@
               <a:rPr lang="en-US"/>
               <a:t>Click to edit Master title style</a:t>
             </a:r>
-            <a:endParaRPr lang="en-US"/>
           </a:p>
         </p:txBody>
       </p:sp>
@@ -1017,7 +6461,7 @@
           <a:p>
             <a:fld id="{A80F9A5C-1441-486E-9C03-F12FDE2E90CA}" type="datetimeFigureOut">
               <a:rPr lang="en-US" smtClean="0"/>
-              <a:t>10/23/2019</a:t>
+              <a:t>10/24/2019</a:t>
             </a:fld>
             <a:endParaRPr lang="en-US"/>
           </a:p>
@@ -1114,7 +6558,6 @@
               <a:rPr lang="en-US"/>
               <a:t>Click to edit Master title style</a:t>
             </a:r>
-            <a:endParaRPr lang="en-US"/>
           </a:p>
         </p:txBody>
       </p:sp>
@@ -1171,7 +6614,6 @@
               <a:rPr lang="en-US"/>
               <a:t>Fifth level</a:t>
             </a:r>
-            <a:endParaRPr lang="en-US"/>
           </a:p>
         </p:txBody>
       </p:sp>
@@ -1228,7 +6670,6 @@
               <a:rPr lang="en-US"/>
               <a:t>Fifth level</a:t>
             </a:r>
-            <a:endParaRPr lang="en-US"/>
           </a:p>
         </p:txBody>
       </p:sp>
@@ -1249,7 +6690,7 @@
           <a:p>
             <a:fld id="{A80F9A5C-1441-486E-9C03-F12FDE2E90CA}" type="datetimeFigureOut">
               <a:rPr lang="en-US" smtClean="0"/>
-              <a:t>10/23/2019</a:t>
+              <a:t>10/24/2019</a:t>
             </a:fld>
             <a:endParaRPr lang="en-US"/>
           </a:p>
@@ -1351,7 +6792,6 @@
               <a:rPr lang="en-US"/>
               <a:t>Click to edit Master title style</a:t>
             </a:r>
-            <a:endParaRPr lang="en-US"/>
           </a:p>
         </p:txBody>
       </p:sp>
@@ -1473,7 +6913,6 @@
               <a:rPr lang="en-US"/>
               <a:t>Fifth level</a:t>
             </a:r>
-            <a:endParaRPr lang="en-US"/>
           </a:p>
         </p:txBody>
       </p:sp>
@@ -1595,7 +7034,6 @@
               <a:rPr lang="en-US"/>
               <a:t>Fifth level</a:t>
             </a:r>
-            <a:endParaRPr lang="en-US"/>
           </a:p>
         </p:txBody>
       </p:sp>
@@ -1616,7 +7054,7 @@
           <a:p>
             <a:fld id="{A80F9A5C-1441-486E-9C03-F12FDE2E90CA}" type="datetimeFigureOut">
               <a:rPr lang="en-US" smtClean="0"/>
-              <a:t>10/23/2019</a:t>
+              <a:t>10/24/2019</a:t>
             </a:fld>
             <a:endParaRPr lang="en-US"/>
           </a:p>
@@ -1713,7 +7151,6 @@
               <a:rPr lang="en-US"/>
               <a:t>Click to edit Master title style</a:t>
             </a:r>
-            <a:endParaRPr lang="en-US"/>
           </a:p>
         </p:txBody>
       </p:sp>
@@ -1734,7 +7171,7 @@
           <a:p>
             <a:fld id="{A80F9A5C-1441-486E-9C03-F12FDE2E90CA}" type="datetimeFigureOut">
               <a:rPr lang="en-US" smtClean="0"/>
-              <a:t>10/23/2019</a:t>
+              <a:t>10/24/2019</a:t>
             </a:fld>
             <a:endParaRPr lang="en-US"/>
           </a:p>
@@ -1829,7 +7266,7 @@
           <a:p>
             <a:fld id="{A80F9A5C-1441-486E-9C03-F12FDE2E90CA}" type="datetimeFigureOut">
               <a:rPr lang="en-US" smtClean="0"/>
-              <a:t>10/23/2019</a:t>
+              <a:t>10/24/2019</a:t>
             </a:fld>
             <a:endParaRPr lang="en-US"/>
           </a:p>
@@ -1935,7 +7372,6 @@
               <a:rPr lang="en-US"/>
               <a:t>Click to edit Master title style</a:t>
             </a:r>
-            <a:endParaRPr lang="en-US"/>
           </a:p>
         </p:txBody>
       </p:sp>
@@ -2020,7 +7456,6 @@
               <a:rPr lang="en-US"/>
               <a:t>Fifth level</a:t>
             </a:r>
-            <a:endParaRPr lang="en-US"/>
           </a:p>
         </p:txBody>
       </p:sp>
@@ -2106,7 +7541,7 @@
           <a:p>
             <a:fld id="{A80F9A5C-1441-486E-9C03-F12FDE2E90CA}" type="datetimeFigureOut">
               <a:rPr lang="en-US" smtClean="0"/>
-              <a:t>10/23/2019</a:t>
+              <a:t>10/24/2019</a:t>
             </a:fld>
             <a:endParaRPr lang="en-US"/>
           </a:p>
@@ -2212,7 +7647,6 @@
               <a:rPr lang="en-US"/>
               <a:t>Click to edit Master title style</a:t>
             </a:r>
-            <a:endParaRPr lang="en-US"/>
           </a:p>
         </p:txBody>
       </p:sp>
@@ -2359,7 +7793,7 @@
           <a:p>
             <a:fld id="{A80F9A5C-1441-486E-9C03-F12FDE2E90CA}" type="datetimeFigureOut">
               <a:rPr lang="en-US" smtClean="0"/>
-              <a:t>10/23/2019</a:t>
+              <a:t>10/24/2019</a:t>
             </a:fld>
             <a:endParaRPr lang="en-US"/>
           </a:p>
@@ -2471,7 +7905,6 @@
               <a:rPr lang="en-US"/>
               <a:t>Click to edit Master title style</a:t>
             </a:r>
-            <a:endParaRPr lang="en-US"/>
           </a:p>
         </p:txBody>
       </p:sp>
@@ -2533,7 +7966,6 @@
               <a:rPr lang="en-US"/>
               <a:t>Fifth level</a:t>
             </a:r>
-            <a:endParaRPr lang="en-US"/>
           </a:p>
         </p:txBody>
       </p:sp>
@@ -2572,7 +8004,7 @@
           <a:p>
             <a:fld id="{A80F9A5C-1441-486E-9C03-F12FDE2E90CA}" type="datetimeFigureOut">
               <a:rPr lang="en-US" smtClean="0"/>
-              <a:t>10/23/2019</a:t>
+              <a:t>10/24/2019</a:t>
             </a:fld>
             <a:endParaRPr lang="en-US"/>
           </a:p>
@@ -2989,7 +8421,7 @@
         </p:nvSpPr>
         <p:spPr>
           <a:xfrm>
-            <a:off x="1370693" y="2557331"/>
+            <a:off x="1212197" y="2423219"/>
             <a:ext cx="9440034" cy="1789586"/>
           </a:xfrm>
           <a:noFill/>
@@ -3141,72 +8573,137 @@
           <a:chExt cx="0" cy="0"/>
         </a:xfrm>
       </p:grpSpPr>
-      <p:sp>
-        <p:nvSpPr>
-          <p:cNvPr id="2" name="Title 1"/>
-          <p:cNvSpPr>
-            <a:spLocks noGrp="1"/>
-          </p:cNvSpPr>
-          <p:nvPr>
-            <p:ph type="title"/>
-          </p:nvPr>
-        </p:nvSpPr>
-        <p:spPr/>
-        <p:txBody>
-          <a:bodyPr/>
-          <a:lstStyle/>
-          <a:p>
-            <a:r>
-              <a:rPr lang="en-US" dirty="0"/>
-              <a:t>Underfitting Vs Overfitting</a:t>
-            </a:r>
-          </a:p>
-        </p:txBody>
-      </p:sp>
-      <p:sp>
-        <p:nvSpPr>
-          <p:cNvPr id="3" name="Content Placeholder 2"/>
-          <p:cNvSpPr>
-            <a:spLocks noGrp="1"/>
-          </p:cNvSpPr>
-          <p:nvPr>
-            <p:ph idx="1"/>
-          </p:nvPr>
-        </p:nvSpPr>
-        <p:spPr/>
-        <p:txBody>
-          <a:bodyPr/>
-          <a:lstStyle/>
-          <a:p>
-            <a:r>
-              <a:rPr lang="en-US" dirty="0" err="1"/>
-              <a:t>BBBBut</a:t>
-            </a:r>
-            <a:r>
-              <a:rPr lang="en-US" dirty="0"/>
-              <a:t> why overfitting is bad ?  It doesn’t make sense. </a:t>
-            </a:r>
-          </a:p>
-          <a:p>
-            <a:r>
-              <a:rPr lang="en-US" dirty="0"/>
-              <a:t>The </a:t>
-            </a:r>
-            <a:r>
-              <a:rPr lang="en-US" dirty="0" err="1"/>
-              <a:t>sweetspot</a:t>
-            </a:r>
-            <a:r>
-              <a:rPr lang="en-US" dirty="0"/>
-              <a:t>. </a:t>
-            </a:r>
-          </a:p>
-        </p:txBody>
-      </p:sp>
+      <p:grpSp>
+        <p:nvGrpSpPr>
+          <p:cNvPr id="14" name="Group 13"/>
+          <p:cNvGrpSpPr/>
+          <p:nvPr/>
+        </p:nvGrpSpPr>
+        <p:grpSpPr>
+          <a:xfrm>
+            <a:off x="2032000" y="604911"/>
+            <a:ext cx="8294624" cy="5533422"/>
+            <a:chOff x="2032000" y="604911"/>
+            <a:chExt cx="8294624" cy="5533422"/>
+          </a:xfrm>
+        </p:grpSpPr>
+        <p:graphicFrame>
+          <p:nvGraphicFramePr>
+            <p:cNvPr id="7" name="Diagram 6"/>
+            <p:cNvGraphicFramePr/>
+            <p:nvPr>
+              <p:extLst>
+                <p:ext uri="{D42A27DB-BD31-4B8C-83A1-F6EECF244321}">
+                  <p14:modId xmlns:p14="http://schemas.microsoft.com/office/powerpoint/2010/main" val="3720066869"/>
+                </p:ext>
+              </p:extLst>
+            </p:nvPr>
+          </p:nvGraphicFramePr>
+          <p:xfrm>
+            <a:off x="2032000" y="719666"/>
+            <a:ext cx="8128000" cy="5418667"/>
+          </p:xfrm>
+          <a:graphic>
+            <a:graphicData uri="http://schemas.openxmlformats.org/drawingml/2006/diagram">
+              <dgm:relIds xmlns:dgm="http://schemas.openxmlformats.org/drawingml/2006/diagram" xmlns:r="http://schemas.openxmlformats.org/officeDocument/2006/relationships" r:dm="rId2" r:lo="rId3" r:qs="rId4" r:cs="rId5"/>
+            </a:graphicData>
+          </a:graphic>
+        </p:graphicFrame>
+        <p:sp>
+          <p:nvSpPr>
+            <p:cNvPr id="10" name="Rectangle: Rounded Corners 9"/>
+            <p:cNvSpPr/>
+            <p:nvPr/>
+          </p:nvSpPr>
+          <p:spPr>
+            <a:xfrm>
+              <a:off x="4093699" y="604911"/>
+              <a:ext cx="1758461" cy="5533422"/>
+            </a:xfrm>
+            <a:prstGeom prst="roundRect">
+              <a:avLst/>
+            </a:prstGeom>
+            <a:noFill/>
+            <a:ln w="69850">
+              <a:solidFill>
+                <a:schemeClr val="accent2">
+                  <a:lumMod val="75000"/>
+                </a:schemeClr>
+              </a:solidFill>
+            </a:ln>
+          </p:spPr>
+          <p:style>
+            <a:lnRef idx="2">
+              <a:schemeClr val="accent1">
+                <a:shade val="50000"/>
+              </a:schemeClr>
+            </a:lnRef>
+            <a:fillRef idx="1">
+              <a:schemeClr val="accent1"/>
+            </a:fillRef>
+            <a:effectRef idx="0">
+              <a:schemeClr val="accent1"/>
+            </a:effectRef>
+            <a:fontRef idx="minor">
+              <a:schemeClr val="lt1"/>
+            </a:fontRef>
+          </p:style>
+          <p:txBody>
+            <a:bodyPr rtlCol="0" anchor="t"/>
+            <a:lstStyle/>
+            <a:p>
+              <a:pPr algn="ctr"/>
+              <a:r>
+                <a:rPr lang="en-US" sz="2000" dirty="0">
+                  <a:solidFill>
+                    <a:schemeClr val="tx1"/>
+                  </a:solidFill>
+                </a:rPr>
+                <a:t>Optimization</a:t>
+              </a:r>
+            </a:p>
+          </p:txBody>
+        </p:sp>
+        <p:cxnSp>
+          <p:nvCxnSpPr>
+            <p:cNvPr id="12" name="Connector: Curved 11"/>
+            <p:cNvCxnSpPr/>
+            <p:nvPr/>
+          </p:nvCxnSpPr>
+          <p:spPr>
+            <a:xfrm rot="10800000">
+              <a:off x="5961888" y="1377696"/>
+              <a:ext cx="4364736" cy="2072640"/>
+            </a:xfrm>
+            <a:prstGeom prst="curvedConnector3">
+              <a:avLst>
+                <a:gd name="adj1" fmla="val -27095"/>
+              </a:avLst>
+            </a:prstGeom>
+            <a:ln>
+              <a:tailEnd type="triangle"/>
+            </a:ln>
+          </p:spPr>
+          <p:style>
+            <a:lnRef idx="3">
+              <a:schemeClr val="dk1"/>
+            </a:lnRef>
+            <a:fillRef idx="0">
+              <a:schemeClr val="dk1"/>
+            </a:fillRef>
+            <a:effectRef idx="2">
+              <a:schemeClr val="dk1"/>
+            </a:effectRef>
+            <a:fontRef idx="minor">
+              <a:schemeClr val="tx1"/>
+            </a:fontRef>
+          </p:style>
+        </p:cxnSp>
+      </p:grpSp>
     </p:spTree>
     <p:extLst>
       <p:ext uri="{BB962C8B-B14F-4D97-AF65-F5344CB8AC3E}">
-        <p14:creationId xmlns:p14="http://schemas.microsoft.com/office/powerpoint/2010/main" val="2875897447"/>
+        <p14:creationId xmlns:p14="http://schemas.microsoft.com/office/powerpoint/2010/main" val="4276378751"/>
       </p:ext>
     </p:extLst>
   </p:cSld>
@@ -3245,12 +8742,14 @@
         </p:nvSpPr>
         <p:spPr/>
         <p:txBody>
-          <a:bodyPr/>
+          <a:bodyPr>
+            <a:normAutofit/>
+          </a:bodyPr>
           <a:lstStyle/>
           <a:p>
             <a:r>
               <a:rPr lang="en-US" dirty="0"/>
-              <a:t>Case study: Snake Classification</a:t>
+              <a:t>What are the features? Why are they important ?</a:t>
             </a:r>
           </a:p>
         </p:txBody>
@@ -3270,14 +8769,20 @@
           <a:bodyPr/>
           <a:lstStyle/>
           <a:p>
-            <a:endParaRPr lang="en-US"/>
+            <a:r>
+              <a:rPr lang="en-US" dirty="0"/>
+              <a:t>Back to modelling ? How do we get features ? </a:t>
+            </a:r>
+          </a:p>
+          <a:p>
+            <a:endParaRPr lang="en-US" dirty="0"/>
           </a:p>
         </p:txBody>
       </p:sp>
     </p:spTree>
     <p:extLst>
       <p:ext uri="{BB962C8B-B14F-4D97-AF65-F5344CB8AC3E}">
-        <p14:creationId xmlns:p14="http://schemas.microsoft.com/office/powerpoint/2010/main" val="3886419806"/>
+        <p14:creationId xmlns:p14="http://schemas.microsoft.com/office/powerpoint/2010/main" val="4114789971"/>
       </p:ext>
     </p:extLst>
   </p:cSld>
@@ -3321,7 +8826,7 @@
           <a:p>
             <a:r>
               <a:rPr lang="en-US" dirty="0"/>
-              <a:t>Deep Learning </a:t>
+              <a:t>Underfitting Vs Overfitting</a:t>
             </a:r>
           </a:p>
         </p:txBody>
@@ -3341,14 +8846,35 @@
           <a:bodyPr/>
           <a:lstStyle/>
           <a:p>
-            <a:endParaRPr lang="en-US"/>
+            <a:r>
+              <a:rPr lang="en-US" dirty="0" err="1"/>
+              <a:t>BBBBut</a:t>
+            </a:r>
+            <a:r>
+              <a:rPr lang="en-US" dirty="0"/>
+              <a:t> why overfitting is bad ?  It doesn’t make sense. </a:t>
+            </a:r>
+          </a:p>
+          <a:p>
+            <a:r>
+              <a:rPr lang="en-US" dirty="0"/>
+              <a:t>The </a:t>
+            </a:r>
+            <a:r>
+              <a:rPr lang="en-US" dirty="0" err="1"/>
+              <a:t>sweetspot</a:t>
+            </a:r>
+            <a:r>
+              <a:rPr lang="en-US" dirty="0"/>
+              <a:t>. </a:t>
+            </a:r>
           </a:p>
         </p:txBody>
       </p:sp>
     </p:spTree>
     <p:extLst>
       <p:ext uri="{BB962C8B-B14F-4D97-AF65-F5344CB8AC3E}">
-        <p14:creationId xmlns:p14="http://schemas.microsoft.com/office/powerpoint/2010/main" val="3358548689"/>
+        <p14:creationId xmlns:p14="http://schemas.microsoft.com/office/powerpoint/2010/main" val="2875897447"/>
       </p:ext>
     </p:extLst>
   </p:cSld>
@@ -3359,6 +8885,225 @@
 </file>
 
 <file path=ppt/slides/slide13.xml><?xml version="1.0" encoding="utf-8"?>
+<p:sld xmlns:a="http://schemas.openxmlformats.org/drawingml/2006/main" xmlns:r="http://schemas.openxmlformats.org/officeDocument/2006/relationships" xmlns:p="http://schemas.openxmlformats.org/presentationml/2006/main">
+  <p:cSld>
+    <p:spTree>
+      <p:nvGrpSpPr>
+        <p:cNvPr id="1" name=""/>
+        <p:cNvGrpSpPr/>
+        <p:nvPr/>
+      </p:nvGrpSpPr>
+      <p:grpSpPr>
+        <a:xfrm>
+          <a:off x="0" y="0"/>
+          <a:ext cx="0" cy="0"/>
+          <a:chOff x="0" y="0"/>
+          <a:chExt cx="0" cy="0"/>
+        </a:xfrm>
+      </p:grpSpPr>
+      <p:grpSp>
+        <p:nvGrpSpPr>
+          <p:cNvPr id="6" name="Group 5"/>
+          <p:cNvGrpSpPr/>
+          <p:nvPr/>
+        </p:nvGrpSpPr>
+        <p:grpSpPr>
+          <a:xfrm>
+            <a:off x="2133601" y="1177935"/>
+            <a:ext cx="8461247" cy="5533422"/>
+            <a:chOff x="1865377" y="604911"/>
+            <a:chExt cx="8461247" cy="5533422"/>
+          </a:xfrm>
+        </p:grpSpPr>
+        <p:grpSp>
+          <p:nvGrpSpPr>
+            <p:cNvPr id="2" name="Group 1"/>
+            <p:cNvGrpSpPr/>
+            <p:nvPr/>
+          </p:nvGrpSpPr>
+          <p:grpSpPr>
+            <a:xfrm>
+              <a:off x="1865377" y="604911"/>
+              <a:ext cx="8294623" cy="5533422"/>
+              <a:chOff x="1865377" y="604911"/>
+              <a:chExt cx="8294623" cy="5533422"/>
+            </a:xfrm>
+          </p:grpSpPr>
+          <p:graphicFrame>
+            <p:nvGraphicFramePr>
+              <p:cNvPr id="7" name="Diagram 6"/>
+              <p:cNvGraphicFramePr/>
+              <p:nvPr>
+                <p:extLst>
+                  <p:ext uri="{D42A27DB-BD31-4B8C-83A1-F6EECF244321}">
+                    <p14:modId xmlns:p14="http://schemas.microsoft.com/office/powerpoint/2010/main" val="1742368644"/>
+                  </p:ext>
+                </p:extLst>
+              </p:nvPr>
+            </p:nvGraphicFramePr>
+            <p:xfrm>
+              <a:off x="2032000" y="719666"/>
+              <a:ext cx="8128000" cy="5418667"/>
+            </p:xfrm>
+            <a:graphic>
+              <a:graphicData uri="http://schemas.openxmlformats.org/drawingml/2006/diagram">
+                <dgm:relIds xmlns:dgm="http://schemas.openxmlformats.org/drawingml/2006/diagram" xmlns:r="http://schemas.openxmlformats.org/officeDocument/2006/relationships" r:dm="rId2" r:lo="rId3" r:qs="rId4" r:cs="rId5"/>
+              </a:graphicData>
+            </a:graphic>
+          </p:graphicFrame>
+          <p:sp>
+            <p:nvSpPr>
+              <p:cNvPr id="10" name="Rectangle: Rounded Corners 9"/>
+              <p:cNvSpPr/>
+              <p:nvPr/>
+            </p:nvSpPr>
+            <p:spPr>
+              <a:xfrm>
+                <a:off x="1865377" y="604911"/>
+                <a:ext cx="3986784" cy="5533422"/>
+              </a:xfrm>
+              <a:prstGeom prst="roundRect">
+                <a:avLst/>
+              </a:prstGeom>
+              <a:noFill/>
+              <a:ln w="69850">
+                <a:solidFill>
+                  <a:schemeClr val="accent2">
+                    <a:lumMod val="75000"/>
+                  </a:schemeClr>
+                </a:solidFill>
+              </a:ln>
+            </p:spPr>
+            <p:style>
+              <a:lnRef idx="2">
+                <a:schemeClr val="accent1">
+                  <a:shade val="50000"/>
+                </a:schemeClr>
+              </a:lnRef>
+              <a:fillRef idx="1">
+                <a:schemeClr val="accent1"/>
+              </a:fillRef>
+              <a:effectRef idx="0">
+                <a:schemeClr val="accent1"/>
+              </a:effectRef>
+              <a:fontRef idx="minor">
+                <a:schemeClr val="lt1"/>
+              </a:fontRef>
+            </p:style>
+            <p:txBody>
+              <a:bodyPr rtlCol="0" anchor="t"/>
+              <a:lstStyle/>
+              <a:p>
+                <a:pPr algn="ctr"/>
+                <a:r>
+                  <a:rPr lang="en-US" sz="2000" dirty="0">
+                    <a:solidFill>
+                      <a:schemeClr val="tx1"/>
+                    </a:solidFill>
+                  </a:rPr>
+                  <a:t>Optimization</a:t>
+                </a:r>
+              </a:p>
+            </p:txBody>
+          </p:sp>
+        </p:grpSp>
+        <p:cxnSp>
+          <p:nvCxnSpPr>
+            <p:cNvPr id="12" name="Connector: Curved 11"/>
+            <p:cNvCxnSpPr/>
+            <p:nvPr/>
+          </p:nvCxnSpPr>
+          <p:spPr>
+            <a:xfrm rot="10800000">
+              <a:off x="5961888" y="1377696"/>
+              <a:ext cx="4364736" cy="2072640"/>
+            </a:xfrm>
+            <a:prstGeom prst="curvedConnector3">
+              <a:avLst>
+                <a:gd name="adj1" fmla="val -27095"/>
+              </a:avLst>
+            </a:prstGeom>
+            <a:ln>
+              <a:tailEnd type="triangle"/>
+            </a:ln>
+          </p:spPr>
+          <p:style>
+            <a:lnRef idx="3">
+              <a:schemeClr val="dk1"/>
+            </a:lnRef>
+            <a:fillRef idx="0">
+              <a:schemeClr val="dk1"/>
+            </a:fillRef>
+            <a:effectRef idx="2">
+              <a:schemeClr val="dk1"/>
+            </a:effectRef>
+            <a:fontRef idx="minor">
+              <a:schemeClr val="tx1"/>
+            </a:fontRef>
+          </p:style>
+        </p:cxnSp>
+      </p:grpSp>
+      <p:sp>
+        <p:nvSpPr>
+          <p:cNvPr id="5" name="Title 1"/>
+          <p:cNvSpPr txBox="1">
+            <a:spLocks/>
+          </p:cNvSpPr>
+          <p:nvPr/>
+        </p:nvSpPr>
+        <p:spPr>
+          <a:xfrm>
+            <a:off x="838200" y="365125"/>
+            <a:ext cx="10515600" cy="1325563"/>
+          </a:xfrm>
+          <a:prstGeom prst="rect">
+            <a:avLst/>
+          </a:prstGeom>
+        </p:spPr>
+        <p:txBody>
+          <a:bodyPr/>
+          <a:lstStyle>
+            <a:lvl1pPr algn="l" defTabSz="914400" rtl="0" eaLnBrk="1" latinLnBrk="0" hangingPunct="1">
+              <a:lnSpc>
+                <a:spcPct val="90000"/>
+              </a:lnSpc>
+              <a:spcBef>
+                <a:spcPct val="0"/>
+              </a:spcBef>
+              <a:buNone/>
+              <a:defRPr sz="4400" kern="1200">
+                <a:solidFill>
+                  <a:schemeClr val="tx1"/>
+                </a:solidFill>
+                <a:latin typeface="+mj-lt"/>
+                <a:ea typeface="+mj-ea"/>
+                <a:cs typeface="+mj-cs"/>
+              </a:defRPr>
+            </a:lvl1pPr>
+          </a:lstStyle>
+          <a:p>
+            <a:r>
+              <a:rPr lang="en-US"/>
+              <a:t>Deep Learning </a:t>
+            </a:r>
+            <a:endParaRPr lang="en-US" dirty="0"/>
+          </a:p>
+        </p:txBody>
+      </p:sp>
+    </p:spTree>
+    <p:extLst>
+      <p:ext uri="{BB962C8B-B14F-4D97-AF65-F5344CB8AC3E}">
+        <p14:creationId xmlns:p14="http://schemas.microsoft.com/office/powerpoint/2010/main" val="2239189359"/>
+      </p:ext>
+    </p:extLst>
+  </p:cSld>
+  <p:clrMapOvr>
+    <a:masterClrMapping/>
+  </p:clrMapOvr>
+</p:sld>
+</file>
+
+<file path=ppt/slides/slide14.xml><?xml version="1.0" encoding="utf-8"?>
 <p:sld xmlns:a="http://schemas.openxmlformats.org/drawingml/2006/main" xmlns:r="http://schemas.openxmlformats.org/officeDocument/2006/relationships" xmlns:p="http://schemas.openxmlformats.org/presentationml/2006/main">
   <p:cSld>
     <p:spTree>
@@ -3390,7 +9135,63 @@
           <a:bodyPr/>
           <a:lstStyle/>
           <a:p>
-            <a:endParaRPr lang="en-US"/>
+            <a:r>
+              <a:rPr lang="en-US" dirty="0"/>
+              <a:t>Pigeon superstition</a:t>
+            </a:r>
+            <a:endParaRPr lang="en-US" dirty="0"/>
+          </a:p>
+        </p:txBody>
+      </p:sp>
+    </p:spTree>
+    <p:extLst>
+      <p:ext uri="{BB962C8B-B14F-4D97-AF65-F5344CB8AC3E}">
+        <p14:creationId xmlns:p14="http://schemas.microsoft.com/office/powerpoint/2010/main" val="405259906"/>
+      </p:ext>
+    </p:extLst>
+  </p:cSld>
+  <p:clrMapOvr>
+    <a:masterClrMapping/>
+  </p:clrMapOvr>
+</p:sld>
+</file>
+
+<file path=ppt/slides/slide15.xml><?xml version="1.0" encoding="utf-8"?>
+<p:sld xmlns:a="http://schemas.openxmlformats.org/drawingml/2006/main" xmlns:r="http://schemas.openxmlformats.org/officeDocument/2006/relationships" xmlns:p="http://schemas.openxmlformats.org/presentationml/2006/main">
+  <p:cSld>
+    <p:spTree>
+      <p:nvGrpSpPr>
+        <p:cNvPr id="1" name=""/>
+        <p:cNvGrpSpPr/>
+        <p:nvPr/>
+      </p:nvGrpSpPr>
+      <p:grpSpPr>
+        <a:xfrm>
+          <a:off x="0" y="0"/>
+          <a:ext cx="0" cy="0"/>
+          <a:chOff x="0" y="0"/>
+          <a:chExt cx="0" cy="0"/>
+        </a:xfrm>
+      </p:grpSpPr>
+      <p:sp>
+        <p:nvSpPr>
+          <p:cNvPr id="2" name="Title 1"/>
+          <p:cNvSpPr>
+            <a:spLocks noGrp="1"/>
+          </p:cNvSpPr>
+          <p:nvPr>
+            <p:ph type="title"/>
+          </p:nvPr>
+        </p:nvSpPr>
+        <p:spPr/>
+        <p:txBody>
+          <a:bodyPr/>
+          <a:lstStyle/>
+          <a:p>
+            <a:r>
+              <a:rPr lang="en-US" dirty="0"/>
+              <a:t>Case study: Snake Classification</a:t>
+            </a:r>
           </a:p>
         </p:txBody>
       </p:sp>
@@ -3416,7 +9217,7 @@
     </p:spTree>
     <p:extLst>
       <p:ext uri="{BB962C8B-B14F-4D97-AF65-F5344CB8AC3E}">
-        <p14:creationId xmlns:p14="http://schemas.microsoft.com/office/powerpoint/2010/main" val="797713558"/>
+        <p14:creationId xmlns:p14="http://schemas.microsoft.com/office/powerpoint/2010/main" val="3886419806"/>
       </p:ext>
     </p:extLst>
   </p:cSld>
@@ -3426,7 +9227,7 @@
 </p:sld>
 </file>
 
-<file path=ppt/slides/slide14.xml><?xml version="1.0" encoding="utf-8"?>
+<file path=ppt/slides/slide16.xml><?xml version="1.0" encoding="utf-8"?>
 <p:sld xmlns:a="http://schemas.openxmlformats.org/drawingml/2006/main" xmlns:r="http://schemas.openxmlformats.org/officeDocument/2006/relationships" xmlns:p="http://schemas.openxmlformats.org/presentationml/2006/main">
   <p:cSld>
     <p:spTree>
@@ -4651,44 +10452,58 @@
             <p:ph type="title"/>
           </p:nvPr>
         </p:nvSpPr>
-        <p:spPr/>
+        <p:spPr>
+          <a:xfrm>
+            <a:off x="740664" y="1231393"/>
+            <a:ext cx="10515600" cy="4389120"/>
+          </a:xfrm>
+        </p:spPr>
         <p:txBody>
-          <a:bodyPr/>
+          <a:bodyPr>
+            <a:noAutofit/>
+          </a:bodyPr>
           <a:lstStyle/>
           <a:p>
             <a:r>
-              <a:rPr lang="en-US" dirty="0"/>
-              <a:t>What is Machine Learning ?</a:t>
+              <a:rPr lang="en-US" sz="3200" dirty="0"/>
+              <a:t>But Sometimes Modelling with fundamental laws is really hard. </a:t>
             </a:r>
-          </a:p>
-        </p:txBody>
-      </p:sp>
-      <p:sp>
-        <p:nvSpPr>
-          <p:cNvPr id="3" name="Content Placeholder 2"/>
-          <p:cNvSpPr>
-            <a:spLocks noGrp="1"/>
-          </p:cNvSpPr>
-          <p:nvPr>
-            <p:ph idx="1"/>
-          </p:nvPr>
-        </p:nvSpPr>
-        <p:spPr/>
-        <p:txBody>
-          <a:bodyPr/>
-          <a:lstStyle/>
-          <a:p>
+            <a:br>
+              <a:rPr lang="en-US" sz="3200" dirty="0"/>
+            </a:br>
+            <a:br>
+              <a:rPr lang="en-US" sz="3200" dirty="0"/>
+            </a:br>
             <a:r>
-              <a:rPr lang="en-US" dirty="0"/>
-              <a:t>Traditional programming vs Machine learning. </a:t>
+              <a:rPr lang="en-US" sz="3200" dirty="0"/>
+              <a:t>Because: </a:t>
             </a:r>
+            <a:br>
+              <a:rPr lang="en-US" sz="3200" dirty="0"/>
+            </a:br>
+            <a:r>
+              <a:rPr lang="en-US" sz="3200" dirty="0"/>
+              <a:t>1 -  Maybe we don’t have enough “Science”. </a:t>
+            </a:r>
+            <a:br>
+              <a:rPr lang="en-US" sz="3200" dirty="0"/>
+            </a:br>
+            <a:r>
+              <a:rPr lang="en-US" sz="3200" dirty="0"/>
+              <a:t>2- The phenomena under study is really complicated, and very stochastic in nature. “ consider economic, social, biological, and climate </a:t>
+            </a:r>
+            <a:r>
+              <a:rPr lang="en-US" sz="3200" dirty="0"/>
+              <a:t>phenomena”. </a:t>
+            </a:r>
+            <a:endParaRPr lang="en-US" sz="3200" dirty="0"/>
           </a:p>
         </p:txBody>
       </p:sp>
     </p:spTree>
     <p:extLst>
       <p:ext uri="{BB962C8B-B14F-4D97-AF65-F5344CB8AC3E}">
-        <p14:creationId xmlns:p14="http://schemas.microsoft.com/office/powerpoint/2010/main" val="109139652"/>
+        <p14:creationId xmlns:p14="http://schemas.microsoft.com/office/powerpoint/2010/main" val="3909982137"/>
       </p:ext>
     </p:extLst>
   </p:cSld>
@@ -4732,7 +10547,7 @@
           <a:p>
             <a:r>
               <a:rPr lang="en-US" dirty="0"/>
-              <a:t>How would ML solve the previous problem ?</a:t>
+              <a:t>What is Machine Learning ?</a:t>
             </a:r>
           </a:p>
         </p:txBody>
@@ -4762,7 +10577,7 @@
     </p:spTree>
     <p:extLst>
       <p:ext uri="{BB962C8B-B14F-4D97-AF65-F5344CB8AC3E}">
-        <p14:creationId xmlns:p14="http://schemas.microsoft.com/office/powerpoint/2010/main" val="3222756048"/>
+        <p14:creationId xmlns:p14="http://schemas.microsoft.com/office/powerpoint/2010/main" val="109139652"/>
       </p:ext>
     </p:extLst>
   </p:cSld>
@@ -4806,7 +10621,7 @@
           <a:p>
             <a:r>
               <a:rPr lang="en-US" dirty="0"/>
-              <a:t>The main steps of Machine Learning</a:t>
+              <a:t>How would ML solve the previous problem ?</a:t>
             </a:r>
           </a:p>
         </p:txBody>
@@ -4828,33 +10643,61 @@
           <a:p>
             <a:r>
               <a:rPr lang="en-US" dirty="0"/>
-              <a:t>Feature extraction. </a:t>
-            </a:r>
-          </a:p>
-          <a:p>
-            <a:r>
-              <a:rPr lang="en-US" dirty="0"/>
-              <a:t>Model selection. </a:t>
-            </a:r>
-          </a:p>
-          <a:p>
-            <a:r>
-              <a:rPr lang="en-US" dirty="0"/>
-              <a:t>Optimization. </a:t>
-            </a:r>
-          </a:p>
-          <a:p>
-            <a:r>
-              <a:rPr lang="en-US" dirty="0"/>
-              <a:t>Using the model. </a:t>
+              <a:t>Traditional programming vs Machine learning. </a:t>
             </a:r>
           </a:p>
         </p:txBody>
       </p:sp>
+      <p:pic>
+        <p:nvPicPr>
+          <p:cNvPr id="4" name="Picture 3"/>
+          <p:cNvPicPr>
+            <a:picLocks noChangeAspect="1"/>
+          </p:cNvPicPr>
+          <p:nvPr/>
+        </p:nvPicPr>
+        <p:blipFill rotWithShape="1">
+          <a:blip r:embed="rId2"/>
+          <a:srcRect l="23800" t="24641" r="35100" b="47910"/>
+          <a:stretch/>
+        </p:blipFill>
+        <p:spPr>
+          <a:xfrm>
+            <a:off x="2255520" y="2580704"/>
+            <a:ext cx="5010912" cy="1881568"/>
+          </a:xfrm>
+          <a:prstGeom prst="rect">
+            <a:avLst/>
+          </a:prstGeom>
+        </p:spPr>
+      </p:pic>
+      <p:pic>
+        <p:nvPicPr>
+          <p:cNvPr id="5" name="Picture 4"/>
+          <p:cNvPicPr>
+            <a:picLocks noChangeAspect="1"/>
+          </p:cNvPicPr>
+          <p:nvPr/>
+        </p:nvPicPr>
+        <p:blipFill rotWithShape="1">
+          <a:blip r:embed="rId2"/>
+          <a:srcRect l="24700" t="51735" r="32800" b="21764"/>
+          <a:stretch/>
+        </p:blipFill>
+        <p:spPr>
+          <a:xfrm>
+            <a:off x="2487168" y="4840224"/>
+            <a:ext cx="5181600" cy="1816608"/>
+          </a:xfrm>
+          <a:prstGeom prst="rect">
+            <a:avLst/>
+          </a:prstGeom>
+        </p:spPr>
+      </p:pic>
     </p:spTree>
     <p:extLst>
       <p:ext uri="{BB962C8B-B14F-4D97-AF65-F5344CB8AC3E}">
-        <p14:creationId xmlns:p14="http://schemas.microsoft.com/office/powerpoint/2010/main" val="1435630111"/>
+        <p14:creationId xmlns:p14="http://schemas.microsoft.com/office/powerpoint/2010/main" val="3222756048"/>
       </p:ext>
     </p:extLst>
   </p:cSld>
@@ -4893,14 +10736,12 @@
         </p:nvSpPr>
         <p:spPr/>
         <p:txBody>
-          <a:bodyPr>
-            <a:normAutofit/>
-          </a:bodyPr>
+          <a:bodyPr/>
           <a:lstStyle/>
           <a:p>
             <a:r>
               <a:rPr lang="en-US" dirty="0"/>
-              <a:t>What are the features? Why are they important ?</a:t>
+              <a:t>The main steps of Machine Learning</a:t>
             </a:r>
           </a:p>
         </p:txBody>
@@ -4922,18 +10763,40 @@
           <a:p>
             <a:r>
               <a:rPr lang="en-US" dirty="0"/>
-              <a:t>Back to modelling ? How do we get features ? </a:t>
+              <a:t>Problem definition.</a:t>
             </a:r>
           </a:p>
           <a:p>
+            <a:r>
+              <a:rPr lang="en-US" dirty="0"/>
+              <a:t>Model selection. </a:t>
+            </a:r>
             <a:endParaRPr lang="en-US" dirty="0"/>
+          </a:p>
+          <a:p>
+            <a:r>
+              <a:rPr lang="en-US" dirty="0"/>
+              <a:t>Feature extraction. </a:t>
+            </a:r>
+          </a:p>
+          <a:p>
+            <a:r>
+              <a:rPr lang="en-US" dirty="0"/>
+              <a:t>Optimization. </a:t>
+            </a:r>
+          </a:p>
+          <a:p>
+            <a:r>
+              <a:rPr lang="en-US" dirty="0"/>
+              <a:t>Using the model. </a:t>
+            </a:r>
           </a:p>
         </p:txBody>
       </p:sp>
     </p:spTree>
     <p:extLst>
       <p:ext uri="{BB962C8B-B14F-4D97-AF65-F5344CB8AC3E}">
-        <p14:creationId xmlns:p14="http://schemas.microsoft.com/office/powerpoint/2010/main" val="4114789971"/>
+        <p14:creationId xmlns:p14="http://schemas.microsoft.com/office/powerpoint/2010/main" val="1435630111"/>
       </p:ext>
     </p:extLst>
   </p:cSld>

--- a/Intro to ML.pptx
+++ b/Intro to ML.pptx
@@ -15,12 +15,14 @@
     <p:sldId id="270" r:id="rId9"/>
     <p:sldId id="264" r:id="rId10"/>
     <p:sldId id="274" r:id="rId11"/>
-    <p:sldId id="260" r:id="rId12"/>
-    <p:sldId id="265" r:id="rId13"/>
-    <p:sldId id="275" r:id="rId14"/>
-    <p:sldId id="272" r:id="rId15"/>
-    <p:sldId id="261" r:id="rId16"/>
-    <p:sldId id="269" r:id="rId17"/>
+    <p:sldId id="278" r:id="rId12"/>
+    <p:sldId id="277" r:id="rId13"/>
+    <p:sldId id="276" r:id="rId14"/>
+    <p:sldId id="260" r:id="rId15"/>
+    <p:sldId id="275" r:id="rId16"/>
+    <p:sldId id="272" r:id="rId17"/>
+    <p:sldId id="261" r:id="rId18"/>
+    <p:sldId id="269" r:id="rId19"/>
   </p:sldIdLst>
   <p:sldSz cx="12192000" cy="6858000"/>
   <p:notesSz cx="6858000" cy="9144000"/>
@@ -875,6 +877,1560 @@
 </file>
 
 <file path=ppt/diagrams/colors2.xml><?xml version="1.0" encoding="utf-8"?>
+<dgm:colorsDef xmlns:dgm="http://schemas.openxmlformats.org/drawingml/2006/diagram" xmlns:a="http://schemas.openxmlformats.org/drawingml/2006/main" uniqueId="urn:microsoft.com/office/officeart/2005/8/colors/accent0_2">
+  <dgm:title val=""/>
+  <dgm:desc val=""/>
+  <dgm:catLst>
+    <dgm:cat type="mainScheme" pri="10200"/>
+  </dgm:catLst>
+  <dgm:styleLbl name="node0">
+    <dgm:fillClrLst meth="repeat">
+      <a:schemeClr val="lt1"/>
+    </dgm:fillClrLst>
+    <dgm:linClrLst meth="repeat">
+      <a:schemeClr val="dk2">
+        <a:shade val="80000"/>
+      </a:schemeClr>
+    </dgm:linClrLst>
+    <dgm:effectClrLst/>
+    <dgm:txLinClrLst/>
+    <dgm:txFillClrLst meth="repeat">
+      <a:schemeClr val="dk2"/>
+    </dgm:txFillClrLst>
+    <dgm:txEffectClrLst/>
+  </dgm:styleLbl>
+  <dgm:styleLbl name="node1">
+    <dgm:fillClrLst meth="repeat">
+      <a:schemeClr val="lt1"/>
+    </dgm:fillClrLst>
+    <dgm:linClrLst meth="repeat">
+      <a:schemeClr val="dk2">
+        <a:shade val="80000"/>
+      </a:schemeClr>
+    </dgm:linClrLst>
+    <dgm:effectClrLst/>
+    <dgm:txLinClrLst/>
+    <dgm:txFillClrLst meth="repeat">
+      <a:schemeClr val="dk2"/>
+    </dgm:txFillClrLst>
+    <dgm:txEffectClrLst/>
+  </dgm:styleLbl>
+  <dgm:styleLbl name="alignNode1">
+    <dgm:fillClrLst meth="repeat">
+      <a:schemeClr val="lt1"/>
+    </dgm:fillClrLst>
+    <dgm:linClrLst meth="repeat">
+      <a:schemeClr val="dk2">
+        <a:shade val="80000"/>
+      </a:schemeClr>
+    </dgm:linClrLst>
+    <dgm:effectClrLst/>
+    <dgm:txLinClrLst/>
+    <dgm:txFillClrLst meth="repeat">
+      <a:schemeClr val="dk2"/>
+    </dgm:txFillClrLst>
+    <dgm:txEffectClrLst/>
+  </dgm:styleLbl>
+  <dgm:styleLbl name="lnNode1">
+    <dgm:fillClrLst meth="repeat">
+      <a:schemeClr val="lt1"/>
+    </dgm:fillClrLst>
+    <dgm:linClrLst meth="repeat">
+      <a:schemeClr val="dk2">
+        <a:shade val="80000"/>
+      </a:schemeClr>
+    </dgm:linClrLst>
+    <dgm:effectClrLst/>
+    <dgm:txLinClrLst/>
+    <dgm:txFillClrLst meth="repeat">
+      <a:schemeClr val="dk2"/>
+    </dgm:txFillClrLst>
+    <dgm:txEffectClrLst/>
+  </dgm:styleLbl>
+  <dgm:styleLbl name="vennNode1">
+    <dgm:fillClrLst meth="repeat">
+      <a:schemeClr val="lt1">
+        <a:alpha val="50000"/>
+      </a:schemeClr>
+    </dgm:fillClrLst>
+    <dgm:linClrLst meth="repeat">
+      <a:schemeClr val="dk2">
+        <a:shade val="80000"/>
+      </a:schemeClr>
+    </dgm:linClrLst>
+    <dgm:effectClrLst/>
+    <dgm:txLinClrLst/>
+    <dgm:txFillClrLst/>
+    <dgm:txEffectClrLst/>
+  </dgm:styleLbl>
+  <dgm:styleLbl name="node2">
+    <dgm:fillClrLst meth="repeat">
+      <a:schemeClr val="lt1"/>
+    </dgm:fillClrLst>
+    <dgm:linClrLst meth="repeat">
+      <a:schemeClr val="dk2">
+        <a:shade val="80000"/>
+      </a:schemeClr>
+    </dgm:linClrLst>
+    <dgm:effectClrLst/>
+    <dgm:txLinClrLst/>
+    <dgm:txFillClrLst meth="repeat">
+      <a:schemeClr val="dk2"/>
+    </dgm:txFillClrLst>
+    <dgm:txEffectClrLst/>
+  </dgm:styleLbl>
+  <dgm:styleLbl name="node3">
+    <dgm:fillClrLst meth="repeat">
+      <a:schemeClr val="lt1"/>
+    </dgm:fillClrLst>
+    <dgm:linClrLst meth="repeat">
+      <a:schemeClr val="dk2">
+        <a:shade val="80000"/>
+      </a:schemeClr>
+    </dgm:linClrLst>
+    <dgm:effectClrLst/>
+    <dgm:txLinClrLst/>
+    <dgm:txFillClrLst meth="repeat">
+      <a:schemeClr val="dk2"/>
+    </dgm:txFillClrLst>
+    <dgm:txEffectClrLst/>
+  </dgm:styleLbl>
+  <dgm:styleLbl name="node4">
+    <dgm:fillClrLst meth="repeat">
+      <a:schemeClr val="lt1"/>
+    </dgm:fillClrLst>
+    <dgm:linClrLst meth="repeat">
+      <a:schemeClr val="dk2">
+        <a:shade val="80000"/>
+      </a:schemeClr>
+    </dgm:linClrLst>
+    <dgm:effectClrLst/>
+    <dgm:txLinClrLst/>
+    <dgm:txFillClrLst meth="repeat">
+      <a:schemeClr val="dk2"/>
+    </dgm:txFillClrLst>
+    <dgm:txEffectClrLst/>
+  </dgm:styleLbl>
+  <dgm:styleLbl name="fgImgPlace1">
+    <dgm:fillClrLst meth="repeat">
+      <a:schemeClr val="dk2">
+        <a:tint val="40000"/>
+      </a:schemeClr>
+    </dgm:fillClrLst>
+    <dgm:linClrLst meth="repeat">
+      <a:schemeClr val="dk2">
+        <a:shade val="80000"/>
+      </a:schemeClr>
+    </dgm:linClrLst>
+    <dgm:effectClrLst/>
+    <dgm:txLinClrLst/>
+    <dgm:txFillClrLst meth="repeat">
+      <a:schemeClr val="lt1"/>
+    </dgm:txFillClrLst>
+    <dgm:txEffectClrLst/>
+  </dgm:styleLbl>
+  <dgm:styleLbl name="alignImgPlace1">
+    <dgm:fillClrLst meth="repeat">
+      <a:schemeClr val="dk2">
+        <a:tint val="40000"/>
+      </a:schemeClr>
+    </dgm:fillClrLst>
+    <dgm:linClrLst meth="repeat">
+      <a:schemeClr val="dk2">
+        <a:shade val="80000"/>
+      </a:schemeClr>
+    </dgm:linClrLst>
+    <dgm:effectClrLst/>
+    <dgm:txLinClrLst/>
+    <dgm:txFillClrLst meth="repeat">
+      <a:schemeClr val="lt1"/>
+    </dgm:txFillClrLst>
+    <dgm:txEffectClrLst/>
+  </dgm:styleLbl>
+  <dgm:styleLbl name="bgImgPlace1">
+    <dgm:fillClrLst meth="repeat">
+      <a:schemeClr val="dk2">
+        <a:tint val="40000"/>
+      </a:schemeClr>
+    </dgm:fillClrLst>
+    <dgm:linClrLst meth="repeat">
+      <a:schemeClr val="dk2">
+        <a:shade val="80000"/>
+      </a:schemeClr>
+    </dgm:linClrLst>
+    <dgm:effectClrLst/>
+    <dgm:txLinClrLst/>
+    <dgm:txFillClrLst meth="repeat">
+      <a:schemeClr val="lt1"/>
+    </dgm:txFillClrLst>
+    <dgm:txEffectClrLst/>
+  </dgm:styleLbl>
+  <dgm:styleLbl name="sibTrans2D1">
+    <dgm:fillClrLst meth="repeat">
+      <a:schemeClr val="dk2">
+        <a:tint val="60000"/>
+      </a:schemeClr>
+    </dgm:fillClrLst>
+    <dgm:linClrLst meth="repeat">
+      <a:schemeClr val="dk2">
+        <a:tint val="60000"/>
+      </a:schemeClr>
+    </dgm:linClrLst>
+    <dgm:effectClrLst/>
+    <dgm:txLinClrLst/>
+    <dgm:txFillClrLst meth="repeat">
+      <a:schemeClr val="dk2"/>
+    </dgm:txFillClrLst>
+    <dgm:txEffectClrLst/>
+  </dgm:styleLbl>
+  <dgm:styleLbl name="fgSibTrans2D1">
+    <dgm:fillClrLst meth="repeat">
+      <a:schemeClr val="dk2">
+        <a:tint val="60000"/>
+      </a:schemeClr>
+    </dgm:fillClrLst>
+    <dgm:linClrLst meth="repeat">
+      <a:schemeClr val="dk2">
+        <a:tint val="60000"/>
+      </a:schemeClr>
+    </dgm:linClrLst>
+    <dgm:effectClrLst/>
+    <dgm:txLinClrLst/>
+    <dgm:txFillClrLst meth="repeat">
+      <a:schemeClr val="dk2"/>
+    </dgm:txFillClrLst>
+    <dgm:txEffectClrLst/>
+  </dgm:styleLbl>
+  <dgm:styleLbl name="bgSibTrans2D1">
+    <dgm:fillClrLst meth="repeat">
+      <a:schemeClr val="dk2">
+        <a:tint val="60000"/>
+      </a:schemeClr>
+    </dgm:fillClrLst>
+    <dgm:linClrLst meth="repeat">
+      <a:schemeClr val="dk2">
+        <a:tint val="60000"/>
+      </a:schemeClr>
+    </dgm:linClrLst>
+    <dgm:effectClrLst/>
+    <dgm:txLinClrLst/>
+    <dgm:txFillClrLst meth="repeat">
+      <a:schemeClr val="dk2"/>
+    </dgm:txFillClrLst>
+    <dgm:txEffectClrLst/>
+  </dgm:styleLbl>
+  <dgm:styleLbl name="sibTrans1D1">
+    <dgm:fillClrLst meth="repeat">
+      <a:schemeClr val="dk2"/>
+    </dgm:fillClrLst>
+    <dgm:linClrLst meth="repeat">
+      <a:schemeClr val="dk2"/>
+    </dgm:linClrLst>
+    <dgm:effectClrLst/>
+    <dgm:txLinClrLst/>
+    <dgm:txFillClrLst meth="repeat">
+      <a:schemeClr val="tx1"/>
+    </dgm:txFillClrLst>
+    <dgm:txEffectClrLst/>
+  </dgm:styleLbl>
+  <dgm:styleLbl name="callout">
+    <dgm:fillClrLst meth="repeat">
+      <a:schemeClr val="dk2"/>
+    </dgm:fillClrLst>
+    <dgm:linClrLst meth="repeat">
+      <a:schemeClr val="dk2"/>
+    </dgm:linClrLst>
+    <dgm:effectClrLst/>
+    <dgm:txLinClrLst/>
+    <dgm:txFillClrLst meth="repeat">
+      <a:schemeClr val="tx1"/>
+    </dgm:txFillClrLst>
+    <dgm:txEffectClrLst/>
+  </dgm:styleLbl>
+  <dgm:styleLbl name="asst0">
+    <dgm:fillClrLst meth="repeat">
+      <a:schemeClr val="lt1"/>
+    </dgm:fillClrLst>
+    <dgm:linClrLst meth="repeat">
+      <a:schemeClr val="dk2">
+        <a:shade val="80000"/>
+      </a:schemeClr>
+    </dgm:linClrLst>
+    <dgm:effectClrLst/>
+    <dgm:txLinClrLst/>
+    <dgm:txFillClrLst meth="repeat">
+      <a:schemeClr val="dk2"/>
+    </dgm:txFillClrLst>
+    <dgm:txEffectClrLst/>
+  </dgm:styleLbl>
+  <dgm:styleLbl name="asst1">
+    <dgm:fillClrLst meth="repeat">
+      <a:schemeClr val="lt1"/>
+    </dgm:fillClrLst>
+    <dgm:linClrLst meth="repeat">
+      <a:schemeClr val="dk2">
+        <a:shade val="80000"/>
+      </a:schemeClr>
+    </dgm:linClrLst>
+    <dgm:effectClrLst/>
+    <dgm:txLinClrLst/>
+    <dgm:txFillClrLst meth="repeat">
+      <a:schemeClr val="dk2"/>
+    </dgm:txFillClrLst>
+    <dgm:txEffectClrLst/>
+  </dgm:styleLbl>
+  <dgm:styleLbl name="asst2">
+    <dgm:fillClrLst meth="repeat">
+      <a:schemeClr val="lt1"/>
+    </dgm:fillClrLst>
+    <dgm:linClrLst meth="repeat">
+      <a:schemeClr val="dk2">
+        <a:shade val="80000"/>
+      </a:schemeClr>
+    </dgm:linClrLst>
+    <dgm:effectClrLst/>
+    <dgm:txLinClrLst/>
+    <dgm:txFillClrLst meth="repeat">
+      <a:schemeClr val="dk2"/>
+    </dgm:txFillClrLst>
+    <dgm:txEffectClrLst/>
+  </dgm:styleLbl>
+  <dgm:styleLbl name="asst3">
+    <dgm:fillClrLst meth="repeat">
+      <a:schemeClr val="lt1"/>
+    </dgm:fillClrLst>
+    <dgm:linClrLst meth="repeat">
+      <a:schemeClr val="dk2">
+        <a:shade val="80000"/>
+      </a:schemeClr>
+    </dgm:linClrLst>
+    <dgm:effectClrLst/>
+    <dgm:txLinClrLst/>
+    <dgm:txFillClrLst meth="repeat">
+      <a:schemeClr val="dk2"/>
+    </dgm:txFillClrLst>
+    <dgm:txEffectClrLst/>
+  </dgm:styleLbl>
+  <dgm:styleLbl name="asst4">
+    <dgm:fillClrLst meth="repeat">
+      <a:schemeClr val="lt1"/>
+    </dgm:fillClrLst>
+    <dgm:linClrLst meth="repeat">
+      <a:schemeClr val="dk2">
+        <a:shade val="80000"/>
+      </a:schemeClr>
+    </dgm:linClrLst>
+    <dgm:effectClrLst/>
+    <dgm:txLinClrLst/>
+    <dgm:txFillClrLst meth="repeat">
+      <a:schemeClr val="dk2"/>
+    </dgm:txFillClrLst>
+    <dgm:txEffectClrLst/>
+  </dgm:styleLbl>
+  <dgm:styleLbl name="parChTrans2D1">
+    <dgm:fillClrLst meth="repeat">
+      <a:schemeClr val="dk2">
+        <a:tint val="60000"/>
+      </a:schemeClr>
+    </dgm:fillClrLst>
+    <dgm:linClrLst meth="repeat">
+      <a:schemeClr val="dk2">
+        <a:tint val="60000"/>
+      </a:schemeClr>
+    </dgm:linClrLst>
+    <dgm:effectClrLst/>
+    <dgm:txLinClrLst/>
+    <dgm:txFillClrLst/>
+    <dgm:txEffectClrLst/>
+  </dgm:styleLbl>
+  <dgm:styleLbl name="parChTrans2D2">
+    <dgm:fillClrLst meth="repeat">
+      <a:schemeClr val="dk2"/>
+    </dgm:fillClrLst>
+    <dgm:linClrLst meth="repeat">
+      <a:schemeClr val="dk2"/>
+    </dgm:linClrLst>
+    <dgm:effectClrLst/>
+    <dgm:txLinClrLst/>
+    <dgm:txFillClrLst/>
+    <dgm:txEffectClrLst/>
+  </dgm:styleLbl>
+  <dgm:styleLbl name="parChTrans2D3">
+    <dgm:fillClrLst meth="repeat">
+      <a:schemeClr val="dk2"/>
+    </dgm:fillClrLst>
+    <dgm:linClrLst meth="repeat">
+      <a:schemeClr val="dk2"/>
+    </dgm:linClrLst>
+    <dgm:effectClrLst/>
+    <dgm:txLinClrLst/>
+    <dgm:txFillClrLst/>
+    <dgm:txEffectClrLst/>
+  </dgm:styleLbl>
+  <dgm:styleLbl name="parChTrans2D4">
+    <dgm:fillClrLst meth="repeat">
+      <a:schemeClr val="dk2"/>
+    </dgm:fillClrLst>
+    <dgm:linClrLst meth="repeat">
+      <a:schemeClr val="dk2"/>
+    </dgm:linClrLst>
+    <dgm:effectClrLst/>
+    <dgm:txLinClrLst/>
+    <dgm:txFillClrLst meth="repeat">
+      <a:schemeClr val="lt1"/>
+    </dgm:txFillClrLst>
+    <dgm:txEffectClrLst/>
+  </dgm:styleLbl>
+  <dgm:styleLbl name="parChTrans1D1">
+    <dgm:fillClrLst meth="repeat">
+      <a:schemeClr val="dk2"/>
+    </dgm:fillClrLst>
+    <dgm:linClrLst meth="repeat">
+      <a:schemeClr val="dk2">
+        <a:shade val="60000"/>
+      </a:schemeClr>
+    </dgm:linClrLst>
+    <dgm:effectClrLst/>
+    <dgm:txLinClrLst/>
+    <dgm:txFillClrLst meth="repeat">
+      <a:schemeClr val="tx1"/>
+    </dgm:txFillClrLst>
+    <dgm:txEffectClrLst/>
+  </dgm:styleLbl>
+  <dgm:styleLbl name="parChTrans1D2">
+    <dgm:fillClrLst meth="repeat">
+      <a:schemeClr val="dk2"/>
+    </dgm:fillClrLst>
+    <dgm:linClrLst meth="repeat">
+      <a:schemeClr val="dk2">
+        <a:shade val="60000"/>
+      </a:schemeClr>
+    </dgm:linClrLst>
+    <dgm:effectClrLst/>
+    <dgm:txLinClrLst/>
+    <dgm:txFillClrLst meth="repeat">
+      <a:schemeClr val="tx1"/>
+    </dgm:txFillClrLst>
+    <dgm:txEffectClrLst/>
+  </dgm:styleLbl>
+  <dgm:styleLbl name="parChTrans1D3">
+    <dgm:fillClrLst meth="repeat">
+      <a:schemeClr val="dk2"/>
+    </dgm:fillClrLst>
+    <dgm:linClrLst meth="repeat">
+      <a:schemeClr val="dk2">
+        <a:shade val="80000"/>
+      </a:schemeClr>
+    </dgm:linClrLst>
+    <dgm:effectClrLst/>
+    <dgm:txLinClrLst/>
+    <dgm:txFillClrLst meth="repeat">
+      <a:schemeClr val="tx1"/>
+    </dgm:txFillClrLst>
+    <dgm:txEffectClrLst/>
+  </dgm:styleLbl>
+  <dgm:styleLbl name="parChTrans1D4">
+    <dgm:fillClrLst meth="repeat">
+      <a:schemeClr val="dk2"/>
+    </dgm:fillClrLst>
+    <dgm:linClrLst meth="repeat">
+      <a:schemeClr val="dk2">
+        <a:shade val="80000"/>
+      </a:schemeClr>
+    </dgm:linClrLst>
+    <dgm:effectClrLst/>
+    <dgm:txLinClrLst/>
+    <dgm:txFillClrLst meth="repeat">
+      <a:schemeClr val="tx1"/>
+    </dgm:txFillClrLst>
+    <dgm:txEffectClrLst/>
+  </dgm:styleLbl>
+  <dgm:styleLbl name="fgAcc1">
+    <dgm:fillClrLst meth="repeat">
+      <a:schemeClr val="dk2">
+        <a:alpha val="90000"/>
+        <a:tint val="40000"/>
+      </a:schemeClr>
+    </dgm:fillClrLst>
+    <dgm:linClrLst meth="repeat">
+      <a:schemeClr val="dk2"/>
+    </dgm:linClrLst>
+    <dgm:effectClrLst/>
+    <dgm:txLinClrLst/>
+    <dgm:txFillClrLst meth="repeat">
+      <a:schemeClr val="dk2"/>
+    </dgm:txFillClrLst>
+    <dgm:txEffectClrLst/>
+  </dgm:styleLbl>
+  <dgm:styleLbl name="conFgAcc1">
+    <dgm:fillClrLst meth="repeat">
+      <a:schemeClr val="dk2">
+        <a:alpha val="90000"/>
+        <a:tint val="40000"/>
+      </a:schemeClr>
+    </dgm:fillClrLst>
+    <dgm:linClrLst meth="repeat">
+      <a:schemeClr val="dk2"/>
+    </dgm:linClrLst>
+    <dgm:effectClrLst/>
+    <dgm:txLinClrLst/>
+    <dgm:txFillClrLst meth="repeat">
+      <a:schemeClr val="dk2"/>
+    </dgm:txFillClrLst>
+    <dgm:txEffectClrLst/>
+  </dgm:styleLbl>
+  <dgm:styleLbl name="alignAcc1">
+    <dgm:fillClrLst meth="repeat">
+      <a:schemeClr val="dk2">
+        <a:alpha val="90000"/>
+        <a:tint val="40000"/>
+      </a:schemeClr>
+    </dgm:fillClrLst>
+    <dgm:linClrLst meth="repeat">
+      <a:schemeClr val="dk2"/>
+    </dgm:linClrLst>
+    <dgm:effectClrLst/>
+    <dgm:txLinClrLst/>
+    <dgm:txFillClrLst meth="repeat">
+      <a:schemeClr val="dk2"/>
+    </dgm:txFillClrLst>
+    <dgm:txEffectClrLst/>
+  </dgm:styleLbl>
+  <dgm:styleLbl name="trAlignAcc1">
+    <dgm:fillClrLst meth="repeat">
+      <a:schemeClr val="dk2">
+        <a:alpha val="40000"/>
+        <a:tint val="40000"/>
+      </a:schemeClr>
+    </dgm:fillClrLst>
+    <dgm:linClrLst meth="repeat">
+      <a:schemeClr val="dk2"/>
+    </dgm:linClrLst>
+    <dgm:effectClrLst/>
+    <dgm:txLinClrLst/>
+    <dgm:txFillClrLst meth="repeat">
+      <a:schemeClr val="dk2"/>
+    </dgm:txFillClrLst>
+    <dgm:txEffectClrLst/>
+  </dgm:styleLbl>
+  <dgm:styleLbl name="bgAcc1">
+    <dgm:fillClrLst meth="repeat">
+      <a:schemeClr val="dk2">
+        <a:alpha val="90000"/>
+        <a:tint val="40000"/>
+      </a:schemeClr>
+    </dgm:fillClrLst>
+    <dgm:linClrLst meth="repeat">
+      <a:schemeClr val="dk2"/>
+    </dgm:linClrLst>
+    <dgm:effectClrLst/>
+    <dgm:txLinClrLst/>
+    <dgm:txFillClrLst meth="repeat">
+      <a:schemeClr val="dk2"/>
+    </dgm:txFillClrLst>
+    <dgm:txEffectClrLst/>
+  </dgm:styleLbl>
+  <dgm:styleLbl name="solidFgAcc1">
+    <dgm:fillClrLst meth="repeat">
+      <a:schemeClr val="lt1"/>
+    </dgm:fillClrLst>
+    <dgm:linClrLst meth="repeat">
+      <a:schemeClr val="dk2"/>
+    </dgm:linClrLst>
+    <dgm:effectClrLst/>
+    <dgm:txLinClrLst/>
+    <dgm:txFillClrLst meth="repeat">
+      <a:schemeClr val="dk2"/>
+    </dgm:txFillClrLst>
+    <dgm:txEffectClrLst/>
+  </dgm:styleLbl>
+  <dgm:styleLbl name="solidAlignAcc1">
+    <dgm:fillClrLst meth="repeat">
+      <a:schemeClr val="lt1"/>
+    </dgm:fillClrLst>
+    <dgm:linClrLst meth="repeat">
+      <a:schemeClr val="dk2"/>
+    </dgm:linClrLst>
+    <dgm:effectClrLst/>
+    <dgm:txLinClrLst/>
+    <dgm:txFillClrLst meth="repeat">
+      <a:schemeClr val="dk2"/>
+    </dgm:txFillClrLst>
+    <dgm:txEffectClrLst/>
+  </dgm:styleLbl>
+  <dgm:styleLbl name="solidBgAcc1">
+    <dgm:fillClrLst meth="repeat">
+      <a:schemeClr val="lt1"/>
+    </dgm:fillClrLst>
+    <dgm:linClrLst meth="repeat">
+      <a:schemeClr val="dk2"/>
+    </dgm:linClrLst>
+    <dgm:effectClrLst/>
+    <dgm:txLinClrLst/>
+    <dgm:txFillClrLst meth="repeat">
+      <a:schemeClr val="dk2"/>
+    </dgm:txFillClrLst>
+    <dgm:txEffectClrLst/>
+  </dgm:styleLbl>
+  <dgm:styleLbl name="fgAccFollowNode1">
+    <dgm:fillClrLst meth="repeat">
+      <a:schemeClr val="lt1">
+        <a:alpha val="90000"/>
+        <a:tint val="40000"/>
+      </a:schemeClr>
+    </dgm:fillClrLst>
+    <dgm:linClrLst meth="repeat">
+      <a:schemeClr val="dk2">
+        <a:alpha val="90000"/>
+      </a:schemeClr>
+    </dgm:linClrLst>
+    <dgm:effectClrLst/>
+    <dgm:txLinClrLst/>
+    <dgm:txFillClrLst meth="repeat">
+      <a:schemeClr val="dk2"/>
+    </dgm:txFillClrLst>
+    <dgm:txEffectClrLst/>
+  </dgm:styleLbl>
+  <dgm:styleLbl name="alignAccFollowNode1">
+    <dgm:fillClrLst meth="repeat">
+      <a:schemeClr val="lt1">
+        <a:alpha val="90000"/>
+        <a:tint val="40000"/>
+      </a:schemeClr>
+    </dgm:fillClrLst>
+    <dgm:linClrLst meth="repeat">
+      <a:schemeClr val="dk2">
+        <a:alpha val="90000"/>
+      </a:schemeClr>
+    </dgm:linClrLst>
+    <dgm:effectClrLst/>
+    <dgm:txLinClrLst/>
+    <dgm:txFillClrLst meth="repeat">
+      <a:schemeClr val="dk2"/>
+    </dgm:txFillClrLst>
+    <dgm:txEffectClrLst/>
+  </dgm:styleLbl>
+  <dgm:styleLbl name="bgAccFollowNode1">
+    <dgm:fillClrLst meth="repeat">
+      <a:schemeClr val="lt1">
+        <a:alpha val="90000"/>
+        <a:tint val="40000"/>
+      </a:schemeClr>
+    </dgm:fillClrLst>
+    <dgm:linClrLst meth="repeat">
+      <a:schemeClr val="dk2">
+        <a:alpha val="90000"/>
+      </a:schemeClr>
+    </dgm:linClrLst>
+    <dgm:effectClrLst/>
+    <dgm:txLinClrLst/>
+    <dgm:txFillClrLst meth="repeat">
+      <a:schemeClr val="dk2"/>
+    </dgm:txFillClrLst>
+    <dgm:txEffectClrLst/>
+  </dgm:styleLbl>
+  <dgm:styleLbl name="fgAcc0">
+    <dgm:fillClrLst meth="repeat">
+      <a:schemeClr val="dk2">
+        <a:alpha val="90000"/>
+        <a:tint val="40000"/>
+      </a:schemeClr>
+    </dgm:fillClrLst>
+    <dgm:linClrLst meth="repeat">
+      <a:schemeClr val="dk2"/>
+    </dgm:linClrLst>
+    <dgm:effectClrLst/>
+    <dgm:txLinClrLst/>
+    <dgm:txFillClrLst meth="repeat">
+      <a:schemeClr val="dk2"/>
+    </dgm:txFillClrLst>
+    <dgm:txEffectClrLst/>
+  </dgm:styleLbl>
+  <dgm:styleLbl name="fgAcc2">
+    <dgm:fillClrLst meth="repeat">
+      <a:schemeClr val="dk2">
+        <a:alpha val="90000"/>
+        <a:tint val="40000"/>
+      </a:schemeClr>
+    </dgm:fillClrLst>
+    <dgm:linClrLst meth="repeat">
+      <a:schemeClr val="dk2"/>
+    </dgm:linClrLst>
+    <dgm:effectClrLst/>
+    <dgm:txLinClrLst/>
+    <dgm:txFillClrLst meth="repeat">
+      <a:schemeClr val="dk2"/>
+    </dgm:txFillClrLst>
+    <dgm:txEffectClrLst/>
+  </dgm:styleLbl>
+  <dgm:styleLbl name="fgAcc3">
+    <dgm:fillClrLst meth="repeat">
+      <a:schemeClr val="dk2">
+        <a:alpha val="90000"/>
+        <a:tint val="40000"/>
+      </a:schemeClr>
+    </dgm:fillClrLst>
+    <dgm:linClrLst meth="repeat">
+      <a:schemeClr val="dk2"/>
+    </dgm:linClrLst>
+    <dgm:effectClrLst/>
+    <dgm:txLinClrLst/>
+    <dgm:txFillClrLst meth="repeat">
+      <a:schemeClr val="dk2"/>
+    </dgm:txFillClrLst>
+    <dgm:txEffectClrLst/>
+  </dgm:styleLbl>
+  <dgm:styleLbl name="fgAcc4">
+    <dgm:fillClrLst meth="repeat">
+      <a:schemeClr val="dk2">
+        <a:alpha val="90000"/>
+        <a:tint val="40000"/>
+      </a:schemeClr>
+    </dgm:fillClrLst>
+    <dgm:linClrLst meth="repeat">
+      <a:schemeClr val="dk2"/>
+    </dgm:linClrLst>
+    <dgm:effectClrLst/>
+    <dgm:txLinClrLst/>
+    <dgm:txFillClrLst meth="repeat">
+      <a:schemeClr val="dk2"/>
+    </dgm:txFillClrLst>
+    <dgm:txEffectClrLst/>
+  </dgm:styleLbl>
+  <dgm:styleLbl name="bgShp">
+    <dgm:fillClrLst meth="repeat">
+      <a:schemeClr val="dk2">
+        <a:tint val="40000"/>
+      </a:schemeClr>
+    </dgm:fillClrLst>
+    <dgm:linClrLst meth="repeat">
+      <a:schemeClr val="dk2"/>
+    </dgm:linClrLst>
+    <dgm:effectClrLst/>
+    <dgm:txLinClrLst/>
+    <dgm:txFillClrLst meth="repeat">
+      <a:schemeClr val="dk1"/>
+    </dgm:txFillClrLst>
+    <dgm:txEffectClrLst/>
+  </dgm:styleLbl>
+  <dgm:styleLbl name="dkBgShp">
+    <dgm:fillClrLst meth="repeat">
+      <a:schemeClr val="dk2">
+        <a:shade val="80000"/>
+      </a:schemeClr>
+    </dgm:fillClrLst>
+    <dgm:linClrLst meth="repeat">
+      <a:schemeClr val="dk2"/>
+    </dgm:linClrLst>
+    <dgm:effectClrLst/>
+    <dgm:txLinClrLst/>
+    <dgm:txFillClrLst meth="repeat">
+      <a:schemeClr val="lt2"/>
+    </dgm:txFillClrLst>
+    <dgm:txEffectClrLst/>
+  </dgm:styleLbl>
+  <dgm:styleLbl name="trBgShp">
+    <dgm:fillClrLst meth="repeat">
+      <a:schemeClr val="dk2">
+        <a:tint val="50000"/>
+        <a:alpha val="40000"/>
+      </a:schemeClr>
+    </dgm:fillClrLst>
+    <dgm:linClrLst meth="repeat">
+      <a:schemeClr val="dk2"/>
+    </dgm:linClrLst>
+    <dgm:effectClrLst/>
+    <dgm:txLinClrLst/>
+    <dgm:txFillClrLst meth="repeat">
+      <a:schemeClr val="lt2"/>
+    </dgm:txFillClrLst>
+    <dgm:txEffectClrLst/>
+  </dgm:styleLbl>
+  <dgm:styleLbl name="fgShp">
+    <dgm:fillClrLst meth="repeat">
+      <a:schemeClr val="dk2">
+        <a:tint val="60000"/>
+      </a:schemeClr>
+    </dgm:fillClrLst>
+    <dgm:linClrLst meth="repeat">
+      <a:schemeClr val="lt1"/>
+    </dgm:linClrLst>
+    <dgm:effectClrLst/>
+    <dgm:txLinClrLst/>
+    <dgm:txFillClrLst meth="repeat">
+      <a:schemeClr val="dk2"/>
+    </dgm:txFillClrLst>
+    <dgm:txEffectClrLst/>
+  </dgm:styleLbl>
+  <dgm:styleLbl name="revTx">
+    <dgm:fillClrLst meth="repeat">
+      <a:schemeClr val="lt1">
+        <a:alpha val="0"/>
+      </a:schemeClr>
+    </dgm:fillClrLst>
+    <dgm:linClrLst meth="repeat">
+      <a:schemeClr val="dk2">
+        <a:alpha val="0"/>
+      </a:schemeClr>
+    </dgm:linClrLst>
+    <dgm:effectClrLst/>
+    <dgm:txLinClrLst/>
+    <dgm:txFillClrLst meth="repeat">
+      <a:schemeClr val="tx1"/>
+    </dgm:txFillClrLst>
+    <dgm:txEffectClrLst/>
+  </dgm:styleLbl>
+</dgm:colorsDef>
+</file>
+
+<file path=ppt/diagrams/colors3.xml><?xml version="1.0" encoding="utf-8"?>
+<dgm:colorsDef xmlns:dgm="http://schemas.openxmlformats.org/drawingml/2006/diagram" xmlns:a="http://schemas.openxmlformats.org/drawingml/2006/main" uniqueId="urn:microsoft.com/office/officeart/2005/8/colors/accent1_2">
+  <dgm:title val=""/>
+  <dgm:desc val=""/>
+  <dgm:catLst>
+    <dgm:cat type="accent1" pri="11200"/>
+  </dgm:catLst>
+  <dgm:styleLbl name="node0">
+    <dgm:fillClrLst meth="repeat">
+      <a:schemeClr val="accent1"/>
+    </dgm:fillClrLst>
+    <dgm:linClrLst meth="repeat">
+      <a:schemeClr val="lt1"/>
+    </dgm:linClrLst>
+    <dgm:effectClrLst/>
+    <dgm:txLinClrLst/>
+    <dgm:txFillClrLst/>
+    <dgm:txEffectClrLst/>
+  </dgm:styleLbl>
+  <dgm:styleLbl name="alignNode1">
+    <dgm:fillClrLst meth="repeat">
+      <a:schemeClr val="accent1"/>
+    </dgm:fillClrLst>
+    <dgm:linClrLst meth="repeat">
+      <a:schemeClr val="accent1"/>
+    </dgm:linClrLst>
+    <dgm:effectClrLst/>
+    <dgm:txLinClrLst/>
+    <dgm:txFillClrLst/>
+    <dgm:txEffectClrLst/>
+  </dgm:styleLbl>
+  <dgm:styleLbl name="node1">
+    <dgm:fillClrLst meth="repeat">
+      <a:schemeClr val="accent1"/>
+    </dgm:fillClrLst>
+    <dgm:linClrLst meth="repeat">
+      <a:schemeClr val="lt1"/>
+    </dgm:linClrLst>
+    <dgm:effectClrLst/>
+    <dgm:txLinClrLst/>
+    <dgm:txFillClrLst/>
+    <dgm:txEffectClrLst/>
+  </dgm:styleLbl>
+  <dgm:styleLbl name="lnNode1">
+    <dgm:fillClrLst meth="repeat">
+      <a:schemeClr val="accent1"/>
+    </dgm:fillClrLst>
+    <dgm:linClrLst meth="repeat">
+      <a:schemeClr val="lt1"/>
+    </dgm:linClrLst>
+    <dgm:effectClrLst/>
+    <dgm:txLinClrLst/>
+    <dgm:txFillClrLst/>
+    <dgm:txEffectClrLst/>
+  </dgm:styleLbl>
+  <dgm:styleLbl name="vennNode1">
+    <dgm:fillClrLst meth="repeat">
+      <a:schemeClr val="accent1">
+        <a:alpha val="50000"/>
+      </a:schemeClr>
+    </dgm:fillClrLst>
+    <dgm:linClrLst meth="repeat">
+      <a:schemeClr val="lt1"/>
+    </dgm:linClrLst>
+    <dgm:effectClrLst/>
+    <dgm:txLinClrLst/>
+    <dgm:txFillClrLst/>
+    <dgm:txEffectClrLst/>
+  </dgm:styleLbl>
+  <dgm:styleLbl name="node2">
+    <dgm:fillClrLst meth="repeat">
+      <a:schemeClr val="accent1"/>
+    </dgm:fillClrLst>
+    <dgm:linClrLst meth="repeat">
+      <a:schemeClr val="lt1"/>
+    </dgm:linClrLst>
+    <dgm:effectClrLst/>
+    <dgm:txLinClrLst/>
+    <dgm:txFillClrLst/>
+    <dgm:txEffectClrLst/>
+  </dgm:styleLbl>
+  <dgm:styleLbl name="node3">
+    <dgm:fillClrLst meth="repeat">
+      <a:schemeClr val="accent1"/>
+    </dgm:fillClrLst>
+    <dgm:linClrLst meth="repeat">
+      <a:schemeClr val="lt1"/>
+    </dgm:linClrLst>
+    <dgm:effectClrLst/>
+    <dgm:txLinClrLst/>
+    <dgm:txFillClrLst/>
+    <dgm:txEffectClrLst/>
+  </dgm:styleLbl>
+  <dgm:styleLbl name="node4">
+    <dgm:fillClrLst meth="repeat">
+      <a:schemeClr val="accent1"/>
+    </dgm:fillClrLst>
+    <dgm:linClrLst meth="repeat">
+      <a:schemeClr val="lt1"/>
+    </dgm:linClrLst>
+    <dgm:effectClrLst/>
+    <dgm:txLinClrLst/>
+    <dgm:txFillClrLst/>
+    <dgm:txEffectClrLst/>
+  </dgm:styleLbl>
+  <dgm:styleLbl name="fgImgPlace1">
+    <dgm:fillClrLst meth="repeat">
+      <a:schemeClr val="accent1">
+        <a:tint val="50000"/>
+      </a:schemeClr>
+    </dgm:fillClrLst>
+    <dgm:linClrLst meth="repeat">
+      <a:schemeClr val="lt1"/>
+    </dgm:linClrLst>
+    <dgm:effectClrLst/>
+    <dgm:txLinClrLst/>
+    <dgm:txFillClrLst meth="repeat">
+      <a:schemeClr val="lt1"/>
+    </dgm:txFillClrLst>
+    <dgm:txEffectClrLst/>
+  </dgm:styleLbl>
+  <dgm:styleLbl name="alignImgPlace1">
+    <dgm:fillClrLst meth="repeat">
+      <a:schemeClr val="accent1">
+        <a:tint val="50000"/>
+      </a:schemeClr>
+    </dgm:fillClrLst>
+    <dgm:linClrLst meth="repeat">
+      <a:schemeClr val="lt1"/>
+    </dgm:linClrLst>
+    <dgm:effectClrLst/>
+    <dgm:txLinClrLst/>
+    <dgm:txFillClrLst meth="repeat">
+      <a:schemeClr val="lt1"/>
+    </dgm:txFillClrLst>
+    <dgm:txEffectClrLst/>
+  </dgm:styleLbl>
+  <dgm:styleLbl name="bgImgPlace1">
+    <dgm:fillClrLst meth="repeat">
+      <a:schemeClr val="accent1">
+        <a:tint val="50000"/>
+      </a:schemeClr>
+    </dgm:fillClrLst>
+    <dgm:linClrLst meth="repeat">
+      <a:schemeClr val="lt1"/>
+    </dgm:linClrLst>
+    <dgm:effectClrLst/>
+    <dgm:txLinClrLst/>
+    <dgm:txFillClrLst meth="repeat">
+      <a:schemeClr val="lt1"/>
+    </dgm:txFillClrLst>
+    <dgm:txEffectClrLst/>
+  </dgm:styleLbl>
+  <dgm:styleLbl name="sibTrans2D1">
+    <dgm:fillClrLst meth="repeat">
+      <a:schemeClr val="accent1">
+        <a:tint val="60000"/>
+      </a:schemeClr>
+    </dgm:fillClrLst>
+    <dgm:linClrLst meth="repeat">
+      <a:schemeClr val="accent1">
+        <a:tint val="60000"/>
+      </a:schemeClr>
+    </dgm:linClrLst>
+    <dgm:effectClrLst/>
+    <dgm:txLinClrLst/>
+    <dgm:txFillClrLst/>
+    <dgm:txEffectClrLst/>
+  </dgm:styleLbl>
+  <dgm:styleLbl name="fgSibTrans2D1">
+    <dgm:fillClrLst meth="repeat">
+      <a:schemeClr val="accent1">
+        <a:tint val="60000"/>
+      </a:schemeClr>
+    </dgm:fillClrLst>
+    <dgm:linClrLst meth="repeat">
+      <a:schemeClr val="accent1">
+        <a:tint val="60000"/>
+      </a:schemeClr>
+    </dgm:linClrLst>
+    <dgm:effectClrLst/>
+    <dgm:txLinClrLst/>
+    <dgm:txFillClrLst/>
+    <dgm:txEffectClrLst/>
+  </dgm:styleLbl>
+  <dgm:styleLbl name="bgSibTrans2D1">
+    <dgm:fillClrLst meth="repeat">
+      <a:schemeClr val="accent1">
+        <a:tint val="60000"/>
+      </a:schemeClr>
+    </dgm:fillClrLst>
+    <dgm:linClrLst meth="repeat">
+      <a:schemeClr val="accent1">
+        <a:tint val="60000"/>
+      </a:schemeClr>
+    </dgm:linClrLst>
+    <dgm:effectClrLst/>
+    <dgm:txLinClrLst/>
+    <dgm:txFillClrLst/>
+    <dgm:txEffectClrLst/>
+  </dgm:styleLbl>
+  <dgm:styleLbl name="sibTrans1D1">
+    <dgm:fillClrLst meth="repeat">
+      <a:schemeClr val="accent1"/>
+    </dgm:fillClrLst>
+    <dgm:linClrLst meth="repeat">
+      <a:schemeClr val="accent1"/>
+    </dgm:linClrLst>
+    <dgm:effectClrLst/>
+    <dgm:txLinClrLst/>
+    <dgm:txFillClrLst meth="repeat">
+      <a:schemeClr val="tx1"/>
+    </dgm:txFillClrLst>
+    <dgm:txEffectClrLst/>
+  </dgm:styleLbl>
+  <dgm:styleLbl name="callout">
+    <dgm:fillClrLst meth="repeat">
+      <a:schemeClr val="accent1"/>
+    </dgm:fillClrLst>
+    <dgm:linClrLst meth="repeat">
+      <a:schemeClr val="accent1">
+        <a:tint val="50000"/>
+      </a:schemeClr>
+    </dgm:linClrLst>
+    <dgm:effectClrLst/>
+    <dgm:txLinClrLst/>
+    <dgm:txFillClrLst meth="repeat">
+      <a:schemeClr val="tx1"/>
+    </dgm:txFillClrLst>
+    <dgm:txEffectClrLst/>
+  </dgm:styleLbl>
+  <dgm:styleLbl name="asst0">
+    <dgm:fillClrLst meth="repeat">
+      <a:schemeClr val="accent1"/>
+    </dgm:fillClrLst>
+    <dgm:linClrLst meth="repeat">
+      <a:schemeClr val="lt1"/>
+    </dgm:linClrLst>
+    <dgm:effectClrLst/>
+    <dgm:txLinClrLst/>
+    <dgm:txFillClrLst/>
+    <dgm:txEffectClrLst/>
+  </dgm:styleLbl>
+  <dgm:styleLbl name="asst1">
+    <dgm:fillClrLst meth="repeat">
+      <a:schemeClr val="accent1"/>
+    </dgm:fillClrLst>
+    <dgm:linClrLst meth="repeat">
+      <a:schemeClr val="lt1"/>
+    </dgm:linClrLst>
+    <dgm:effectClrLst/>
+    <dgm:txLinClrLst/>
+    <dgm:txFillClrLst/>
+    <dgm:txEffectClrLst/>
+  </dgm:styleLbl>
+  <dgm:styleLbl name="asst2">
+    <dgm:fillClrLst meth="repeat">
+      <a:schemeClr val="accent1"/>
+    </dgm:fillClrLst>
+    <dgm:linClrLst meth="repeat">
+      <a:schemeClr val="lt1"/>
+    </dgm:linClrLst>
+    <dgm:effectClrLst/>
+    <dgm:txLinClrLst/>
+    <dgm:txFillClrLst/>
+    <dgm:txEffectClrLst/>
+  </dgm:styleLbl>
+  <dgm:styleLbl name="asst3">
+    <dgm:fillClrLst meth="repeat">
+      <a:schemeClr val="accent1"/>
+    </dgm:fillClrLst>
+    <dgm:linClrLst meth="repeat">
+      <a:schemeClr val="lt1"/>
+    </dgm:linClrLst>
+    <dgm:effectClrLst/>
+    <dgm:txLinClrLst/>
+    <dgm:txFillClrLst/>
+    <dgm:txEffectClrLst/>
+  </dgm:styleLbl>
+  <dgm:styleLbl name="asst4">
+    <dgm:fillClrLst meth="repeat">
+      <a:schemeClr val="accent1"/>
+    </dgm:fillClrLst>
+    <dgm:linClrLst meth="repeat">
+      <a:schemeClr val="lt1"/>
+    </dgm:linClrLst>
+    <dgm:effectClrLst/>
+    <dgm:txLinClrLst/>
+    <dgm:txFillClrLst/>
+    <dgm:txEffectClrLst/>
+  </dgm:styleLbl>
+  <dgm:styleLbl name="parChTrans2D1">
+    <dgm:fillClrLst meth="repeat">
+      <a:schemeClr val="accent1">
+        <a:tint val="60000"/>
+      </a:schemeClr>
+    </dgm:fillClrLst>
+    <dgm:linClrLst meth="repeat">
+      <a:schemeClr val="accent1">
+        <a:tint val="60000"/>
+      </a:schemeClr>
+    </dgm:linClrLst>
+    <dgm:effectClrLst/>
+    <dgm:txLinClrLst/>
+    <dgm:txFillClrLst meth="repeat">
+      <a:schemeClr val="lt1"/>
+    </dgm:txFillClrLst>
+    <dgm:txEffectClrLst/>
+  </dgm:styleLbl>
+  <dgm:styleLbl name="parChTrans2D2">
+    <dgm:fillClrLst meth="repeat">
+      <a:schemeClr val="accent1"/>
+    </dgm:fillClrLst>
+    <dgm:linClrLst meth="repeat">
+      <a:schemeClr val="accent1"/>
+    </dgm:linClrLst>
+    <dgm:effectClrLst/>
+    <dgm:txLinClrLst/>
+    <dgm:txFillClrLst meth="repeat">
+      <a:schemeClr val="lt1"/>
+    </dgm:txFillClrLst>
+    <dgm:txEffectClrLst/>
+  </dgm:styleLbl>
+  <dgm:styleLbl name="parChTrans2D3">
+    <dgm:fillClrLst meth="repeat">
+      <a:schemeClr val="accent1"/>
+    </dgm:fillClrLst>
+    <dgm:linClrLst meth="repeat">
+      <a:schemeClr val="accent1"/>
+    </dgm:linClrLst>
+    <dgm:effectClrLst/>
+    <dgm:txLinClrLst/>
+    <dgm:txFillClrLst meth="repeat">
+      <a:schemeClr val="lt1"/>
+    </dgm:txFillClrLst>
+    <dgm:txEffectClrLst/>
+  </dgm:styleLbl>
+  <dgm:styleLbl name="parChTrans2D4">
+    <dgm:fillClrLst meth="repeat">
+      <a:schemeClr val="accent1"/>
+    </dgm:fillClrLst>
+    <dgm:linClrLst meth="repeat">
+      <a:schemeClr val="accent1"/>
+    </dgm:linClrLst>
+    <dgm:effectClrLst/>
+    <dgm:txLinClrLst/>
+    <dgm:txFillClrLst meth="repeat">
+      <a:schemeClr val="lt1"/>
+    </dgm:txFillClrLst>
+    <dgm:txEffectClrLst/>
+  </dgm:styleLbl>
+  <dgm:styleLbl name="parChTrans1D1">
+    <dgm:fillClrLst meth="repeat">
+      <a:schemeClr val="accent1"/>
+    </dgm:fillClrLst>
+    <dgm:linClrLst meth="repeat">
+      <a:schemeClr val="accent1">
+        <a:shade val="60000"/>
+      </a:schemeClr>
+    </dgm:linClrLst>
+    <dgm:effectClrLst/>
+    <dgm:txLinClrLst/>
+    <dgm:txFillClrLst meth="repeat">
+      <a:schemeClr val="tx1"/>
+    </dgm:txFillClrLst>
+    <dgm:txEffectClrLst/>
+  </dgm:styleLbl>
+  <dgm:styleLbl name="parChTrans1D2">
+    <dgm:fillClrLst meth="repeat">
+      <a:schemeClr val="accent1"/>
+    </dgm:fillClrLst>
+    <dgm:linClrLst meth="repeat">
+      <a:schemeClr val="accent1">
+        <a:shade val="60000"/>
+      </a:schemeClr>
+    </dgm:linClrLst>
+    <dgm:effectClrLst/>
+    <dgm:txLinClrLst/>
+    <dgm:txFillClrLst meth="repeat">
+      <a:schemeClr val="tx1"/>
+    </dgm:txFillClrLst>
+    <dgm:txEffectClrLst/>
+  </dgm:styleLbl>
+  <dgm:styleLbl name="parChTrans1D3">
+    <dgm:fillClrLst meth="repeat">
+      <a:schemeClr val="accent1"/>
+    </dgm:fillClrLst>
+    <dgm:linClrLst meth="repeat">
+      <a:schemeClr val="accent1">
+        <a:shade val="80000"/>
+      </a:schemeClr>
+    </dgm:linClrLst>
+    <dgm:effectClrLst/>
+    <dgm:txLinClrLst/>
+    <dgm:txFillClrLst meth="repeat">
+      <a:schemeClr val="tx1"/>
+    </dgm:txFillClrLst>
+    <dgm:txEffectClrLst/>
+  </dgm:styleLbl>
+  <dgm:styleLbl name="parChTrans1D4">
+    <dgm:fillClrLst meth="repeat">
+      <a:schemeClr val="accent1"/>
+    </dgm:fillClrLst>
+    <dgm:linClrLst meth="repeat">
+      <a:schemeClr val="accent1">
+        <a:shade val="80000"/>
+      </a:schemeClr>
+    </dgm:linClrLst>
+    <dgm:effectClrLst/>
+    <dgm:txLinClrLst/>
+    <dgm:txFillClrLst meth="repeat">
+      <a:schemeClr val="tx1"/>
+    </dgm:txFillClrLst>
+    <dgm:txEffectClrLst/>
+  </dgm:styleLbl>
+  <dgm:styleLbl name="fgAcc1">
+    <dgm:fillClrLst meth="repeat">
+      <a:schemeClr val="lt1">
+        <a:alpha val="90000"/>
+      </a:schemeClr>
+    </dgm:fillClrLst>
+    <dgm:linClrLst meth="repeat">
+      <a:schemeClr val="accent1"/>
+    </dgm:linClrLst>
+    <dgm:effectClrLst/>
+    <dgm:txLinClrLst/>
+    <dgm:txFillClrLst meth="repeat">
+      <a:schemeClr val="dk1"/>
+    </dgm:txFillClrLst>
+    <dgm:txEffectClrLst/>
+  </dgm:styleLbl>
+  <dgm:styleLbl name="conFgAcc1">
+    <dgm:fillClrLst meth="repeat">
+      <a:schemeClr val="lt1">
+        <a:alpha val="90000"/>
+      </a:schemeClr>
+    </dgm:fillClrLst>
+    <dgm:linClrLst meth="repeat">
+      <a:schemeClr val="accent1"/>
+    </dgm:linClrLst>
+    <dgm:effectClrLst/>
+    <dgm:txLinClrLst/>
+    <dgm:txFillClrLst meth="repeat">
+      <a:schemeClr val="dk1"/>
+    </dgm:txFillClrLst>
+    <dgm:txEffectClrLst/>
+  </dgm:styleLbl>
+  <dgm:styleLbl name="alignAcc1">
+    <dgm:fillClrLst meth="repeat">
+      <a:schemeClr val="lt1">
+        <a:alpha val="90000"/>
+      </a:schemeClr>
+    </dgm:fillClrLst>
+    <dgm:linClrLst meth="repeat">
+      <a:schemeClr val="accent1"/>
+    </dgm:linClrLst>
+    <dgm:effectClrLst/>
+    <dgm:txLinClrLst/>
+    <dgm:txFillClrLst meth="repeat">
+      <a:schemeClr val="dk1"/>
+    </dgm:txFillClrLst>
+    <dgm:txEffectClrLst/>
+  </dgm:styleLbl>
+  <dgm:styleLbl name="trAlignAcc1">
+    <dgm:fillClrLst meth="repeat">
+      <a:schemeClr val="lt1">
+        <a:alpha val="40000"/>
+      </a:schemeClr>
+    </dgm:fillClrLst>
+    <dgm:linClrLst meth="repeat">
+      <a:schemeClr val="accent1"/>
+    </dgm:linClrLst>
+    <dgm:effectClrLst/>
+    <dgm:txLinClrLst/>
+    <dgm:txFillClrLst meth="repeat">
+      <a:schemeClr val="dk1"/>
+    </dgm:txFillClrLst>
+    <dgm:txEffectClrLst/>
+  </dgm:styleLbl>
+  <dgm:styleLbl name="bgAcc1">
+    <dgm:fillClrLst meth="repeat">
+      <a:schemeClr val="lt1">
+        <a:alpha val="90000"/>
+      </a:schemeClr>
+    </dgm:fillClrLst>
+    <dgm:linClrLst meth="repeat">
+      <a:schemeClr val="accent1"/>
+    </dgm:linClrLst>
+    <dgm:effectClrLst/>
+    <dgm:txLinClrLst/>
+    <dgm:txFillClrLst meth="repeat">
+      <a:schemeClr val="dk1"/>
+    </dgm:txFillClrLst>
+    <dgm:txEffectClrLst/>
+  </dgm:styleLbl>
+  <dgm:styleLbl name="solidFgAcc1">
+    <dgm:fillClrLst meth="repeat">
+      <a:schemeClr val="lt1"/>
+    </dgm:fillClrLst>
+    <dgm:linClrLst meth="repeat">
+      <a:schemeClr val="accent1"/>
+    </dgm:linClrLst>
+    <dgm:effectClrLst/>
+    <dgm:txLinClrLst/>
+    <dgm:txFillClrLst meth="repeat">
+      <a:schemeClr val="dk1"/>
+    </dgm:txFillClrLst>
+    <dgm:txEffectClrLst/>
+  </dgm:styleLbl>
+  <dgm:styleLbl name="solidAlignAcc1">
+    <dgm:fillClrLst meth="repeat">
+      <a:schemeClr val="lt1"/>
+    </dgm:fillClrLst>
+    <dgm:linClrLst meth="repeat">
+      <a:schemeClr val="accent1"/>
+    </dgm:linClrLst>
+    <dgm:effectClrLst/>
+    <dgm:txLinClrLst/>
+    <dgm:txFillClrLst meth="repeat">
+      <a:schemeClr val="dk1"/>
+    </dgm:txFillClrLst>
+    <dgm:txEffectClrLst/>
+  </dgm:styleLbl>
+  <dgm:styleLbl name="solidBgAcc1">
+    <dgm:fillClrLst meth="repeat">
+      <a:schemeClr val="lt1"/>
+    </dgm:fillClrLst>
+    <dgm:linClrLst meth="repeat">
+      <a:schemeClr val="accent1"/>
+    </dgm:linClrLst>
+    <dgm:effectClrLst/>
+    <dgm:txLinClrLst/>
+    <dgm:txFillClrLst meth="repeat">
+      <a:schemeClr val="dk1"/>
+    </dgm:txFillClrLst>
+    <dgm:txEffectClrLst/>
+  </dgm:styleLbl>
+  <dgm:styleLbl name="fgAccFollowNode1">
+    <dgm:fillClrLst meth="repeat">
+      <a:schemeClr val="accent1">
+        <a:alpha val="90000"/>
+        <a:tint val="40000"/>
+      </a:schemeClr>
+    </dgm:fillClrLst>
+    <dgm:linClrLst meth="repeat">
+      <a:schemeClr val="accent1">
+        <a:alpha val="90000"/>
+        <a:tint val="40000"/>
+      </a:schemeClr>
+    </dgm:linClrLst>
+    <dgm:effectClrLst/>
+    <dgm:txLinClrLst/>
+    <dgm:txFillClrLst meth="repeat">
+      <a:schemeClr val="dk1"/>
+    </dgm:txFillClrLst>
+    <dgm:txEffectClrLst/>
+  </dgm:styleLbl>
+  <dgm:styleLbl name="alignAccFollowNode1">
+    <dgm:fillClrLst meth="repeat">
+      <a:schemeClr val="accent1">
+        <a:alpha val="90000"/>
+        <a:tint val="40000"/>
+      </a:schemeClr>
+    </dgm:fillClrLst>
+    <dgm:linClrLst meth="repeat">
+      <a:schemeClr val="accent1">
+        <a:alpha val="90000"/>
+        <a:tint val="40000"/>
+      </a:schemeClr>
+    </dgm:linClrLst>
+    <dgm:effectClrLst/>
+    <dgm:txLinClrLst/>
+    <dgm:txFillClrLst meth="repeat">
+      <a:schemeClr val="dk1"/>
+    </dgm:txFillClrLst>
+    <dgm:txEffectClrLst/>
+  </dgm:styleLbl>
+  <dgm:styleLbl name="bgAccFollowNode1">
+    <dgm:fillClrLst meth="repeat">
+      <a:schemeClr val="accent1">
+        <a:alpha val="90000"/>
+        <a:tint val="40000"/>
+      </a:schemeClr>
+    </dgm:fillClrLst>
+    <dgm:linClrLst meth="repeat">
+      <a:schemeClr val="accent1">
+        <a:alpha val="90000"/>
+        <a:tint val="40000"/>
+      </a:schemeClr>
+    </dgm:linClrLst>
+    <dgm:effectClrLst/>
+    <dgm:txLinClrLst/>
+    <dgm:txFillClrLst meth="repeat">
+      <a:schemeClr val="dk1"/>
+    </dgm:txFillClrLst>
+    <dgm:txEffectClrLst/>
+  </dgm:styleLbl>
+  <dgm:styleLbl name="fgAcc0">
+    <dgm:fillClrLst meth="repeat">
+      <a:schemeClr val="lt1">
+        <a:alpha val="90000"/>
+      </a:schemeClr>
+    </dgm:fillClrLst>
+    <dgm:linClrLst meth="repeat">
+      <a:schemeClr val="accent1"/>
+    </dgm:linClrLst>
+    <dgm:effectClrLst/>
+    <dgm:txLinClrLst/>
+    <dgm:txFillClrLst meth="repeat">
+      <a:schemeClr val="dk1"/>
+    </dgm:txFillClrLst>
+    <dgm:txEffectClrLst/>
+  </dgm:styleLbl>
+  <dgm:styleLbl name="fgAcc2">
+    <dgm:fillClrLst meth="repeat">
+      <a:schemeClr val="lt1">
+        <a:alpha val="90000"/>
+      </a:schemeClr>
+    </dgm:fillClrLst>
+    <dgm:linClrLst meth="repeat">
+      <a:schemeClr val="accent1"/>
+    </dgm:linClrLst>
+    <dgm:effectClrLst/>
+    <dgm:txLinClrLst/>
+    <dgm:txFillClrLst meth="repeat">
+      <a:schemeClr val="dk1"/>
+    </dgm:txFillClrLst>
+    <dgm:txEffectClrLst/>
+  </dgm:styleLbl>
+  <dgm:styleLbl name="fgAcc3">
+    <dgm:fillClrLst meth="repeat">
+      <a:schemeClr val="lt1">
+        <a:alpha val="90000"/>
+      </a:schemeClr>
+    </dgm:fillClrLst>
+    <dgm:linClrLst meth="repeat">
+      <a:schemeClr val="accent1"/>
+    </dgm:linClrLst>
+    <dgm:effectClrLst/>
+    <dgm:txLinClrLst/>
+    <dgm:txFillClrLst meth="repeat">
+      <a:schemeClr val="dk1"/>
+    </dgm:txFillClrLst>
+    <dgm:txEffectClrLst/>
+  </dgm:styleLbl>
+  <dgm:styleLbl name="fgAcc4">
+    <dgm:fillClrLst meth="repeat">
+      <a:schemeClr val="lt1">
+        <a:alpha val="90000"/>
+      </a:schemeClr>
+    </dgm:fillClrLst>
+    <dgm:linClrLst meth="repeat">
+      <a:schemeClr val="accent1"/>
+    </dgm:linClrLst>
+    <dgm:effectClrLst/>
+    <dgm:txLinClrLst/>
+    <dgm:txFillClrLst meth="repeat">
+      <a:schemeClr val="dk1"/>
+    </dgm:txFillClrLst>
+    <dgm:txEffectClrLst/>
+  </dgm:styleLbl>
+  <dgm:styleLbl name="bgShp">
+    <dgm:fillClrLst meth="repeat">
+      <a:schemeClr val="accent1">
+        <a:tint val="40000"/>
+      </a:schemeClr>
+    </dgm:fillClrLst>
+    <dgm:linClrLst meth="repeat">
+      <a:schemeClr val="accent1"/>
+    </dgm:linClrLst>
+    <dgm:effectClrLst/>
+    <dgm:txLinClrLst/>
+    <dgm:txFillClrLst meth="repeat">
+      <a:schemeClr val="dk1"/>
+    </dgm:txFillClrLst>
+    <dgm:txEffectClrLst/>
+  </dgm:styleLbl>
+  <dgm:styleLbl name="dkBgShp">
+    <dgm:fillClrLst meth="repeat">
+      <a:schemeClr val="accent1">
+        <a:shade val="80000"/>
+      </a:schemeClr>
+    </dgm:fillClrLst>
+    <dgm:linClrLst meth="repeat">
+      <a:schemeClr val="accent1"/>
+    </dgm:linClrLst>
+    <dgm:effectClrLst/>
+    <dgm:txLinClrLst/>
+    <dgm:txFillClrLst meth="repeat">
+      <a:schemeClr val="lt1"/>
+    </dgm:txFillClrLst>
+    <dgm:txEffectClrLst/>
+  </dgm:styleLbl>
+  <dgm:styleLbl name="trBgShp">
+    <dgm:fillClrLst meth="repeat">
+      <a:schemeClr val="accent1">
+        <a:tint val="50000"/>
+        <a:alpha val="40000"/>
+      </a:schemeClr>
+    </dgm:fillClrLst>
+    <dgm:linClrLst meth="repeat">
+      <a:schemeClr val="accent1"/>
+    </dgm:linClrLst>
+    <dgm:effectClrLst/>
+    <dgm:txLinClrLst/>
+    <dgm:txFillClrLst meth="repeat">
+      <a:schemeClr val="lt1"/>
+    </dgm:txFillClrLst>
+    <dgm:txEffectClrLst/>
+  </dgm:styleLbl>
+  <dgm:styleLbl name="fgShp">
+    <dgm:fillClrLst meth="repeat">
+      <a:schemeClr val="accent1">
+        <a:tint val="60000"/>
+      </a:schemeClr>
+    </dgm:fillClrLst>
+    <dgm:linClrLst meth="repeat">
+      <a:schemeClr val="lt1"/>
+    </dgm:linClrLst>
+    <dgm:effectClrLst/>
+    <dgm:txLinClrLst/>
+    <dgm:txFillClrLst meth="repeat">
+      <a:schemeClr val="dk1"/>
+    </dgm:txFillClrLst>
+    <dgm:txEffectClrLst/>
+  </dgm:styleLbl>
+  <dgm:styleLbl name="revTx">
+    <dgm:fillClrLst meth="repeat">
+      <a:schemeClr val="lt1">
+        <a:alpha val="0"/>
+      </a:schemeClr>
+    </dgm:fillClrLst>
+    <dgm:linClrLst meth="repeat">
+      <a:schemeClr val="dk1">
+        <a:alpha val="0"/>
+      </a:schemeClr>
+    </dgm:linClrLst>
+    <dgm:effectClrLst/>
+    <dgm:txLinClrLst/>
+    <dgm:txFillClrLst meth="repeat">
+      <a:schemeClr val="tx1"/>
+    </dgm:txFillClrLst>
+    <dgm:txEffectClrLst/>
+  </dgm:styleLbl>
+</dgm:colorsDef>
+</file>
+
+<file path=ppt/diagrams/colors4.xml><?xml version="1.0" encoding="utf-8"?>
 <dgm:colorsDef xmlns:dgm="http://schemas.openxmlformats.org/drawingml/2006/diagram" xmlns:a="http://schemas.openxmlformats.org/drawingml/2006/main" uniqueId="urn:microsoft.com/office/officeart/2005/8/colors/accent1_2">
   <dgm:title val=""/>
   <dgm:desc val=""/>
@@ -1876,6 +3432,543 @@
 </file>
 
 <file path=ppt/diagrams/data2.xml><?xml version="1.0" encoding="utf-8"?>
+<dgm:dataModel xmlns:dgm="http://schemas.openxmlformats.org/drawingml/2006/diagram" xmlns:a="http://schemas.openxmlformats.org/drawingml/2006/main">
+  <dgm:ptLst>
+    <dgm:pt modelId="{ED3417AD-6E3D-4070-A975-05B302BE6F1E}" type="doc">
+      <dgm:prSet loTypeId="urn:microsoft.com/office/officeart/2005/8/layout/gear1" loCatId="process" qsTypeId="urn:microsoft.com/office/officeart/2005/8/quickstyle/simple1" qsCatId="simple" csTypeId="urn:microsoft.com/office/officeart/2005/8/colors/accent0_2" csCatId="mainScheme" phldr="1"/>
+      <dgm:spPr/>
+    </dgm:pt>
+    <dgm:pt modelId="{ED16D085-16A1-4B64-AC22-CA57FEF71AE8}">
+      <dgm:prSet phldrT="[Text]"/>
+      <dgm:spPr/>
+      <dgm:t>
+        <a:bodyPr/>
+        <a:lstStyle/>
+        <a:p>
+          <a:r>
+            <a:rPr lang="en-US" dirty="0"/>
+            <a:t>parameter</a:t>
+          </a:r>
+        </a:p>
+      </dgm:t>
+    </dgm:pt>
+    <dgm:pt modelId="{4B304F42-42C4-4C74-B479-71F341836733}" type="parTrans" cxnId="{9A4D8AC6-6CF5-4A74-966C-CCAD524E4EDA}">
+      <dgm:prSet/>
+      <dgm:spPr/>
+      <dgm:t>
+        <a:bodyPr/>
+        <a:lstStyle/>
+        <a:p>
+          <a:endParaRPr lang="en-US"/>
+        </a:p>
+      </dgm:t>
+    </dgm:pt>
+    <dgm:pt modelId="{AC82B11C-556A-4335-88CA-92C17DC53DD5}" type="sibTrans" cxnId="{9A4D8AC6-6CF5-4A74-966C-CCAD524E4EDA}">
+      <dgm:prSet/>
+      <dgm:spPr/>
+      <dgm:t>
+        <a:bodyPr/>
+        <a:lstStyle/>
+        <a:p>
+          <a:endParaRPr lang="en-US"/>
+        </a:p>
+      </dgm:t>
+    </dgm:pt>
+    <dgm:pt modelId="{6A5C3309-D21C-4B05-91D8-7EA98DBD3B35}">
+      <dgm:prSet phldrT="[Text]"/>
+      <dgm:spPr/>
+      <dgm:t>
+        <a:bodyPr/>
+        <a:lstStyle/>
+        <a:p>
+          <a:r>
+            <a:rPr lang="en-US" dirty="0"/>
+            <a:t>parameter</a:t>
+          </a:r>
+        </a:p>
+      </dgm:t>
+    </dgm:pt>
+    <dgm:pt modelId="{FC161F0C-D6B1-4557-9346-4886FC0A0581}" type="parTrans" cxnId="{F063D406-7D3D-47EE-B561-F7419D963900}">
+      <dgm:prSet/>
+      <dgm:spPr/>
+      <dgm:t>
+        <a:bodyPr/>
+        <a:lstStyle/>
+        <a:p>
+          <a:endParaRPr lang="en-US"/>
+        </a:p>
+      </dgm:t>
+    </dgm:pt>
+    <dgm:pt modelId="{D613BF55-A942-47AA-B666-732268499556}" type="sibTrans" cxnId="{F063D406-7D3D-47EE-B561-F7419D963900}">
+      <dgm:prSet/>
+      <dgm:spPr/>
+      <dgm:t>
+        <a:bodyPr/>
+        <a:lstStyle/>
+        <a:p>
+          <a:endParaRPr lang="en-US"/>
+        </a:p>
+      </dgm:t>
+    </dgm:pt>
+    <dgm:pt modelId="{D36527CD-3A9F-4F5A-80FF-F5AAA257D32A}">
+      <dgm:prSet phldrT="[Text]" phldr="1"/>
+      <dgm:spPr/>
+      <dgm:t>
+        <a:bodyPr/>
+        <a:lstStyle/>
+        <a:p>
+          <a:endParaRPr lang="en-US"/>
+        </a:p>
+      </dgm:t>
+    </dgm:pt>
+    <dgm:pt modelId="{0F24F40D-180E-44EA-87C4-6AA0E2EBCB2A}" type="parTrans" cxnId="{91F98F79-6B4E-42CA-9E98-2FA0D25B15E3}">
+      <dgm:prSet/>
+      <dgm:spPr/>
+      <dgm:t>
+        <a:bodyPr/>
+        <a:lstStyle/>
+        <a:p>
+          <a:endParaRPr lang="en-US"/>
+        </a:p>
+      </dgm:t>
+    </dgm:pt>
+    <dgm:pt modelId="{6A63F30B-843A-45DD-AFF4-212E352555EF}" type="sibTrans" cxnId="{91F98F79-6B4E-42CA-9E98-2FA0D25B15E3}">
+      <dgm:prSet/>
+      <dgm:spPr/>
+      <dgm:t>
+        <a:bodyPr/>
+        <a:lstStyle/>
+        <a:p>
+          <a:endParaRPr lang="en-US"/>
+        </a:p>
+      </dgm:t>
+    </dgm:pt>
+    <dgm:pt modelId="{C63358F3-F250-4F32-BB31-C647F244517D}">
+      <dgm:prSet/>
+      <dgm:spPr/>
+      <dgm:t>
+        <a:bodyPr/>
+        <a:lstStyle/>
+        <a:p>
+          <a:r>
+            <a:rPr lang="en-US"/>
+            <a:t>parameter</a:t>
+          </a:r>
+        </a:p>
+      </dgm:t>
+    </dgm:pt>
+    <dgm:pt modelId="{1483AD5B-B0AC-4136-A76F-00A5E547BEC6}" type="parTrans" cxnId="{8A2B845A-E6A7-42E7-A9FD-24E3314189C4}">
+      <dgm:prSet/>
+      <dgm:spPr/>
+      <dgm:t>
+        <a:bodyPr/>
+        <a:lstStyle/>
+        <a:p>
+          <a:endParaRPr lang="en-US"/>
+        </a:p>
+      </dgm:t>
+    </dgm:pt>
+    <dgm:pt modelId="{5DE3CD98-EA2E-4081-810E-7ED43C7E5292}" type="sibTrans" cxnId="{8A2B845A-E6A7-42E7-A9FD-24E3314189C4}">
+      <dgm:prSet/>
+      <dgm:spPr/>
+      <dgm:t>
+        <a:bodyPr/>
+        <a:lstStyle/>
+        <a:p>
+          <a:endParaRPr lang="en-US"/>
+        </a:p>
+      </dgm:t>
+    </dgm:pt>
+    <dgm:pt modelId="{863AD993-3672-4362-9C56-6A1BCA00DFAB}" type="pres">
+      <dgm:prSet presAssocID="{ED3417AD-6E3D-4070-A975-05B302BE6F1E}" presName="composite" presStyleCnt="0">
+        <dgm:presLayoutVars>
+          <dgm:chMax val="3"/>
+          <dgm:animLvl val="lvl"/>
+          <dgm:resizeHandles val="exact"/>
+        </dgm:presLayoutVars>
+      </dgm:prSet>
+      <dgm:spPr/>
+    </dgm:pt>
+    <dgm:pt modelId="{4FA45807-0EB7-4E02-871D-81584A3A135D}" type="pres">
+      <dgm:prSet presAssocID="{ED16D085-16A1-4B64-AC22-CA57FEF71AE8}" presName="gear1" presStyleLbl="node1" presStyleIdx="0" presStyleCnt="3">
+        <dgm:presLayoutVars>
+          <dgm:chMax val="1"/>
+          <dgm:bulletEnabled val="1"/>
+        </dgm:presLayoutVars>
+      </dgm:prSet>
+      <dgm:spPr/>
+    </dgm:pt>
+    <dgm:pt modelId="{42171CA2-B69B-41C7-A9F1-E2C7DDE68722}" type="pres">
+      <dgm:prSet presAssocID="{ED16D085-16A1-4B64-AC22-CA57FEF71AE8}" presName="gear1srcNode" presStyleLbl="node1" presStyleIdx="0" presStyleCnt="3"/>
+      <dgm:spPr/>
+    </dgm:pt>
+    <dgm:pt modelId="{AE25C779-6818-4672-A23B-69981D1F4F9D}" type="pres">
+      <dgm:prSet presAssocID="{ED16D085-16A1-4B64-AC22-CA57FEF71AE8}" presName="gear1dstNode" presStyleLbl="node1" presStyleIdx="0" presStyleCnt="3"/>
+      <dgm:spPr/>
+    </dgm:pt>
+    <dgm:pt modelId="{1FE15C98-AFAF-4553-98B9-25FBD3A5A63E}" type="pres">
+      <dgm:prSet presAssocID="{6A5C3309-D21C-4B05-91D8-7EA98DBD3B35}" presName="gear2" presStyleLbl="node1" presStyleIdx="1" presStyleCnt="3">
+        <dgm:presLayoutVars>
+          <dgm:chMax val="1"/>
+          <dgm:bulletEnabled val="1"/>
+        </dgm:presLayoutVars>
+      </dgm:prSet>
+      <dgm:spPr/>
+    </dgm:pt>
+    <dgm:pt modelId="{F8279D57-2E93-40C4-B92D-E2873E0D5821}" type="pres">
+      <dgm:prSet presAssocID="{6A5C3309-D21C-4B05-91D8-7EA98DBD3B35}" presName="gear2srcNode" presStyleLbl="node1" presStyleIdx="1" presStyleCnt="3"/>
+      <dgm:spPr/>
+    </dgm:pt>
+    <dgm:pt modelId="{5B636276-C3A6-4878-B5A3-D8F763BF1338}" type="pres">
+      <dgm:prSet presAssocID="{6A5C3309-D21C-4B05-91D8-7EA98DBD3B35}" presName="gear2dstNode" presStyleLbl="node1" presStyleIdx="1" presStyleCnt="3"/>
+      <dgm:spPr/>
+    </dgm:pt>
+    <dgm:pt modelId="{C55AACEF-DD5A-4A6F-BFA8-DB6C80D47C85}" type="pres">
+      <dgm:prSet presAssocID="{C63358F3-F250-4F32-BB31-C647F244517D}" presName="gear3" presStyleLbl="node1" presStyleIdx="2" presStyleCnt="3"/>
+      <dgm:spPr/>
+    </dgm:pt>
+    <dgm:pt modelId="{E7232B03-9EB7-487C-9634-2C3990FF653E}" type="pres">
+      <dgm:prSet presAssocID="{C63358F3-F250-4F32-BB31-C647F244517D}" presName="gear3tx" presStyleLbl="node1" presStyleIdx="2" presStyleCnt="3">
+        <dgm:presLayoutVars>
+          <dgm:chMax val="1"/>
+          <dgm:bulletEnabled val="1"/>
+        </dgm:presLayoutVars>
+      </dgm:prSet>
+      <dgm:spPr/>
+    </dgm:pt>
+    <dgm:pt modelId="{2CF58083-1BB9-4851-BFE6-117B03806E22}" type="pres">
+      <dgm:prSet presAssocID="{C63358F3-F250-4F32-BB31-C647F244517D}" presName="gear3srcNode" presStyleLbl="node1" presStyleIdx="2" presStyleCnt="3"/>
+      <dgm:spPr/>
+    </dgm:pt>
+    <dgm:pt modelId="{0EE94B54-A24D-4510-A1D2-69E3792CE4F7}" type="pres">
+      <dgm:prSet presAssocID="{C63358F3-F250-4F32-BB31-C647F244517D}" presName="gear3dstNode" presStyleLbl="node1" presStyleIdx="2" presStyleCnt="3"/>
+      <dgm:spPr/>
+    </dgm:pt>
+    <dgm:pt modelId="{BBF2008C-5FDC-49DE-8260-D831F81BF664}" type="pres">
+      <dgm:prSet presAssocID="{AC82B11C-556A-4335-88CA-92C17DC53DD5}" presName="connector1" presStyleLbl="sibTrans2D1" presStyleIdx="0" presStyleCnt="3"/>
+      <dgm:spPr/>
+    </dgm:pt>
+    <dgm:pt modelId="{74A3D1D3-9D7F-4A6E-BA28-3B0E8FF049C9}" type="pres">
+      <dgm:prSet presAssocID="{D613BF55-A942-47AA-B666-732268499556}" presName="connector2" presStyleLbl="sibTrans2D1" presStyleIdx="1" presStyleCnt="3"/>
+      <dgm:spPr/>
+    </dgm:pt>
+    <dgm:pt modelId="{86D64EF6-C51B-41E0-BAC4-FB6104E25F68}" type="pres">
+      <dgm:prSet presAssocID="{5DE3CD98-EA2E-4081-810E-7ED43C7E5292}" presName="connector3" presStyleLbl="sibTrans2D1" presStyleIdx="2" presStyleCnt="3"/>
+      <dgm:spPr/>
+    </dgm:pt>
+  </dgm:ptLst>
+  <dgm:cxnLst>
+    <dgm:cxn modelId="{ACBEB9D4-F072-4F97-BF6B-30F32E5EB380}" type="presOf" srcId="{AC82B11C-556A-4335-88CA-92C17DC53DD5}" destId="{BBF2008C-5FDC-49DE-8260-D831F81BF664}" srcOrd="0" destOrd="0" presId="urn:microsoft.com/office/officeart/2005/8/layout/gear1"/>
+    <dgm:cxn modelId="{DCF9F054-E816-423A-9CA4-F4DB912BED56}" type="presOf" srcId="{C63358F3-F250-4F32-BB31-C647F244517D}" destId="{E7232B03-9EB7-487C-9634-2C3990FF653E}" srcOrd="1" destOrd="0" presId="urn:microsoft.com/office/officeart/2005/8/layout/gear1"/>
+    <dgm:cxn modelId="{84C9BD9F-63F1-41ED-9B2D-3BBDD56B7194}" type="presOf" srcId="{D613BF55-A942-47AA-B666-732268499556}" destId="{74A3D1D3-9D7F-4A6E-BA28-3B0E8FF049C9}" srcOrd="0" destOrd="0" presId="urn:microsoft.com/office/officeart/2005/8/layout/gear1"/>
+    <dgm:cxn modelId="{B0F30D7F-1ABF-42E9-8BB9-69304C1D5150}" type="presOf" srcId="{6A5C3309-D21C-4B05-91D8-7EA98DBD3B35}" destId="{1FE15C98-AFAF-4553-98B9-25FBD3A5A63E}" srcOrd="0" destOrd="0" presId="urn:microsoft.com/office/officeart/2005/8/layout/gear1"/>
+    <dgm:cxn modelId="{2F403E53-B732-43EA-BC74-1F4B02023E5C}" type="presOf" srcId="{6A5C3309-D21C-4B05-91D8-7EA98DBD3B35}" destId="{5B636276-C3A6-4878-B5A3-D8F763BF1338}" srcOrd="2" destOrd="0" presId="urn:microsoft.com/office/officeart/2005/8/layout/gear1"/>
+    <dgm:cxn modelId="{7EE6E7AF-BCEA-4E59-8AE0-1CDDD5984551}" type="presOf" srcId="{5DE3CD98-EA2E-4081-810E-7ED43C7E5292}" destId="{86D64EF6-C51B-41E0-BAC4-FB6104E25F68}" srcOrd="0" destOrd="0" presId="urn:microsoft.com/office/officeart/2005/8/layout/gear1"/>
+    <dgm:cxn modelId="{8A2B845A-E6A7-42E7-A9FD-24E3314189C4}" srcId="{ED3417AD-6E3D-4070-A975-05B302BE6F1E}" destId="{C63358F3-F250-4F32-BB31-C647F244517D}" srcOrd="2" destOrd="0" parTransId="{1483AD5B-B0AC-4136-A76F-00A5E547BEC6}" sibTransId="{5DE3CD98-EA2E-4081-810E-7ED43C7E5292}"/>
+    <dgm:cxn modelId="{B5E8C94B-14CD-4DF9-B2F0-3F63313DB288}" type="presOf" srcId="{ED16D085-16A1-4B64-AC22-CA57FEF71AE8}" destId="{4FA45807-0EB7-4E02-871D-81584A3A135D}" srcOrd="0" destOrd="0" presId="urn:microsoft.com/office/officeart/2005/8/layout/gear1"/>
+    <dgm:cxn modelId="{685B1D18-C66E-4CA5-8D6B-69ACFFD5C327}" type="presOf" srcId="{C63358F3-F250-4F32-BB31-C647F244517D}" destId="{0EE94B54-A24D-4510-A1D2-69E3792CE4F7}" srcOrd="3" destOrd="0" presId="urn:microsoft.com/office/officeart/2005/8/layout/gear1"/>
+    <dgm:cxn modelId="{91F98F79-6B4E-42CA-9E98-2FA0D25B15E3}" srcId="{ED3417AD-6E3D-4070-A975-05B302BE6F1E}" destId="{D36527CD-3A9F-4F5A-80FF-F5AAA257D32A}" srcOrd="3" destOrd="0" parTransId="{0F24F40D-180E-44EA-87C4-6AA0E2EBCB2A}" sibTransId="{6A63F30B-843A-45DD-AFF4-212E352555EF}"/>
+    <dgm:cxn modelId="{9F309A48-C1BB-4BA5-BE7F-5817415E5AFC}" type="presOf" srcId="{C63358F3-F250-4F32-BB31-C647F244517D}" destId="{C55AACEF-DD5A-4A6F-BFA8-DB6C80D47C85}" srcOrd="0" destOrd="0" presId="urn:microsoft.com/office/officeart/2005/8/layout/gear1"/>
+    <dgm:cxn modelId="{799CCA54-D52F-4DBB-9E49-34B3A648A71A}" type="presOf" srcId="{6A5C3309-D21C-4B05-91D8-7EA98DBD3B35}" destId="{F8279D57-2E93-40C4-B92D-E2873E0D5821}" srcOrd="1" destOrd="0" presId="urn:microsoft.com/office/officeart/2005/8/layout/gear1"/>
+    <dgm:cxn modelId="{59915167-C863-4658-87A1-11D1338D1A0D}" type="presOf" srcId="{ED16D085-16A1-4B64-AC22-CA57FEF71AE8}" destId="{AE25C779-6818-4672-A23B-69981D1F4F9D}" srcOrd="2" destOrd="0" presId="urn:microsoft.com/office/officeart/2005/8/layout/gear1"/>
+    <dgm:cxn modelId="{E92E6008-ED61-4E8C-A223-AD7F7930688C}" type="presOf" srcId="{C63358F3-F250-4F32-BB31-C647F244517D}" destId="{2CF58083-1BB9-4851-BFE6-117B03806E22}" srcOrd="2" destOrd="0" presId="urn:microsoft.com/office/officeart/2005/8/layout/gear1"/>
+    <dgm:cxn modelId="{9A4D8AC6-6CF5-4A74-966C-CCAD524E4EDA}" srcId="{ED3417AD-6E3D-4070-A975-05B302BE6F1E}" destId="{ED16D085-16A1-4B64-AC22-CA57FEF71AE8}" srcOrd="0" destOrd="0" parTransId="{4B304F42-42C4-4C74-B479-71F341836733}" sibTransId="{AC82B11C-556A-4335-88CA-92C17DC53DD5}"/>
+    <dgm:cxn modelId="{9E5747BF-89FD-48E0-96E6-36FF45E0B8DC}" type="presOf" srcId="{ED16D085-16A1-4B64-AC22-CA57FEF71AE8}" destId="{42171CA2-B69B-41C7-A9F1-E2C7DDE68722}" srcOrd="1" destOrd="0" presId="urn:microsoft.com/office/officeart/2005/8/layout/gear1"/>
+    <dgm:cxn modelId="{F063D406-7D3D-47EE-B561-F7419D963900}" srcId="{ED3417AD-6E3D-4070-A975-05B302BE6F1E}" destId="{6A5C3309-D21C-4B05-91D8-7EA98DBD3B35}" srcOrd="1" destOrd="0" parTransId="{FC161F0C-D6B1-4557-9346-4886FC0A0581}" sibTransId="{D613BF55-A942-47AA-B666-732268499556}"/>
+    <dgm:cxn modelId="{A58A526F-051C-49D1-AA2F-21ED90EF7460}" type="presOf" srcId="{ED3417AD-6E3D-4070-A975-05B302BE6F1E}" destId="{863AD993-3672-4362-9C56-6A1BCA00DFAB}" srcOrd="0" destOrd="0" presId="urn:microsoft.com/office/officeart/2005/8/layout/gear1"/>
+    <dgm:cxn modelId="{B1386295-43C7-4469-BFD8-072EA2F7C364}" type="presParOf" srcId="{863AD993-3672-4362-9C56-6A1BCA00DFAB}" destId="{4FA45807-0EB7-4E02-871D-81584A3A135D}" srcOrd="0" destOrd="0" presId="urn:microsoft.com/office/officeart/2005/8/layout/gear1"/>
+    <dgm:cxn modelId="{5CAAFF37-0254-4D26-B811-3A9BA4F931A0}" type="presParOf" srcId="{863AD993-3672-4362-9C56-6A1BCA00DFAB}" destId="{42171CA2-B69B-41C7-A9F1-E2C7DDE68722}" srcOrd="1" destOrd="0" presId="urn:microsoft.com/office/officeart/2005/8/layout/gear1"/>
+    <dgm:cxn modelId="{184564CA-C72D-4005-8E7A-DA3394DF7419}" type="presParOf" srcId="{863AD993-3672-4362-9C56-6A1BCA00DFAB}" destId="{AE25C779-6818-4672-A23B-69981D1F4F9D}" srcOrd="2" destOrd="0" presId="urn:microsoft.com/office/officeart/2005/8/layout/gear1"/>
+    <dgm:cxn modelId="{5155D5C8-EFE2-4400-8C76-E934E75F242C}" type="presParOf" srcId="{863AD993-3672-4362-9C56-6A1BCA00DFAB}" destId="{1FE15C98-AFAF-4553-98B9-25FBD3A5A63E}" srcOrd="3" destOrd="0" presId="urn:microsoft.com/office/officeart/2005/8/layout/gear1"/>
+    <dgm:cxn modelId="{BF895204-8D0D-4D15-96E4-D3DD6F110F7C}" type="presParOf" srcId="{863AD993-3672-4362-9C56-6A1BCA00DFAB}" destId="{F8279D57-2E93-40C4-B92D-E2873E0D5821}" srcOrd="4" destOrd="0" presId="urn:microsoft.com/office/officeart/2005/8/layout/gear1"/>
+    <dgm:cxn modelId="{63214BCC-5B7B-4E3C-882D-41F030C1039D}" type="presParOf" srcId="{863AD993-3672-4362-9C56-6A1BCA00DFAB}" destId="{5B636276-C3A6-4878-B5A3-D8F763BF1338}" srcOrd="5" destOrd="0" presId="urn:microsoft.com/office/officeart/2005/8/layout/gear1"/>
+    <dgm:cxn modelId="{0568A0AE-0DB9-43CC-8C6A-03C94606FA02}" type="presParOf" srcId="{863AD993-3672-4362-9C56-6A1BCA00DFAB}" destId="{C55AACEF-DD5A-4A6F-BFA8-DB6C80D47C85}" srcOrd="6" destOrd="0" presId="urn:microsoft.com/office/officeart/2005/8/layout/gear1"/>
+    <dgm:cxn modelId="{A8EEE37E-BF87-48E1-BF4C-5F81F6F0544D}" type="presParOf" srcId="{863AD993-3672-4362-9C56-6A1BCA00DFAB}" destId="{E7232B03-9EB7-487C-9634-2C3990FF653E}" srcOrd="7" destOrd="0" presId="urn:microsoft.com/office/officeart/2005/8/layout/gear1"/>
+    <dgm:cxn modelId="{EE039625-576D-4D9D-98B2-8F006914A11D}" type="presParOf" srcId="{863AD993-3672-4362-9C56-6A1BCA00DFAB}" destId="{2CF58083-1BB9-4851-BFE6-117B03806E22}" srcOrd="8" destOrd="0" presId="urn:microsoft.com/office/officeart/2005/8/layout/gear1"/>
+    <dgm:cxn modelId="{B3DF39BB-FB36-4F4E-B7C1-637E1650CCCE}" type="presParOf" srcId="{863AD993-3672-4362-9C56-6A1BCA00DFAB}" destId="{0EE94B54-A24D-4510-A1D2-69E3792CE4F7}" srcOrd="9" destOrd="0" presId="urn:microsoft.com/office/officeart/2005/8/layout/gear1"/>
+    <dgm:cxn modelId="{32220C85-A04E-4EDD-99D2-7581160C1292}" type="presParOf" srcId="{863AD993-3672-4362-9C56-6A1BCA00DFAB}" destId="{BBF2008C-5FDC-49DE-8260-D831F81BF664}" srcOrd="10" destOrd="0" presId="urn:microsoft.com/office/officeart/2005/8/layout/gear1"/>
+    <dgm:cxn modelId="{40632C08-A134-47A5-874F-15F57961C760}" type="presParOf" srcId="{863AD993-3672-4362-9C56-6A1BCA00DFAB}" destId="{74A3D1D3-9D7F-4A6E-BA28-3B0E8FF049C9}" srcOrd="11" destOrd="0" presId="urn:microsoft.com/office/officeart/2005/8/layout/gear1"/>
+    <dgm:cxn modelId="{4B1F7DD8-018B-4BDC-B9FD-E6D2E7DB22AF}" type="presParOf" srcId="{863AD993-3672-4362-9C56-6A1BCA00DFAB}" destId="{86D64EF6-C51B-41E0-BAC4-FB6104E25F68}" srcOrd="12" destOrd="0" presId="urn:microsoft.com/office/officeart/2005/8/layout/gear1"/>
+  </dgm:cxnLst>
+  <dgm:bg/>
+  <dgm:whole/>
+  <dgm:extLst>
+    <a:ext uri="http://schemas.microsoft.com/office/drawing/2008/diagram">
+      <dsp:dataModelExt xmlns:dsp="http://schemas.microsoft.com/office/drawing/2008/diagram" relId="rId6" minVer="http://schemas.openxmlformats.org/drawingml/2006/diagram"/>
+    </a:ext>
+  </dgm:extLst>
+</dgm:dataModel>
+</file>
+
+<file path=ppt/diagrams/data3.xml><?xml version="1.0" encoding="utf-8"?>
+<dgm:dataModel xmlns:dgm="http://schemas.openxmlformats.org/drawingml/2006/diagram" xmlns:a="http://schemas.openxmlformats.org/drawingml/2006/main">
+  <dgm:ptLst>
+    <dgm:pt modelId="{1DDDEB39-CD74-4DF9-82A1-032DC00D80DA}" type="doc">
+      <dgm:prSet loTypeId="urn:microsoft.com/office/officeart/2005/8/layout/process1" loCatId="process" qsTypeId="urn:microsoft.com/office/officeart/2005/8/quickstyle/simple1" qsCatId="simple" csTypeId="urn:microsoft.com/office/officeart/2005/8/colors/accent1_2" csCatId="accent1" phldr="1"/>
+      <dgm:spPr/>
+    </dgm:pt>
+    <dgm:pt modelId="{F6534C05-7226-4B9F-9075-432104F398A2}">
+      <dgm:prSet phldrT="[Text]"/>
+      <dgm:spPr/>
+      <dgm:t>
+        <a:bodyPr/>
+        <a:lstStyle/>
+        <a:p>
+          <a:r>
+            <a:rPr lang="en-US" dirty="0"/>
+            <a:t>x</a:t>
+          </a:r>
+        </a:p>
+      </dgm:t>
+    </dgm:pt>
+    <dgm:pt modelId="{077BCD35-B9BE-431A-A023-6C7D4C6E4C67}" type="parTrans" cxnId="{0EF0C116-DFDD-485E-B73E-EFA1ED334948}">
+      <dgm:prSet/>
+      <dgm:spPr/>
+      <dgm:t>
+        <a:bodyPr/>
+        <a:lstStyle/>
+        <a:p>
+          <a:endParaRPr lang="en-US"/>
+        </a:p>
+      </dgm:t>
+    </dgm:pt>
+    <dgm:pt modelId="{84B7A8B5-C59D-4169-8234-92AB28BE555C}" type="sibTrans" cxnId="{0EF0C116-DFDD-485E-B73E-EFA1ED334948}">
+      <dgm:prSet/>
+      <dgm:spPr/>
+      <dgm:t>
+        <a:bodyPr/>
+        <a:lstStyle/>
+        <a:p>
+          <a:endParaRPr lang="en-US"/>
+        </a:p>
+      </dgm:t>
+    </dgm:pt>
+    <dgm:pt modelId="{22A0A84D-ACC6-4B12-8119-62E926DD7991}">
+      <dgm:prSet phldrT="[Text]"/>
+      <dgm:spPr/>
+      <dgm:t>
+        <a:bodyPr/>
+        <a:lstStyle/>
+        <a:p>
+          <a:r>
+            <a:rPr lang="en-US" dirty="0"/>
+            <a:t>Model</a:t>
+          </a:r>
+        </a:p>
+      </dgm:t>
+    </dgm:pt>
+    <dgm:pt modelId="{1BEF0A43-2D13-4F75-BEE1-A7FBD3BEE048}" type="parTrans" cxnId="{A4080711-C99D-4D82-B9D2-C6699F240F05}">
+      <dgm:prSet/>
+      <dgm:spPr/>
+      <dgm:t>
+        <a:bodyPr/>
+        <a:lstStyle/>
+        <a:p>
+          <a:endParaRPr lang="en-US"/>
+        </a:p>
+      </dgm:t>
+    </dgm:pt>
+    <dgm:pt modelId="{E1431C8A-B097-4DA7-A599-49BC7415BC56}" type="sibTrans" cxnId="{A4080711-C99D-4D82-B9D2-C6699F240F05}">
+      <dgm:prSet/>
+      <dgm:spPr/>
+      <dgm:t>
+        <a:bodyPr/>
+        <a:lstStyle/>
+        <a:p>
+          <a:endParaRPr lang="en-US"/>
+        </a:p>
+      </dgm:t>
+    </dgm:pt>
+    <dgm:pt modelId="{0187D040-DB84-428B-A94E-1C87EA497A5C}">
+      <dgm:prSet phldrT="[Text]"/>
+      <dgm:spPr/>
+      <dgm:t>
+        <a:bodyPr/>
+        <a:lstStyle/>
+        <a:p>
+          <a:r>
+            <a:rPr lang="en-US" strike="noStrike" dirty="0">
+              <a:latin typeface="VTC VictorianLint" panose="02000500020000020004" pitchFamily="2" charset="0"/>
+            </a:rPr>
+            <a:t>Y</a:t>
+          </a:r>
+        </a:p>
+      </dgm:t>
+    </dgm:pt>
+    <dgm:pt modelId="{1F707769-0283-49E5-8735-4EDA2C51190D}" type="parTrans" cxnId="{9EF9D1AD-4EAE-4625-A6A0-14F613651208}">
+      <dgm:prSet/>
+      <dgm:spPr/>
+      <dgm:t>
+        <a:bodyPr/>
+        <a:lstStyle/>
+        <a:p>
+          <a:endParaRPr lang="en-US"/>
+        </a:p>
+      </dgm:t>
+    </dgm:pt>
+    <dgm:pt modelId="{471DC0E9-D57F-431F-847D-A620D8037A1C}" type="sibTrans" cxnId="{9EF9D1AD-4EAE-4625-A6A0-14F613651208}">
+      <dgm:prSet/>
+      <dgm:spPr/>
+      <dgm:t>
+        <a:bodyPr/>
+        <a:lstStyle/>
+        <a:p>
+          <a:endParaRPr lang="en-US"/>
+        </a:p>
+      </dgm:t>
+    </dgm:pt>
+    <dgm:pt modelId="{3948A160-B9E1-42F4-B168-94F7E556CE10}">
+      <dgm:prSet/>
+      <dgm:spPr/>
+      <dgm:t>
+        <a:bodyPr/>
+        <a:lstStyle/>
+        <a:p>
+          <a:r>
+            <a:rPr lang="en-US" dirty="0"/>
+            <a:t>Compare</a:t>
+          </a:r>
+        </a:p>
+        <a:p>
+          <a:r>
+            <a:rPr lang="en-US" strike="noStrike" dirty="0">
+              <a:latin typeface="VTC VictorianLint" panose="02000500020000020004" pitchFamily="2" charset="0"/>
+            </a:rPr>
+            <a:t>Y</a:t>
+          </a:r>
+          <a:r>
+            <a:rPr lang="en-US" dirty="0"/>
+            <a:t> to Y</a:t>
+          </a:r>
+        </a:p>
+      </dgm:t>
+    </dgm:pt>
+    <dgm:pt modelId="{29DC20BE-40C1-41F4-BA14-0BB0479BB501}" type="parTrans" cxnId="{E62A5E45-1711-455F-B374-94A227E92D33}">
+      <dgm:prSet/>
+      <dgm:spPr/>
+      <dgm:t>
+        <a:bodyPr/>
+        <a:lstStyle/>
+        <a:p>
+          <a:endParaRPr lang="en-US"/>
+        </a:p>
+      </dgm:t>
+    </dgm:pt>
+    <dgm:pt modelId="{8A4F309F-5D57-47EE-80DC-1CF91199B083}" type="sibTrans" cxnId="{E62A5E45-1711-455F-B374-94A227E92D33}">
+      <dgm:prSet/>
+      <dgm:spPr/>
+      <dgm:t>
+        <a:bodyPr/>
+        <a:lstStyle/>
+        <a:p>
+          <a:endParaRPr lang="en-US"/>
+        </a:p>
+      </dgm:t>
+    </dgm:pt>
+    <dgm:pt modelId="{3C7AE3BD-E3FC-406D-A67C-46C7E1BC7208}" type="pres">
+      <dgm:prSet presAssocID="{1DDDEB39-CD74-4DF9-82A1-032DC00D80DA}" presName="Name0" presStyleCnt="0">
+        <dgm:presLayoutVars>
+          <dgm:dir/>
+          <dgm:resizeHandles val="exact"/>
+        </dgm:presLayoutVars>
+      </dgm:prSet>
+      <dgm:spPr/>
+    </dgm:pt>
+    <dgm:pt modelId="{FAAA4337-E25F-4769-965A-BCEC1473107B}" type="pres">
+      <dgm:prSet presAssocID="{F6534C05-7226-4B9F-9075-432104F398A2}" presName="node" presStyleLbl="node1" presStyleIdx="0" presStyleCnt="4">
+        <dgm:presLayoutVars>
+          <dgm:bulletEnabled val="1"/>
+        </dgm:presLayoutVars>
+      </dgm:prSet>
+      <dgm:spPr/>
+    </dgm:pt>
+    <dgm:pt modelId="{D4078E2C-E77B-46C8-AE5C-33F8281E42AE}" type="pres">
+      <dgm:prSet presAssocID="{84B7A8B5-C59D-4169-8234-92AB28BE555C}" presName="sibTrans" presStyleLbl="sibTrans2D1" presStyleIdx="0" presStyleCnt="3"/>
+      <dgm:spPr/>
+    </dgm:pt>
+    <dgm:pt modelId="{5C3F3B02-91A2-4C85-938F-3858436C0F4A}" type="pres">
+      <dgm:prSet presAssocID="{84B7A8B5-C59D-4169-8234-92AB28BE555C}" presName="connectorText" presStyleLbl="sibTrans2D1" presStyleIdx="0" presStyleCnt="3"/>
+      <dgm:spPr/>
+    </dgm:pt>
+    <dgm:pt modelId="{63D7CBEF-0B10-490B-BD60-F61FD3F09C85}" type="pres">
+      <dgm:prSet presAssocID="{22A0A84D-ACC6-4B12-8119-62E926DD7991}" presName="node" presStyleLbl="node1" presStyleIdx="1" presStyleCnt="4">
+        <dgm:presLayoutVars>
+          <dgm:bulletEnabled val="1"/>
+        </dgm:presLayoutVars>
+      </dgm:prSet>
+      <dgm:spPr/>
+    </dgm:pt>
+    <dgm:pt modelId="{ED86B3B0-5FA1-4362-812C-97A25AEBC71C}" type="pres">
+      <dgm:prSet presAssocID="{E1431C8A-B097-4DA7-A599-49BC7415BC56}" presName="sibTrans" presStyleLbl="sibTrans2D1" presStyleIdx="1" presStyleCnt="3"/>
+      <dgm:spPr/>
+    </dgm:pt>
+    <dgm:pt modelId="{4081A163-EA37-43FB-988B-A00F494EC22A}" type="pres">
+      <dgm:prSet presAssocID="{E1431C8A-B097-4DA7-A599-49BC7415BC56}" presName="connectorText" presStyleLbl="sibTrans2D1" presStyleIdx="1" presStyleCnt="3"/>
+      <dgm:spPr/>
+    </dgm:pt>
+    <dgm:pt modelId="{79C66157-58C7-477D-999E-D6E13E08749F}" type="pres">
+      <dgm:prSet presAssocID="{0187D040-DB84-428B-A94E-1C87EA497A5C}" presName="node" presStyleLbl="node1" presStyleIdx="2" presStyleCnt="4">
+        <dgm:presLayoutVars>
+          <dgm:bulletEnabled val="1"/>
+        </dgm:presLayoutVars>
+      </dgm:prSet>
+      <dgm:spPr/>
+    </dgm:pt>
+    <dgm:pt modelId="{B0FD2DB9-F2E6-4D62-97CF-729DBFD162CC}" type="pres">
+      <dgm:prSet presAssocID="{471DC0E9-D57F-431F-847D-A620D8037A1C}" presName="sibTrans" presStyleLbl="sibTrans2D1" presStyleIdx="2" presStyleCnt="3"/>
+      <dgm:spPr/>
+    </dgm:pt>
+    <dgm:pt modelId="{C92EFE1F-B986-4045-BF81-710C944EDCC0}" type="pres">
+      <dgm:prSet presAssocID="{471DC0E9-D57F-431F-847D-A620D8037A1C}" presName="connectorText" presStyleLbl="sibTrans2D1" presStyleIdx="2" presStyleCnt="3"/>
+      <dgm:spPr/>
+    </dgm:pt>
+    <dgm:pt modelId="{2D681E52-F1C6-4EF2-8EC0-2E88871F8ECC}" type="pres">
+      <dgm:prSet presAssocID="{3948A160-B9E1-42F4-B168-94F7E556CE10}" presName="node" presStyleLbl="node1" presStyleIdx="3" presStyleCnt="4">
+        <dgm:presLayoutVars>
+          <dgm:bulletEnabled val="1"/>
+        </dgm:presLayoutVars>
+      </dgm:prSet>
+      <dgm:spPr/>
+    </dgm:pt>
+  </dgm:ptLst>
+  <dgm:cxnLst>
+    <dgm:cxn modelId="{7D4BC494-8E6D-4F97-B334-DE76C1F29EDA}" type="presOf" srcId="{471DC0E9-D57F-431F-847D-A620D8037A1C}" destId="{B0FD2DB9-F2E6-4D62-97CF-729DBFD162CC}" srcOrd="0" destOrd="0" presId="urn:microsoft.com/office/officeart/2005/8/layout/process1"/>
+    <dgm:cxn modelId="{DB24782C-4374-4A23-9C10-7D17835E7AE8}" type="presOf" srcId="{84B7A8B5-C59D-4169-8234-92AB28BE555C}" destId="{D4078E2C-E77B-46C8-AE5C-33F8281E42AE}" srcOrd="0" destOrd="0" presId="urn:microsoft.com/office/officeart/2005/8/layout/process1"/>
+    <dgm:cxn modelId="{9EF9D1AD-4EAE-4625-A6A0-14F613651208}" srcId="{1DDDEB39-CD74-4DF9-82A1-032DC00D80DA}" destId="{0187D040-DB84-428B-A94E-1C87EA497A5C}" srcOrd="2" destOrd="0" parTransId="{1F707769-0283-49E5-8735-4EDA2C51190D}" sibTransId="{471DC0E9-D57F-431F-847D-A620D8037A1C}"/>
+    <dgm:cxn modelId="{1F9B3883-1164-4920-AFC4-409C507C39DF}" type="presOf" srcId="{3948A160-B9E1-42F4-B168-94F7E556CE10}" destId="{2D681E52-F1C6-4EF2-8EC0-2E88871F8ECC}" srcOrd="0" destOrd="0" presId="urn:microsoft.com/office/officeart/2005/8/layout/process1"/>
+    <dgm:cxn modelId="{59FCBC80-6EA8-4104-9A18-B69570A28B1F}" type="presOf" srcId="{0187D040-DB84-428B-A94E-1C87EA497A5C}" destId="{79C66157-58C7-477D-999E-D6E13E08749F}" srcOrd="0" destOrd="0" presId="urn:microsoft.com/office/officeart/2005/8/layout/process1"/>
+    <dgm:cxn modelId="{0EF0C116-DFDD-485E-B73E-EFA1ED334948}" srcId="{1DDDEB39-CD74-4DF9-82A1-032DC00D80DA}" destId="{F6534C05-7226-4B9F-9075-432104F398A2}" srcOrd="0" destOrd="0" parTransId="{077BCD35-B9BE-431A-A023-6C7D4C6E4C67}" sibTransId="{84B7A8B5-C59D-4169-8234-92AB28BE555C}"/>
+    <dgm:cxn modelId="{A4080711-C99D-4D82-B9D2-C6699F240F05}" srcId="{1DDDEB39-CD74-4DF9-82A1-032DC00D80DA}" destId="{22A0A84D-ACC6-4B12-8119-62E926DD7991}" srcOrd="1" destOrd="0" parTransId="{1BEF0A43-2D13-4F75-BEE1-A7FBD3BEE048}" sibTransId="{E1431C8A-B097-4DA7-A599-49BC7415BC56}"/>
+    <dgm:cxn modelId="{E62A5E45-1711-455F-B374-94A227E92D33}" srcId="{1DDDEB39-CD74-4DF9-82A1-032DC00D80DA}" destId="{3948A160-B9E1-42F4-B168-94F7E556CE10}" srcOrd="3" destOrd="0" parTransId="{29DC20BE-40C1-41F4-BA14-0BB0479BB501}" sibTransId="{8A4F309F-5D57-47EE-80DC-1CF91199B083}"/>
+    <dgm:cxn modelId="{1C5BD832-AE75-4C51-9223-B5D3E9039750}" type="presOf" srcId="{84B7A8B5-C59D-4169-8234-92AB28BE555C}" destId="{5C3F3B02-91A2-4C85-938F-3858436C0F4A}" srcOrd="1" destOrd="0" presId="urn:microsoft.com/office/officeart/2005/8/layout/process1"/>
+    <dgm:cxn modelId="{0EF4C71A-4D68-4924-9270-97A7F0AB8F53}" type="presOf" srcId="{471DC0E9-D57F-431F-847D-A620D8037A1C}" destId="{C92EFE1F-B986-4045-BF81-710C944EDCC0}" srcOrd="1" destOrd="0" presId="urn:microsoft.com/office/officeart/2005/8/layout/process1"/>
+    <dgm:cxn modelId="{8303CE5E-B622-48F7-A571-3855F567DF89}" type="presOf" srcId="{22A0A84D-ACC6-4B12-8119-62E926DD7991}" destId="{63D7CBEF-0B10-490B-BD60-F61FD3F09C85}" srcOrd="0" destOrd="0" presId="urn:microsoft.com/office/officeart/2005/8/layout/process1"/>
+    <dgm:cxn modelId="{969DC7B4-D4AD-42DF-BDC7-2C0082E43421}" type="presOf" srcId="{E1431C8A-B097-4DA7-A599-49BC7415BC56}" destId="{ED86B3B0-5FA1-4362-812C-97A25AEBC71C}" srcOrd="0" destOrd="0" presId="urn:microsoft.com/office/officeart/2005/8/layout/process1"/>
+    <dgm:cxn modelId="{EFE75548-11A0-4FFE-B2A2-E796D27BCEDB}" type="presOf" srcId="{F6534C05-7226-4B9F-9075-432104F398A2}" destId="{FAAA4337-E25F-4769-965A-BCEC1473107B}" srcOrd="0" destOrd="0" presId="urn:microsoft.com/office/officeart/2005/8/layout/process1"/>
+    <dgm:cxn modelId="{210F88D3-0583-43D1-9299-E547859F4B4D}" type="presOf" srcId="{1DDDEB39-CD74-4DF9-82A1-032DC00D80DA}" destId="{3C7AE3BD-E3FC-406D-A67C-46C7E1BC7208}" srcOrd="0" destOrd="0" presId="urn:microsoft.com/office/officeart/2005/8/layout/process1"/>
+    <dgm:cxn modelId="{142D58C3-7C00-4DB9-96B4-678F0C346DA7}" type="presOf" srcId="{E1431C8A-B097-4DA7-A599-49BC7415BC56}" destId="{4081A163-EA37-43FB-988B-A00F494EC22A}" srcOrd="1" destOrd="0" presId="urn:microsoft.com/office/officeart/2005/8/layout/process1"/>
+    <dgm:cxn modelId="{87920805-9A6A-4C92-A039-15B2DD6FD309}" type="presParOf" srcId="{3C7AE3BD-E3FC-406D-A67C-46C7E1BC7208}" destId="{FAAA4337-E25F-4769-965A-BCEC1473107B}" srcOrd="0" destOrd="0" presId="urn:microsoft.com/office/officeart/2005/8/layout/process1"/>
+    <dgm:cxn modelId="{1D518381-9801-4820-8E11-3DC7C69FCC57}" type="presParOf" srcId="{3C7AE3BD-E3FC-406D-A67C-46C7E1BC7208}" destId="{D4078E2C-E77B-46C8-AE5C-33F8281E42AE}" srcOrd="1" destOrd="0" presId="urn:microsoft.com/office/officeart/2005/8/layout/process1"/>
+    <dgm:cxn modelId="{EB2BB4CB-9232-4305-B472-6C9274F72083}" type="presParOf" srcId="{D4078E2C-E77B-46C8-AE5C-33F8281E42AE}" destId="{5C3F3B02-91A2-4C85-938F-3858436C0F4A}" srcOrd="0" destOrd="0" presId="urn:microsoft.com/office/officeart/2005/8/layout/process1"/>
+    <dgm:cxn modelId="{DF58C4C4-F3AB-42DC-9032-65BFCCCD7FE2}" type="presParOf" srcId="{3C7AE3BD-E3FC-406D-A67C-46C7E1BC7208}" destId="{63D7CBEF-0B10-490B-BD60-F61FD3F09C85}" srcOrd="2" destOrd="0" presId="urn:microsoft.com/office/officeart/2005/8/layout/process1"/>
+    <dgm:cxn modelId="{EE684C7D-8054-4912-84FB-EA6F8D13289E}" type="presParOf" srcId="{3C7AE3BD-E3FC-406D-A67C-46C7E1BC7208}" destId="{ED86B3B0-5FA1-4362-812C-97A25AEBC71C}" srcOrd="3" destOrd="0" presId="urn:microsoft.com/office/officeart/2005/8/layout/process1"/>
+    <dgm:cxn modelId="{AA76B137-1161-474A-8F5B-BC65A95CD6D5}" type="presParOf" srcId="{ED86B3B0-5FA1-4362-812C-97A25AEBC71C}" destId="{4081A163-EA37-43FB-988B-A00F494EC22A}" srcOrd="0" destOrd="0" presId="urn:microsoft.com/office/officeart/2005/8/layout/process1"/>
+    <dgm:cxn modelId="{9A70361D-F2D7-4ACE-8CD6-6B110E261328}" type="presParOf" srcId="{3C7AE3BD-E3FC-406D-A67C-46C7E1BC7208}" destId="{79C66157-58C7-477D-999E-D6E13E08749F}" srcOrd="4" destOrd="0" presId="urn:microsoft.com/office/officeart/2005/8/layout/process1"/>
+    <dgm:cxn modelId="{EC2AC7FD-460A-4AE7-848F-0E171562F494}" type="presParOf" srcId="{3C7AE3BD-E3FC-406D-A67C-46C7E1BC7208}" destId="{B0FD2DB9-F2E6-4D62-97CF-729DBFD162CC}" srcOrd="5" destOrd="0" presId="urn:microsoft.com/office/officeart/2005/8/layout/process1"/>
+    <dgm:cxn modelId="{E94EEDC9-1743-4BC3-9621-1C8149D2D576}" type="presParOf" srcId="{B0FD2DB9-F2E6-4D62-97CF-729DBFD162CC}" destId="{C92EFE1F-B986-4045-BF81-710C944EDCC0}" srcOrd="0" destOrd="0" presId="urn:microsoft.com/office/officeart/2005/8/layout/process1"/>
+    <dgm:cxn modelId="{340FC895-547D-4445-A467-0858BCB91E6D}" type="presParOf" srcId="{3C7AE3BD-E3FC-406D-A67C-46C7E1BC7208}" destId="{2D681E52-F1C6-4EF2-8EC0-2E88871F8ECC}" srcOrd="6" destOrd="0" presId="urn:microsoft.com/office/officeart/2005/8/layout/process1"/>
+  </dgm:cxnLst>
+  <dgm:bg/>
+  <dgm:whole/>
+  <dgm:extLst>
+    <a:ext uri="http://schemas.microsoft.com/office/drawing/2008/diagram">
+      <dsp:dataModelExt xmlns:dsp="http://schemas.microsoft.com/office/drawing/2008/diagram" relId="rId6" minVer="http://schemas.openxmlformats.org/drawingml/2006/diagram"/>
+    </a:ext>
+  </dgm:extLst>
+</dgm:dataModel>
+</file>
+
+<file path=ppt/diagrams/data4.xml><?xml version="1.0" encoding="utf-8"?>
 <dgm:dataModel xmlns:dgm="http://schemas.openxmlformats.org/drawingml/2006/diagram" xmlns:a="http://schemas.openxmlformats.org/drawingml/2006/main">
   <dgm:ptLst>
     <dgm:pt modelId="{1DDDEB39-CD74-4DF9-82A1-032DC00D80DA}" type="doc">
@@ -2679,6 +4772,967 @@
       <dsp:cNvGrpSpPr/>
     </dsp:nvGrpSpPr>
     <dsp:grpSpPr/>
+    <dsp:sp modelId="{4FA45807-0EB7-4E02-871D-81584A3A135D}">
+      <dsp:nvSpPr>
+        <dsp:cNvPr id="0" name=""/>
+        <dsp:cNvSpPr/>
+      </dsp:nvSpPr>
+      <dsp:spPr>
+        <a:xfrm>
+          <a:off x="1104138" y="1718903"/>
+          <a:ext cx="1349502" cy="1349502"/>
+        </a:xfrm>
+        <a:prstGeom prst="gear9">
+          <a:avLst/>
+        </a:prstGeom>
+        <a:solidFill>
+          <a:schemeClr val="lt1">
+            <a:hueOff val="0"/>
+            <a:satOff val="0"/>
+            <a:lumOff val="0"/>
+            <a:alphaOff val="0"/>
+          </a:schemeClr>
+        </a:solidFill>
+        <a:ln w="12700" cap="flat" cmpd="sng" algn="ctr">
+          <a:solidFill>
+            <a:schemeClr val="dk2">
+              <a:shade val="80000"/>
+              <a:hueOff val="0"/>
+              <a:satOff val="0"/>
+              <a:lumOff val="0"/>
+              <a:alphaOff val="0"/>
+            </a:schemeClr>
+          </a:solidFill>
+          <a:prstDash val="solid"/>
+          <a:miter lim="800000"/>
+        </a:ln>
+        <a:effectLst/>
+      </dsp:spPr>
+      <dsp:style>
+        <a:lnRef idx="2">
+          <a:scrgbClr r="0" g="0" b="0"/>
+        </a:lnRef>
+        <a:fillRef idx="1">
+          <a:scrgbClr r="0" g="0" b="0"/>
+        </a:fillRef>
+        <a:effectRef idx="0">
+          <a:scrgbClr r="0" g="0" b="0"/>
+        </a:effectRef>
+        <a:fontRef idx="minor">
+          <a:schemeClr val="lt1"/>
+        </a:fontRef>
+      </dsp:style>
+      <dsp:txBody>
+        <a:bodyPr spcFirstLastPara="0" vert="horz" wrap="square" lIns="10160" tIns="10160" rIns="10160" bIns="10160" numCol="1" spcCol="1270" anchor="ctr" anchorCtr="0">
+          <a:noAutofit/>
+        </a:bodyPr>
+        <a:lstStyle/>
+        <a:p>
+          <a:pPr marL="0" lvl="0" indent="0" algn="ctr" defTabSz="355600">
+            <a:lnSpc>
+              <a:spcPct val="90000"/>
+            </a:lnSpc>
+            <a:spcBef>
+              <a:spcPct val="0"/>
+            </a:spcBef>
+            <a:spcAft>
+              <a:spcPct val="35000"/>
+            </a:spcAft>
+            <a:buNone/>
+          </a:pPr>
+          <a:r>
+            <a:rPr lang="en-US" sz="800" kern="1200" dirty="0"/>
+            <a:t>parameter</a:t>
+          </a:r>
+        </a:p>
+      </dsp:txBody>
+      <dsp:txXfrm>
+        <a:off x="1375448" y="2035017"/>
+        <a:ext cx="806882" cy="693672"/>
+      </dsp:txXfrm>
+    </dsp:sp>
+    <dsp:sp modelId="{1FE15C98-AFAF-4553-98B9-25FBD3A5A63E}">
+      <dsp:nvSpPr>
+        <dsp:cNvPr id="0" name=""/>
+        <dsp:cNvSpPr/>
+      </dsp:nvSpPr>
+      <dsp:spPr>
+        <a:xfrm>
+          <a:off x="318973" y="1399929"/>
+          <a:ext cx="981456" cy="981456"/>
+        </a:xfrm>
+        <a:prstGeom prst="gear6">
+          <a:avLst/>
+        </a:prstGeom>
+        <a:solidFill>
+          <a:schemeClr val="lt1">
+            <a:hueOff val="0"/>
+            <a:satOff val="0"/>
+            <a:lumOff val="0"/>
+            <a:alphaOff val="0"/>
+          </a:schemeClr>
+        </a:solidFill>
+        <a:ln w="12700" cap="flat" cmpd="sng" algn="ctr">
+          <a:solidFill>
+            <a:schemeClr val="dk2">
+              <a:shade val="80000"/>
+              <a:hueOff val="0"/>
+              <a:satOff val="0"/>
+              <a:lumOff val="0"/>
+              <a:alphaOff val="0"/>
+            </a:schemeClr>
+          </a:solidFill>
+          <a:prstDash val="solid"/>
+          <a:miter lim="800000"/>
+        </a:ln>
+        <a:effectLst/>
+      </dsp:spPr>
+      <dsp:style>
+        <a:lnRef idx="2">
+          <a:scrgbClr r="0" g="0" b="0"/>
+        </a:lnRef>
+        <a:fillRef idx="1">
+          <a:scrgbClr r="0" g="0" b="0"/>
+        </a:fillRef>
+        <a:effectRef idx="0">
+          <a:scrgbClr r="0" g="0" b="0"/>
+        </a:effectRef>
+        <a:fontRef idx="minor">
+          <a:schemeClr val="lt1"/>
+        </a:fontRef>
+      </dsp:style>
+      <dsp:txBody>
+        <a:bodyPr spcFirstLastPara="0" vert="horz" wrap="square" lIns="10160" tIns="10160" rIns="10160" bIns="10160" numCol="1" spcCol="1270" anchor="ctr" anchorCtr="0">
+          <a:noAutofit/>
+        </a:bodyPr>
+        <a:lstStyle/>
+        <a:p>
+          <a:pPr marL="0" lvl="0" indent="0" algn="ctr" defTabSz="355600">
+            <a:lnSpc>
+              <a:spcPct val="90000"/>
+            </a:lnSpc>
+            <a:spcBef>
+              <a:spcPct val="0"/>
+            </a:spcBef>
+            <a:spcAft>
+              <a:spcPct val="35000"/>
+            </a:spcAft>
+            <a:buNone/>
+          </a:pPr>
+          <a:r>
+            <a:rPr lang="en-US" sz="800" kern="1200" dirty="0"/>
+            <a:t>parameter</a:t>
+          </a:r>
+        </a:p>
+      </dsp:txBody>
+      <dsp:txXfrm>
+        <a:off x="566058" y="1648507"/>
+        <a:ext cx="487286" cy="484300"/>
+      </dsp:txXfrm>
+    </dsp:sp>
+    <dsp:sp modelId="{C55AACEF-DD5A-4A6F-BFA8-DB6C80D47C85}">
+      <dsp:nvSpPr>
+        <dsp:cNvPr id="0" name=""/>
+        <dsp:cNvSpPr/>
+      </dsp:nvSpPr>
+      <dsp:spPr>
+        <a:xfrm rot="20700000">
+          <a:off x="868688" y="722825"/>
+          <a:ext cx="961626" cy="961626"/>
+        </a:xfrm>
+        <a:prstGeom prst="gear6">
+          <a:avLst/>
+        </a:prstGeom>
+        <a:solidFill>
+          <a:schemeClr val="lt1">
+            <a:hueOff val="0"/>
+            <a:satOff val="0"/>
+            <a:lumOff val="0"/>
+            <a:alphaOff val="0"/>
+          </a:schemeClr>
+        </a:solidFill>
+        <a:ln w="12700" cap="flat" cmpd="sng" algn="ctr">
+          <a:solidFill>
+            <a:schemeClr val="dk2">
+              <a:shade val="80000"/>
+              <a:hueOff val="0"/>
+              <a:satOff val="0"/>
+              <a:lumOff val="0"/>
+              <a:alphaOff val="0"/>
+            </a:schemeClr>
+          </a:solidFill>
+          <a:prstDash val="solid"/>
+          <a:miter lim="800000"/>
+        </a:ln>
+        <a:effectLst/>
+      </dsp:spPr>
+      <dsp:style>
+        <a:lnRef idx="2">
+          <a:scrgbClr r="0" g="0" b="0"/>
+        </a:lnRef>
+        <a:fillRef idx="1">
+          <a:scrgbClr r="0" g="0" b="0"/>
+        </a:fillRef>
+        <a:effectRef idx="0">
+          <a:scrgbClr r="0" g="0" b="0"/>
+        </a:effectRef>
+        <a:fontRef idx="minor">
+          <a:schemeClr val="lt1"/>
+        </a:fontRef>
+      </dsp:style>
+      <dsp:txBody>
+        <a:bodyPr spcFirstLastPara="0" vert="horz" wrap="square" lIns="10160" tIns="10160" rIns="10160" bIns="10160" numCol="1" spcCol="1270" anchor="ctr" anchorCtr="0">
+          <a:noAutofit/>
+        </a:bodyPr>
+        <a:lstStyle/>
+        <a:p>
+          <a:pPr marL="0" lvl="0" indent="0" algn="ctr" defTabSz="355600">
+            <a:lnSpc>
+              <a:spcPct val="90000"/>
+            </a:lnSpc>
+            <a:spcBef>
+              <a:spcPct val="0"/>
+            </a:spcBef>
+            <a:spcAft>
+              <a:spcPct val="35000"/>
+            </a:spcAft>
+            <a:buNone/>
+          </a:pPr>
+          <a:r>
+            <a:rPr lang="en-US" sz="800" kern="1200"/>
+            <a:t>parameter</a:t>
+          </a:r>
+        </a:p>
+      </dsp:txBody>
+      <dsp:txXfrm rot="-20700000">
+        <a:off x="1079601" y="933738"/>
+        <a:ext cx="539800" cy="539800"/>
+      </dsp:txXfrm>
+    </dsp:sp>
+    <dsp:sp modelId="{BBF2008C-5FDC-49DE-8260-D831F81BF664}">
+      <dsp:nvSpPr>
+        <dsp:cNvPr id="0" name=""/>
+        <dsp:cNvSpPr/>
+      </dsp:nvSpPr>
+      <dsp:spPr>
+        <a:xfrm>
+          <a:off x="982383" y="1525286"/>
+          <a:ext cx="1727362" cy="1727362"/>
+        </a:xfrm>
+        <a:prstGeom prst="circularArrow">
+          <a:avLst>
+            <a:gd name="adj1" fmla="val 4687"/>
+            <a:gd name="adj2" fmla="val 299029"/>
+            <a:gd name="adj3" fmla="val 2451889"/>
+            <a:gd name="adj4" fmla="val 16007430"/>
+            <a:gd name="adj5" fmla="val 5469"/>
+          </a:avLst>
+        </a:prstGeom>
+        <a:solidFill>
+          <a:schemeClr val="dk2">
+            <a:tint val="60000"/>
+            <a:hueOff val="0"/>
+            <a:satOff val="0"/>
+            <a:lumOff val="0"/>
+            <a:alphaOff val="0"/>
+          </a:schemeClr>
+        </a:solidFill>
+        <a:ln>
+          <a:noFill/>
+        </a:ln>
+        <a:effectLst/>
+      </dsp:spPr>
+      <dsp:style>
+        <a:lnRef idx="0">
+          <a:scrgbClr r="0" g="0" b="0"/>
+        </a:lnRef>
+        <a:fillRef idx="1">
+          <a:scrgbClr r="0" g="0" b="0"/>
+        </a:fillRef>
+        <a:effectRef idx="0">
+          <a:scrgbClr r="0" g="0" b="0"/>
+        </a:effectRef>
+        <a:fontRef idx="minor">
+          <a:schemeClr val="lt1"/>
+        </a:fontRef>
+      </dsp:style>
+    </dsp:sp>
+    <dsp:sp modelId="{74A3D1D3-9D7F-4A6E-BA28-3B0E8FF049C9}">
+      <dsp:nvSpPr>
+        <dsp:cNvPr id="0" name=""/>
+        <dsp:cNvSpPr/>
+      </dsp:nvSpPr>
+      <dsp:spPr>
+        <a:xfrm>
+          <a:off x="145159" y="1190240"/>
+          <a:ext cx="1255036" cy="1255036"/>
+        </a:xfrm>
+        <a:prstGeom prst="leftCircularArrow">
+          <a:avLst>
+            <a:gd name="adj1" fmla="val 6452"/>
+            <a:gd name="adj2" fmla="val 429999"/>
+            <a:gd name="adj3" fmla="val 10489124"/>
+            <a:gd name="adj4" fmla="val 14837806"/>
+            <a:gd name="adj5" fmla="val 7527"/>
+          </a:avLst>
+        </a:prstGeom>
+        <a:solidFill>
+          <a:schemeClr val="dk2">
+            <a:tint val="60000"/>
+            <a:hueOff val="0"/>
+            <a:satOff val="0"/>
+            <a:lumOff val="0"/>
+            <a:alphaOff val="0"/>
+          </a:schemeClr>
+        </a:solidFill>
+        <a:ln>
+          <a:noFill/>
+        </a:ln>
+        <a:effectLst/>
+      </dsp:spPr>
+      <dsp:style>
+        <a:lnRef idx="0">
+          <a:scrgbClr r="0" g="0" b="0"/>
+        </a:lnRef>
+        <a:fillRef idx="1">
+          <a:scrgbClr r="0" g="0" b="0"/>
+        </a:fillRef>
+        <a:effectRef idx="0">
+          <a:scrgbClr r="0" g="0" b="0"/>
+        </a:effectRef>
+        <a:fontRef idx="minor">
+          <a:schemeClr val="lt1"/>
+        </a:fontRef>
+      </dsp:style>
+    </dsp:sp>
+    <dsp:sp modelId="{86D64EF6-C51B-41E0-BAC4-FB6104E25F68}">
+      <dsp:nvSpPr>
+        <dsp:cNvPr id="0" name=""/>
+        <dsp:cNvSpPr/>
+      </dsp:nvSpPr>
+      <dsp:spPr>
+        <a:xfrm>
+          <a:off x="646254" y="519663"/>
+          <a:ext cx="1353182" cy="1353182"/>
+        </a:xfrm>
+        <a:prstGeom prst="circularArrow">
+          <a:avLst>
+            <a:gd name="adj1" fmla="val 5984"/>
+            <a:gd name="adj2" fmla="val 394124"/>
+            <a:gd name="adj3" fmla="val 13313824"/>
+            <a:gd name="adj4" fmla="val 10508221"/>
+            <a:gd name="adj5" fmla="val 6981"/>
+          </a:avLst>
+        </a:prstGeom>
+        <a:solidFill>
+          <a:schemeClr val="dk2">
+            <a:tint val="60000"/>
+            <a:hueOff val="0"/>
+            <a:satOff val="0"/>
+            <a:lumOff val="0"/>
+            <a:alphaOff val="0"/>
+          </a:schemeClr>
+        </a:solidFill>
+        <a:ln>
+          <a:noFill/>
+        </a:ln>
+        <a:effectLst/>
+      </dsp:spPr>
+      <dsp:style>
+        <a:lnRef idx="0">
+          <a:scrgbClr r="0" g="0" b="0"/>
+        </a:lnRef>
+        <a:fillRef idx="1">
+          <a:scrgbClr r="0" g="0" b="0"/>
+        </a:fillRef>
+        <a:effectRef idx="0">
+          <a:scrgbClr r="0" g="0" b="0"/>
+        </a:effectRef>
+        <a:fontRef idx="minor">
+          <a:schemeClr val="lt1"/>
+        </a:fontRef>
+      </dsp:style>
+    </dsp:sp>
+  </dsp:spTree>
+</dsp:drawing>
+</file>
+
+<file path=ppt/diagrams/drawing3.xml><?xml version="1.0" encoding="utf-8"?>
+<dsp:drawing xmlns:dgm="http://schemas.openxmlformats.org/drawingml/2006/diagram" xmlns:dsp="http://schemas.microsoft.com/office/drawing/2008/diagram" xmlns:a="http://schemas.openxmlformats.org/drawingml/2006/main">
+  <dsp:spTree>
+    <dsp:nvGrpSpPr>
+      <dsp:cNvPr id="0" name=""/>
+      <dsp:cNvGrpSpPr/>
+    </dsp:nvGrpSpPr>
+    <dsp:grpSpPr/>
+    <dsp:sp modelId="{FAAA4337-E25F-4769-965A-BCEC1473107B}">
+      <dsp:nvSpPr>
+        <dsp:cNvPr id="0" name=""/>
+        <dsp:cNvSpPr/>
+      </dsp:nvSpPr>
+      <dsp:spPr>
+        <a:xfrm>
+          <a:off x="3571" y="2240822"/>
+          <a:ext cx="1561703" cy="937021"/>
+        </a:xfrm>
+        <a:prstGeom prst="roundRect">
+          <a:avLst>
+            <a:gd name="adj" fmla="val 10000"/>
+          </a:avLst>
+        </a:prstGeom>
+        <a:solidFill>
+          <a:schemeClr val="accent1">
+            <a:hueOff val="0"/>
+            <a:satOff val="0"/>
+            <a:lumOff val="0"/>
+            <a:alphaOff val="0"/>
+          </a:schemeClr>
+        </a:solidFill>
+        <a:ln w="12700" cap="flat" cmpd="sng" algn="ctr">
+          <a:solidFill>
+            <a:schemeClr val="lt1">
+              <a:hueOff val="0"/>
+              <a:satOff val="0"/>
+              <a:lumOff val="0"/>
+              <a:alphaOff val="0"/>
+            </a:schemeClr>
+          </a:solidFill>
+          <a:prstDash val="solid"/>
+          <a:miter lim="800000"/>
+        </a:ln>
+        <a:effectLst/>
+      </dsp:spPr>
+      <dsp:style>
+        <a:lnRef idx="2">
+          <a:scrgbClr r="0" g="0" b="0"/>
+        </a:lnRef>
+        <a:fillRef idx="1">
+          <a:scrgbClr r="0" g="0" b="0"/>
+        </a:fillRef>
+        <a:effectRef idx="0">
+          <a:scrgbClr r="0" g="0" b="0"/>
+        </a:effectRef>
+        <a:fontRef idx="minor">
+          <a:schemeClr val="lt1"/>
+        </a:fontRef>
+      </dsp:style>
+      <dsp:txBody>
+        <a:bodyPr spcFirstLastPara="0" vert="horz" wrap="square" lIns="80010" tIns="80010" rIns="80010" bIns="80010" numCol="1" spcCol="1270" anchor="ctr" anchorCtr="0">
+          <a:noAutofit/>
+        </a:bodyPr>
+        <a:lstStyle/>
+        <a:p>
+          <a:pPr marL="0" lvl="0" indent="0" algn="ctr" defTabSz="933450">
+            <a:lnSpc>
+              <a:spcPct val="90000"/>
+            </a:lnSpc>
+            <a:spcBef>
+              <a:spcPct val="0"/>
+            </a:spcBef>
+            <a:spcAft>
+              <a:spcPct val="35000"/>
+            </a:spcAft>
+            <a:buNone/>
+          </a:pPr>
+          <a:r>
+            <a:rPr lang="en-US" sz="2100" kern="1200" dirty="0"/>
+            <a:t>x</a:t>
+          </a:r>
+        </a:p>
+      </dsp:txBody>
+      <dsp:txXfrm>
+        <a:off x="31015" y="2268266"/>
+        <a:ext cx="1506815" cy="882133"/>
+      </dsp:txXfrm>
+    </dsp:sp>
+    <dsp:sp modelId="{D4078E2C-E77B-46C8-AE5C-33F8281E42AE}">
+      <dsp:nvSpPr>
+        <dsp:cNvPr id="0" name=""/>
+        <dsp:cNvSpPr/>
+      </dsp:nvSpPr>
+      <dsp:spPr>
+        <a:xfrm>
+          <a:off x="1721445" y="2515682"/>
+          <a:ext cx="331081" cy="387302"/>
+        </a:xfrm>
+        <a:prstGeom prst="rightArrow">
+          <a:avLst>
+            <a:gd name="adj1" fmla="val 60000"/>
+            <a:gd name="adj2" fmla="val 50000"/>
+          </a:avLst>
+        </a:prstGeom>
+        <a:solidFill>
+          <a:schemeClr val="accent1">
+            <a:tint val="60000"/>
+            <a:hueOff val="0"/>
+            <a:satOff val="0"/>
+            <a:lumOff val="0"/>
+            <a:alphaOff val="0"/>
+          </a:schemeClr>
+        </a:solidFill>
+        <a:ln>
+          <a:noFill/>
+        </a:ln>
+        <a:effectLst/>
+      </dsp:spPr>
+      <dsp:style>
+        <a:lnRef idx="0">
+          <a:scrgbClr r="0" g="0" b="0"/>
+        </a:lnRef>
+        <a:fillRef idx="1">
+          <a:scrgbClr r="0" g="0" b="0"/>
+        </a:fillRef>
+        <a:effectRef idx="0">
+          <a:scrgbClr r="0" g="0" b="0"/>
+        </a:effectRef>
+        <a:fontRef idx="minor">
+          <a:schemeClr val="lt1"/>
+        </a:fontRef>
+      </dsp:style>
+      <dsp:txBody>
+        <a:bodyPr spcFirstLastPara="0" vert="horz" wrap="square" lIns="0" tIns="0" rIns="0" bIns="0" numCol="1" spcCol="1270" anchor="ctr" anchorCtr="0">
+          <a:noAutofit/>
+        </a:bodyPr>
+        <a:lstStyle/>
+        <a:p>
+          <a:pPr marL="0" lvl="0" indent="0" algn="ctr" defTabSz="711200">
+            <a:lnSpc>
+              <a:spcPct val="90000"/>
+            </a:lnSpc>
+            <a:spcBef>
+              <a:spcPct val="0"/>
+            </a:spcBef>
+            <a:spcAft>
+              <a:spcPct val="35000"/>
+            </a:spcAft>
+            <a:buNone/>
+          </a:pPr>
+          <a:endParaRPr lang="en-US" sz="1600" kern="1200"/>
+        </a:p>
+      </dsp:txBody>
+      <dsp:txXfrm>
+        <a:off x="1721445" y="2593142"/>
+        <a:ext cx="231757" cy="232382"/>
+      </dsp:txXfrm>
+    </dsp:sp>
+    <dsp:sp modelId="{63D7CBEF-0B10-490B-BD60-F61FD3F09C85}">
+      <dsp:nvSpPr>
+        <dsp:cNvPr id="0" name=""/>
+        <dsp:cNvSpPr/>
+      </dsp:nvSpPr>
+      <dsp:spPr>
+        <a:xfrm>
+          <a:off x="2189956" y="2240822"/>
+          <a:ext cx="1561703" cy="937021"/>
+        </a:xfrm>
+        <a:prstGeom prst="roundRect">
+          <a:avLst>
+            <a:gd name="adj" fmla="val 10000"/>
+          </a:avLst>
+        </a:prstGeom>
+        <a:solidFill>
+          <a:schemeClr val="accent1">
+            <a:hueOff val="0"/>
+            <a:satOff val="0"/>
+            <a:lumOff val="0"/>
+            <a:alphaOff val="0"/>
+          </a:schemeClr>
+        </a:solidFill>
+        <a:ln w="12700" cap="flat" cmpd="sng" algn="ctr">
+          <a:solidFill>
+            <a:schemeClr val="lt1">
+              <a:hueOff val="0"/>
+              <a:satOff val="0"/>
+              <a:lumOff val="0"/>
+              <a:alphaOff val="0"/>
+            </a:schemeClr>
+          </a:solidFill>
+          <a:prstDash val="solid"/>
+          <a:miter lim="800000"/>
+        </a:ln>
+        <a:effectLst/>
+      </dsp:spPr>
+      <dsp:style>
+        <a:lnRef idx="2">
+          <a:scrgbClr r="0" g="0" b="0"/>
+        </a:lnRef>
+        <a:fillRef idx="1">
+          <a:scrgbClr r="0" g="0" b="0"/>
+        </a:fillRef>
+        <a:effectRef idx="0">
+          <a:scrgbClr r="0" g="0" b="0"/>
+        </a:effectRef>
+        <a:fontRef idx="minor">
+          <a:schemeClr val="lt1"/>
+        </a:fontRef>
+      </dsp:style>
+      <dsp:txBody>
+        <a:bodyPr spcFirstLastPara="0" vert="horz" wrap="square" lIns="80010" tIns="80010" rIns="80010" bIns="80010" numCol="1" spcCol="1270" anchor="ctr" anchorCtr="0">
+          <a:noAutofit/>
+        </a:bodyPr>
+        <a:lstStyle/>
+        <a:p>
+          <a:pPr marL="0" lvl="0" indent="0" algn="ctr" defTabSz="933450">
+            <a:lnSpc>
+              <a:spcPct val="90000"/>
+            </a:lnSpc>
+            <a:spcBef>
+              <a:spcPct val="0"/>
+            </a:spcBef>
+            <a:spcAft>
+              <a:spcPct val="35000"/>
+            </a:spcAft>
+            <a:buNone/>
+          </a:pPr>
+          <a:r>
+            <a:rPr lang="en-US" sz="2100" kern="1200" dirty="0"/>
+            <a:t>Model</a:t>
+          </a:r>
+        </a:p>
+      </dsp:txBody>
+      <dsp:txXfrm>
+        <a:off x="2217400" y="2268266"/>
+        <a:ext cx="1506815" cy="882133"/>
+      </dsp:txXfrm>
+    </dsp:sp>
+    <dsp:sp modelId="{ED86B3B0-5FA1-4362-812C-97A25AEBC71C}">
+      <dsp:nvSpPr>
+        <dsp:cNvPr id="0" name=""/>
+        <dsp:cNvSpPr/>
+      </dsp:nvSpPr>
+      <dsp:spPr>
+        <a:xfrm>
+          <a:off x="3907829" y="2515682"/>
+          <a:ext cx="331081" cy="387302"/>
+        </a:xfrm>
+        <a:prstGeom prst="rightArrow">
+          <a:avLst>
+            <a:gd name="adj1" fmla="val 60000"/>
+            <a:gd name="adj2" fmla="val 50000"/>
+          </a:avLst>
+        </a:prstGeom>
+        <a:solidFill>
+          <a:schemeClr val="accent1">
+            <a:tint val="60000"/>
+            <a:hueOff val="0"/>
+            <a:satOff val="0"/>
+            <a:lumOff val="0"/>
+            <a:alphaOff val="0"/>
+          </a:schemeClr>
+        </a:solidFill>
+        <a:ln>
+          <a:noFill/>
+        </a:ln>
+        <a:effectLst/>
+      </dsp:spPr>
+      <dsp:style>
+        <a:lnRef idx="0">
+          <a:scrgbClr r="0" g="0" b="0"/>
+        </a:lnRef>
+        <a:fillRef idx="1">
+          <a:scrgbClr r="0" g="0" b="0"/>
+        </a:fillRef>
+        <a:effectRef idx="0">
+          <a:scrgbClr r="0" g="0" b="0"/>
+        </a:effectRef>
+        <a:fontRef idx="minor">
+          <a:schemeClr val="lt1"/>
+        </a:fontRef>
+      </dsp:style>
+      <dsp:txBody>
+        <a:bodyPr spcFirstLastPara="0" vert="horz" wrap="square" lIns="0" tIns="0" rIns="0" bIns="0" numCol="1" spcCol="1270" anchor="ctr" anchorCtr="0">
+          <a:noAutofit/>
+        </a:bodyPr>
+        <a:lstStyle/>
+        <a:p>
+          <a:pPr marL="0" lvl="0" indent="0" algn="ctr" defTabSz="711200">
+            <a:lnSpc>
+              <a:spcPct val="90000"/>
+            </a:lnSpc>
+            <a:spcBef>
+              <a:spcPct val="0"/>
+            </a:spcBef>
+            <a:spcAft>
+              <a:spcPct val="35000"/>
+            </a:spcAft>
+            <a:buNone/>
+          </a:pPr>
+          <a:endParaRPr lang="en-US" sz="1600" kern="1200"/>
+        </a:p>
+      </dsp:txBody>
+      <dsp:txXfrm>
+        <a:off x="3907829" y="2593142"/>
+        <a:ext cx="231757" cy="232382"/>
+      </dsp:txXfrm>
+    </dsp:sp>
+    <dsp:sp modelId="{79C66157-58C7-477D-999E-D6E13E08749F}">
+      <dsp:nvSpPr>
+        <dsp:cNvPr id="0" name=""/>
+        <dsp:cNvSpPr/>
+      </dsp:nvSpPr>
+      <dsp:spPr>
+        <a:xfrm>
+          <a:off x="4376340" y="2240822"/>
+          <a:ext cx="1561703" cy="937021"/>
+        </a:xfrm>
+        <a:prstGeom prst="roundRect">
+          <a:avLst>
+            <a:gd name="adj" fmla="val 10000"/>
+          </a:avLst>
+        </a:prstGeom>
+        <a:solidFill>
+          <a:schemeClr val="accent1">
+            <a:hueOff val="0"/>
+            <a:satOff val="0"/>
+            <a:lumOff val="0"/>
+            <a:alphaOff val="0"/>
+          </a:schemeClr>
+        </a:solidFill>
+        <a:ln w="12700" cap="flat" cmpd="sng" algn="ctr">
+          <a:solidFill>
+            <a:schemeClr val="lt1">
+              <a:hueOff val="0"/>
+              <a:satOff val="0"/>
+              <a:lumOff val="0"/>
+              <a:alphaOff val="0"/>
+            </a:schemeClr>
+          </a:solidFill>
+          <a:prstDash val="solid"/>
+          <a:miter lim="800000"/>
+        </a:ln>
+        <a:effectLst/>
+      </dsp:spPr>
+      <dsp:style>
+        <a:lnRef idx="2">
+          <a:scrgbClr r="0" g="0" b="0"/>
+        </a:lnRef>
+        <a:fillRef idx="1">
+          <a:scrgbClr r="0" g="0" b="0"/>
+        </a:fillRef>
+        <a:effectRef idx="0">
+          <a:scrgbClr r="0" g="0" b="0"/>
+        </a:effectRef>
+        <a:fontRef idx="minor">
+          <a:schemeClr val="lt1"/>
+        </a:fontRef>
+      </dsp:style>
+      <dsp:txBody>
+        <a:bodyPr spcFirstLastPara="0" vert="horz" wrap="square" lIns="80010" tIns="80010" rIns="80010" bIns="80010" numCol="1" spcCol="1270" anchor="ctr" anchorCtr="0">
+          <a:noAutofit/>
+        </a:bodyPr>
+        <a:lstStyle/>
+        <a:p>
+          <a:pPr marL="0" lvl="0" indent="0" algn="ctr" defTabSz="933450">
+            <a:lnSpc>
+              <a:spcPct val="90000"/>
+            </a:lnSpc>
+            <a:spcBef>
+              <a:spcPct val="0"/>
+            </a:spcBef>
+            <a:spcAft>
+              <a:spcPct val="35000"/>
+            </a:spcAft>
+            <a:buNone/>
+          </a:pPr>
+          <a:r>
+            <a:rPr lang="en-US" sz="2100" strike="noStrike" kern="1200" dirty="0">
+              <a:latin typeface="VTC VictorianLint" panose="02000500020000020004" pitchFamily="2" charset="0"/>
+            </a:rPr>
+            <a:t>Y</a:t>
+          </a:r>
+        </a:p>
+      </dsp:txBody>
+      <dsp:txXfrm>
+        <a:off x="4403784" y="2268266"/>
+        <a:ext cx="1506815" cy="882133"/>
+      </dsp:txXfrm>
+    </dsp:sp>
+    <dsp:sp modelId="{B0FD2DB9-F2E6-4D62-97CF-729DBFD162CC}">
+      <dsp:nvSpPr>
+        <dsp:cNvPr id="0" name=""/>
+        <dsp:cNvSpPr/>
+      </dsp:nvSpPr>
+      <dsp:spPr>
+        <a:xfrm>
+          <a:off x="6094214" y="2515682"/>
+          <a:ext cx="331081" cy="387302"/>
+        </a:xfrm>
+        <a:prstGeom prst="rightArrow">
+          <a:avLst>
+            <a:gd name="adj1" fmla="val 60000"/>
+            <a:gd name="adj2" fmla="val 50000"/>
+          </a:avLst>
+        </a:prstGeom>
+        <a:solidFill>
+          <a:schemeClr val="accent1">
+            <a:tint val="60000"/>
+            <a:hueOff val="0"/>
+            <a:satOff val="0"/>
+            <a:lumOff val="0"/>
+            <a:alphaOff val="0"/>
+          </a:schemeClr>
+        </a:solidFill>
+        <a:ln>
+          <a:noFill/>
+        </a:ln>
+        <a:effectLst/>
+      </dsp:spPr>
+      <dsp:style>
+        <a:lnRef idx="0">
+          <a:scrgbClr r="0" g="0" b="0"/>
+        </a:lnRef>
+        <a:fillRef idx="1">
+          <a:scrgbClr r="0" g="0" b="0"/>
+        </a:fillRef>
+        <a:effectRef idx="0">
+          <a:scrgbClr r="0" g="0" b="0"/>
+        </a:effectRef>
+        <a:fontRef idx="minor">
+          <a:schemeClr val="lt1"/>
+        </a:fontRef>
+      </dsp:style>
+      <dsp:txBody>
+        <a:bodyPr spcFirstLastPara="0" vert="horz" wrap="square" lIns="0" tIns="0" rIns="0" bIns="0" numCol="1" spcCol="1270" anchor="ctr" anchorCtr="0">
+          <a:noAutofit/>
+        </a:bodyPr>
+        <a:lstStyle/>
+        <a:p>
+          <a:pPr marL="0" lvl="0" indent="0" algn="ctr" defTabSz="711200">
+            <a:lnSpc>
+              <a:spcPct val="90000"/>
+            </a:lnSpc>
+            <a:spcBef>
+              <a:spcPct val="0"/>
+            </a:spcBef>
+            <a:spcAft>
+              <a:spcPct val="35000"/>
+            </a:spcAft>
+            <a:buNone/>
+          </a:pPr>
+          <a:endParaRPr lang="en-US" sz="1600" kern="1200"/>
+        </a:p>
+      </dsp:txBody>
+      <dsp:txXfrm>
+        <a:off x="6094214" y="2593142"/>
+        <a:ext cx="231757" cy="232382"/>
+      </dsp:txXfrm>
+    </dsp:sp>
+    <dsp:sp modelId="{2D681E52-F1C6-4EF2-8EC0-2E88871F8ECC}">
+      <dsp:nvSpPr>
+        <dsp:cNvPr id="0" name=""/>
+        <dsp:cNvSpPr/>
+      </dsp:nvSpPr>
+      <dsp:spPr>
+        <a:xfrm>
+          <a:off x="6562724" y="2240822"/>
+          <a:ext cx="1561703" cy="937021"/>
+        </a:xfrm>
+        <a:prstGeom prst="roundRect">
+          <a:avLst>
+            <a:gd name="adj" fmla="val 10000"/>
+          </a:avLst>
+        </a:prstGeom>
+        <a:solidFill>
+          <a:schemeClr val="accent1">
+            <a:hueOff val="0"/>
+            <a:satOff val="0"/>
+            <a:lumOff val="0"/>
+            <a:alphaOff val="0"/>
+          </a:schemeClr>
+        </a:solidFill>
+        <a:ln w="12700" cap="flat" cmpd="sng" algn="ctr">
+          <a:solidFill>
+            <a:schemeClr val="lt1">
+              <a:hueOff val="0"/>
+              <a:satOff val="0"/>
+              <a:lumOff val="0"/>
+              <a:alphaOff val="0"/>
+            </a:schemeClr>
+          </a:solidFill>
+          <a:prstDash val="solid"/>
+          <a:miter lim="800000"/>
+        </a:ln>
+        <a:effectLst/>
+      </dsp:spPr>
+      <dsp:style>
+        <a:lnRef idx="2">
+          <a:scrgbClr r="0" g="0" b="0"/>
+        </a:lnRef>
+        <a:fillRef idx="1">
+          <a:scrgbClr r="0" g="0" b="0"/>
+        </a:fillRef>
+        <a:effectRef idx="0">
+          <a:scrgbClr r="0" g="0" b="0"/>
+        </a:effectRef>
+        <a:fontRef idx="minor">
+          <a:schemeClr val="lt1"/>
+        </a:fontRef>
+      </dsp:style>
+      <dsp:txBody>
+        <a:bodyPr spcFirstLastPara="0" vert="horz" wrap="square" lIns="80010" tIns="80010" rIns="80010" bIns="80010" numCol="1" spcCol="1270" anchor="ctr" anchorCtr="0">
+          <a:noAutofit/>
+        </a:bodyPr>
+        <a:lstStyle/>
+        <a:p>
+          <a:pPr marL="0" lvl="0" indent="0" algn="ctr" defTabSz="933450">
+            <a:lnSpc>
+              <a:spcPct val="90000"/>
+            </a:lnSpc>
+            <a:spcBef>
+              <a:spcPct val="0"/>
+            </a:spcBef>
+            <a:spcAft>
+              <a:spcPct val="35000"/>
+            </a:spcAft>
+            <a:buNone/>
+          </a:pPr>
+          <a:r>
+            <a:rPr lang="en-US" sz="2100" kern="1200" dirty="0"/>
+            <a:t>Compare</a:t>
+          </a:r>
+        </a:p>
+        <a:p>
+          <a:pPr marL="0" lvl="0" indent="0" algn="ctr" defTabSz="933450">
+            <a:lnSpc>
+              <a:spcPct val="90000"/>
+            </a:lnSpc>
+            <a:spcBef>
+              <a:spcPct val="0"/>
+            </a:spcBef>
+            <a:spcAft>
+              <a:spcPct val="35000"/>
+            </a:spcAft>
+            <a:buNone/>
+          </a:pPr>
+          <a:r>
+            <a:rPr lang="en-US" sz="2100" strike="noStrike" kern="1200" dirty="0">
+              <a:latin typeface="VTC VictorianLint" panose="02000500020000020004" pitchFamily="2" charset="0"/>
+            </a:rPr>
+            <a:t>Y</a:t>
+          </a:r>
+          <a:r>
+            <a:rPr lang="en-US" sz="2100" kern="1200" dirty="0"/>
+            <a:t> to Y</a:t>
+          </a:r>
+        </a:p>
+      </dsp:txBody>
+      <dsp:txXfrm>
+        <a:off x="6590168" y="2268266"/>
+        <a:ext cx="1506815" cy="882133"/>
+      </dsp:txXfrm>
+    </dsp:sp>
+  </dsp:spTree>
+</dsp:drawing>
+</file>
+
+<file path=ppt/diagrams/drawing4.xml><?xml version="1.0" encoding="utf-8"?>
+<dsp:drawing xmlns:dgm="http://schemas.openxmlformats.org/drawingml/2006/diagram" xmlns:dsp="http://schemas.microsoft.com/office/drawing/2008/diagram" xmlns:a="http://schemas.openxmlformats.org/drawingml/2006/main">
+  <dsp:spTree>
+    <dsp:nvGrpSpPr>
+      <dsp:cNvPr id="0" name=""/>
+      <dsp:cNvGrpSpPr/>
+    </dsp:nvGrpSpPr>
+    <dsp:grpSpPr/>
     <dsp:sp modelId="{FAAA4337-E25F-4769-965A-BCEC1473107B}">
       <dsp:nvSpPr>
         <dsp:cNvPr id="0" name=""/>
@@ -3360,6 +6414,625 @@
 </file>
 
 <file path=ppt/diagrams/layout2.xml><?xml version="1.0" encoding="utf-8"?>
+<dgm:layoutDef xmlns:dgm="http://schemas.openxmlformats.org/drawingml/2006/diagram" xmlns:a="http://schemas.openxmlformats.org/drawingml/2006/main" uniqueId="urn:microsoft.com/office/officeart/2005/8/layout/gear1">
+  <dgm:title val=""/>
+  <dgm:desc val=""/>
+  <dgm:catLst>
+    <dgm:cat type="relationship" pri="3000"/>
+    <dgm:cat type="process" pri="28000"/>
+    <dgm:cat type="cycle" pri="14000"/>
+  </dgm:catLst>
+  <dgm:sampData useDef="1">
+    <dgm:dataModel>
+      <dgm:ptLst/>
+      <dgm:bg/>
+      <dgm:whole/>
+    </dgm:dataModel>
+  </dgm:sampData>
+  <dgm:styleData>
+    <dgm:dataModel>
+      <dgm:ptLst>
+        <dgm:pt modelId="0" type="doc"/>
+        <dgm:pt modelId="1"/>
+        <dgm:pt modelId="2"/>
+      </dgm:ptLst>
+      <dgm:cxnLst>
+        <dgm:cxn modelId="3" srcId="0" destId="1" srcOrd="0" destOrd="0"/>
+        <dgm:cxn modelId="4" srcId="0" destId="2" srcOrd="1" destOrd="0"/>
+      </dgm:cxnLst>
+      <dgm:bg/>
+      <dgm:whole/>
+    </dgm:dataModel>
+  </dgm:styleData>
+  <dgm:clrData useDef="1">
+    <dgm:dataModel>
+      <dgm:ptLst/>
+      <dgm:bg/>
+      <dgm:whole/>
+    </dgm:dataModel>
+  </dgm:clrData>
+  <dgm:layoutNode name="composite">
+    <dgm:varLst>
+      <dgm:chMax val="3"/>
+      <dgm:animLvl val="lvl"/>
+      <dgm:resizeHandles val="exact"/>
+    </dgm:varLst>
+    <dgm:alg type="composite">
+      <dgm:param type="ar" val="1"/>
+    </dgm:alg>
+    <dgm:shape xmlns:r="http://schemas.openxmlformats.org/officeDocument/2006/relationships" r:blip="">
+      <dgm:adjLst/>
+    </dgm:shape>
+    <dgm:presOf/>
+    <dgm:choose name="Name0">
+      <dgm:if name="Name1" axis="ch" ptType="node" func="cnt" op="lte" val="1">
+        <dgm:constrLst>
+          <dgm:constr type="primFontSz" for="ch" ptType="node" op="equ" val="65"/>
+          <dgm:constr type="w" for="ch" forName="gear1" refType="w" fact="0.55"/>
+          <dgm:constr type="h" for="ch" forName="gear1" refType="w" fact="0.55"/>
+          <dgm:constr type="l" for="ch" forName="gear1" refType="w" fact="0.05"/>
+          <dgm:constr type="t" for="ch" forName="gear1" refType="w" fact="0.05"/>
+          <dgm:constr type="w" for="ch" forName="gear1srcNode" val="1"/>
+          <dgm:constr type="h" for="ch" forName="gear1srcNode" val="1"/>
+          <dgm:constr type="l" for="ch" forName="gear1srcNode" refType="w" fact="0.32"/>
+          <dgm:constr type="t" for="ch" forName="gear1srcNode"/>
+          <dgm:constr type="w" for="ch" forName="gear1dstNode" val="1"/>
+          <dgm:constr type="h" for="ch" forName="gear1dstNode" val="1"/>
+          <dgm:constr type="r" for="ch" forName="gear1dstNode" refType="w" fact="0.58"/>
+          <dgm:constr type="t" for="ch" forName="gear1dstNode" refType="h" fact="0.55"/>
+          <dgm:constr type="diam" for="des" forName="connector1" refType="w" refFor="ch" refForName="gear1" op="equ" fact="1.1"/>
+          <dgm:constr type="h" for="des" forName="connector1" refType="w" refFor="ch" refForName="gear1" op="equ" fact="0.1"/>
+          <dgm:constr type="w" for="ch" forName="gear1ch" refType="w" fact="0.35"/>
+          <dgm:constr type="h" for="ch" forName="gear1ch" refType="w" refFor="ch" refForName="gear1ch" fact="0.6"/>
+          <dgm:constr type="l" for="ch" forName="gear1ch"/>
+          <dgm:constr type="b" for="ch" forName="gear1ch" refType="h" fact="0.6"/>
+        </dgm:constrLst>
+      </dgm:if>
+      <dgm:if name="Name2" axis="ch" ptType="node" func="cnt" op="equ" val="2">
+        <dgm:constrLst>
+          <dgm:constr type="primFontSz" for="ch" ptType="node" op="equ" val="65"/>
+          <dgm:constr type="w" for="ch" forName="gear1" refType="w" fact="0.55"/>
+          <dgm:constr type="h" for="ch" forName="gear1" refType="w" fact="0.55"/>
+          <dgm:constr type="l" for="ch" forName="gear1" refType="w" fact="0.45"/>
+          <dgm:constr type="t" for="ch" forName="gear1" refType="w" fact="0.25"/>
+          <dgm:constr type="w" for="ch" forName="gear1srcNode" val="1"/>
+          <dgm:constr type="h" for="ch" forName="gear1srcNode" val="1"/>
+          <dgm:constr type="l" for="ch" forName="gear1srcNode" refType="w" fact="0.72"/>
+          <dgm:constr type="t" for="ch" forName="gear1srcNode" refType="w" fact="0.2"/>
+          <dgm:constr type="w" for="ch" forName="gear1dstNode" val="1"/>
+          <dgm:constr type="h" for="ch" forName="gear1dstNode" val="1"/>
+          <dgm:constr type="r" for="ch" forName="gear1dstNode" refType="w" fact="0.98"/>
+          <dgm:constr type="t" for="ch" forName="gear1dstNode" refType="h" fact="0.75"/>
+          <dgm:constr type="diam" for="des" forName="connector1" refType="w" refFor="ch" refForName="gear1" op="equ" fact="1.1"/>
+          <dgm:constr type="h" for="des" forName="connector1" refType="w" refFor="ch" refForName="gear1" op="equ" fact="0.1"/>
+          <dgm:constr type="w" for="ch" forName="gear1ch" refType="w" fact="0.35"/>
+          <dgm:constr type="h" for="ch" forName="gear1ch" refType="w" refFor="ch" refForName="gear1ch" fact="0.6"/>
+          <dgm:constr type="l" for="ch" forName="gear1ch" refType="w" fact="0.38"/>
+          <dgm:constr type="b" for="ch" forName="gear1ch" refType="w" fact="0.8"/>
+          <dgm:constr type="w" for="ch" forName="gear2" refType="w" fact="0.4"/>
+          <dgm:constr type="h" for="ch" forName="gear2" refType="w" fact="0.4"/>
+          <dgm:constr type="l" for="ch" forName="gear2" refType="w" fact="0.13"/>
+          <dgm:constr type="t" for="ch" forName="gear2" refType="w" fact="0.12"/>
+          <dgm:constr type="w" for="ch" forName="gear2srcNode" val="1"/>
+          <dgm:constr type="h" for="ch" forName="gear2srcNode" val="1"/>
+          <dgm:constr type="l" for="ch" forName="gear2srcNode" refType="w" fact="0.23"/>
+          <dgm:constr type="t" for="ch" forName="gear2srcNode" refType="w" fact="0.08"/>
+          <dgm:constr type="w" for="ch" forName="gear2dstNode" val="1"/>
+          <dgm:constr type="h" for="ch" forName="gear2dstNode" val="1"/>
+          <dgm:constr type="l" for="ch" forName="gear2dstNode" refType="w" fact="0.1"/>
+          <dgm:constr type="t" for="ch" forName="gear2dstNode" refType="h" fact="0.33"/>
+          <dgm:constr type="diam" for="des" forName="connector2" refType="w" refFor="ch" refForName="gear2" op="equ" fact="-1.1"/>
+          <dgm:constr type="h" for="des" forName="connector2" refType="w" refFor="ch" refForName="gear1" op="equ" fact="0.1"/>
+          <dgm:constr type="w" for="ch" forName="gear2ch" refType="w" fact="0.35"/>
+          <dgm:constr type="h" for="ch" forName="gear2ch" refType="w" refFor="ch" refForName="gear2ch" fact="0.6"/>
+          <dgm:constr type="l" for="ch" forName="gear2ch" refType="w" fact="0.34"/>
+          <dgm:constr type="t" for="ch" forName="gear2ch" refType="w" fact="0.04"/>
+        </dgm:constrLst>
+      </dgm:if>
+      <dgm:else name="Name3">
+        <dgm:constrLst>
+          <dgm:constr type="primFontSz" for="ch" ptType="node" op="equ" val="65"/>
+          <dgm:constr type="w" for="ch" forName="gear1" refType="w" fact="0.55"/>
+          <dgm:constr type="h" for="ch" forName="gear1" refType="w" fact="0.55"/>
+          <dgm:constr type="l" for="ch" forName="gear1" refType="w" fact="0.45"/>
+          <dgm:constr type="t" for="ch" forName="gear1" refType="w" fact="0.45"/>
+          <dgm:constr type="w" for="ch" forName="gear1srcNode" val="1"/>
+          <dgm:constr type="h" for="ch" forName="gear1srcNode" val="1"/>
+          <dgm:constr type="l" for="ch" forName="gear1srcNode" refType="w" fact="0.72"/>
+          <dgm:constr type="t" for="ch" forName="gear1srcNode" refType="w" fact="0.4"/>
+          <dgm:constr type="w" for="ch" forName="gear1dstNode" val="1"/>
+          <dgm:constr type="h" for="ch" forName="gear1dstNode" val="1"/>
+          <dgm:constr type="r" for="ch" forName="gear1dstNode" refType="w" fact="0.98"/>
+          <dgm:constr type="t" for="ch" forName="gear1dstNode" refType="h" fact="0.95"/>
+          <dgm:constr type="diam" for="des" forName="connector1" refType="w" refFor="ch" refForName="gear1" op="equ" fact="1.15"/>
+          <dgm:constr type="h" for="des" forName="connector1" refType="w" refFor="ch" refForName="gear1" op="equ" fact="0.1"/>
+          <dgm:constr type="w" for="ch" forName="gear1ch" refType="w" fact="0.35"/>
+          <dgm:constr type="h" for="ch" forName="gear1ch" refType="w" refFor="ch" refForName="gear1ch" fact="0.6"/>
+          <dgm:constr type="l" for="ch" forName="gear1ch" refType="w" fact="0.38"/>
+          <dgm:constr type="b" for="ch" forName="gear1ch" refType="h"/>
+          <dgm:constr type="w" for="ch" forName="gear2" refType="w" fact="0.4"/>
+          <dgm:constr type="h" for="ch" forName="gear2" refType="w" fact="0.4"/>
+          <dgm:constr type="l" for="ch" forName="gear2" refType="w" fact="0.13"/>
+          <dgm:constr type="t" for="ch" forName="gear2" refType="w" fact="0.32"/>
+          <dgm:constr type="w" for="ch" forName="gear2srcNode" val="1"/>
+          <dgm:constr type="h" for="ch" forName="gear2srcNode" val="1"/>
+          <dgm:constr type="l" for="ch" forName="gear2srcNode" refType="w" fact="0.23"/>
+          <dgm:constr type="t" for="ch" forName="gear2srcNode" refType="w" fact="0.28"/>
+          <dgm:constr type="w" for="ch" forName="gear2dstNode" val="1"/>
+          <dgm:constr type="h" for="ch" forName="gear2dstNode" val="1"/>
+          <dgm:constr type="l" for="ch" forName="gear2dstNode" refType="w" fact="0.1"/>
+          <dgm:constr type="t" for="ch" forName="gear2dstNode" refType="h" fact="0.53"/>
+          <dgm:constr type="diam" for="des" forName="connector2" refType="w" refFor="ch" refForName="gear2" op="equ" fact="-1.1"/>
+          <dgm:constr type="h" for="des" forName="connector2" refType="w" refFor="ch" refForName="gear1" op="equ" fact="0.1"/>
+          <dgm:constr type="w" for="ch" forName="gear2ch" refType="w" fact="0.35"/>
+          <dgm:constr type="h" for="ch" forName="gear2ch" refType="w" refFor="ch" refForName="gear2ch" fact="0.6"/>
+          <dgm:constr type="l" for="ch" forName="gear2ch"/>
+          <dgm:constr type="t" for="ch" forName="gear2ch" refType="w" fact="0.58"/>
+          <dgm:constr type="w" for="ch" forName="gear3" refType="w" fact="0.48"/>
+          <dgm:constr type="h" for="ch" forName="gear3" refType="w" fact="0.48"/>
+          <dgm:constr type="l" for="ch" forName="gear3" refType="w" fact="0.31"/>
+          <dgm:constr type="t" for="ch" forName="gear3"/>
+          <dgm:constr type="w" for="ch" forName="gear3tx" refType="w" fact="0.22"/>
+          <dgm:constr type="h" for="ch" forName="gear3tx" refType="w" fact="0.22"/>
+          <dgm:constr type="ctrX" for="ch" forName="gear3tx" refType="ctrX" refFor="ch" refForName="gear3"/>
+          <dgm:constr type="ctrY" for="ch" forName="gear3tx" refType="ctrY" refFor="ch" refForName="gear3"/>
+          <dgm:constr type="w" for="ch" forName="gear3srcNode" val="1"/>
+          <dgm:constr type="h" for="ch" forName="gear3srcNode" val="1"/>
+          <dgm:constr type="l" for="ch" forName="gear3srcNode" refType="w" fact="0.3"/>
+          <dgm:constr type="t" for="ch" forName="gear3srcNode" refType="w" fact="0.25"/>
+          <dgm:constr type="w" for="ch" forName="gear3dstNode" val="1"/>
+          <dgm:constr type="h" for="ch" forName="gear3dstNode" val="1"/>
+          <dgm:constr type="l" for="ch" forName="gear3dstNode" refType="w" fact="0.38"/>
+          <dgm:constr type="t" for="ch" forName="gear3dstNode" refType="h" fact="0.05"/>
+          <dgm:constr type="diam" for="des" forName="connector3" refType="w" refFor="ch" refForName="gear3" op="equ"/>
+          <dgm:constr type="h" for="des" forName="connector3" refType="w" refFor="ch" refForName="gear1" op="equ" fact="0.1"/>
+          <dgm:constr type="w" for="ch" forName="gear3ch" refType="w" fact="0.35"/>
+          <dgm:constr type="h" for="ch" forName="gear3ch" refType="w" refFor="ch" refForName="gear3ch" fact="0.6"/>
+          <dgm:constr type="l" for="ch" forName="gear3ch" refType="w" fact="0.65"/>
+          <dgm:constr type="t" for="ch" forName="gear3ch" refType="h" fact="0.13"/>
+        </dgm:constrLst>
+      </dgm:else>
+    </dgm:choose>
+    <dgm:ruleLst/>
+    <dgm:forEach name="Name4" axis="ch" ptType="node" cnt="1">
+      <dgm:layoutNode name="gear1" styleLbl="node1">
+        <dgm:varLst>
+          <dgm:chMax val="1"/>
+          <dgm:bulletEnabled val="1"/>
+        </dgm:varLst>
+        <dgm:alg type="tx">
+          <dgm:param type="txAnchorVertCh" val="mid"/>
+        </dgm:alg>
+        <dgm:shape xmlns:r="http://schemas.openxmlformats.org/officeDocument/2006/relationships" type="gear9" r:blip="">
+          <dgm:adjLst/>
+        </dgm:shape>
+        <dgm:presOf axis="self"/>
+        <dgm:constrLst>
+          <dgm:constr type="tMarg" refType="primFontSz" fact="0.1"/>
+          <dgm:constr type="bMarg" refType="primFontSz" fact="0.1"/>
+          <dgm:constr type="lMarg" refType="primFontSz" fact="0.1"/>
+          <dgm:constr type="rMarg" refType="primFontSz" fact="0.1"/>
+        </dgm:constrLst>
+        <dgm:ruleLst>
+          <dgm:rule type="primFontSz" val="5" fact="NaN" max="NaN"/>
+        </dgm:ruleLst>
+      </dgm:layoutNode>
+      <dgm:layoutNode name="gear1srcNode">
+        <dgm:alg type="sp"/>
+        <dgm:shape xmlns:r="http://schemas.openxmlformats.org/officeDocument/2006/relationships" type="rect" r:blip="" hideGeom="1">
+          <dgm:adjLst/>
+        </dgm:shape>
+        <dgm:presOf axis="self"/>
+        <dgm:constrLst/>
+        <dgm:ruleLst/>
+      </dgm:layoutNode>
+      <dgm:layoutNode name="gear1dstNode">
+        <dgm:alg type="sp"/>
+        <dgm:shape xmlns:r="http://schemas.openxmlformats.org/officeDocument/2006/relationships" type="rect" r:blip="" hideGeom="1">
+          <dgm:adjLst/>
+        </dgm:shape>
+        <dgm:presOf axis="self"/>
+        <dgm:constrLst/>
+        <dgm:ruleLst/>
+      </dgm:layoutNode>
+      <dgm:choose name="Name5">
+        <dgm:if name="Name6" axis="ch" ptType="node" func="cnt" op="gte" val="1">
+          <dgm:layoutNode name="gear1ch" styleLbl="fgAcc1">
+            <dgm:varLst>
+              <dgm:chMax val="0"/>
+              <dgm:bulletEnabled val="1"/>
+            </dgm:varLst>
+            <dgm:alg type="tx">
+              <dgm:param type="stBulletLvl" val="1"/>
+            </dgm:alg>
+            <dgm:shape xmlns:r="http://schemas.openxmlformats.org/officeDocument/2006/relationships" type="roundRect" r:blip="">
+              <dgm:adjLst>
+                <dgm:adj idx="1" val="0.1"/>
+              </dgm:adjLst>
+            </dgm:shape>
+            <dgm:presOf axis="des" ptType="node"/>
+            <dgm:constrLst>
+              <dgm:constr type="tMarg" refType="primFontSz" fact="0.3"/>
+              <dgm:constr type="bMarg" refType="primFontSz" fact="0.3"/>
+              <dgm:constr type="lMarg" refType="primFontSz" fact="0.3"/>
+              <dgm:constr type="rMarg" refType="primFontSz" fact="0.3"/>
+            </dgm:constrLst>
+            <dgm:ruleLst>
+              <dgm:rule type="primFontSz" val="5" fact="NaN" max="NaN"/>
+            </dgm:ruleLst>
+          </dgm:layoutNode>
+        </dgm:if>
+        <dgm:else name="Name7"/>
+      </dgm:choose>
+    </dgm:forEach>
+    <dgm:forEach name="Name8" axis="ch" ptType="node" st="2" cnt="1">
+      <dgm:layoutNode name="gear2" styleLbl="node1">
+        <dgm:varLst>
+          <dgm:chMax val="1"/>
+          <dgm:bulletEnabled val="1"/>
+        </dgm:varLst>
+        <dgm:alg type="tx">
+          <dgm:param type="txAnchorVertCh" val="mid"/>
+        </dgm:alg>
+        <dgm:shape xmlns:r="http://schemas.openxmlformats.org/officeDocument/2006/relationships" type="gear6" r:blip="">
+          <dgm:adjLst/>
+        </dgm:shape>
+        <dgm:presOf axis="self"/>
+        <dgm:constrLst>
+          <dgm:constr type="tMarg" refType="primFontSz" fact="0.1"/>
+          <dgm:constr type="bMarg" refType="primFontSz" fact="0.1"/>
+          <dgm:constr type="lMarg" refType="primFontSz" fact="0.1"/>
+          <dgm:constr type="rMarg" refType="primFontSz" fact="0.1"/>
+        </dgm:constrLst>
+        <dgm:ruleLst>
+          <dgm:rule type="primFontSz" val="5" fact="NaN" max="NaN"/>
+        </dgm:ruleLst>
+      </dgm:layoutNode>
+      <dgm:layoutNode name="gear2srcNode">
+        <dgm:alg type="sp"/>
+        <dgm:shape xmlns:r="http://schemas.openxmlformats.org/officeDocument/2006/relationships" type="rect" r:blip="" hideGeom="1">
+          <dgm:adjLst/>
+        </dgm:shape>
+        <dgm:presOf axis="self"/>
+        <dgm:constrLst/>
+        <dgm:ruleLst/>
+      </dgm:layoutNode>
+      <dgm:layoutNode name="gear2dstNode">
+        <dgm:alg type="sp"/>
+        <dgm:shape xmlns:r="http://schemas.openxmlformats.org/officeDocument/2006/relationships" type="rect" r:blip="" hideGeom="1">
+          <dgm:adjLst/>
+        </dgm:shape>
+        <dgm:presOf axis="self"/>
+        <dgm:constrLst/>
+        <dgm:ruleLst/>
+      </dgm:layoutNode>
+      <dgm:choose name="Name9">
+        <dgm:if name="Name10" axis="ch" ptType="node" func="cnt" op="gte" val="1">
+          <dgm:layoutNode name="gear2ch" styleLbl="fgAcc1">
+            <dgm:varLst>
+              <dgm:chMax val="0"/>
+              <dgm:bulletEnabled val="1"/>
+            </dgm:varLst>
+            <dgm:alg type="tx">
+              <dgm:param type="stBulletLvl" val="1"/>
+            </dgm:alg>
+            <dgm:shape xmlns:r="http://schemas.openxmlformats.org/officeDocument/2006/relationships" type="roundRect" r:blip="">
+              <dgm:adjLst>
+                <dgm:adj idx="1" val="0.1"/>
+              </dgm:adjLst>
+            </dgm:shape>
+            <dgm:presOf axis="des" ptType="node"/>
+            <dgm:constrLst>
+              <dgm:constr type="tMarg" refType="primFontSz" fact="0.3"/>
+              <dgm:constr type="bMarg" refType="primFontSz" fact="0.3"/>
+              <dgm:constr type="lMarg" refType="primFontSz" fact="0.3"/>
+              <dgm:constr type="rMarg" refType="primFontSz" fact="0.3"/>
+            </dgm:constrLst>
+            <dgm:ruleLst>
+              <dgm:rule type="primFontSz" val="5" fact="NaN" max="NaN"/>
+            </dgm:ruleLst>
+          </dgm:layoutNode>
+        </dgm:if>
+        <dgm:else name="Name11"/>
+      </dgm:choose>
+    </dgm:forEach>
+    <dgm:forEach name="Name12" axis="ch" ptType="node" st="3" cnt="1">
+      <dgm:layoutNode name="gear3" styleLbl="node1">
+        <dgm:alg type="sp"/>
+        <dgm:shape xmlns:r="http://schemas.openxmlformats.org/officeDocument/2006/relationships" rot="-15" type="gear6" r:blip="">
+          <dgm:adjLst/>
+        </dgm:shape>
+        <dgm:presOf axis="self"/>
+        <dgm:constrLst/>
+        <dgm:ruleLst/>
+      </dgm:layoutNode>
+      <dgm:layoutNode name="gear3tx" styleLbl="node1">
+        <dgm:varLst>
+          <dgm:chMax val="1"/>
+          <dgm:bulletEnabled val="1"/>
+        </dgm:varLst>
+        <dgm:alg type="tx">
+          <dgm:param type="txAnchorVertCh" val="mid"/>
+        </dgm:alg>
+        <dgm:shape xmlns:r="http://schemas.openxmlformats.org/officeDocument/2006/relationships" type="rect" r:blip="" hideGeom="1">
+          <dgm:adjLst/>
+        </dgm:shape>
+        <dgm:presOf axis="self"/>
+        <dgm:constrLst>
+          <dgm:constr type="tMarg" refType="primFontSz" fact="0.1"/>
+          <dgm:constr type="bMarg" refType="primFontSz" fact="0.1"/>
+          <dgm:constr type="lMarg" refType="primFontSz" fact="0.1"/>
+          <dgm:constr type="rMarg" refType="primFontSz" fact="0.1"/>
+        </dgm:constrLst>
+        <dgm:ruleLst>
+          <dgm:rule type="primFontSz" val="5" fact="NaN" max="NaN"/>
+        </dgm:ruleLst>
+      </dgm:layoutNode>
+      <dgm:layoutNode name="gear3srcNode">
+        <dgm:alg type="sp"/>
+        <dgm:shape xmlns:r="http://schemas.openxmlformats.org/officeDocument/2006/relationships" type="rect" r:blip="" hideGeom="1">
+          <dgm:adjLst/>
+        </dgm:shape>
+        <dgm:presOf axis="self"/>
+        <dgm:constrLst/>
+        <dgm:ruleLst/>
+      </dgm:layoutNode>
+      <dgm:layoutNode name="gear3dstNode">
+        <dgm:alg type="sp"/>
+        <dgm:shape xmlns:r="http://schemas.openxmlformats.org/officeDocument/2006/relationships" type="rect" r:blip="" hideGeom="1">
+          <dgm:adjLst/>
+        </dgm:shape>
+        <dgm:presOf axis="self"/>
+        <dgm:constrLst/>
+        <dgm:ruleLst/>
+      </dgm:layoutNode>
+      <dgm:choose name="Name13">
+        <dgm:if name="Name14" axis="ch" ptType="node" func="cnt" op="gte" val="1">
+          <dgm:layoutNode name="gear3ch" styleLbl="fgAcc1">
+            <dgm:varLst>
+              <dgm:chMax val="0"/>
+              <dgm:bulletEnabled val="1"/>
+            </dgm:varLst>
+            <dgm:alg type="tx">
+              <dgm:param type="stBulletLvl" val="1"/>
+            </dgm:alg>
+            <dgm:shape xmlns:r="http://schemas.openxmlformats.org/officeDocument/2006/relationships" type="roundRect" r:blip="">
+              <dgm:adjLst>
+                <dgm:adj idx="1" val="0.1"/>
+              </dgm:adjLst>
+            </dgm:shape>
+            <dgm:presOf axis="des" ptType="node"/>
+            <dgm:constrLst>
+              <dgm:constr type="tMarg" refType="primFontSz" fact="0.3"/>
+              <dgm:constr type="bMarg" refType="primFontSz" fact="0.3"/>
+              <dgm:constr type="lMarg" refType="primFontSz" fact="0.3"/>
+              <dgm:constr type="rMarg" refType="primFontSz" fact="0.3"/>
+            </dgm:constrLst>
+            <dgm:ruleLst>
+              <dgm:rule type="primFontSz" val="5" fact="NaN" max="NaN"/>
+            </dgm:ruleLst>
+          </dgm:layoutNode>
+        </dgm:if>
+        <dgm:else name="Name15"/>
+      </dgm:choose>
+    </dgm:forEach>
+    <dgm:forEach name="Name16" axis="ch" ptType="sibTrans" hideLastTrans="0" cnt="1">
+      <dgm:layoutNode name="connector1" styleLbl="sibTrans2D1">
+        <dgm:alg type="conn">
+          <dgm:param type="connRout" val="curve"/>
+          <dgm:param type="srcNode" val="gear1srcNode"/>
+          <dgm:param type="dstNode" val="gear1dstNode"/>
+          <dgm:param type="begPts" val="midR"/>
+          <dgm:param type="endPts" val="tCtr"/>
+        </dgm:alg>
+        <dgm:shape xmlns:r="http://schemas.openxmlformats.org/officeDocument/2006/relationships" type="conn" r:blip="">
+          <dgm:adjLst/>
+        </dgm:shape>
+        <dgm:presOf axis="self"/>
+        <dgm:constrLst>
+          <dgm:constr type="w" val="10"/>
+          <dgm:constr type="h" val="10"/>
+          <dgm:constr type="begPad"/>
+          <dgm:constr type="endPad"/>
+        </dgm:constrLst>
+        <dgm:ruleLst/>
+      </dgm:layoutNode>
+    </dgm:forEach>
+    <dgm:forEach name="Name17" axis="ch" ptType="sibTrans" hideLastTrans="0" st="2" cnt="1">
+      <dgm:layoutNode name="connector2" styleLbl="sibTrans2D1">
+        <dgm:alg type="conn">
+          <dgm:param type="connRout" val="curve"/>
+          <dgm:param type="srcNode" val="gear2srcNode"/>
+          <dgm:param type="dstNode" val="gear2dstNode"/>
+          <dgm:param type="begPts" val="midL"/>
+          <dgm:param type="endPts" val="midL"/>
+        </dgm:alg>
+        <dgm:shape xmlns:r="http://schemas.openxmlformats.org/officeDocument/2006/relationships" type="conn" r:blip="">
+          <dgm:adjLst/>
+        </dgm:shape>
+        <dgm:presOf axis="self"/>
+        <dgm:constrLst>
+          <dgm:constr type="w" val="10"/>
+          <dgm:constr type="h" val="10"/>
+          <dgm:constr type="begPad"/>
+          <dgm:constr type="endPad"/>
+        </dgm:constrLst>
+        <dgm:ruleLst/>
+      </dgm:layoutNode>
+    </dgm:forEach>
+    <dgm:forEach name="Name18" axis="ch" ptType="sibTrans" hideLastTrans="0" st="3" cnt="1">
+      <dgm:layoutNode name="connector3" styleLbl="sibTrans2D1">
+        <dgm:alg type="conn">
+          <dgm:param type="connRout" val="curve"/>
+          <dgm:param type="srcNode" val="gear3srcNode"/>
+          <dgm:param type="dstNode" val="gear3dstNode"/>
+          <dgm:param type="begPts" val="midL"/>
+          <dgm:param type="endPts" val="midL"/>
+        </dgm:alg>
+        <dgm:shape xmlns:r="http://schemas.openxmlformats.org/officeDocument/2006/relationships" type="conn" r:blip="">
+          <dgm:adjLst/>
+        </dgm:shape>
+        <dgm:presOf axis="self"/>
+        <dgm:constrLst>
+          <dgm:constr type="w" val="10"/>
+          <dgm:constr type="h" val="10"/>
+          <dgm:constr type="begPad"/>
+          <dgm:constr type="endPad"/>
+        </dgm:constrLst>
+        <dgm:ruleLst/>
+      </dgm:layoutNode>
+    </dgm:forEach>
+  </dgm:layoutNode>
+</dgm:layoutDef>
+</file>
+
+<file path=ppt/diagrams/layout3.xml><?xml version="1.0" encoding="utf-8"?>
+<dgm:layoutDef xmlns:dgm="http://schemas.openxmlformats.org/drawingml/2006/diagram" xmlns:a="http://schemas.openxmlformats.org/drawingml/2006/main" uniqueId="urn:microsoft.com/office/officeart/2005/8/layout/process1">
+  <dgm:title val=""/>
+  <dgm:desc val=""/>
+  <dgm:catLst>
+    <dgm:cat type="process" pri="1000"/>
+    <dgm:cat type="convert" pri="15000"/>
+  </dgm:catLst>
+  <dgm:sampData useDef="1">
+    <dgm:dataModel>
+      <dgm:ptLst/>
+      <dgm:bg/>
+      <dgm:whole/>
+    </dgm:dataModel>
+  </dgm:sampData>
+  <dgm:styleData>
+    <dgm:dataModel>
+      <dgm:ptLst>
+        <dgm:pt modelId="0" type="doc"/>
+        <dgm:pt modelId="1"/>
+        <dgm:pt modelId="2"/>
+      </dgm:ptLst>
+      <dgm:cxnLst>
+        <dgm:cxn modelId="3" srcId="0" destId="1" srcOrd="0" destOrd="0"/>
+        <dgm:cxn modelId="4" srcId="0" destId="2" srcOrd="1" destOrd="0"/>
+      </dgm:cxnLst>
+      <dgm:bg/>
+      <dgm:whole/>
+    </dgm:dataModel>
+  </dgm:styleData>
+  <dgm:clrData>
+    <dgm:dataModel>
+      <dgm:ptLst>
+        <dgm:pt modelId="0" type="doc"/>
+        <dgm:pt modelId="1"/>
+        <dgm:pt modelId="2"/>
+        <dgm:pt modelId="3"/>
+        <dgm:pt modelId="4"/>
+      </dgm:ptLst>
+      <dgm:cxnLst>
+        <dgm:cxn modelId="5" srcId="0" destId="1" srcOrd="0" destOrd="0"/>
+        <dgm:cxn modelId="6" srcId="0" destId="2" srcOrd="1" destOrd="0"/>
+        <dgm:cxn modelId="7" srcId="0" destId="3" srcOrd="2" destOrd="0"/>
+        <dgm:cxn modelId="8" srcId="0" destId="4" srcOrd="3" destOrd="0"/>
+      </dgm:cxnLst>
+      <dgm:bg/>
+      <dgm:whole/>
+    </dgm:dataModel>
+  </dgm:clrData>
+  <dgm:layoutNode name="Name0">
+    <dgm:varLst>
+      <dgm:dir/>
+      <dgm:resizeHandles val="exact"/>
+    </dgm:varLst>
+    <dgm:choose name="Name1">
+      <dgm:if name="Name2" func="var" arg="dir" op="equ" val="norm">
+        <dgm:alg type="lin"/>
+      </dgm:if>
+      <dgm:else name="Name3">
+        <dgm:alg type="lin">
+          <dgm:param type="linDir" val="fromR"/>
+        </dgm:alg>
+      </dgm:else>
+    </dgm:choose>
+    <dgm:shape xmlns:r="http://schemas.openxmlformats.org/officeDocument/2006/relationships" r:blip="">
+      <dgm:adjLst/>
+    </dgm:shape>
+    <dgm:presOf/>
+    <dgm:constrLst>
+      <dgm:constr type="w" for="ch" ptType="node" refType="w"/>
+      <dgm:constr type="h" for="ch" ptType="node" op="equ"/>
+      <dgm:constr type="primFontSz" for="ch" ptType="node" op="equ" val="65"/>
+      <dgm:constr type="w" for="ch" ptType="sibTrans" refType="w" refFor="ch" refPtType="node" op="equ" fact="0.4"/>
+      <dgm:constr type="h" for="ch" ptType="sibTrans" op="equ"/>
+      <dgm:constr type="primFontSz" for="des" forName="connectorText" op="equ" val="55"/>
+      <dgm:constr type="primFontSz" for="des" forName="connectorText" refType="primFontSz" refFor="ch" refPtType="node" op="lte" fact="0.8"/>
+    </dgm:constrLst>
+    <dgm:ruleLst/>
+    <dgm:forEach name="nodesForEach" axis="ch" ptType="node">
+      <dgm:layoutNode name="node">
+        <dgm:varLst>
+          <dgm:bulletEnabled val="1"/>
+        </dgm:varLst>
+        <dgm:alg type="tx"/>
+        <dgm:shape xmlns:r="http://schemas.openxmlformats.org/officeDocument/2006/relationships" type="roundRect" r:blip="">
+          <dgm:adjLst>
+            <dgm:adj idx="1" val="0.1"/>
+          </dgm:adjLst>
+        </dgm:shape>
+        <dgm:presOf axis="desOrSelf" ptType="node"/>
+        <dgm:constrLst>
+          <dgm:constr type="h" refType="w" fact="0.6"/>
+          <dgm:constr type="tMarg" refType="primFontSz" fact="0.3"/>
+          <dgm:constr type="bMarg" refType="primFontSz" fact="0.3"/>
+          <dgm:constr type="lMarg" refType="primFontSz" fact="0.3"/>
+          <dgm:constr type="rMarg" refType="primFontSz" fact="0.3"/>
+        </dgm:constrLst>
+        <dgm:ruleLst>
+          <dgm:rule type="primFontSz" val="18" fact="NaN" max="NaN"/>
+          <dgm:rule type="h" val="NaN" fact="1.5" max="NaN"/>
+          <dgm:rule type="primFontSz" val="5" fact="NaN" max="NaN"/>
+          <dgm:rule type="h" val="INF" fact="NaN" max="NaN"/>
+        </dgm:ruleLst>
+      </dgm:layoutNode>
+      <dgm:forEach name="sibTransForEach" axis="followSib" ptType="sibTrans" cnt="1">
+        <dgm:layoutNode name="sibTrans">
+          <dgm:alg type="conn">
+            <dgm:param type="begPts" val="auto"/>
+            <dgm:param type="endPts" val="auto"/>
+          </dgm:alg>
+          <dgm:shape xmlns:r="http://schemas.openxmlformats.org/officeDocument/2006/relationships" type="conn" r:blip="">
+            <dgm:adjLst/>
+          </dgm:shape>
+          <dgm:presOf axis="self"/>
+          <dgm:constrLst>
+            <dgm:constr type="h" refType="w" fact="0.62"/>
+            <dgm:constr type="connDist"/>
+            <dgm:constr type="begPad" refType="connDist" fact="0.25"/>
+            <dgm:constr type="endPad" refType="connDist" fact="0.22"/>
+          </dgm:constrLst>
+          <dgm:ruleLst/>
+          <dgm:layoutNode name="connectorText">
+            <dgm:alg type="tx">
+              <dgm:param type="autoTxRot" val="grav"/>
+            </dgm:alg>
+            <dgm:shape xmlns:r="http://schemas.openxmlformats.org/officeDocument/2006/relationships" type="conn" r:blip="" hideGeom="1">
+              <dgm:adjLst/>
+            </dgm:shape>
+            <dgm:presOf axis="self"/>
+            <dgm:constrLst>
+              <dgm:constr type="lMarg"/>
+              <dgm:constr type="rMarg"/>
+              <dgm:constr type="tMarg"/>
+              <dgm:constr type="bMarg"/>
+            </dgm:constrLst>
+            <dgm:ruleLst>
+              <dgm:rule type="primFontSz" val="5" fact="NaN" max="NaN"/>
+            </dgm:ruleLst>
+          </dgm:layoutNode>
+        </dgm:layoutNode>
+      </dgm:forEach>
+    </dgm:forEach>
+  </dgm:layoutNode>
+</dgm:layoutDef>
+</file>
+
+<file path=ppt/diagrams/layout4.xml><?xml version="1.0" encoding="utf-8"?>
 <dgm:layoutDef xmlns:dgm="http://schemas.openxmlformats.org/drawingml/2006/diagram" xmlns:a="http://schemas.openxmlformats.org/drawingml/2006/main" uniqueId="urn:microsoft.com/office/officeart/2005/8/layout/process1">
   <dgm:title val=""/>
   <dgm:desc val=""/>
@@ -5573,6 +9246,2074 @@
 </dgm:styleDef>
 </file>
 
+<file path=ppt/diagrams/quickStyle3.xml><?xml version="1.0" encoding="utf-8"?>
+<dgm:styleDef xmlns:dgm="http://schemas.openxmlformats.org/drawingml/2006/diagram" xmlns:a="http://schemas.openxmlformats.org/drawingml/2006/main" uniqueId="urn:microsoft.com/office/officeart/2005/8/quickstyle/simple1">
+  <dgm:title val=""/>
+  <dgm:desc val=""/>
+  <dgm:catLst>
+    <dgm:cat type="simple" pri="10100"/>
+  </dgm:catLst>
+  <dgm:scene3d>
+    <a:camera prst="orthographicFront"/>
+    <a:lightRig rig="threePt" dir="t"/>
+  </dgm:scene3d>
+  <dgm:styleLbl name="node0">
+    <dgm:scene3d>
+      <a:camera prst="orthographicFront"/>
+      <a:lightRig rig="threePt" dir="t"/>
+    </dgm:scene3d>
+    <dgm:sp3d/>
+    <dgm:txPr/>
+    <dgm:style>
+      <a:lnRef idx="2">
+        <a:scrgbClr r="0" g="0" b="0"/>
+      </a:lnRef>
+      <a:fillRef idx="1">
+        <a:scrgbClr r="0" g="0" b="0"/>
+      </a:fillRef>
+      <a:effectRef idx="0">
+        <a:scrgbClr r="0" g="0" b="0"/>
+      </a:effectRef>
+      <a:fontRef idx="minor">
+        <a:schemeClr val="lt1"/>
+      </a:fontRef>
+    </dgm:style>
+  </dgm:styleLbl>
+  <dgm:styleLbl name="lnNode1">
+    <dgm:scene3d>
+      <a:camera prst="orthographicFront"/>
+      <a:lightRig rig="threePt" dir="t"/>
+    </dgm:scene3d>
+    <dgm:sp3d/>
+    <dgm:txPr/>
+    <dgm:style>
+      <a:lnRef idx="2">
+        <a:scrgbClr r="0" g="0" b="0"/>
+      </a:lnRef>
+      <a:fillRef idx="1">
+        <a:scrgbClr r="0" g="0" b="0"/>
+      </a:fillRef>
+      <a:effectRef idx="0">
+        <a:scrgbClr r="0" g="0" b="0"/>
+      </a:effectRef>
+      <a:fontRef idx="minor">
+        <a:schemeClr val="lt1"/>
+      </a:fontRef>
+    </dgm:style>
+  </dgm:styleLbl>
+  <dgm:styleLbl name="vennNode1">
+    <dgm:scene3d>
+      <a:camera prst="orthographicFront"/>
+      <a:lightRig rig="threePt" dir="t"/>
+    </dgm:scene3d>
+    <dgm:sp3d/>
+    <dgm:txPr/>
+    <dgm:style>
+      <a:lnRef idx="2">
+        <a:scrgbClr r="0" g="0" b="0"/>
+      </a:lnRef>
+      <a:fillRef idx="1">
+        <a:scrgbClr r="0" g="0" b="0"/>
+      </a:fillRef>
+      <a:effectRef idx="0">
+        <a:scrgbClr r="0" g="0" b="0"/>
+      </a:effectRef>
+      <a:fontRef idx="minor">
+        <a:schemeClr val="tx1"/>
+      </a:fontRef>
+    </dgm:style>
+  </dgm:styleLbl>
+  <dgm:styleLbl name="alignNode1">
+    <dgm:scene3d>
+      <a:camera prst="orthographicFront"/>
+      <a:lightRig rig="threePt" dir="t"/>
+    </dgm:scene3d>
+    <dgm:sp3d/>
+    <dgm:txPr/>
+    <dgm:style>
+      <a:lnRef idx="2">
+        <a:scrgbClr r="0" g="0" b="0"/>
+      </a:lnRef>
+      <a:fillRef idx="1">
+        <a:scrgbClr r="0" g="0" b="0"/>
+      </a:fillRef>
+      <a:effectRef idx="0">
+        <a:scrgbClr r="0" g="0" b="0"/>
+      </a:effectRef>
+      <a:fontRef idx="minor">
+        <a:schemeClr val="lt1"/>
+      </a:fontRef>
+    </dgm:style>
+  </dgm:styleLbl>
+  <dgm:styleLbl name="node1">
+    <dgm:scene3d>
+      <a:camera prst="orthographicFront"/>
+      <a:lightRig rig="threePt" dir="t"/>
+    </dgm:scene3d>
+    <dgm:sp3d/>
+    <dgm:txPr/>
+    <dgm:style>
+      <a:lnRef idx="2">
+        <a:scrgbClr r="0" g="0" b="0"/>
+      </a:lnRef>
+      <a:fillRef idx="1">
+        <a:scrgbClr r="0" g="0" b="0"/>
+      </a:fillRef>
+      <a:effectRef idx="0">
+        <a:scrgbClr r="0" g="0" b="0"/>
+      </a:effectRef>
+      <a:fontRef idx="minor">
+        <a:schemeClr val="lt1"/>
+      </a:fontRef>
+    </dgm:style>
+  </dgm:styleLbl>
+  <dgm:styleLbl name="node2">
+    <dgm:scene3d>
+      <a:camera prst="orthographicFront"/>
+      <a:lightRig rig="threePt" dir="t"/>
+    </dgm:scene3d>
+    <dgm:sp3d/>
+    <dgm:txPr/>
+    <dgm:style>
+      <a:lnRef idx="2">
+        <a:scrgbClr r="0" g="0" b="0"/>
+      </a:lnRef>
+      <a:fillRef idx="1">
+        <a:scrgbClr r="0" g="0" b="0"/>
+      </a:fillRef>
+      <a:effectRef idx="0">
+        <a:scrgbClr r="0" g="0" b="0"/>
+      </a:effectRef>
+      <a:fontRef idx="minor">
+        <a:schemeClr val="lt1"/>
+      </a:fontRef>
+    </dgm:style>
+  </dgm:styleLbl>
+  <dgm:styleLbl name="node3">
+    <dgm:scene3d>
+      <a:camera prst="orthographicFront"/>
+      <a:lightRig rig="threePt" dir="t"/>
+    </dgm:scene3d>
+    <dgm:sp3d/>
+    <dgm:txPr/>
+    <dgm:style>
+      <a:lnRef idx="2">
+        <a:scrgbClr r="0" g="0" b="0"/>
+      </a:lnRef>
+      <a:fillRef idx="1">
+        <a:scrgbClr r="0" g="0" b="0"/>
+      </a:fillRef>
+      <a:effectRef idx="0">
+        <a:scrgbClr r="0" g="0" b="0"/>
+      </a:effectRef>
+      <a:fontRef idx="minor">
+        <a:schemeClr val="lt1"/>
+      </a:fontRef>
+    </dgm:style>
+  </dgm:styleLbl>
+  <dgm:styleLbl name="node4">
+    <dgm:scene3d>
+      <a:camera prst="orthographicFront"/>
+      <a:lightRig rig="threePt" dir="t"/>
+    </dgm:scene3d>
+    <dgm:sp3d/>
+    <dgm:txPr/>
+    <dgm:style>
+      <a:lnRef idx="2">
+        <a:scrgbClr r="0" g="0" b="0"/>
+      </a:lnRef>
+      <a:fillRef idx="1">
+        <a:scrgbClr r="0" g="0" b="0"/>
+      </a:fillRef>
+      <a:effectRef idx="0">
+        <a:scrgbClr r="0" g="0" b="0"/>
+      </a:effectRef>
+      <a:fontRef idx="minor">
+        <a:schemeClr val="lt1"/>
+      </a:fontRef>
+    </dgm:style>
+  </dgm:styleLbl>
+  <dgm:styleLbl name="fgImgPlace1">
+    <dgm:scene3d>
+      <a:camera prst="orthographicFront"/>
+      <a:lightRig rig="threePt" dir="t"/>
+    </dgm:scene3d>
+    <dgm:sp3d/>
+    <dgm:txPr/>
+    <dgm:style>
+      <a:lnRef idx="2">
+        <a:scrgbClr r="0" g="0" b="0"/>
+      </a:lnRef>
+      <a:fillRef idx="1">
+        <a:scrgbClr r="0" g="0" b="0"/>
+      </a:fillRef>
+      <a:effectRef idx="0">
+        <a:scrgbClr r="0" g="0" b="0"/>
+      </a:effectRef>
+      <a:fontRef idx="minor"/>
+    </dgm:style>
+  </dgm:styleLbl>
+  <dgm:styleLbl name="alignImgPlace1">
+    <dgm:scene3d>
+      <a:camera prst="orthographicFront"/>
+      <a:lightRig rig="threePt" dir="t"/>
+    </dgm:scene3d>
+    <dgm:sp3d/>
+    <dgm:txPr/>
+    <dgm:style>
+      <a:lnRef idx="2">
+        <a:scrgbClr r="0" g="0" b="0"/>
+      </a:lnRef>
+      <a:fillRef idx="1">
+        <a:scrgbClr r="0" g="0" b="0"/>
+      </a:fillRef>
+      <a:effectRef idx="0">
+        <a:scrgbClr r="0" g="0" b="0"/>
+      </a:effectRef>
+      <a:fontRef idx="minor"/>
+    </dgm:style>
+  </dgm:styleLbl>
+  <dgm:styleLbl name="bgImgPlace1">
+    <dgm:scene3d>
+      <a:camera prst="orthographicFront"/>
+      <a:lightRig rig="threePt" dir="t"/>
+    </dgm:scene3d>
+    <dgm:sp3d/>
+    <dgm:txPr/>
+    <dgm:style>
+      <a:lnRef idx="2">
+        <a:scrgbClr r="0" g="0" b="0"/>
+      </a:lnRef>
+      <a:fillRef idx="1">
+        <a:scrgbClr r="0" g="0" b="0"/>
+      </a:fillRef>
+      <a:effectRef idx="0">
+        <a:scrgbClr r="0" g="0" b="0"/>
+      </a:effectRef>
+      <a:fontRef idx="minor"/>
+    </dgm:style>
+  </dgm:styleLbl>
+  <dgm:styleLbl name="sibTrans2D1">
+    <dgm:scene3d>
+      <a:camera prst="orthographicFront"/>
+      <a:lightRig rig="threePt" dir="t"/>
+    </dgm:scene3d>
+    <dgm:sp3d/>
+    <dgm:txPr/>
+    <dgm:style>
+      <a:lnRef idx="0">
+        <a:scrgbClr r="0" g="0" b="0"/>
+      </a:lnRef>
+      <a:fillRef idx="1">
+        <a:scrgbClr r="0" g="0" b="0"/>
+      </a:fillRef>
+      <a:effectRef idx="0">
+        <a:scrgbClr r="0" g="0" b="0"/>
+      </a:effectRef>
+      <a:fontRef idx="minor">
+        <a:schemeClr val="lt1"/>
+      </a:fontRef>
+    </dgm:style>
+  </dgm:styleLbl>
+  <dgm:styleLbl name="fgSibTrans2D1">
+    <dgm:scene3d>
+      <a:camera prst="orthographicFront"/>
+      <a:lightRig rig="threePt" dir="t"/>
+    </dgm:scene3d>
+    <dgm:sp3d/>
+    <dgm:txPr/>
+    <dgm:style>
+      <a:lnRef idx="0">
+        <a:scrgbClr r="0" g="0" b="0"/>
+      </a:lnRef>
+      <a:fillRef idx="1">
+        <a:scrgbClr r="0" g="0" b="0"/>
+      </a:fillRef>
+      <a:effectRef idx="0">
+        <a:scrgbClr r="0" g="0" b="0"/>
+      </a:effectRef>
+      <a:fontRef idx="minor">
+        <a:schemeClr val="lt1"/>
+      </a:fontRef>
+    </dgm:style>
+  </dgm:styleLbl>
+  <dgm:styleLbl name="bgSibTrans2D1">
+    <dgm:scene3d>
+      <a:camera prst="orthographicFront"/>
+      <a:lightRig rig="threePt" dir="t"/>
+    </dgm:scene3d>
+    <dgm:sp3d/>
+    <dgm:txPr/>
+    <dgm:style>
+      <a:lnRef idx="0">
+        <a:scrgbClr r="0" g="0" b="0"/>
+      </a:lnRef>
+      <a:fillRef idx="1">
+        <a:scrgbClr r="0" g="0" b="0"/>
+      </a:fillRef>
+      <a:effectRef idx="0">
+        <a:scrgbClr r="0" g="0" b="0"/>
+      </a:effectRef>
+      <a:fontRef idx="minor">
+        <a:schemeClr val="lt1"/>
+      </a:fontRef>
+    </dgm:style>
+  </dgm:styleLbl>
+  <dgm:styleLbl name="sibTrans1D1">
+    <dgm:scene3d>
+      <a:camera prst="orthographicFront"/>
+      <a:lightRig rig="threePt" dir="t"/>
+    </dgm:scene3d>
+    <dgm:sp3d/>
+    <dgm:txPr/>
+    <dgm:style>
+      <a:lnRef idx="1">
+        <a:scrgbClr r="0" g="0" b="0"/>
+      </a:lnRef>
+      <a:fillRef idx="0">
+        <a:scrgbClr r="0" g="0" b="0"/>
+      </a:fillRef>
+      <a:effectRef idx="0">
+        <a:scrgbClr r="0" g="0" b="0"/>
+      </a:effectRef>
+      <a:fontRef idx="minor"/>
+    </dgm:style>
+  </dgm:styleLbl>
+  <dgm:styleLbl name="callout">
+    <dgm:scene3d>
+      <a:camera prst="orthographicFront"/>
+      <a:lightRig rig="threePt" dir="t"/>
+    </dgm:scene3d>
+    <dgm:sp3d/>
+    <dgm:txPr/>
+    <dgm:style>
+      <a:lnRef idx="2">
+        <a:scrgbClr r="0" g="0" b="0"/>
+      </a:lnRef>
+      <a:fillRef idx="1">
+        <a:scrgbClr r="0" g="0" b="0"/>
+      </a:fillRef>
+      <a:effectRef idx="0">
+        <a:scrgbClr r="0" g="0" b="0"/>
+      </a:effectRef>
+      <a:fontRef idx="minor"/>
+    </dgm:style>
+  </dgm:styleLbl>
+  <dgm:styleLbl name="asst0">
+    <dgm:scene3d>
+      <a:camera prst="orthographicFront"/>
+      <a:lightRig rig="threePt" dir="t"/>
+    </dgm:scene3d>
+    <dgm:sp3d/>
+    <dgm:txPr/>
+    <dgm:style>
+      <a:lnRef idx="2">
+        <a:scrgbClr r="0" g="0" b="0"/>
+      </a:lnRef>
+      <a:fillRef idx="1">
+        <a:scrgbClr r="0" g="0" b="0"/>
+      </a:fillRef>
+      <a:effectRef idx="0">
+        <a:scrgbClr r="0" g="0" b="0"/>
+      </a:effectRef>
+      <a:fontRef idx="minor">
+        <a:schemeClr val="lt1"/>
+      </a:fontRef>
+    </dgm:style>
+  </dgm:styleLbl>
+  <dgm:styleLbl name="asst1">
+    <dgm:scene3d>
+      <a:camera prst="orthographicFront"/>
+      <a:lightRig rig="threePt" dir="t"/>
+    </dgm:scene3d>
+    <dgm:sp3d/>
+    <dgm:txPr/>
+    <dgm:style>
+      <a:lnRef idx="2">
+        <a:scrgbClr r="0" g="0" b="0"/>
+      </a:lnRef>
+      <a:fillRef idx="1">
+        <a:scrgbClr r="0" g="0" b="0"/>
+      </a:fillRef>
+      <a:effectRef idx="0">
+        <a:scrgbClr r="0" g="0" b="0"/>
+      </a:effectRef>
+      <a:fontRef idx="minor">
+        <a:schemeClr val="lt1"/>
+      </a:fontRef>
+    </dgm:style>
+  </dgm:styleLbl>
+  <dgm:styleLbl name="asst2">
+    <dgm:scene3d>
+      <a:camera prst="orthographicFront"/>
+      <a:lightRig rig="threePt" dir="t"/>
+    </dgm:scene3d>
+    <dgm:sp3d/>
+    <dgm:txPr/>
+    <dgm:style>
+      <a:lnRef idx="2">
+        <a:scrgbClr r="0" g="0" b="0"/>
+      </a:lnRef>
+      <a:fillRef idx="1">
+        <a:scrgbClr r="0" g="0" b="0"/>
+      </a:fillRef>
+      <a:effectRef idx="0">
+        <a:scrgbClr r="0" g="0" b="0"/>
+      </a:effectRef>
+      <a:fontRef idx="minor">
+        <a:schemeClr val="lt1"/>
+      </a:fontRef>
+    </dgm:style>
+  </dgm:styleLbl>
+  <dgm:styleLbl name="asst3">
+    <dgm:scene3d>
+      <a:camera prst="orthographicFront"/>
+      <a:lightRig rig="threePt" dir="t"/>
+    </dgm:scene3d>
+    <dgm:sp3d/>
+    <dgm:txPr/>
+    <dgm:style>
+      <a:lnRef idx="2">
+        <a:scrgbClr r="0" g="0" b="0"/>
+      </a:lnRef>
+      <a:fillRef idx="1">
+        <a:scrgbClr r="0" g="0" b="0"/>
+      </a:fillRef>
+      <a:effectRef idx="0">
+        <a:scrgbClr r="0" g="0" b="0"/>
+      </a:effectRef>
+      <a:fontRef idx="minor">
+        <a:schemeClr val="lt1"/>
+      </a:fontRef>
+    </dgm:style>
+  </dgm:styleLbl>
+  <dgm:styleLbl name="asst4">
+    <dgm:scene3d>
+      <a:camera prst="orthographicFront"/>
+      <a:lightRig rig="threePt" dir="t"/>
+    </dgm:scene3d>
+    <dgm:sp3d/>
+    <dgm:txPr/>
+    <dgm:style>
+      <a:lnRef idx="2">
+        <a:scrgbClr r="0" g="0" b="0"/>
+      </a:lnRef>
+      <a:fillRef idx="1">
+        <a:scrgbClr r="0" g="0" b="0"/>
+      </a:fillRef>
+      <a:effectRef idx="0">
+        <a:scrgbClr r="0" g="0" b="0"/>
+      </a:effectRef>
+      <a:fontRef idx="minor">
+        <a:schemeClr val="lt1"/>
+      </a:fontRef>
+    </dgm:style>
+  </dgm:styleLbl>
+  <dgm:styleLbl name="parChTrans2D1">
+    <dgm:scene3d>
+      <a:camera prst="orthographicFront"/>
+      <a:lightRig rig="threePt" dir="t"/>
+    </dgm:scene3d>
+    <dgm:sp3d/>
+    <dgm:txPr/>
+    <dgm:style>
+      <a:lnRef idx="2">
+        <a:scrgbClr r="0" g="0" b="0"/>
+      </a:lnRef>
+      <a:fillRef idx="1">
+        <a:scrgbClr r="0" g="0" b="0"/>
+      </a:fillRef>
+      <a:effectRef idx="0">
+        <a:scrgbClr r="0" g="0" b="0"/>
+      </a:effectRef>
+      <a:fontRef idx="minor">
+        <a:schemeClr val="lt1"/>
+      </a:fontRef>
+    </dgm:style>
+  </dgm:styleLbl>
+  <dgm:styleLbl name="parChTrans2D2">
+    <dgm:scene3d>
+      <a:camera prst="orthographicFront"/>
+      <a:lightRig rig="threePt" dir="t"/>
+    </dgm:scene3d>
+    <dgm:sp3d/>
+    <dgm:txPr/>
+    <dgm:style>
+      <a:lnRef idx="2">
+        <a:scrgbClr r="0" g="0" b="0"/>
+      </a:lnRef>
+      <a:fillRef idx="1">
+        <a:scrgbClr r="0" g="0" b="0"/>
+      </a:fillRef>
+      <a:effectRef idx="0">
+        <a:scrgbClr r="0" g="0" b="0"/>
+      </a:effectRef>
+      <a:fontRef idx="minor">
+        <a:schemeClr val="lt1"/>
+      </a:fontRef>
+    </dgm:style>
+  </dgm:styleLbl>
+  <dgm:styleLbl name="parChTrans2D3">
+    <dgm:scene3d>
+      <a:camera prst="orthographicFront"/>
+      <a:lightRig rig="threePt" dir="t"/>
+    </dgm:scene3d>
+    <dgm:sp3d/>
+    <dgm:txPr/>
+    <dgm:style>
+      <a:lnRef idx="2">
+        <a:scrgbClr r="0" g="0" b="0"/>
+      </a:lnRef>
+      <a:fillRef idx="1">
+        <a:scrgbClr r="0" g="0" b="0"/>
+      </a:fillRef>
+      <a:effectRef idx="0">
+        <a:scrgbClr r="0" g="0" b="0"/>
+      </a:effectRef>
+      <a:fontRef idx="minor">
+        <a:schemeClr val="lt1"/>
+      </a:fontRef>
+    </dgm:style>
+  </dgm:styleLbl>
+  <dgm:styleLbl name="parChTrans2D4">
+    <dgm:scene3d>
+      <a:camera prst="orthographicFront"/>
+      <a:lightRig rig="threePt" dir="t"/>
+    </dgm:scene3d>
+    <dgm:sp3d/>
+    <dgm:txPr/>
+    <dgm:style>
+      <a:lnRef idx="2">
+        <a:scrgbClr r="0" g="0" b="0"/>
+      </a:lnRef>
+      <a:fillRef idx="1">
+        <a:scrgbClr r="0" g="0" b="0"/>
+      </a:fillRef>
+      <a:effectRef idx="0">
+        <a:scrgbClr r="0" g="0" b="0"/>
+      </a:effectRef>
+      <a:fontRef idx="minor">
+        <a:schemeClr val="lt1"/>
+      </a:fontRef>
+    </dgm:style>
+  </dgm:styleLbl>
+  <dgm:styleLbl name="parChTrans1D1">
+    <dgm:scene3d>
+      <a:camera prst="orthographicFront"/>
+      <a:lightRig rig="threePt" dir="t"/>
+    </dgm:scene3d>
+    <dgm:sp3d/>
+    <dgm:txPr/>
+    <dgm:style>
+      <a:lnRef idx="2">
+        <a:scrgbClr r="0" g="0" b="0"/>
+      </a:lnRef>
+      <a:fillRef idx="0">
+        <a:scrgbClr r="0" g="0" b="0"/>
+      </a:fillRef>
+      <a:effectRef idx="0">
+        <a:scrgbClr r="0" g="0" b="0"/>
+      </a:effectRef>
+      <a:fontRef idx="minor"/>
+    </dgm:style>
+  </dgm:styleLbl>
+  <dgm:styleLbl name="parChTrans1D2">
+    <dgm:scene3d>
+      <a:camera prst="orthographicFront"/>
+      <a:lightRig rig="threePt" dir="t"/>
+    </dgm:scene3d>
+    <dgm:sp3d/>
+    <dgm:txPr/>
+    <dgm:style>
+      <a:lnRef idx="2">
+        <a:scrgbClr r="0" g="0" b="0"/>
+      </a:lnRef>
+      <a:fillRef idx="0">
+        <a:scrgbClr r="0" g="0" b="0"/>
+      </a:fillRef>
+      <a:effectRef idx="0">
+        <a:scrgbClr r="0" g="0" b="0"/>
+      </a:effectRef>
+      <a:fontRef idx="minor"/>
+    </dgm:style>
+  </dgm:styleLbl>
+  <dgm:styleLbl name="parChTrans1D3">
+    <dgm:scene3d>
+      <a:camera prst="orthographicFront"/>
+      <a:lightRig rig="threePt" dir="t"/>
+    </dgm:scene3d>
+    <dgm:sp3d/>
+    <dgm:txPr/>
+    <dgm:style>
+      <a:lnRef idx="2">
+        <a:scrgbClr r="0" g="0" b="0"/>
+      </a:lnRef>
+      <a:fillRef idx="0">
+        <a:scrgbClr r="0" g="0" b="0"/>
+      </a:fillRef>
+      <a:effectRef idx="0">
+        <a:scrgbClr r="0" g="0" b="0"/>
+      </a:effectRef>
+      <a:fontRef idx="minor"/>
+    </dgm:style>
+  </dgm:styleLbl>
+  <dgm:styleLbl name="parChTrans1D4">
+    <dgm:scene3d>
+      <a:camera prst="orthographicFront"/>
+      <a:lightRig rig="threePt" dir="t"/>
+    </dgm:scene3d>
+    <dgm:sp3d/>
+    <dgm:txPr/>
+    <dgm:style>
+      <a:lnRef idx="2">
+        <a:scrgbClr r="0" g="0" b="0"/>
+      </a:lnRef>
+      <a:fillRef idx="0">
+        <a:scrgbClr r="0" g="0" b="0"/>
+      </a:fillRef>
+      <a:effectRef idx="0">
+        <a:scrgbClr r="0" g="0" b="0"/>
+      </a:effectRef>
+      <a:fontRef idx="minor"/>
+    </dgm:style>
+  </dgm:styleLbl>
+  <dgm:styleLbl name="fgAcc1">
+    <dgm:scene3d>
+      <a:camera prst="orthographicFront"/>
+      <a:lightRig rig="threePt" dir="t"/>
+    </dgm:scene3d>
+    <dgm:sp3d/>
+    <dgm:txPr/>
+    <dgm:style>
+      <a:lnRef idx="2">
+        <a:scrgbClr r="0" g="0" b="0"/>
+      </a:lnRef>
+      <a:fillRef idx="1">
+        <a:scrgbClr r="0" g="0" b="0"/>
+      </a:fillRef>
+      <a:effectRef idx="0">
+        <a:scrgbClr r="0" g="0" b="0"/>
+      </a:effectRef>
+      <a:fontRef idx="minor"/>
+    </dgm:style>
+  </dgm:styleLbl>
+  <dgm:styleLbl name="conFgAcc1">
+    <dgm:scene3d>
+      <a:camera prst="orthographicFront"/>
+      <a:lightRig rig="threePt" dir="t"/>
+    </dgm:scene3d>
+    <dgm:sp3d/>
+    <dgm:txPr/>
+    <dgm:style>
+      <a:lnRef idx="2">
+        <a:scrgbClr r="0" g="0" b="0"/>
+      </a:lnRef>
+      <a:fillRef idx="1">
+        <a:scrgbClr r="0" g="0" b="0"/>
+      </a:fillRef>
+      <a:effectRef idx="0">
+        <a:scrgbClr r="0" g="0" b="0"/>
+      </a:effectRef>
+      <a:fontRef idx="minor"/>
+    </dgm:style>
+  </dgm:styleLbl>
+  <dgm:styleLbl name="alignAcc1">
+    <dgm:scene3d>
+      <a:camera prst="orthographicFront"/>
+      <a:lightRig rig="threePt" dir="t"/>
+    </dgm:scene3d>
+    <dgm:sp3d/>
+    <dgm:txPr/>
+    <dgm:style>
+      <a:lnRef idx="2">
+        <a:scrgbClr r="0" g="0" b="0"/>
+      </a:lnRef>
+      <a:fillRef idx="1">
+        <a:scrgbClr r="0" g="0" b="0"/>
+      </a:fillRef>
+      <a:effectRef idx="0">
+        <a:scrgbClr r="0" g="0" b="0"/>
+      </a:effectRef>
+      <a:fontRef idx="minor"/>
+    </dgm:style>
+  </dgm:styleLbl>
+  <dgm:styleLbl name="trAlignAcc1">
+    <dgm:scene3d>
+      <a:camera prst="orthographicFront"/>
+      <a:lightRig rig="threePt" dir="t"/>
+    </dgm:scene3d>
+    <dgm:sp3d/>
+    <dgm:txPr/>
+    <dgm:style>
+      <a:lnRef idx="1">
+        <a:scrgbClr r="0" g="0" b="0"/>
+      </a:lnRef>
+      <a:fillRef idx="1">
+        <a:scrgbClr r="0" g="0" b="0"/>
+      </a:fillRef>
+      <a:effectRef idx="0">
+        <a:scrgbClr r="0" g="0" b="0"/>
+      </a:effectRef>
+      <a:fontRef idx="minor"/>
+    </dgm:style>
+  </dgm:styleLbl>
+  <dgm:styleLbl name="bgAcc1">
+    <dgm:scene3d>
+      <a:camera prst="orthographicFront"/>
+      <a:lightRig rig="threePt" dir="t"/>
+    </dgm:scene3d>
+    <dgm:sp3d/>
+    <dgm:txPr/>
+    <dgm:style>
+      <a:lnRef idx="2">
+        <a:scrgbClr r="0" g="0" b="0"/>
+      </a:lnRef>
+      <a:fillRef idx="1">
+        <a:scrgbClr r="0" g="0" b="0"/>
+      </a:fillRef>
+      <a:effectRef idx="0">
+        <a:scrgbClr r="0" g="0" b="0"/>
+      </a:effectRef>
+      <a:fontRef idx="minor"/>
+    </dgm:style>
+  </dgm:styleLbl>
+  <dgm:styleLbl name="solidFgAcc1">
+    <dgm:scene3d>
+      <a:camera prst="orthographicFront"/>
+      <a:lightRig rig="threePt" dir="t"/>
+    </dgm:scene3d>
+    <dgm:sp3d/>
+    <dgm:txPr/>
+    <dgm:style>
+      <a:lnRef idx="2">
+        <a:scrgbClr r="0" g="0" b="0"/>
+      </a:lnRef>
+      <a:fillRef idx="1">
+        <a:scrgbClr r="0" g="0" b="0"/>
+      </a:fillRef>
+      <a:effectRef idx="0">
+        <a:scrgbClr r="0" g="0" b="0"/>
+      </a:effectRef>
+      <a:fontRef idx="minor"/>
+    </dgm:style>
+  </dgm:styleLbl>
+  <dgm:styleLbl name="solidAlignAcc1">
+    <dgm:scene3d>
+      <a:camera prst="orthographicFront"/>
+      <a:lightRig rig="threePt" dir="t"/>
+    </dgm:scene3d>
+    <dgm:sp3d/>
+    <dgm:txPr/>
+    <dgm:style>
+      <a:lnRef idx="2">
+        <a:scrgbClr r="0" g="0" b="0"/>
+      </a:lnRef>
+      <a:fillRef idx="1">
+        <a:scrgbClr r="0" g="0" b="0"/>
+      </a:fillRef>
+      <a:effectRef idx="0">
+        <a:scrgbClr r="0" g="0" b="0"/>
+      </a:effectRef>
+      <a:fontRef idx="minor"/>
+    </dgm:style>
+  </dgm:styleLbl>
+  <dgm:styleLbl name="solidBgAcc1">
+    <dgm:scene3d>
+      <a:camera prst="orthographicFront"/>
+      <a:lightRig rig="threePt" dir="t"/>
+    </dgm:scene3d>
+    <dgm:sp3d/>
+    <dgm:txPr/>
+    <dgm:style>
+      <a:lnRef idx="2">
+        <a:scrgbClr r="0" g="0" b="0"/>
+      </a:lnRef>
+      <a:fillRef idx="1">
+        <a:scrgbClr r="0" g="0" b="0"/>
+      </a:fillRef>
+      <a:effectRef idx="0">
+        <a:scrgbClr r="0" g="0" b="0"/>
+      </a:effectRef>
+      <a:fontRef idx="minor"/>
+    </dgm:style>
+  </dgm:styleLbl>
+  <dgm:styleLbl name="fgAccFollowNode1">
+    <dgm:scene3d>
+      <a:camera prst="orthographicFront"/>
+      <a:lightRig rig="threePt" dir="t"/>
+    </dgm:scene3d>
+    <dgm:sp3d/>
+    <dgm:txPr/>
+    <dgm:style>
+      <a:lnRef idx="2">
+        <a:scrgbClr r="0" g="0" b="0"/>
+      </a:lnRef>
+      <a:fillRef idx="1">
+        <a:scrgbClr r="0" g="0" b="0"/>
+      </a:fillRef>
+      <a:effectRef idx="0">
+        <a:scrgbClr r="0" g="0" b="0"/>
+      </a:effectRef>
+      <a:fontRef idx="minor"/>
+    </dgm:style>
+  </dgm:styleLbl>
+  <dgm:styleLbl name="alignAccFollowNode1">
+    <dgm:scene3d>
+      <a:camera prst="orthographicFront"/>
+      <a:lightRig rig="threePt" dir="t"/>
+    </dgm:scene3d>
+    <dgm:sp3d/>
+    <dgm:txPr/>
+    <dgm:style>
+      <a:lnRef idx="2">
+        <a:scrgbClr r="0" g="0" b="0"/>
+      </a:lnRef>
+      <a:fillRef idx="1">
+        <a:scrgbClr r="0" g="0" b="0"/>
+      </a:fillRef>
+      <a:effectRef idx="0">
+        <a:scrgbClr r="0" g="0" b="0"/>
+      </a:effectRef>
+      <a:fontRef idx="minor"/>
+    </dgm:style>
+  </dgm:styleLbl>
+  <dgm:styleLbl name="bgAccFollowNode1">
+    <dgm:scene3d>
+      <a:camera prst="orthographicFront"/>
+      <a:lightRig rig="threePt" dir="t"/>
+    </dgm:scene3d>
+    <dgm:sp3d/>
+    <dgm:txPr/>
+    <dgm:style>
+      <a:lnRef idx="2">
+        <a:scrgbClr r="0" g="0" b="0"/>
+      </a:lnRef>
+      <a:fillRef idx="1">
+        <a:scrgbClr r="0" g="0" b="0"/>
+      </a:fillRef>
+      <a:effectRef idx="0">
+        <a:scrgbClr r="0" g="0" b="0"/>
+      </a:effectRef>
+      <a:fontRef idx="minor"/>
+    </dgm:style>
+  </dgm:styleLbl>
+  <dgm:styleLbl name="fgAcc0">
+    <dgm:scene3d>
+      <a:camera prst="orthographicFront"/>
+      <a:lightRig rig="threePt" dir="t"/>
+    </dgm:scene3d>
+    <dgm:sp3d/>
+    <dgm:txPr/>
+    <dgm:style>
+      <a:lnRef idx="2">
+        <a:scrgbClr r="0" g="0" b="0"/>
+      </a:lnRef>
+      <a:fillRef idx="1">
+        <a:scrgbClr r="0" g="0" b="0"/>
+      </a:fillRef>
+      <a:effectRef idx="0">
+        <a:scrgbClr r="0" g="0" b="0"/>
+      </a:effectRef>
+      <a:fontRef idx="minor"/>
+    </dgm:style>
+  </dgm:styleLbl>
+  <dgm:styleLbl name="fgAcc2">
+    <dgm:scene3d>
+      <a:camera prst="orthographicFront"/>
+      <a:lightRig rig="threePt" dir="t"/>
+    </dgm:scene3d>
+    <dgm:sp3d/>
+    <dgm:txPr/>
+    <dgm:style>
+      <a:lnRef idx="2">
+        <a:scrgbClr r="0" g="0" b="0"/>
+      </a:lnRef>
+      <a:fillRef idx="1">
+        <a:scrgbClr r="0" g="0" b="0"/>
+      </a:fillRef>
+      <a:effectRef idx="0">
+        <a:scrgbClr r="0" g="0" b="0"/>
+      </a:effectRef>
+      <a:fontRef idx="minor"/>
+    </dgm:style>
+  </dgm:styleLbl>
+  <dgm:styleLbl name="fgAcc3">
+    <dgm:scene3d>
+      <a:camera prst="orthographicFront"/>
+      <a:lightRig rig="threePt" dir="t"/>
+    </dgm:scene3d>
+    <dgm:sp3d/>
+    <dgm:txPr/>
+    <dgm:style>
+      <a:lnRef idx="2">
+        <a:scrgbClr r="0" g="0" b="0"/>
+      </a:lnRef>
+      <a:fillRef idx="1">
+        <a:scrgbClr r="0" g="0" b="0"/>
+      </a:fillRef>
+      <a:effectRef idx="0">
+        <a:scrgbClr r="0" g="0" b="0"/>
+      </a:effectRef>
+      <a:fontRef idx="minor"/>
+    </dgm:style>
+  </dgm:styleLbl>
+  <dgm:styleLbl name="fgAcc4">
+    <dgm:scene3d>
+      <a:camera prst="orthographicFront"/>
+      <a:lightRig rig="threePt" dir="t"/>
+    </dgm:scene3d>
+    <dgm:sp3d/>
+    <dgm:txPr/>
+    <dgm:style>
+      <a:lnRef idx="2">
+        <a:scrgbClr r="0" g="0" b="0"/>
+      </a:lnRef>
+      <a:fillRef idx="1">
+        <a:scrgbClr r="0" g="0" b="0"/>
+      </a:fillRef>
+      <a:effectRef idx="0">
+        <a:scrgbClr r="0" g="0" b="0"/>
+      </a:effectRef>
+      <a:fontRef idx="minor"/>
+    </dgm:style>
+  </dgm:styleLbl>
+  <dgm:styleLbl name="bgShp">
+    <dgm:scene3d>
+      <a:camera prst="orthographicFront"/>
+      <a:lightRig rig="threePt" dir="t"/>
+    </dgm:scene3d>
+    <dgm:sp3d/>
+    <dgm:txPr/>
+    <dgm:style>
+      <a:lnRef idx="0">
+        <a:scrgbClr r="0" g="0" b="0"/>
+      </a:lnRef>
+      <a:fillRef idx="1">
+        <a:scrgbClr r="0" g="0" b="0"/>
+      </a:fillRef>
+      <a:effectRef idx="0">
+        <a:scrgbClr r="0" g="0" b="0"/>
+      </a:effectRef>
+      <a:fontRef idx="minor"/>
+    </dgm:style>
+  </dgm:styleLbl>
+  <dgm:styleLbl name="dkBgShp">
+    <dgm:scene3d>
+      <a:camera prst="orthographicFront"/>
+      <a:lightRig rig="threePt" dir="t"/>
+    </dgm:scene3d>
+    <dgm:sp3d/>
+    <dgm:txPr/>
+    <dgm:style>
+      <a:lnRef idx="0">
+        <a:scrgbClr r="0" g="0" b="0"/>
+      </a:lnRef>
+      <a:fillRef idx="1">
+        <a:scrgbClr r="0" g="0" b="0"/>
+      </a:fillRef>
+      <a:effectRef idx="0">
+        <a:scrgbClr r="0" g="0" b="0"/>
+      </a:effectRef>
+      <a:fontRef idx="minor"/>
+    </dgm:style>
+  </dgm:styleLbl>
+  <dgm:styleLbl name="trBgShp">
+    <dgm:scene3d>
+      <a:camera prst="orthographicFront"/>
+      <a:lightRig rig="threePt" dir="t"/>
+    </dgm:scene3d>
+    <dgm:sp3d/>
+    <dgm:txPr/>
+    <dgm:style>
+      <a:lnRef idx="0">
+        <a:scrgbClr r="0" g="0" b="0"/>
+      </a:lnRef>
+      <a:fillRef idx="1">
+        <a:scrgbClr r="0" g="0" b="0"/>
+      </a:fillRef>
+      <a:effectRef idx="0">
+        <a:scrgbClr r="0" g="0" b="0"/>
+      </a:effectRef>
+      <a:fontRef idx="minor"/>
+    </dgm:style>
+  </dgm:styleLbl>
+  <dgm:styleLbl name="fgShp">
+    <dgm:scene3d>
+      <a:camera prst="orthographicFront"/>
+      <a:lightRig rig="threePt" dir="t"/>
+    </dgm:scene3d>
+    <dgm:sp3d/>
+    <dgm:txPr/>
+    <dgm:style>
+      <a:lnRef idx="2">
+        <a:scrgbClr r="0" g="0" b="0"/>
+      </a:lnRef>
+      <a:fillRef idx="1">
+        <a:scrgbClr r="0" g="0" b="0"/>
+      </a:fillRef>
+      <a:effectRef idx="0">
+        <a:scrgbClr r="0" g="0" b="0"/>
+      </a:effectRef>
+      <a:fontRef idx="minor"/>
+    </dgm:style>
+  </dgm:styleLbl>
+  <dgm:styleLbl name="revTx">
+    <dgm:scene3d>
+      <a:camera prst="orthographicFront"/>
+      <a:lightRig rig="threePt" dir="t"/>
+    </dgm:scene3d>
+    <dgm:sp3d/>
+    <dgm:txPr/>
+    <dgm:style>
+      <a:lnRef idx="0">
+        <a:scrgbClr r="0" g="0" b="0"/>
+      </a:lnRef>
+      <a:fillRef idx="0">
+        <a:scrgbClr r="0" g="0" b="0"/>
+      </a:fillRef>
+      <a:effectRef idx="0">
+        <a:scrgbClr r="0" g="0" b="0"/>
+      </a:effectRef>
+      <a:fontRef idx="minor"/>
+    </dgm:style>
+  </dgm:styleLbl>
+</dgm:styleDef>
+</file>
+
+<file path=ppt/diagrams/quickStyle4.xml><?xml version="1.0" encoding="utf-8"?>
+<dgm:styleDef xmlns:dgm="http://schemas.openxmlformats.org/drawingml/2006/diagram" xmlns:a="http://schemas.openxmlformats.org/drawingml/2006/main" uniqueId="urn:microsoft.com/office/officeart/2005/8/quickstyle/simple1">
+  <dgm:title val=""/>
+  <dgm:desc val=""/>
+  <dgm:catLst>
+    <dgm:cat type="simple" pri="10100"/>
+  </dgm:catLst>
+  <dgm:scene3d>
+    <a:camera prst="orthographicFront"/>
+    <a:lightRig rig="threePt" dir="t"/>
+  </dgm:scene3d>
+  <dgm:styleLbl name="node0">
+    <dgm:scene3d>
+      <a:camera prst="orthographicFront"/>
+      <a:lightRig rig="threePt" dir="t"/>
+    </dgm:scene3d>
+    <dgm:sp3d/>
+    <dgm:txPr/>
+    <dgm:style>
+      <a:lnRef idx="2">
+        <a:scrgbClr r="0" g="0" b="0"/>
+      </a:lnRef>
+      <a:fillRef idx="1">
+        <a:scrgbClr r="0" g="0" b="0"/>
+      </a:fillRef>
+      <a:effectRef idx="0">
+        <a:scrgbClr r="0" g="0" b="0"/>
+      </a:effectRef>
+      <a:fontRef idx="minor">
+        <a:schemeClr val="lt1"/>
+      </a:fontRef>
+    </dgm:style>
+  </dgm:styleLbl>
+  <dgm:styleLbl name="lnNode1">
+    <dgm:scene3d>
+      <a:camera prst="orthographicFront"/>
+      <a:lightRig rig="threePt" dir="t"/>
+    </dgm:scene3d>
+    <dgm:sp3d/>
+    <dgm:txPr/>
+    <dgm:style>
+      <a:lnRef idx="2">
+        <a:scrgbClr r="0" g="0" b="0"/>
+      </a:lnRef>
+      <a:fillRef idx="1">
+        <a:scrgbClr r="0" g="0" b="0"/>
+      </a:fillRef>
+      <a:effectRef idx="0">
+        <a:scrgbClr r="0" g="0" b="0"/>
+      </a:effectRef>
+      <a:fontRef idx="minor">
+        <a:schemeClr val="lt1"/>
+      </a:fontRef>
+    </dgm:style>
+  </dgm:styleLbl>
+  <dgm:styleLbl name="vennNode1">
+    <dgm:scene3d>
+      <a:camera prst="orthographicFront"/>
+      <a:lightRig rig="threePt" dir="t"/>
+    </dgm:scene3d>
+    <dgm:sp3d/>
+    <dgm:txPr/>
+    <dgm:style>
+      <a:lnRef idx="2">
+        <a:scrgbClr r="0" g="0" b="0"/>
+      </a:lnRef>
+      <a:fillRef idx="1">
+        <a:scrgbClr r="0" g="0" b="0"/>
+      </a:fillRef>
+      <a:effectRef idx="0">
+        <a:scrgbClr r="0" g="0" b="0"/>
+      </a:effectRef>
+      <a:fontRef idx="minor">
+        <a:schemeClr val="tx1"/>
+      </a:fontRef>
+    </dgm:style>
+  </dgm:styleLbl>
+  <dgm:styleLbl name="alignNode1">
+    <dgm:scene3d>
+      <a:camera prst="orthographicFront"/>
+      <a:lightRig rig="threePt" dir="t"/>
+    </dgm:scene3d>
+    <dgm:sp3d/>
+    <dgm:txPr/>
+    <dgm:style>
+      <a:lnRef idx="2">
+        <a:scrgbClr r="0" g="0" b="0"/>
+      </a:lnRef>
+      <a:fillRef idx="1">
+        <a:scrgbClr r="0" g="0" b="0"/>
+      </a:fillRef>
+      <a:effectRef idx="0">
+        <a:scrgbClr r="0" g="0" b="0"/>
+      </a:effectRef>
+      <a:fontRef idx="minor">
+        <a:schemeClr val="lt1"/>
+      </a:fontRef>
+    </dgm:style>
+  </dgm:styleLbl>
+  <dgm:styleLbl name="node1">
+    <dgm:scene3d>
+      <a:camera prst="orthographicFront"/>
+      <a:lightRig rig="threePt" dir="t"/>
+    </dgm:scene3d>
+    <dgm:sp3d/>
+    <dgm:txPr/>
+    <dgm:style>
+      <a:lnRef idx="2">
+        <a:scrgbClr r="0" g="0" b="0"/>
+      </a:lnRef>
+      <a:fillRef idx="1">
+        <a:scrgbClr r="0" g="0" b="0"/>
+      </a:fillRef>
+      <a:effectRef idx="0">
+        <a:scrgbClr r="0" g="0" b="0"/>
+      </a:effectRef>
+      <a:fontRef idx="minor">
+        <a:schemeClr val="lt1"/>
+      </a:fontRef>
+    </dgm:style>
+  </dgm:styleLbl>
+  <dgm:styleLbl name="node2">
+    <dgm:scene3d>
+      <a:camera prst="orthographicFront"/>
+      <a:lightRig rig="threePt" dir="t"/>
+    </dgm:scene3d>
+    <dgm:sp3d/>
+    <dgm:txPr/>
+    <dgm:style>
+      <a:lnRef idx="2">
+        <a:scrgbClr r="0" g="0" b="0"/>
+      </a:lnRef>
+      <a:fillRef idx="1">
+        <a:scrgbClr r="0" g="0" b="0"/>
+      </a:fillRef>
+      <a:effectRef idx="0">
+        <a:scrgbClr r="0" g="0" b="0"/>
+      </a:effectRef>
+      <a:fontRef idx="minor">
+        <a:schemeClr val="lt1"/>
+      </a:fontRef>
+    </dgm:style>
+  </dgm:styleLbl>
+  <dgm:styleLbl name="node3">
+    <dgm:scene3d>
+      <a:camera prst="orthographicFront"/>
+      <a:lightRig rig="threePt" dir="t"/>
+    </dgm:scene3d>
+    <dgm:sp3d/>
+    <dgm:txPr/>
+    <dgm:style>
+      <a:lnRef idx="2">
+        <a:scrgbClr r="0" g="0" b="0"/>
+      </a:lnRef>
+      <a:fillRef idx="1">
+        <a:scrgbClr r="0" g="0" b="0"/>
+      </a:fillRef>
+      <a:effectRef idx="0">
+        <a:scrgbClr r="0" g="0" b="0"/>
+      </a:effectRef>
+      <a:fontRef idx="minor">
+        <a:schemeClr val="lt1"/>
+      </a:fontRef>
+    </dgm:style>
+  </dgm:styleLbl>
+  <dgm:styleLbl name="node4">
+    <dgm:scene3d>
+      <a:camera prst="orthographicFront"/>
+      <a:lightRig rig="threePt" dir="t"/>
+    </dgm:scene3d>
+    <dgm:sp3d/>
+    <dgm:txPr/>
+    <dgm:style>
+      <a:lnRef idx="2">
+        <a:scrgbClr r="0" g="0" b="0"/>
+      </a:lnRef>
+      <a:fillRef idx="1">
+        <a:scrgbClr r="0" g="0" b="0"/>
+      </a:fillRef>
+      <a:effectRef idx="0">
+        <a:scrgbClr r="0" g="0" b="0"/>
+      </a:effectRef>
+      <a:fontRef idx="minor">
+        <a:schemeClr val="lt1"/>
+      </a:fontRef>
+    </dgm:style>
+  </dgm:styleLbl>
+  <dgm:styleLbl name="fgImgPlace1">
+    <dgm:scene3d>
+      <a:camera prst="orthographicFront"/>
+      <a:lightRig rig="threePt" dir="t"/>
+    </dgm:scene3d>
+    <dgm:sp3d/>
+    <dgm:txPr/>
+    <dgm:style>
+      <a:lnRef idx="2">
+        <a:scrgbClr r="0" g="0" b="0"/>
+      </a:lnRef>
+      <a:fillRef idx="1">
+        <a:scrgbClr r="0" g="0" b="0"/>
+      </a:fillRef>
+      <a:effectRef idx="0">
+        <a:scrgbClr r="0" g="0" b="0"/>
+      </a:effectRef>
+      <a:fontRef idx="minor"/>
+    </dgm:style>
+  </dgm:styleLbl>
+  <dgm:styleLbl name="alignImgPlace1">
+    <dgm:scene3d>
+      <a:camera prst="orthographicFront"/>
+      <a:lightRig rig="threePt" dir="t"/>
+    </dgm:scene3d>
+    <dgm:sp3d/>
+    <dgm:txPr/>
+    <dgm:style>
+      <a:lnRef idx="2">
+        <a:scrgbClr r="0" g="0" b="0"/>
+      </a:lnRef>
+      <a:fillRef idx="1">
+        <a:scrgbClr r="0" g="0" b="0"/>
+      </a:fillRef>
+      <a:effectRef idx="0">
+        <a:scrgbClr r="0" g="0" b="0"/>
+      </a:effectRef>
+      <a:fontRef idx="minor"/>
+    </dgm:style>
+  </dgm:styleLbl>
+  <dgm:styleLbl name="bgImgPlace1">
+    <dgm:scene3d>
+      <a:camera prst="orthographicFront"/>
+      <a:lightRig rig="threePt" dir="t"/>
+    </dgm:scene3d>
+    <dgm:sp3d/>
+    <dgm:txPr/>
+    <dgm:style>
+      <a:lnRef idx="2">
+        <a:scrgbClr r="0" g="0" b="0"/>
+      </a:lnRef>
+      <a:fillRef idx="1">
+        <a:scrgbClr r="0" g="0" b="0"/>
+      </a:fillRef>
+      <a:effectRef idx="0">
+        <a:scrgbClr r="0" g="0" b="0"/>
+      </a:effectRef>
+      <a:fontRef idx="minor"/>
+    </dgm:style>
+  </dgm:styleLbl>
+  <dgm:styleLbl name="sibTrans2D1">
+    <dgm:scene3d>
+      <a:camera prst="orthographicFront"/>
+      <a:lightRig rig="threePt" dir="t"/>
+    </dgm:scene3d>
+    <dgm:sp3d/>
+    <dgm:txPr/>
+    <dgm:style>
+      <a:lnRef idx="0">
+        <a:scrgbClr r="0" g="0" b="0"/>
+      </a:lnRef>
+      <a:fillRef idx="1">
+        <a:scrgbClr r="0" g="0" b="0"/>
+      </a:fillRef>
+      <a:effectRef idx="0">
+        <a:scrgbClr r="0" g="0" b="0"/>
+      </a:effectRef>
+      <a:fontRef idx="minor">
+        <a:schemeClr val="lt1"/>
+      </a:fontRef>
+    </dgm:style>
+  </dgm:styleLbl>
+  <dgm:styleLbl name="fgSibTrans2D1">
+    <dgm:scene3d>
+      <a:camera prst="orthographicFront"/>
+      <a:lightRig rig="threePt" dir="t"/>
+    </dgm:scene3d>
+    <dgm:sp3d/>
+    <dgm:txPr/>
+    <dgm:style>
+      <a:lnRef idx="0">
+        <a:scrgbClr r="0" g="0" b="0"/>
+      </a:lnRef>
+      <a:fillRef idx="1">
+        <a:scrgbClr r="0" g="0" b="0"/>
+      </a:fillRef>
+      <a:effectRef idx="0">
+        <a:scrgbClr r="0" g="0" b="0"/>
+      </a:effectRef>
+      <a:fontRef idx="minor">
+        <a:schemeClr val="lt1"/>
+      </a:fontRef>
+    </dgm:style>
+  </dgm:styleLbl>
+  <dgm:styleLbl name="bgSibTrans2D1">
+    <dgm:scene3d>
+      <a:camera prst="orthographicFront"/>
+      <a:lightRig rig="threePt" dir="t"/>
+    </dgm:scene3d>
+    <dgm:sp3d/>
+    <dgm:txPr/>
+    <dgm:style>
+      <a:lnRef idx="0">
+        <a:scrgbClr r="0" g="0" b="0"/>
+      </a:lnRef>
+      <a:fillRef idx="1">
+        <a:scrgbClr r="0" g="0" b="0"/>
+      </a:fillRef>
+      <a:effectRef idx="0">
+        <a:scrgbClr r="0" g="0" b="0"/>
+      </a:effectRef>
+      <a:fontRef idx="minor">
+        <a:schemeClr val="lt1"/>
+      </a:fontRef>
+    </dgm:style>
+  </dgm:styleLbl>
+  <dgm:styleLbl name="sibTrans1D1">
+    <dgm:scene3d>
+      <a:camera prst="orthographicFront"/>
+      <a:lightRig rig="threePt" dir="t"/>
+    </dgm:scene3d>
+    <dgm:sp3d/>
+    <dgm:txPr/>
+    <dgm:style>
+      <a:lnRef idx="1">
+        <a:scrgbClr r="0" g="0" b="0"/>
+      </a:lnRef>
+      <a:fillRef idx="0">
+        <a:scrgbClr r="0" g="0" b="0"/>
+      </a:fillRef>
+      <a:effectRef idx="0">
+        <a:scrgbClr r="0" g="0" b="0"/>
+      </a:effectRef>
+      <a:fontRef idx="minor"/>
+    </dgm:style>
+  </dgm:styleLbl>
+  <dgm:styleLbl name="callout">
+    <dgm:scene3d>
+      <a:camera prst="orthographicFront"/>
+      <a:lightRig rig="threePt" dir="t"/>
+    </dgm:scene3d>
+    <dgm:sp3d/>
+    <dgm:txPr/>
+    <dgm:style>
+      <a:lnRef idx="2">
+        <a:scrgbClr r="0" g="0" b="0"/>
+      </a:lnRef>
+      <a:fillRef idx="1">
+        <a:scrgbClr r="0" g="0" b="0"/>
+      </a:fillRef>
+      <a:effectRef idx="0">
+        <a:scrgbClr r="0" g="0" b="0"/>
+      </a:effectRef>
+      <a:fontRef idx="minor"/>
+    </dgm:style>
+  </dgm:styleLbl>
+  <dgm:styleLbl name="asst0">
+    <dgm:scene3d>
+      <a:camera prst="orthographicFront"/>
+      <a:lightRig rig="threePt" dir="t"/>
+    </dgm:scene3d>
+    <dgm:sp3d/>
+    <dgm:txPr/>
+    <dgm:style>
+      <a:lnRef idx="2">
+        <a:scrgbClr r="0" g="0" b="0"/>
+      </a:lnRef>
+      <a:fillRef idx="1">
+        <a:scrgbClr r="0" g="0" b="0"/>
+      </a:fillRef>
+      <a:effectRef idx="0">
+        <a:scrgbClr r="0" g="0" b="0"/>
+      </a:effectRef>
+      <a:fontRef idx="minor">
+        <a:schemeClr val="lt1"/>
+      </a:fontRef>
+    </dgm:style>
+  </dgm:styleLbl>
+  <dgm:styleLbl name="asst1">
+    <dgm:scene3d>
+      <a:camera prst="orthographicFront"/>
+      <a:lightRig rig="threePt" dir="t"/>
+    </dgm:scene3d>
+    <dgm:sp3d/>
+    <dgm:txPr/>
+    <dgm:style>
+      <a:lnRef idx="2">
+        <a:scrgbClr r="0" g="0" b="0"/>
+      </a:lnRef>
+      <a:fillRef idx="1">
+        <a:scrgbClr r="0" g="0" b="0"/>
+      </a:fillRef>
+      <a:effectRef idx="0">
+        <a:scrgbClr r="0" g="0" b="0"/>
+      </a:effectRef>
+      <a:fontRef idx="minor">
+        <a:schemeClr val="lt1"/>
+      </a:fontRef>
+    </dgm:style>
+  </dgm:styleLbl>
+  <dgm:styleLbl name="asst2">
+    <dgm:scene3d>
+      <a:camera prst="orthographicFront"/>
+      <a:lightRig rig="threePt" dir="t"/>
+    </dgm:scene3d>
+    <dgm:sp3d/>
+    <dgm:txPr/>
+    <dgm:style>
+      <a:lnRef idx="2">
+        <a:scrgbClr r="0" g="0" b="0"/>
+      </a:lnRef>
+      <a:fillRef idx="1">
+        <a:scrgbClr r="0" g="0" b="0"/>
+      </a:fillRef>
+      <a:effectRef idx="0">
+        <a:scrgbClr r="0" g="0" b="0"/>
+      </a:effectRef>
+      <a:fontRef idx="minor">
+        <a:schemeClr val="lt1"/>
+      </a:fontRef>
+    </dgm:style>
+  </dgm:styleLbl>
+  <dgm:styleLbl name="asst3">
+    <dgm:scene3d>
+      <a:camera prst="orthographicFront"/>
+      <a:lightRig rig="threePt" dir="t"/>
+    </dgm:scene3d>
+    <dgm:sp3d/>
+    <dgm:txPr/>
+    <dgm:style>
+      <a:lnRef idx="2">
+        <a:scrgbClr r="0" g="0" b="0"/>
+      </a:lnRef>
+      <a:fillRef idx="1">
+        <a:scrgbClr r="0" g="0" b="0"/>
+      </a:fillRef>
+      <a:effectRef idx="0">
+        <a:scrgbClr r="0" g="0" b="0"/>
+      </a:effectRef>
+      <a:fontRef idx="minor">
+        <a:schemeClr val="lt1"/>
+      </a:fontRef>
+    </dgm:style>
+  </dgm:styleLbl>
+  <dgm:styleLbl name="asst4">
+    <dgm:scene3d>
+      <a:camera prst="orthographicFront"/>
+      <a:lightRig rig="threePt" dir="t"/>
+    </dgm:scene3d>
+    <dgm:sp3d/>
+    <dgm:txPr/>
+    <dgm:style>
+      <a:lnRef idx="2">
+        <a:scrgbClr r="0" g="0" b="0"/>
+      </a:lnRef>
+      <a:fillRef idx="1">
+        <a:scrgbClr r="0" g="0" b="0"/>
+      </a:fillRef>
+      <a:effectRef idx="0">
+        <a:scrgbClr r="0" g="0" b="0"/>
+      </a:effectRef>
+      <a:fontRef idx="minor">
+        <a:schemeClr val="lt1"/>
+      </a:fontRef>
+    </dgm:style>
+  </dgm:styleLbl>
+  <dgm:styleLbl name="parChTrans2D1">
+    <dgm:scene3d>
+      <a:camera prst="orthographicFront"/>
+      <a:lightRig rig="threePt" dir="t"/>
+    </dgm:scene3d>
+    <dgm:sp3d/>
+    <dgm:txPr/>
+    <dgm:style>
+      <a:lnRef idx="2">
+        <a:scrgbClr r="0" g="0" b="0"/>
+      </a:lnRef>
+      <a:fillRef idx="1">
+        <a:scrgbClr r="0" g="0" b="0"/>
+      </a:fillRef>
+      <a:effectRef idx="0">
+        <a:scrgbClr r="0" g="0" b="0"/>
+      </a:effectRef>
+      <a:fontRef idx="minor">
+        <a:schemeClr val="lt1"/>
+      </a:fontRef>
+    </dgm:style>
+  </dgm:styleLbl>
+  <dgm:styleLbl name="parChTrans2D2">
+    <dgm:scene3d>
+      <a:camera prst="orthographicFront"/>
+      <a:lightRig rig="threePt" dir="t"/>
+    </dgm:scene3d>
+    <dgm:sp3d/>
+    <dgm:txPr/>
+    <dgm:style>
+      <a:lnRef idx="2">
+        <a:scrgbClr r="0" g="0" b="0"/>
+      </a:lnRef>
+      <a:fillRef idx="1">
+        <a:scrgbClr r="0" g="0" b="0"/>
+      </a:fillRef>
+      <a:effectRef idx="0">
+        <a:scrgbClr r="0" g="0" b="0"/>
+      </a:effectRef>
+      <a:fontRef idx="minor">
+        <a:schemeClr val="lt1"/>
+      </a:fontRef>
+    </dgm:style>
+  </dgm:styleLbl>
+  <dgm:styleLbl name="parChTrans2D3">
+    <dgm:scene3d>
+      <a:camera prst="orthographicFront"/>
+      <a:lightRig rig="threePt" dir="t"/>
+    </dgm:scene3d>
+    <dgm:sp3d/>
+    <dgm:txPr/>
+    <dgm:style>
+      <a:lnRef idx="2">
+        <a:scrgbClr r="0" g="0" b="0"/>
+      </a:lnRef>
+      <a:fillRef idx="1">
+        <a:scrgbClr r="0" g="0" b="0"/>
+      </a:fillRef>
+      <a:effectRef idx="0">
+        <a:scrgbClr r="0" g="0" b="0"/>
+      </a:effectRef>
+      <a:fontRef idx="minor">
+        <a:schemeClr val="lt1"/>
+      </a:fontRef>
+    </dgm:style>
+  </dgm:styleLbl>
+  <dgm:styleLbl name="parChTrans2D4">
+    <dgm:scene3d>
+      <a:camera prst="orthographicFront"/>
+      <a:lightRig rig="threePt" dir="t"/>
+    </dgm:scene3d>
+    <dgm:sp3d/>
+    <dgm:txPr/>
+    <dgm:style>
+      <a:lnRef idx="2">
+        <a:scrgbClr r="0" g="0" b="0"/>
+      </a:lnRef>
+      <a:fillRef idx="1">
+        <a:scrgbClr r="0" g="0" b="0"/>
+      </a:fillRef>
+      <a:effectRef idx="0">
+        <a:scrgbClr r="0" g="0" b="0"/>
+      </a:effectRef>
+      <a:fontRef idx="minor">
+        <a:schemeClr val="lt1"/>
+      </a:fontRef>
+    </dgm:style>
+  </dgm:styleLbl>
+  <dgm:styleLbl name="parChTrans1D1">
+    <dgm:scene3d>
+      <a:camera prst="orthographicFront"/>
+      <a:lightRig rig="threePt" dir="t"/>
+    </dgm:scene3d>
+    <dgm:sp3d/>
+    <dgm:txPr/>
+    <dgm:style>
+      <a:lnRef idx="2">
+        <a:scrgbClr r="0" g="0" b="0"/>
+      </a:lnRef>
+      <a:fillRef idx="0">
+        <a:scrgbClr r="0" g="0" b="0"/>
+      </a:fillRef>
+      <a:effectRef idx="0">
+        <a:scrgbClr r="0" g="0" b="0"/>
+      </a:effectRef>
+      <a:fontRef idx="minor"/>
+    </dgm:style>
+  </dgm:styleLbl>
+  <dgm:styleLbl name="parChTrans1D2">
+    <dgm:scene3d>
+      <a:camera prst="orthographicFront"/>
+      <a:lightRig rig="threePt" dir="t"/>
+    </dgm:scene3d>
+    <dgm:sp3d/>
+    <dgm:txPr/>
+    <dgm:style>
+      <a:lnRef idx="2">
+        <a:scrgbClr r="0" g="0" b="0"/>
+      </a:lnRef>
+      <a:fillRef idx="0">
+        <a:scrgbClr r="0" g="0" b="0"/>
+      </a:fillRef>
+      <a:effectRef idx="0">
+        <a:scrgbClr r="0" g="0" b="0"/>
+      </a:effectRef>
+      <a:fontRef idx="minor"/>
+    </dgm:style>
+  </dgm:styleLbl>
+  <dgm:styleLbl name="parChTrans1D3">
+    <dgm:scene3d>
+      <a:camera prst="orthographicFront"/>
+      <a:lightRig rig="threePt" dir="t"/>
+    </dgm:scene3d>
+    <dgm:sp3d/>
+    <dgm:txPr/>
+    <dgm:style>
+      <a:lnRef idx="2">
+        <a:scrgbClr r="0" g="0" b="0"/>
+      </a:lnRef>
+      <a:fillRef idx="0">
+        <a:scrgbClr r="0" g="0" b="0"/>
+      </a:fillRef>
+      <a:effectRef idx="0">
+        <a:scrgbClr r="0" g="0" b="0"/>
+      </a:effectRef>
+      <a:fontRef idx="minor"/>
+    </dgm:style>
+  </dgm:styleLbl>
+  <dgm:styleLbl name="parChTrans1D4">
+    <dgm:scene3d>
+      <a:camera prst="orthographicFront"/>
+      <a:lightRig rig="threePt" dir="t"/>
+    </dgm:scene3d>
+    <dgm:sp3d/>
+    <dgm:txPr/>
+    <dgm:style>
+      <a:lnRef idx="2">
+        <a:scrgbClr r="0" g="0" b="0"/>
+      </a:lnRef>
+      <a:fillRef idx="0">
+        <a:scrgbClr r="0" g="0" b="0"/>
+      </a:fillRef>
+      <a:effectRef idx="0">
+        <a:scrgbClr r="0" g="0" b="0"/>
+      </a:effectRef>
+      <a:fontRef idx="minor"/>
+    </dgm:style>
+  </dgm:styleLbl>
+  <dgm:styleLbl name="fgAcc1">
+    <dgm:scene3d>
+      <a:camera prst="orthographicFront"/>
+      <a:lightRig rig="threePt" dir="t"/>
+    </dgm:scene3d>
+    <dgm:sp3d/>
+    <dgm:txPr/>
+    <dgm:style>
+      <a:lnRef idx="2">
+        <a:scrgbClr r="0" g="0" b="0"/>
+      </a:lnRef>
+      <a:fillRef idx="1">
+        <a:scrgbClr r="0" g="0" b="0"/>
+      </a:fillRef>
+      <a:effectRef idx="0">
+        <a:scrgbClr r="0" g="0" b="0"/>
+      </a:effectRef>
+      <a:fontRef idx="minor"/>
+    </dgm:style>
+  </dgm:styleLbl>
+  <dgm:styleLbl name="conFgAcc1">
+    <dgm:scene3d>
+      <a:camera prst="orthographicFront"/>
+      <a:lightRig rig="threePt" dir="t"/>
+    </dgm:scene3d>
+    <dgm:sp3d/>
+    <dgm:txPr/>
+    <dgm:style>
+      <a:lnRef idx="2">
+        <a:scrgbClr r="0" g="0" b="0"/>
+      </a:lnRef>
+      <a:fillRef idx="1">
+        <a:scrgbClr r="0" g="0" b="0"/>
+      </a:fillRef>
+      <a:effectRef idx="0">
+        <a:scrgbClr r="0" g="0" b="0"/>
+      </a:effectRef>
+      <a:fontRef idx="minor"/>
+    </dgm:style>
+  </dgm:styleLbl>
+  <dgm:styleLbl name="alignAcc1">
+    <dgm:scene3d>
+      <a:camera prst="orthographicFront"/>
+      <a:lightRig rig="threePt" dir="t"/>
+    </dgm:scene3d>
+    <dgm:sp3d/>
+    <dgm:txPr/>
+    <dgm:style>
+      <a:lnRef idx="2">
+        <a:scrgbClr r="0" g="0" b="0"/>
+      </a:lnRef>
+      <a:fillRef idx="1">
+        <a:scrgbClr r="0" g="0" b="0"/>
+      </a:fillRef>
+      <a:effectRef idx="0">
+        <a:scrgbClr r="0" g="0" b="0"/>
+      </a:effectRef>
+      <a:fontRef idx="minor"/>
+    </dgm:style>
+  </dgm:styleLbl>
+  <dgm:styleLbl name="trAlignAcc1">
+    <dgm:scene3d>
+      <a:camera prst="orthographicFront"/>
+      <a:lightRig rig="threePt" dir="t"/>
+    </dgm:scene3d>
+    <dgm:sp3d/>
+    <dgm:txPr/>
+    <dgm:style>
+      <a:lnRef idx="1">
+        <a:scrgbClr r="0" g="0" b="0"/>
+      </a:lnRef>
+      <a:fillRef idx="1">
+        <a:scrgbClr r="0" g="0" b="0"/>
+      </a:fillRef>
+      <a:effectRef idx="0">
+        <a:scrgbClr r="0" g="0" b="0"/>
+      </a:effectRef>
+      <a:fontRef idx="minor"/>
+    </dgm:style>
+  </dgm:styleLbl>
+  <dgm:styleLbl name="bgAcc1">
+    <dgm:scene3d>
+      <a:camera prst="orthographicFront"/>
+      <a:lightRig rig="threePt" dir="t"/>
+    </dgm:scene3d>
+    <dgm:sp3d/>
+    <dgm:txPr/>
+    <dgm:style>
+      <a:lnRef idx="2">
+        <a:scrgbClr r="0" g="0" b="0"/>
+      </a:lnRef>
+      <a:fillRef idx="1">
+        <a:scrgbClr r="0" g="0" b="0"/>
+      </a:fillRef>
+      <a:effectRef idx="0">
+        <a:scrgbClr r="0" g="0" b="0"/>
+      </a:effectRef>
+      <a:fontRef idx="minor"/>
+    </dgm:style>
+  </dgm:styleLbl>
+  <dgm:styleLbl name="solidFgAcc1">
+    <dgm:scene3d>
+      <a:camera prst="orthographicFront"/>
+      <a:lightRig rig="threePt" dir="t"/>
+    </dgm:scene3d>
+    <dgm:sp3d/>
+    <dgm:txPr/>
+    <dgm:style>
+      <a:lnRef idx="2">
+        <a:scrgbClr r="0" g="0" b="0"/>
+      </a:lnRef>
+      <a:fillRef idx="1">
+        <a:scrgbClr r="0" g="0" b="0"/>
+      </a:fillRef>
+      <a:effectRef idx="0">
+        <a:scrgbClr r="0" g="0" b="0"/>
+      </a:effectRef>
+      <a:fontRef idx="minor"/>
+    </dgm:style>
+  </dgm:styleLbl>
+  <dgm:styleLbl name="solidAlignAcc1">
+    <dgm:scene3d>
+      <a:camera prst="orthographicFront"/>
+      <a:lightRig rig="threePt" dir="t"/>
+    </dgm:scene3d>
+    <dgm:sp3d/>
+    <dgm:txPr/>
+    <dgm:style>
+      <a:lnRef idx="2">
+        <a:scrgbClr r="0" g="0" b="0"/>
+      </a:lnRef>
+      <a:fillRef idx="1">
+        <a:scrgbClr r="0" g="0" b="0"/>
+      </a:fillRef>
+      <a:effectRef idx="0">
+        <a:scrgbClr r="0" g="0" b="0"/>
+      </a:effectRef>
+      <a:fontRef idx="minor"/>
+    </dgm:style>
+  </dgm:styleLbl>
+  <dgm:styleLbl name="solidBgAcc1">
+    <dgm:scene3d>
+      <a:camera prst="orthographicFront"/>
+      <a:lightRig rig="threePt" dir="t"/>
+    </dgm:scene3d>
+    <dgm:sp3d/>
+    <dgm:txPr/>
+    <dgm:style>
+      <a:lnRef idx="2">
+        <a:scrgbClr r="0" g="0" b="0"/>
+      </a:lnRef>
+      <a:fillRef idx="1">
+        <a:scrgbClr r="0" g="0" b="0"/>
+      </a:fillRef>
+      <a:effectRef idx="0">
+        <a:scrgbClr r="0" g="0" b="0"/>
+      </a:effectRef>
+      <a:fontRef idx="minor"/>
+    </dgm:style>
+  </dgm:styleLbl>
+  <dgm:styleLbl name="fgAccFollowNode1">
+    <dgm:scene3d>
+      <a:camera prst="orthographicFront"/>
+      <a:lightRig rig="threePt" dir="t"/>
+    </dgm:scene3d>
+    <dgm:sp3d/>
+    <dgm:txPr/>
+    <dgm:style>
+      <a:lnRef idx="2">
+        <a:scrgbClr r="0" g="0" b="0"/>
+      </a:lnRef>
+      <a:fillRef idx="1">
+        <a:scrgbClr r="0" g="0" b="0"/>
+      </a:fillRef>
+      <a:effectRef idx="0">
+        <a:scrgbClr r="0" g="0" b="0"/>
+      </a:effectRef>
+      <a:fontRef idx="minor"/>
+    </dgm:style>
+  </dgm:styleLbl>
+  <dgm:styleLbl name="alignAccFollowNode1">
+    <dgm:scene3d>
+      <a:camera prst="orthographicFront"/>
+      <a:lightRig rig="threePt" dir="t"/>
+    </dgm:scene3d>
+    <dgm:sp3d/>
+    <dgm:txPr/>
+    <dgm:style>
+      <a:lnRef idx="2">
+        <a:scrgbClr r="0" g="0" b="0"/>
+      </a:lnRef>
+      <a:fillRef idx="1">
+        <a:scrgbClr r="0" g="0" b="0"/>
+      </a:fillRef>
+      <a:effectRef idx="0">
+        <a:scrgbClr r="0" g="0" b="0"/>
+      </a:effectRef>
+      <a:fontRef idx="minor"/>
+    </dgm:style>
+  </dgm:styleLbl>
+  <dgm:styleLbl name="bgAccFollowNode1">
+    <dgm:scene3d>
+      <a:camera prst="orthographicFront"/>
+      <a:lightRig rig="threePt" dir="t"/>
+    </dgm:scene3d>
+    <dgm:sp3d/>
+    <dgm:txPr/>
+    <dgm:style>
+      <a:lnRef idx="2">
+        <a:scrgbClr r="0" g="0" b="0"/>
+      </a:lnRef>
+      <a:fillRef idx="1">
+        <a:scrgbClr r="0" g="0" b="0"/>
+      </a:fillRef>
+      <a:effectRef idx="0">
+        <a:scrgbClr r="0" g="0" b="0"/>
+      </a:effectRef>
+      <a:fontRef idx="minor"/>
+    </dgm:style>
+  </dgm:styleLbl>
+  <dgm:styleLbl name="fgAcc0">
+    <dgm:scene3d>
+      <a:camera prst="orthographicFront"/>
+      <a:lightRig rig="threePt" dir="t"/>
+    </dgm:scene3d>
+    <dgm:sp3d/>
+    <dgm:txPr/>
+    <dgm:style>
+      <a:lnRef idx="2">
+        <a:scrgbClr r="0" g="0" b="0"/>
+      </a:lnRef>
+      <a:fillRef idx="1">
+        <a:scrgbClr r="0" g="0" b="0"/>
+      </a:fillRef>
+      <a:effectRef idx="0">
+        <a:scrgbClr r="0" g="0" b="0"/>
+      </a:effectRef>
+      <a:fontRef idx="minor"/>
+    </dgm:style>
+  </dgm:styleLbl>
+  <dgm:styleLbl name="fgAcc2">
+    <dgm:scene3d>
+      <a:camera prst="orthographicFront"/>
+      <a:lightRig rig="threePt" dir="t"/>
+    </dgm:scene3d>
+    <dgm:sp3d/>
+    <dgm:txPr/>
+    <dgm:style>
+      <a:lnRef idx="2">
+        <a:scrgbClr r="0" g="0" b="0"/>
+      </a:lnRef>
+      <a:fillRef idx="1">
+        <a:scrgbClr r="0" g="0" b="0"/>
+      </a:fillRef>
+      <a:effectRef idx="0">
+        <a:scrgbClr r="0" g="0" b="0"/>
+      </a:effectRef>
+      <a:fontRef idx="minor"/>
+    </dgm:style>
+  </dgm:styleLbl>
+  <dgm:styleLbl name="fgAcc3">
+    <dgm:scene3d>
+      <a:camera prst="orthographicFront"/>
+      <a:lightRig rig="threePt" dir="t"/>
+    </dgm:scene3d>
+    <dgm:sp3d/>
+    <dgm:txPr/>
+    <dgm:style>
+      <a:lnRef idx="2">
+        <a:scrgbClr r="0" g="0" b="0"/>
+      </a:lnRef>
+      <a:fillRef idx="1">
+        <a:scrgbClr r="0" g="0" b="0"/>
+      </a:fillRef>
+      <a:effectRef idx="0">
+        <a:scrgbClr r="0" g="0" b="0"/>
+      </a:effectRef>
+      <a:fontRef idx="minor"/>
+    </dgm:style>
+  </dgm:styleLbl>
+  <dgm:styleLbl name="fgAcc4">
+    <dgm:scene3d>
+      <a:camera prst="orthographicFront"/>
+      <a:lightRig rig="threePt" dir="t"/>
+    </dgm:scene3d>
+    <dgm:sp3d/>
+    <dgm:txPr/>
+    <dgm:style>
+      <a:lnRef idx="2">
+        <a:scrgbClr r="0" g="0" b="0"/>
+      </a:lnRef>
+      <a:fillRef idx="1">
+        <a:scrgbClr r="0" g="0" b="0"/>
+      </a:fillRef>
+      <a:effectRef idx="0">
+        <a:scrgbClr r="0" g="0" b="0"/>
+      </a:effectRef>
+      <a:fontRef idx="minor"/>
+    </dgm:style>
+  </dgm:styleLbl>
+  <dgm:styleLbl name="bgShp">
+    <dgm:scene3d>
+      <a:camera prst="orthographicFront"/>
+      <a:lightRig rig="threePt" dir="t"/>
+    </dgm:scene3d>
+    <dgm:sp3d/>
+    <dgm:txPr/>
+    <dgm:style>
+      <a:lnRef idx="0">
+        <a:scrgbClr r="0" g="0" b="0"/>
+      </a:lnRef>
+      <a:fillRef idx="1">
+        <a:scrgbClr r="0" g="0" b="0"/>
+      </a:fillRef>
+      <a:effectRef idx="0">
+        <a:scrgbClr r="0" g="0" b="0"/>
+      </a:effectRef>
+      <a:fontRef idx="minor"/>
+    </dgm:style>
+  </dgm:styleLbl>
+  <dgm:styleLbl name="dkBgShp">
+    <dgm:scene3d>
+      <a:camera prst="orthographicFront"/>
+      <a:lightRig rig="threePt" dir="t"/>
+    </dgm:scene3d>
+    <dgm:sp3d/>
+    <dgm:txPr/>
+    <dgm:style>
+      <a:lnRef idx="0">
+        <a:scrgbClr r="0" g="0" b="0"/>
+      </a:lnRef>
+      <a:fillRef idx="1">
+        <a:scrgbClr r="0" g="0" b="0"/>
+      </a:fillRef>
+      <a:effectRef idx="0">
+        <a:scrgbClr r="0" g="0" b="0"/>
+      </a:effectRef>
+      <a:fontRef idx="minor"/>
+    </dgm:style>
+  </dgm:styleLbl>
+  <dgm:styleLbl name="trBgShp">
+    <dgm:scene3d>
+      <a:camera prst="orthographicFront"/>
+      <a:lightRig rig="threePt" dir="t"/>
+    </dgm:scene3d>
+    <dgm:sp3d/>
+    <dgm:txPr/>
+    <dgm:style>
+      <a:lnRef idx="0">
+        <a:scrgbClr r="0" g="0" b="0"/>
+      </a:lnRef>
+      <a:fillRef idx="1">
+        <a:scrgbClr r="0" g="0" b="0"/>
+      </a:fillRef>
+      <a:effectRef idx="0">
+        <a:scrgbClr r="0" g="0" b="0"/>
+      </a:effectRef>
+      <a:fontRef idx="minor"/>
+    </dgm:style>
+  </dgm:styleLbl>
+  <dgm:styleLbl name="fgShp">
+    <dgm:scene3d>
+      <a:camera prst="orthographicFront"/>
+      <a:lightRig rig="threePt" dir="t"/>
+    </dgm:scene3d>
+    <dgm:sp3d/>
+    <dgm:txPr/>
+    <dgm:style>
+      <a:lnRef idx="2">
+        <a:scrgbClr r="0" g="0" b="0"/>
+      </a:lnRef>
+      <a:fillRef idx="1">
+        <a:scrgbClr r="0" g="0" b="0"/>
+      </a:fillRef>
+      <a:effectRef idx="0">
+        <a:scrgbClr r="0" g="0" b="0"/>
+      </a:effectRef>
+      <a:fontRef idx="minor"/>
+    </dgm:style>
+  </dgm:styleLbl>
+  <dgm:styleLbl name="revTx">
+    <dgm:scene3d>
+      <a:camera prst="orthographicFront"/>
+      <a:lightRig rig="threePt" dir="t"/>
+    </dgm:scene3d>
+    <dgm:sp3d/>
+    <dgm:txPr/>
+    <dgm:style>
+      <a:lnRef idx="0">
+        <a:scrgbClr r="0" g="0" b="0"/>
+      </a:lnRef>
+      <a:fillRef idx="0">
+        <a:scrgbClr r="0" g="0" b="0"/>
+      </a:fillRef>
+      <a:effectRef idx="0">
+        <a:scrgbClr r="0" g="0" b="0"/>
+      </a:effectRef>
+      <a:fontRef idx="minor"/>
+    </dgm:style>
+  </dgm:styleLbl>
+</dgm:styleDef>
+</file>
+
 <file path=ppt/slideLayouts/slideLayout1.xml><?xml version="1.0" encoding="utf-8"?>
 <p:sldLayout xmlns:a="http://schemas.openxmlformats.org/drawingml/2006/main" xmlns:r="http://schemas.openxmlformats.org/officeDocument/2006/relationships" xmlns:p="http://schemas.openxmlformats.org/presentationml/2006/main" type="title" preserve="1">
   <p:cSld name="Title Slide">
@@ -5702,7 +11443,7 @@
           <a:p>
             <a:fld id="{A80F9A5C-1441-486E-9C03-F12FDE2E90CA}" type="datetimeFigureOut">
               <a:rPr lang="en-US" smtClean="0"/>
-              <a:t>10/24/2019</a:t>
+              <a:t>10/25/2019</a:t>
             </a:fld>
             <a:endParaRPr lang="en-US"/>
           </a:p>
@@ -5870,7 +11611,7 @@
           <a:p>
             <a:fld id="{A80F9A5C-1441-486E-9C03-F12FDE2E90CA}" type="datetimeFigureOut">
               <a:rPr lang="en-US" smtClean="0"/>
-              <a:t>10/24/2019</a:t>
+              <a:t>10/25/2019</a:t>
             </a:fld>
             <a:endParaRPr lang="en-US"/>
           </a:p>
@@ -6048,7 +11789,7 @@
           <a:p>
             <a:fld id="{A80F9A5C-1441-486E-9C03-F12FDE2E90CA}" type="datetimeFigureOut">
               <a:rPr lang="en-US" smtClean="0"/>
-              <a:t>10/24/2019</a:t>
+              <a:t>10/25/2019</a:t>
             </a:fld>
             <a:endParaRPr lang="en-US"/>
           </a:p>
@@ -6216,7 +11957,7 @@
           <a:p>
             <a:fld id="{A80F9A5C-1441-486E-9C03-F12FDE2E90CA}" type="datetimeFigureOut">
               <a:rPr lang="en-US" smtClean="0"/>
-              <a:t>10/24/2019</a:t>
+              <a:t>10/25/2019</a:t>
             </a:fld>
             <a:endParaRPr lang="en-US"/>
           </a:p>
@@ -6461,7 +12202,7 @@
           <a:p>
             <a:fld id="{A80F9A5C-1441-486E-9C03-F12FDE2E90CA}" type="datetimeFigureOut">
               <a:rPr lang="en-US" smtClean="0"/>
-              <a:t>10/24/2019</a:t>
+              <a:t>10/25/2019</a:t>
             </a:fld>
             <a:endParaRPr lang="en-US"/>
           </a:p>
@@ -6690,7 +12431,7 @@
           <a:p>
             <a:fld id="{A80F9A5C-1441-486E-9C03-F12FDE2E90CA}" type="datetimeFigureOut">
               <a:rPr lang="en-US" smtClean="0"/>
-              <a:t>10/24/2019</a:t>
+              <a:t>10/25/2019</a:t>
             </a:fld>
             <a:endParaRPr lang="en-US"/>
           </a:p>
@@ -7054,7 +12795,7 @@
           <a:p>
             <a:fld id="{A80F9A5C-1441-486E-9C03-F12FDE2E90CA}" type="datetimeFigureOut">
               <a:rPr lang="en-US" smtClean="0"/>
-              <a:t>10/24/2019</a:t>
+              <a:t>10/25/2019</a:t>
             </a:fld>
             <a:endParaRPr lang="en-US"/>
           </a:p>
@@ -7171,7 +12912,7 @@
           <a:p>
             <a:fld id="{A80F9A5C-1441-486E-9C03-F12FDE2E90CA}" type="datetimeFigureOut">
               <a:rPr lang="en-US" smtClean="0"/>
-              <a:t>10/24/2019</a:t>
+              <a:t>10/25/2019</a:t>
             </a:fld>
             <a:endParaRPr lang="en-US"/>
           </a:p>
@@ -7266,7 +13007,7 @@
           <a:p>
             <a:fld id="{A80F9A5C-1441-486E-9C03-F12FDE2E90CA}" type="datetimeFigureOut">
               <a:rPr lang="en-US" smtClean="0"/>
-              <a:t>10/24/2019</a:t>
+              <a:t>10/25/2019</a:t>
             </a:fld>
             <a:endParaRPr lang="en-US"/>
           </a:p>
@@ -7541,7 +13282,7 @@
           <a:p>
             <a:fld id="{A80F9A5C-1441-486E-9C03-F12FDE2E90CA}" type="datetimeFigureOut">
               <a:rPr lang="en-US" smtClean="0"/>
-              <a:t>10/24/2019</a:t>
+              <a:t>10/25/2019</a:t>
             </a:fld>
             <a:endParaRPr lang="en-US"/>
           </a:p>
@@ -7793,7 +13534,7 @@
           <a:p>
             <a:fld id="{A80F9A5C-1441-486E-9C03-F12FDE2E90CA}" type="datetimeFigureOut">
               <a:rPr lang="en-US" smtClean="0"/>
-              <a:t>10/24/2019</a:t>
+              <a:t>10/25/2019</a:t>
             </a:fld>
             <a:endParaRPr lang="en-US"/>
           </a:p>
@@ -8004,7 +13745,7 @@
           <a:p>
             <a:fld id="{A80F9A5C-1441-486E-9C03-F12FDE2E90CA}" type="datetimeFigureOut">
               <a:rPr lang="en-US" smtClean="0"/>
-              <a:t>10/24/2019</a:t>
+              <a:t>10/25/2019</a:t>
             </a:fld>
             <a:endParaRPr lang="en-US"/>
           </a:p>
@@ -8710,10 +14451,814 @@
   <p:clrMapOvr>
     <a:masterClrMapping/>
   </p:clrMapOvr>
+  <p:timing>
+    <p:tnLst>
+      <p:par>
+        <p:cTn id="1" dur="indefinite" restart="never" nodeType="tmRoot">
+          <p:childTnLst>
+            <p:seq concurrent="1" nextAc="seek">
+              <p:cTn id="2" dur="indefinite" nodeType="mainSeq">
+                <p:childTnLst>
+                  <p:par>
+                    <p:cTn id="3" fill="hold">
+                      <p:stCondLst>
+                        <p:cond delay="indefinite"/>
+                      </p:stCondLst>
+                      <p:childTnLst>
+                        <p:par>
+                          <p:cTn id="4" fill="hold">
+                            <p:stCondLst>
+                              <p:cond delay="0"/>
+                            </p:stCondLst>
+                            <p:childTnLst>
+                              <p:par>
+                                <p:cTn id="5" presetID="10" presetClass="entr" presetSubtype="0" fill="hold" nodeType="clickEffect">
+                                  <p:stCondLst>
+                                    <p:cond delay="0"/>
+                                  </p:stCondLst>
+                                  <p:childTnLst>
+                                    <p:set>
+                                      <p:cBhvr>
+                                        <p:cTn id="6" dur="1" fill="hold">
+                                          <p:stCondLst>
+                                            <p:cond delay="0"/>
+                                          </p:stCondLst>
+                                        </p:cTn>
+                                        <p:tgtEl>
+                                          <p:spTgt spid="14"/>
+                                        </p:tgtEl>
+                                        <p:attrNameLst>
+                                          <p:attrName>style.visibility</p:attrName>
+                                        </p:attrNameLst>
+                                      </p:cBhvr>
+                                      <p:to>
+                                        <p:strVal val="visible"/>
+                                      </p:to>
+                                    </p:set>
+                                    <p:animEffect transition="in" filter="fade">
+                                      <p:cBhvr>
+                                        <p:cTn id="7" dur="500"/>
+                                        <p:tgtEl>
+                                          <p:spTgt spid="14"/>
+                                        </p:tgtEl>
+                                      </p:cBhvr>
+                                    </p:animEffect>
+                                  </p:childTnLst>
+                                </p:cTn>
+                              </p:par>
+                            </p:childTnLst>
+                          </p:cTn>
+                        </p:par>
+                      </p:childTnLst>
+                    </p:cTn>
+                  </p:par>
+                </p:childTnLst>
+              </p:cTn>
+              <p:prevCondLst>
+                <p:cond evt="onPrev" delay="0">
+                  <p:tgtEl>
+                    <p:sldTgt/>
+                  </p:tgtEl>
+                </p:cond>
+              </p:prevCondLst>
+              <p:nextCondLst>
+                <p:cond evt="onNext" delay="0">
+                  <p:tgtEl>
+                    <p:sldTgt/>
+                  </p:tgtEl>
+                </p:cond>
+              </p:nextCondLst>
+            </p:seq>
+          </p:childTnLst>
+        </p:cTn>
+      </p:par>
+    </p:tnLst>
+  </p:timing>
 </p:sld>
 </file>
 
 <file path=ppt/slides/slide11.xml><?xml version="1.0" encoding="utf-8"?>
+<p:sld xmlns:a="http://schemas.openxmlformats.org/drawingml/2006/main" xmlns:r="http://schemas.openxmlformats.org/officeDocument/2006/relationships" xmlns:p="http://schemas.openxmlformats.org/presentationml/2006/main">
+  <p:cSld>
+    <p:spTree>
+      <p:nvGrpSpPr>
+        <p:cNvPr id="1" name=""/>
+        <p:cNvGrpSpPr/>
+        <p:nvPr/>
+      </p:nvGrpSpPr>
+      <p:grpSpPr>
+        <a:xfrm>
+          <a:off x="0" y="0"/>
+          <a:ext cx="0" cy="0"/>
+          <a:chOff x="0" y="0"/>
+          <a:chExt cx="0" cy="0"/>
+        </a:xfrm>
+      </p:grpSpPr>
+      <p:sp>
+        <p:nvSpPr>
+          <p:cNvPr id="2" name="Title 1"/>
+          <p:cNvSpPr>
+            <a:spLocks noGrp="1"/>
+          </p:cNvSpPr>
+          <p:nvPr>
+            <p:ph type="title"/>
+          </p:nvPr>
+        </p:nvSpPr>
+        <p:spPr/>
+        <p:txBody>
+          <a:bodyPr/>
+          <a:lstStyle/>
+          <a:p>
+            <a:r>
+              <a:rPr lang="en-US" dirty="0"/>
+              <a:t>The Concept of Parametrized Model</a:t>
+            </a:r>
+          </a:p>
+        </p:txBody>
+      </p:sp>
+      <p:graphicFrame>
+        <p:nvGraphicFramePr>
+          <p:cNvPr id="4" name="Content Placeholder 3"/>
+          <p:cNvGraphicFramePr>
+            <a:graphicFrameLocks noGrp="1"/>
+          </p:cNvGraphicFramePr>
+          <p:nvPr>
+            <p:ph idx="1"/>
+            <p:extLst>
+              <p:ext uri="{D42A27DB-BD31-4B8C-83A1-F6EECF244321}">
+                <p14:modId xmlns:p14="http://schemas.microsoft.com/office/powerpoint/2010/main" val="3833089564"/>
+              </p:ext>
+            </p:extLst>
+          </p:nvPr>
+        </p:nvGraphicFramePr>
+        <p:xfrm>
+          <a:off x="4186311" y="1690688"/>
+          <a:ext cx="2453640" cy="3683170"/>
+        </p:xfrm>
+        <a:graphic>
+          <a:graphicData uri="http://schemas.openxmlformats.org/drawingml/2006/diagram">
+            <dgm:relIds xmlns:dgm="http://schemas.openxmlformats.org/drawingml/2006/diagram" xmlns:r="http://schemas.openxmlformats.org/officeDocument/2006/relationships" r:dm="rId2" r:lo="rId3" r:qs="rId4" r:cs="rId5"/>
+          </a:graphicData>
+        </a:graphic>
+      </p:graphicFrame>
+      <p:sp>
+        <p:nvSpPr>
+          <p:cNvPr id="5" name="Rectangle 4"/>
+          <p:cNvSpPr/>
+          <p:nvPr/>
+        </p:nvSpPr>
+        <p:spPr>
+          <a:xfrm>
+            <a:off x="4186311" y="1842868"/>
+            <a:ext cx="3002280" cy="3530990"/>
+          </a:xfrm>
+          <a:prstGeom prst="rect">
+            <a:avLst/>
+          </a:prstGeom>
+          <a:noFill/>
+          <a:ln w="57150" cap="flat" cmpd="sng" algn="ctr">
+            <a:solidFill>
+              <a:schemeClr val="accent1"/>
+            </a:solidFill>
+            <a:prstDash val="solid"/>
+            <a:round/>
+            <a:headEnd type="none" w="med" len="med"/>
+            <a:tailEnd type="none" w="med" len="med"/>
+          </a:ln>
+        </p:spPr>
+        <p:style>
+          <a:lnRef idx="0">
+            <a:scrgbClr r="0" g="0" b="0"/>
+          </a:lnRef>
+          <a:fillRef idx="0">
+            <a:scrgbClr r="0" g="0" b="0"/>
+          </a:fillRef>
+          <a:effectRef idx="0">
+            <a:scrgbClr r="0" g="0" b="0"/>
+          </a:effectRef>
+          <a:fontRef idx="minor">
+            <a:schemeClr val="accent1"/>
+          </a:fontRef>
+        </p:style>
+        <p:txBody>
+          <a:bodyPr rtlCol="0" anchor="t"/>
+          <a:lstStyle/>
+          <a:p>
+            <a:pPr algn="ctr"/>
+            <a:r>
+              <a:rPr lang="en-US" dirty="0"/>
+              <a:t>Model</a:t>
+            </a:r>
+          </a:p>
+        </p:txBody>
+      </p:sp>
+    </p:spTree>
+    <p:extLst>
+      <p:ext uri="{BB962C8B-B14F-4D97-AF65-F5344CB8AC3E}">
+        <p14:creationId xmlns:p14="http://schemas.microsoft.com/office/powerpoint/2010/main" val="3443786248"/>
+      </p:ext>
+    </p:extLst>
+  </p:cSld>
+  <p:clrMapOvr>
+    <a:masterClrMapping/>
+  </p:clrMapOvr>
+</p:sld>
+</file>
+
+<file path=ppt/slides/slide12.xml><?xml version="1.0" encoding="utf-8"?>
+<p:sld xmlns:a="http://schemas.openxmlformats.org/drawingml/2006/main" xmlns:r="http://schemas.openxmlformats.org/officeDocument/2006/relationships" xmlns:p="http://schemas.openxmlformats.org/presentationml/2006/main">
+  <p:cSld>
+    <p:spTree>
+      <p:nvGrpSpPr>
+        <p:cNvPr id="1" name=""/>
+        <p:cNvGrpSpPr/>
+        <p:nvPr/>
+      </p:nvGrpSpPr>
+      <p:grpSpPr>
+        <a:xfrm>
+          <a:off x="0" y="0"/>
+          <a:ext cx="0" cy="0"/>
+          <a:chOff x="0" y="0"/>
+          <a:chExt cx="0" cy="0"/>
+        </a:xfrm>
+      </p:grpSpPr>
+      <p:sp>
+        <p:nvSpPr>
+          <p:cNvPr id="2" name="Title 1"/>
+          <p:cNvSpPr>
+            <a:spLocks noGrp="1"/>
+          </p:cNvSpPr>
+          <p:nvPr>
+            <p:ph type="title"/>
+          </p:nvPr>
+        </p:nvSpPr>
+        <p:spPr/>
+        <p:txBody>
+          <a:bodyPr/>
+          <a:lstStyle/>
+          <a:p>
+            <a:r>
+              <a:rPr lang="en-US" dirty="0"/>
+              <a:t>Steps: </a:t>
+            </a:r>
+          </a:p>
+        </p:txBody>
+      </p:sp>
+      <p:sp>
+        <p:nvSpPr>
+          <p:cNvPr id="3" name="Content Placeholder 2"/>
+          <p:cNvSpPr>
+            <a:spLocks noGrp="1"/>
+          </p:cNvSpPr>
+          <p:nvPr>
+            <p:ph idx="1"/>
+          </p:nvPr>
+        </p:nvSpPr>
+        <p:spPr/>
+        <p:txBody>
+          <a:bodyPr/>
+          <a:lstStyle/>
+          <a:p>
+            <a:r>
+              <a:rPr lang="en-US" dirty="0"/>
+              <a:t>You need to have X and the True Y: </a:t>
+            </a:r>
+          </a:p>
+          <a:p>
+            <a:r>
+              <a:rPr lang="en-US" dirty="0"/>
+              <a:t>Start with initial model (random parameters).</a:t>
+            </a:r>
+          </a:p>
+          <a:p>
+            <a:r>
+              <a:rPr lang="en-US" dirty="0"/>
+              <a:t>Feed X into the model , and Compute predicted Y. </a:t>
+            </a:r>
+          </a:p>
+          <a:p>
+            <a:r>
+              <a:rPr lang="en-US" dirty="0"/>
+              <a:t>Compare predicted Y to True Y. </a:t>
+            </a:r>
+          </a:p>
+          <a:p>
+            <a:r>
+              <a:rPr lang="en-US" dirty="0"/>
+              <a:t>From the result of the comparison “modify” the model such that the next time you feed X into the model, the result will be more similar to True Y.  </a:t>
+            </a:r>
+          </a:p>
+        </p:txBody>
+      </p:sp>
+    </p:spTree>
+    <p:extLst>
+      <p:ext uri="{BB962C8B-B14F-4D97-AF65-F5344CB8AC3E}">
+        <p14:creationId xmlns:p14="http://schemas.microsoft.com/office/powerpoint/2010/main" val="120563053"/>
+      </p:ext>
+    </p:extLst>
+  </p:cSld>
+  <p:clrMapOvr>
+    <a:masterClrMapping/>
+  </p:clrMapOvr>
+  <p:timing>
+    <p:tnLst>
+      <p:par>
+        <p:cTn id="1" dur="indefinite" restart="never" nodeType="tmRoot">
+          <p:childTnLst>
+            <p:seq concurrent="1" nextAc="seek">
+              <p:cTn id="2" dur="indefinite" nodeType="mainSeq">
+                <p:childTnLst>
+                  <p:par>
+                    <p:cTn id="3" fill="hold">
+                      <p:stCondLst>
+                        <p:cond delay="indefinite"/>
+                      </p:stCondLst>
+                      <p:childTnLst>
+                        <p:par>
+                          <p:cTn id="4" fill="hold">
+                            <p:stCondLst>
+                              <p:cond delay="0"/>
+                            </p:stCondLst>
+                            <p:childTnLst>
+                              <p:par>
+                                <p:cTn id="5" presetID="10" presetClass="entr" presetSubtype="0" fill="hold" grpId="0" nodeType="clickEffect">
+                                  <p:stCondLst>
+                                    <p:cond delay="0"/>
+                                  </p:stCondLst>
+                                  <p:childTnLst>
+                                    <p:set>
+                                      <p:cBhvr>
+                                        <p:cTn id="6" dur="1" fill="hold">
+                                          <p:stCondLst>
+                                            <p:cond delay="0"/>
+                                          </p:stCondLst>
+                                        </p:cTn>
+                                        <p:tgtEl>
+                                          <p:spTgt spid="3">
+                                            <p:txEl>
+                                              <p:pRg st="0" end="0"/>
+                                            </p:txEl>
+                                          </p:spTgt>
+                                        </p:tgtEl>
+                                        <p:attrNameLst>
+                                          <p:attrName>style.visibility</p:attrName>
+                                        </p:attrNameLst>
+                                      </p:cBhvr>
+                                      <p:to>
+                                        <p:strVal val="visible"/>
+                                      </p:to>
+                                    </p:set>
+                                    <p:animEffect transition="in" filter="fade">
+                                      <p:cBhvr>
+                                        <p:cTn id="7" dur="500"/>
+                                        <p:tgtEl>
+                                          <p:spTgt spid="3">
+                                            <p:txEl>
+                                              <p:pRg st="0" end="0"/>
+                                            </p:txEl>
+                                          </p:spTgt>
+                                        </p:tgtEl>
+                                      </p:cBhvr>
+                                    </p:animEffect>
+                                  </p:childTnLst>
+                                </p:cTn>
+                              </p:par>
+                            </p:childTnLst>
+                          </p:cTn>
+                        </p:par>
+                      </p:childTnLst>
+                    </p:cTn>
+                  </p:par>
+                  <p:par>
+                    <p:cTn id="8" fill="hold">
+                      <p:stCondLst>
+                        <p:cond delay="indefinite"/>
+                      </p:stCondLst>
+                      <p:childTnLst>
+                        <p:par>
+                          <p:cTn id="9" fill="hold">
+                            <p:stCondLst>
+                              <p:cond delay="0"/>
+                            </p:stCondLst>
+                            <p:childTnLst>
+                              <p:par>
+                                <p:cTn id="10" presetID="10" presetClass="entr" presetSubtype="0" fill="hold" grpId="0" nodeType="clickEffect">
+                                  <p:stCondLst>
+                                    <p:cond delay="0"/>
+                                  </p:stCondLst>
+                                  <p:childTnLst>
+                                    <p:set>
+                                      <p:cBhvr>
+                                        <p:cTn id="11" dur="1" fill="hold">
+                                          <p:stCondLst>
+                                            <p:cond delay="0"/>
+                                          </p:stCondLst>
+                                        </p:cTn>
+                                        <p:tgtEl>
+                                          <p:spTgt spid="3">
+                                            <p:txEl>
+                                              <p:pRg st="1" end="1"/>
+                                            </p:txEl>
+                                          </p:spTgt>
+                                        </p:tgtEl>
+                                        <p:attrNameLst>
+                                          <p:attrName>style.visibility</p:attrName>
+                                        </p:attrNameLst>
+                                      </p:cBhvr>
+                                      <p:to>
+                                        <p:strVal val="visible"/>
+                                      </p:to>
+                                    </p:set>
+                                    <p:animEffect transition="in" filter="fade">
+                                      <p:cBhvr>
+                                        <p:cTn id="12" dur="500"/>
+                                        <p:tgtEl>
+                                          <p:spTgt spid="3">
+                                            <p:txEl>
+                                              <p:pRg st="1" end="1"/>
+                                            </p:txEl>
+                                          </p:spTgt>
+                                        </p:tgtEl>
+                                      </p:cBhvr>
+                                    </p:animEffect>
+                                  </p:childTnLst>
+                                </p:cTn>
+                              </p:par>
+                            </p:childTnLst>
+                          </p:cTn>
+                        </p:par>
+                      </p:childTnLst>
+                    </p:cTn>
+                  </p:par>
+                  <p:par>
+                    <p:cTn id="13" fill="hold">
+                      <p:stCondLst>
+                        <p:cond delay="indefinite"/>
+                      </p:stCondLst>
+                      <p:childTnLst>
+                        <p:par>
+                          <p:cTn id="14" fill="hold">
+                            <p:stCondLst>
+                              <p:cond delay="0"/>
+                            </p:stCondLst>
+                            <p:childTnLst>
+                              <p:par>
+                                <p:cTn id="15" presetID="10" presetClass="entr" presetSubtype="0" fill="hold" grpId="0" nodeType="clickEffect">
+                                  <p:stCondLst>
+                                    <p:cond delay="0"/>
+                                  </p:stCondLst>
+                                  <p:childTnLst>
+                                    <p:set>
+                                      <p:cBhvr>
+                                        <p:cTn id="16" dur="1" fill="hold">
+                                          <p:stCondLst>
+                                            <p:cond delay="0"/>
+                                          </p:stCondLst>
+                                        </p:cTn>
+                                        <p:tgtEl>
+                                          <p:spTgt spid="3">
+                                            <p:txEl>
+                                              <p:pRg st="2" end="2"/>
+                                            </p:txEl>
+                                          </p:spTgt>
+                                        </p:tgtEl>
+                                        <p:attrNameLst>
+                                          <p:attrName>style.visibility</p:attrName>
+                                        </p:attrNameLst>
+                                      </p:cBhvr>
+                                      <p:to>
+                                        <p:strVal val="visible"/>
+                                      </p:to>
+                                    </p:set>
+                                    <p:animEffect transition="in" filter="fade">
+                                      <p:cBhvr>
+                                        <p:cTn id="17" dur="500"/>
+                                        <p:tgtEl>
+                                          <p:spTgt spid="3">
+                                            <p:txEl>
+                                              <p:pRg st="2" end="2"/>
+                                            </p:txEl>
+                                          </p:spTgt>
+                                        </p:tgtEl>
+                                      </p:cBhvr>
+                                    </p:animEffect>
+                                  </p:childTnLst>
+                                </p:cTn>
+                              </p:par>
+                            </p:childTnLst>
+                          </p:cTn>
+                        </p:par>
+                      </p:childTnLst>
+                    </p:cTn>
+                  </p:par>
+                  <p:par>
+                    <p:cTn id="18" fill="hold">
+                      <p:stCondLst>
+                        <p:cond delay="indefinite"/>
+                      </p:stCondLst>
+                      <p:childTnLst>
+                        <p:par>
+                          <p:cTn id="19" fill="hold">
+                            <p:stCondLst>
+                              <p:cond delay="0"/>
+                            </p:stCondLst>
+                            <p:childTnLst>
+                              <p:par>
+                                <p:cTn id="20" presetID="10" presetClass="entr" presetSubtype="0" fill="hold" grpId="0" nodeType="clickEffect">
+                                  <p:stCondLst>
+                                    <p:cond delay="0"/>
+                                  </p:stCondLst>
+                                  <p:childTnLst>
+                                    <p:set>
+                                      <p:cBhvr>
+                                        <p:cTn id="21" dur="1" fill="hold">
+                                          <p:stCondLst>
+                                            <p:cond delay="0"/>
+                                          </p:stCondLst>
+                                        </p:cTn>
+                                        <p:tgtEl>
+                                          <p:spTgt spid="3">
+                                            <p:txEl>
+                                              <p:pRg st="3" end="3"/>
+                                            </p:txEl>
+                                          </p:spTgt>
+                                        </p:tgtEl>
+                                        <p:attrNameLst>
+                                          <p:attrName>style.visibility</p:attrName>
+                                        </p:attrNameLst>
+                                      </p:cBhvr>
+                                      <p:to>
+                                        <p:strVal val="visible"/>
+                                      </p:to>
+                                    </p:set>
+                                    <p:animEffect transition="in" filter="fade">
+                                      <p:cBhvr>
+                                        <p:cTn id="22" dur="500"/>
+                                        <p:tgtEl>
+                                          <p:spTgt spid="3">
+                                            <p:txEl>
+                                              <p:pRg st="3" end="3"/>
+                                            </p:txEl>
+                                          </p:spTgt>
+                                        </p:tgtEl>
+                                      </p:cBhvr>
+                                    </p:animEffect>
+                                  </p:childTnLst>
+                                </p:cTn>
+                              </p:par>
+                            </p:childTnLst>
+                          </p:cTn>
+                        </p:par>
+                      </p:childTnLst>
+                    </p:cTn>
+                  </p:par>
+                  <p:par>
+                    <p:cTn id="23" fill="hold">
+                      <p:stCondLst>
+                        <p:cond delay="indefinite"/>
+                      </p:stCondLst>
+                      <p:childTnLst>
+                        <p:par>
+                          <p:cTn id="24" fill="hold">
+                            <p:stCondLst>
+                              <p:cond delay="0"/>
+                            </p:stCondLst>
+                            <p:childTnLst>
+                              <p:par>
+                                <p:cTn id="25" presetID="10" presetClass="entr" presetSubtype="0" fill="hold" grpId="0" nodeType="clickEffect">
+                                  <p:stCondLst>
+                                    <p:cond delay="0"/>
+                                  </p:stCondLst>
+                                  <p:childTnLst>
+                                    <p:set>
+                                      <p:cBhvr>
+                                        <p:cTn id="26" dur="1" fill="hold">
+                                          <p:stCondLst>
+                                            <p:cond delay="0"/>
+                                          </p:stCondLst>
+                                        </p:cTn>
+                                        <p:tgtEl>
+                                          <p:spTgt spid="3">
+                                            <p:txEl>
+                                              <p:pRg st="4" end="4"/>
+                                            </p:txEl>
+                                          </p:spTgt>
+                                        </p:tgtEl>
+                                        <p:attrNameLst>
+                                          <p:attrName>style.visibility</p:attrName>
+                                        </p:attrNameLst>
+                                      </p:cBhvr>
+                                      <p:to>
+                                        <p:strVal val="visible"/>
+                                      </p:to>
+                                    </p:set>
+                                    <p:animEffect transition="in" filter="fade">
+                                      <p:cBhvr>
+                                        <p:cTn id="27" dur="500"/>
+                                        <p:tgtEl>
+                                          <p:spTgt spid="3">
+                                            <p:txEl>
+                                              <p:pRg st="4" end="4"/>
+                                            </p:txEl>
+                                          </p:spTgt>
+                                        </p:tgtEl>
+                                      </p:cBhvr>
+                                    </p:animEffect>
+                                  </p:childTnLst>
+                                </p:cTn>
+                              </p:par>
+                            </p:childTnLst>
+                          </p:cTn>
+                        </p:par>
+                      </p:childTnLst>
+                    </p:cTn>
+                  </p:par>
+                </p:childTnLst>
+              </p:cTn>
+              <p:prevCondLst>
+                <p:cond evt="onPrev" delay="0">
+                  <p:tgtEl>
+                    <p:sldTgt/>
+                  </p:tgtEl>
+                </p:cond>
+              </p:prevCondLst>
+              <p:nextCondLst>
+                <p:cond evt="onNext" delay="0">
+                  <p:tgtEl>
+                    <p:sldTgt/>
+                  </p:tgtEl>
+                </p:cond>
+              </p:nextCondLst>
+            </p:seq>
+          </p:childTnLst>
+        </p:cTn>
+      </p:par>
+    </p:tnLst>
+    <p:bldLst>
+      <p:bldP spid="3" grpId="0" build="p"/>
+    </p:bldLst>
+  </p:timing>
+</p:sld>
+</file>
+
+<file path=ppt/slides/slide13.xml><?xml version="1.0" encoding="utf-8"?>
+<p:sld xmlns:a="http://schemas.openxmlformats.org/drawingml/2006/main" xmlns:r="http://schemas.openxmlformats.org/officeDocument/2006/relationships" xmlns:p="http://schemas.openxmlformats.org/presentationml/2006/main">
+  <p:cSld>
+    <p:spTree>
+      <p:nvGrpSpPr>
+        <p:cNvPr id="1" name=""/>
+        <p:cNvGrpSpPr/>
+        <p:nvPr/>
+      </p:nvGrpSpPr>
+      <p:grpSpPr>
+        <a:xfrm>
+          <a:off x="0" y="0"/>
+          <a:ext cx="0" cy="0"/>
+          <a:chOff x="0" y="0"/>
+          <a:chExt cx="0" cy="0"/>
+        </a:xfrm>
+      </p:grpSpPr>
+      <p:grpSp>
+        <p:nvGrpSpPr>
+          <p:cNvPr id="2" name="Group 1"/>
+          <p:cNvGrpSpPr/>
+          <p:nvPr/>
+        </p:nvGrpSpPr>
+        <p:grpSpPr>
+          <a:xfrm>
+            <a:off x="2032000" y="604911"/>
+            <a:ext cx="8294624" cy="5533422"/>
+            <a:chOff x="2032000" y="604911"/>
+            <a:chExt cx="8294624" cy="5533422"/>
+          </a:xfrm>
+        </p:grpSpPr>
+        <p:graphicFrame>
+          <p:nvGraphicFramePr>
+            <p:cNvPr id="3" name="Diagram 2"/>
+            <p:cNvGraphicFramePr/>
+            <p:nvPr>
+              <p:extLst>
+                <p:ext uri="{D42A27DB-BD31-4B8C-83A1-F6EECF244321}">
+                  <p14:modId xmlns:p14="http://schemas.microsoft.com/office/powerpoint/2010/main" val="2040192027"/>
+                </p:ext>
+              </p:extLst>
+            </p:nvPr>
+          </p:nvGraphicFramePr>
+          <p:xfrm>
+            <a:off x="2032000" y="719666"/>
+            <a:ext cx="8128000" cy="5418667"/>
+          </p:xfrm>
+          <a:graphic>
+            <a:graphicData uri="http://schemas.openxmlformats.org/drawingml/2006/diagram">
+              <dgm:relIds xmlns:dgm="http://schemas.openxmlformats.org/drawingml/2006/diagram" xmlns:r="http://schemas.openxmlformats.org/officeDocument/2006/relationships" r:dm="rId2" r:lo="rId3" r:qs="rId4" r:cs="rId5"/>
+            </a:graphicData>
+          </a:graphic>
+        </p:graphicFrame>
+        <p:sp>
+          <p:nvSpPr>
+            <p:cNvPr id="4" name="Rectangle: Rounded Corners 3"/>
+            <p:cNvSpPr/>
+            <p:nvPr/>
+          </p:nvSpPr>
+          <p:spPr>
+            <a:xfrm>
+              <a:off x="4093699" y="604911"/>
+              <a:ext cx="1758461" cy="5533422"/>
+            </a:xfrm>
+            <a:prstGeom prst="roundRect">
+              <a:avLst/>
+            </a:prstGeom>
+            <a:noFill/>
+            <a:ln w="69850">
+              <a:solidFill>
+                <a:schemeClr val="accent2">
+                  <a:lumMod val="75000"/>
+                </a:schemeClr>
+              </a:solidFill>
+            </a:ln>
+          </p:spPr>
+          <p:style>
+            <a:lnRef idx="2">
+              <a:schemeClr val="accent1">
+                <a:shade val="50000"/>
+              </a:schemeClr>
+            </a:lnRef>
+            <a:fillRef idx="1">
+              <a:schemeClr val="accent1"/>
+            </a:fillRef>
+            <a:effectRef idx="0">
+              <a:schemeClr val="accent1"/>
+            </a:effectRef>
+            <a:fontRef idx="minor">
+              <a:schemeClr val="lt1"/>
+            </a:fontRef>
+          </p:style>
+          <p:txBody>
+            <a:bodyPr rtlCol="0" anchor="t"/>
+            <a:lstStyle/>
+            <a:p>
+              <a:pPr algn="ctr"/>
+              <a:r>
+                <a:rPr lang="en-US" sz="2000" dirty="0">
+                  <a:solidFill>
+                    <a:schemeClr val="tx1"/>
+                  </a:solidFill>
+                </a:rPr>
+                <a:t>Optimization</a:t>
+              </a:r>
+            </a:p>
+          </p:txBody>
+        </p:sp>
+        <p:cxnSp>
+          <p:nvCxnSpPr>
+            <p:cNvPr id="5" name="Connector: Curved 4"/>
+            <p:cNvCxnSpPr/>
+            <p:nvPr/>
+          </p:nvCxnSpPr>
+          <p:spPr>
+            <a:xfrm rot="10800000">
+              <a:off x="5961888" y="1377696"/>
+              <a:ext cx="4364736" cy="2072640"/>
+            </a:xfrm>
+            <a:prstGeom prst="curvedConnector3">
+              <a:avLst>
+                <a:gd name="adj1" fmla="val -27095"/>
+              </a:avLst>
+            </a:prstGeom>
+            <a:ln>
+              <a:tailEnd type="triangle"/>
+            </a:ln>
+          </p:spPr>
+          <p:style>
+            <a:lnRef idx="3">
+              <a:schemeClr val="dk1"/>
+            </a:lnRef>
+            <a:fillRef idx="0">
+              <a:schemeClr val="dk1"/>
+            </a:fillRef>
+            <a:effectRef idx="2">
+              <a:schemeClr val="dk1"/>
+            </a:effectRef>
+            <a:fontRef idx="minor">
+              <a:schemeClr val="tx1"/>
+            </a:fontRef>
+          </p:style>
+        </p:cxnSp>
+      </p:grpSp>
+    </p:spTree>
+    <p:extLst>
+      <p:ext uri="{BB962C8B-B14F-4D97-AF65-F5344CB8AC3E}">
+        <p14:creationId xmlns:p14="http://schemas.microsoft.com/office/powerpoint/2010/main" val="3348158585"/>
+      </p:ext>
+    </p:extLst>
+  </p:cSld>
+  <p:clrMapOvr>
+    <a:masterClrMapping/>
+  </p:clrMapOvr>
+</p:sld>
+</file>
+
+<file path=ppt/slides/slide14.xml><?xml version="1.0" encoding="utf-8"?>
 <p:sld xmlns:a="http://schemas.openxmlformats.org/drawingml/2006/main" xmlns:r="http://schemas.openxmlformats.org/officeDocument/2006/relationships" xmlns:p="http://schemas.openxmlformats.org/presentationml/2006/main">
   <p:cSld>
     <p:spTree>
@@ -8792,99 +15337,7 @@
 </p:sld>
 </file>
 
-<file path=ppt/slides/slide12.xml><?xml version="1.0" encoding="utf-8"?>
-<p:sld xmlns:a="http://schemas.openxmlformats.org/drawingml/2006/main" xmlns:r="http://schemas.openxmlformats.org/officeDocument/2006/relationships" xmlns:p="http://schemas.openxmlformats.org/presentationml/2006/main">
-  <p:cSld>
-    <p:spTree>
-      <p:nvGrpSpPr>
-        <p:cNvPr id="1" name=""/>
-        <p:cNvGrpSpPr/>
-        <p:nvPr/>
-      </p:nvGrpSpPr>
-      <p:grpSpPr>
-        <a:xfrm>
-          <a:off x="0" y="0"/>
-          <a:ext cx="0" cy="0"/>
-          <a:chOff x="0" y="0"/>
-          <a:chExt cx="0" cy="0"/>
-        </a:xfrm>
-      </p:grpSpPr>
-      <p:sp>
-        <p:nvSpPr>
-          <p:cNvPr id="2" name="Title 1"/>
-          <p:cNvSpPr>
-            <a:spLocks noGrp="1"/>
-          </p:cNvSpPr>
-          <p:nvPr>
-            <p:ph type="title"/>
-          </p:nvPr>
-        </p:nvSpPr>
-        <p:spPr/>
-        <p:txBody>
-          <a:bodyPr/>
-          <a:lstStyle/>
-          <a:p>
-            <a:r>
-              <a:rPr lang="en-US" dirty="0"/>
-              <a:t>Underfitting Vs Overfitting</a:t>
-            </a:r>
-          </a:p>
-        </p:txBody>
-      </p:sp>
-      <p:sp>
-        <p:nvSpPr>
-          <p:cNvPr id="3" name="Content Placeholder 2"/>
-          <p:cNvSpPr>
-            <a:spLocks noGrp="1"/>
-          </p:cNvSpPr>
-          <p:nvPr>
-            <p:ph idx="1"/>
-          </p:nvPr>
-        </p:nvSpPr>
-        <p:spPr/>
-        <p:txBody>
-          <a:bodyPr/>
-          <a:lstStyle/>
-          <a:p>
-            <a:r>
-              <a:rPr lang="en-US" dirty="0" err="1"/>
-              <a:t>BBBBut</a:t>
-            </a:r>
-            <a:r>
-              <a:rPr lang="en-US" dirty="0"/>
-              <a:t> why overfitting is bad ?  It doesn’t make sense. </a:t>
-            </a:r>
-          </a:p>
-          <a:p>
-            <a:r>
-              <a:rPr lang="en-US" dirty="0"/>
-              <a:t>The </a:t>
-            </a:r>
-            <a:r>
-              <a:rPr lang="en-US" dirty="0" err="1"/>
-              <a:t>sweetspot</a:t>
-            </a:r>
-            <a:r>
-              <a:rPr lang="en-US" dirty="0"/>
-              <a:t>. </a:t>
-            </a:r>
-          </a:p>
-        </p:txBody>
-      </p:sp>
-    </p:spTree>
-    <p:extLst>
-      <p:ext uri="{BB962C8B-B14F-4D97-AF65-F5344CB8AC3E}">
-        <p14:creationId xmlns:p14="http://schemas.microsoft.com/office/powerpoint/2010/main" val="2875897447"/>
-      </p:ext>
-    </p:extLst>
-  </p:cSld>
-  <p:clrMapOvr>
-    <a:masterClrMapping/>
-  </p:clrMapOvr>
-</p:sld>
-</file>
-
-<file path=ppt/slides/slide13.xml><?xml version="1.0" encoding="utf-8"?>
+<file path=ppt/slides/slide15.xml><?xml version="1.0" encoding="utf-8"?>
 <p:sld xmlns:a="http://schemas.openxmlformats.org/drawingml/2006/main" xmlns:r="http://schemas.openxmlformats.org/officeDocument/2006/relationships" xmlns:p="http://schemas.openxmlformats.org/presentationml/2006/main">
   <p:cSld>
     <p:spTree>
@@ -9103,7 +15556,7 @@
 </p:sld>
 </file>
 
-<file path=ppt/slides/slide14.xml><?xml version="1.0" encoding="utf-8"?>
+<file path=ppt/slides/slide16.xml><?xml version="1.0" encoding="utf-8"?>
 <p:sld xmlns:a="http://schemas.openxmlformats.org/drawingml/2006/main" xmlns:r="http://schemas.openxmlformats.org/officeDocument/2006/relationships" xmlns:p="http://schemas.openxmlformats.org/presentationml/2006/main">
   <p:cSld>
     <p:spTree>
@@ -9132,17 +15585,66 @@
         </p:nvSpPr>
         <p:spPr/>
         <p:txBody>
-          <a:bodyPr/>
+          <a:bodyPr>
+            <a:noAutofit/>
+          </a:bodyPr>
           <a:lstStyle/>
           <a:p>
+            <a:pPr algn="ctr"/>
             <a:r>
-              <a:rPr lang="en-US" dirty="0"/>
+              <a:rPr lang="en-US" sz="3600" dirty="0"/>
+              <a:t>Machine Learning learns based on correlation. </a:t>
+            </a:r>
+            <a:br>
+              <a:rPr lang="en-US" sz="3600" dirty="0"/>
+            </a:br>
+            <a:r>
+              <a:rPr lang="en-US" sz="3600" dirty="0"/>
+              <a:t>Correlation ≠ Causation</a:t>
+            </a:r>
+            <a:br>
+              <a:rPr lang="en-US" sz="3600" dirty="0"/>
+            </a:br>
+            <a:r>
+              <a:rPr lang="en-US" sz="3600" dirty="0"/>
               <a:t>Pigeon superstition</a:t>
             </a:r>
-            <a:endParaRPr lang="en-US" dirty="0"/>
           </a:p>
         </p:txBody>
       </p:sp>
+      <p:pic>
+        <p:nvPicPr>
+          <p:cNvPr id="4" name="Pigeon Superstition Experiment">
+            <a:hlinkClick r:id="" action="ppaction://media"/>
+          </p:cNvPr>
+          <p:cNvPicPr>
+            <a:picLocks noChangeAspect="1"/>
+          </p:cNvPicPr>
+          <p:nvPr>
+            <a:videoFile r:link="rId2"/>
+            <p:extLst>
+              <p:ext uri="{DAA4B4D4-6D71-4841-9C94-3DE7FCFB9230}">
+                <p14:media xmlns:p14="http://schemas.microsoft.com/office/powerpoint/2010/main" r:embed="rId1"/>
+              </p:ext>
+            </p:extLst>
+          </p:nvPr>
+        </p:nvPicPr>
+        <p:blipFill>
+          <a:blip r:embed="rId4"/>
+          <a:stretch>
+            <a:fillRect/>
+          </a:stretch>
+        </p:blipFill>
+        <p:spPr>
+          <a:xfrm>
+            <a:off x="2033587" y="1803229"/>
+            <a:ext cx="8124825" cy="4572000"/>
+          </a:xfrm>
+          <a:prstGeom prst="rect">
+            <a:avLst/>
+          </a:prstGeom>
+        </p:spPr>
+      </p:pic>
     </p:spTree>
     <p:extLst>
       <p:ext uri="{BB962C8B-B14F-4D97-AF65-F5344CB8AC3E}">
@@ -9153,10 +15655,90 @@
   <p:clrMapOvr>
     <a:masterClrMapping/>
   </p:clrMapOvr>
+  <p:timing>
+    <p:tnLst>
+      <p:par>
+        <p:cTn id="1" dur="indefinite" restart="never" nodeType="tmRoot">
+          <p:childTnLst>
+            <p:seq concurrent="1" nextAc="seek">
+              <p:cTn id="2" restart="whenNotActive" fill="hold" evtFilter="cancelBubble" nodeType="interactiveSeq">
+                <p:stCondLst>
+                  <p:cond evt="onClick" delay="0">
+                    <p:tgtEl>
+                      <p:spTgt spid="4"/>
+                    </p:tgtEl>
+                  </p:cond>
+                </p:stCondLst>
+                <p:endSync evt="end" delay="0">
+                  <p:rtn val="all"/>
+                </p:endSync>
+                <p:childTnLst>
+                  <p:par>
+                    <p:cTn id="3" fill="hold">
+                      <p:stCondLst>
+                        <p:cond delay="0"/>
+                      </p:stCondLst>
+                      <p:childTnLst>
+                        <p:par>
+                          <p:cTn id="4" fill="hold">
+                            <p:stCondLst>
+                              <p:cond delay="0"/>
+                            </p:stCondLst>
+                            <p:childTnLst>
+                              <p:par>
+                                <p:cTn id="5" presetID="2" presetClass="mediacall" presetSubtype="0" fill="hold" nodeType="clickEffect">
+                                  <p:stCondLst>
+                                    <p:cond delay="0"/>
+                                  </p:stCondLst>
+                                  <p:childTnLst>
+                                    <p:cmd type="call" cmd="togglePause">
+                                      <p:cBhvr>
+                                        <p:cTn id="6" dur="1" fill="hold"/>
+                                        <p:tgtEl>
+                                          <p:spTgt spid="4"/>
+                                        </p:tgtEl>
+                                      </p:cBhvr>
+                                    </p:cmd>
+                                  </p:childTnLst>
+                                </p:cTn>
+                              </p:par>
+                            </p:childTnLst>
+                          </p:cTn>
+                        </p:par>
+                      </p:childTnLst>
+                    </p:cTn>
+                  </p:par>
+                </p:childTnLst>
+              </p:cTn>
+              <p:nextCondLst>
+                <p:cond evt="onClick" delay="0">
+                  <p:tgtEl>
+                    <p:spTgt spid="4"/>
+                  </p:tgtEl>
+                </p:cond>
+              </p:nextCondLst>
+            </p:seq>
+            <p:video>
+              <p:cMediaNode vol="80000">
+                <p:cTn id="7" fill="hold" display="0">
+                  <p:stCondLst>
+                    <p:cond delay="indefinite"/>
+                  </p:stCondLst>
+                </p:cTn>
+                <p:tgtEl>
+                  <p:spTgt spid="4"/>
+                </p:tgtEl>
+              </p:cMediaNode>
+            </p:video>
+          </p:childTnLst>
+        </p:cTn>
+      </p:par>
+    </p:tnLst>
+  </p:timing>
 </p:sld>
 </file>
 
-<file path=ppt/slides/slide15.xml><?xml version="1.0" encoding="utf-8"?>
+<file path=ppt/slides/slide17.xml><?xml version="1.0" encoding="utf-8"?>
 <p:sld xmlns:a="http://schemas.openxmlformats.org/drawingml/2006/main" xmlns:r="http://schemas.openxmlformats.org/officeDocument/2006/relationships" xmlns:p="http://schemas.openxmlformats.org/presentationml/2006/main">
   <p:cSld>
     <p:spTree>
@@ -9195,25 +15777,6 @@
           </a:p>
         </p:txBody>
       </p:sp>
-      <p:sp>
-        <p:nvSpPr>
-          <p:cNvPr id="3" name="Content Placeholder 2"/>
-          <p:cNvSpPr>
-            <a:spLocks noGrp="1"/>
-          </p:cNvSpPr>
-          <p:nvPr>
-            <p:ph idx="1"/>
-          </p:nvPr>
-        </p:nvSpPr>
-        <p:spPr/>
-        <p:txBody>
-          <a:bodyPr/>
-          <a:lstStyle/>
-          <a:p>
-            <a:endParaRPr lang="en-US"/>
-          </a:p>
-        </p:txBody>
-      </p:sp>
     </p:spTree>
     <p:extLst>
       <p:ext uri="{BB962C8B-B14F-4D97-AF65-F5344CB8AC3E}">
@@ -9227,7 +15790,7 @@
 </p:sld>
 </file>
 
-<file path=ppt/slides/slide16.xml><?xml version="1.0" encoding="utf-8"?>
+<file path=ppt/slides/slide18.xml><?xml version="1.0" encoding="utf-8"?>
 <p:sld xmlns:a="http://schemas.openxmlformats.org/drawingml/2006/main" xmlns:r="http://schemas.openxmlformats.org/officeDocument/2006/relationships" xmlns:p="http://schemas.openxmlformats.org/presentationml/2006/main">
   <p:cSld>
     <p:spTree>
@@ -9481,7 +16044,7 @@
         </p:nvSpPr>
         <p:spPr>
           <a:xfrm>
-            <a:off x="1088136" y="2307209"/>
+            <a:off x="838200" y="2026793"/>
             <a:ext cx="10515600" cy="4351338"/>
           </a:xfrm>
           <a:prstGeom prst="rect">
@@ -9709,6 +16272,92 @@
   <p:clrMapOvr>
     <a:masterClrMapping/>
   </p:clrMapOvr>
+  <p:timing>
+    <p:tnLst>
+      <p:par>
+        <p:cTn id="1" dur="indefinite" restart="never" nodeType="tmRoot">
+          <p:childTnLst>
+            <p:seq concurrent="1" nextAc="seek">
+              <p:cTn id="2" dur="indefinite" nodeType="mainSeq">
+                <p:childTnLst>
+                  <p:par>
+                    <p:cTn id="3" fill="hold">
+                      <p:stCondLst>
+                        <p:cond delay="indefinite"/>
+                      </p:stCondLst>
+                      <p:childTnLst>
+                        <p:par>
+                          <p:cTn id="4" fill="hold">
+                            <p:stCondLst>
+                              <p:cond delay="0"/>
+                            </p:stCondLst>
+                            <p:childTnLst>
+                              <p:par>
+                                <p:cTn id="5" presetID="10" presetClass="entr" presetSubtype="0" fill="hold" grpId="0" nodeType="clickEffect">
+                                  <p:stCondLst>
+                                    <p:cond delay="0"/>
+                                  </p:stCondLst>
+                                  <p:childTnLst>
+                                    <p:set>
+                                      <p:cBhvr>
+                                        <p:cTn id="6" dur="1" fill="hold">
+                                          <p:stCondLst>
+                                            <p:cond delay="0"/>
+                                          </p:stCondLst>
+                                        </p:cTn>
+                                        <p:tgtEl>
+                                          <p:spTgt spid="4"/>
+                                        </p:tgtEl>
+                                        <p:attrNameLst>
+                                          <p:attrName>style.visibility</p:attrName>
+                                        </p:attrNameLst>
+                                      </p:cBhvr>
+                                      <p:to>
+                                        <p:strVal val="visible"/>
+                                      </p:to>
+                                    </p:set>
+                                    <p:animEffect transition="in" filter="fade">
+                                      <p:cBhvr>
+                                        <p:cTn id="7" dur="500"/>
+                                        <p:tgtEl>
+                                          <p:spTgt spid="4"/>
+                                        </p:tgtEl>
+                                      </p:cBhvr>
+                                    </p:animEffect>
+                                  </p:childTnLst>
+                                </p:cTn>
+                              </p:par>
+                            </p:childTnLst>
+                          </p:cTn>
+                        </p:par>
+                      </p:childTnLst>
+                    </p:cTn>
+                  </p:par>
+                </p:childTnLst>
+              </p:cTn>
+              <p:prevCondLst>
+                <p:cond evt="onPrev" delay="0">
+                  <p:tgtEl>
+                    <p:sldTgt/>
+                  </p:tgtEl>
+                </p:cond>
+              </p:prevCondLst>
+              <p:nextCondLst>
+                <p:cond evt="onNext" delay="0">
+                  <p:tgtEl>
+                    <p:sldTgt/>
+                  </p:tgtEl>
+                </p:cond>
+              </p:nextCondLst>
+            </p:seq>
+          </p:childTnLst>
+        </p:cTn>
+      </p:par>
+    </p:tnLst>
+    <p:bldLst>
+      <p:bldP spid="4" grpId="0"/>
+    </p:bldLst>
+  </p:timing>
 </p:sld>
 </file>
 
@@ -10422,6 +17071,374 @@
   <p:clrMapOvr>
     <a:masterClrMapping/>
   </p:clrMapOvr>
+  <p:timing>
+    <p:tnLst>
+      <p:par>
+        <p:cTn id="1" dur="indefinite" restart="never" nodeType="tmRoot">
+          <p:childTnLst>
+            <p:seq concurrent="1" nextAc="seek">
+              <p:cTn id="2" dur="indefinite" nodeType="mainSeq">
+                <p:childTnLst>
+                  <p:par>
+                    <p:cTn id="3" fill="hold">
+                      <p:stCondLst>
+                        <p:cond delay="indefinite"/>
+                      </p:stCondLst>
+                      <p:childTnLst>
+                        <p:par>
+                          <p:cTn id="4" fill="hold">
+                            <p:stCondLst>
+                              <p:cond delay="0"/>
+                            </p:stCondLst>
+                            <p:childTnLst>
+                              <p:par>
+                                <p:cTn id="5" presetID="10" presetClass="entr" presetSubtype="0" fill="hold" grpId="0" nodeType="clickEffect">
+                                  <p:stCondLst>
+                                    <p:cond delay="0"/>
+                                  </p:stCondLst>
+                                  <p:childTnLst>
+                                    <p:set>
+                                      <p:cBhvr>
+                                        <p:cTn id="6" dur="1" fill="hold">
+                                          <p:stCondLst>
+                                            <p:cond delay="0"/>
+                                          </p:stCondLst>
+                                        </p:cTn>
+                                        <p:tgtEl>
+                                          <p:spTgt spid="2"/>
+                                        </p:tgtEl>
+                                        <p:attrNameLst>
+                                          <p:attrName>style.visibility</p:attrName>
+                                        </p:attrNameLst>
+                                      </p:cBhvr>
+                                      <p:to>
+                                        <p:strVal val="visible"/>
+                                      </p:to>
+                                    </p:set>
+                                    <p:animEffect transition="in" filter="fade">
+                                      <p:cBhvr>
+                                        <p:cTn id="7" dur="500"/>
+                                        <p:tgtEl>
+                                          <p:spTgt spid="2"/>
+                                        </p:tgtEl>
+                                      </p:cBhvr>
+                                    </p:animEffect>
+                                  </p:childTnLst>
+                                </p:cTn>
+                              </p:par>
+                            </p:childTnLst>
+                          </p:cTn>
+                        </p:par>
+                      </p:childTnLst>
+                    </p:cTn>
+                  </p:par>
+                  <p:par>
+                    <p:cTn id="8" fill="hold">
+                      <p:stCondLst>
+                        <p:cond delay="indefinite"/>
+                      </p:stCondLst>
+                      <p:childTnLst>
+                        <p:par>
+                          <p:cTn id="9" fill="hold">
+                            <p:stCondLst>
+                              <p:cond delay="0"/>
+                            </p:stCondLst>
+                            <p:childTnLst>
+                              <p:par>
+                                <p:cTn id="10" presetID="10" presetClass="entr" presetSubtype="0" fill="hold" grpId="0" nodeType="clickEffect">
+                                  <p:stCondLst>
+                                    <p:cond delay="0"/>
+                                  </p:stCondLst>
+                                  <p:childTnLst>
+                                    <p:set>
+                                      <p:cBhvr>
+                                        <p:cTn id="11" dur="1" fill="hold">
+                                          <p:stCondLst>
+                                            <p:cond delay="0"/>
+                                          </p:stCondLst>
+                                        </p:cTn>
+                                        <p:tgtEl>
+                                          <p:spTgt spid="3">
+                                            <p:txEl>
+                                              <p:pRg st="0" end="0"/>
+                                            </p:txEl>
+                                          </p:spTgt>
+                                        </p:tgtEl>
+                                        <p:attrNameLst>
+                                          <p:attrName>style.visibility</p:attrName>
+                                        </p:attrNameLst>
+                                      </p:cBhvr>
+                                      <p:to>
+                                        <p:strVal val="visible"/>
+                                      </p:to>
+                                    </p:set>
+                                    <p:animEffect transition="in" filter="fade">
+                                      <p:cBhvr>
+                                        <p:cTn id="12" dur="500"/>
+                                        <p:tgtEl>
+                                          <p:spTgt spid="3">
+                                            <p:txEl>
+                                              <p:pRg st="0" end="0"/>
+                                            </p:txEl>
+                                          </p:spTgt>
+                                        </p:tgtEl>
+                                      </p:cBhvr>
+                                    </p:animEffect>
+                                  </p:childTnLst>
+                                </p:cTn>
+                              </p:par>
+                            </p:childTnLst>
+                          </p:cTn>
+                        </p:par>
+                      </p:childTnLst>
+                    </p:cTn>
+                  </p:par>
+                  <p:par>
+                    <p:cTn id="13" fill="hold">
+                      <p:stCondLst>
+                        <p:cond delay="indefinite"/>
+                      </p:stCondLst>
+                      <p:childTnLst>
+                        <p:par>
+                          <p:cTn id="14" fill="hold">
+                            <p:stCondLst>
+                              <p:cond delay="0"/>
+                            </p:stCondLst>
+                            <p:childTnLst>
+                              <p:par>
+                                <p:cTn id="15" presetID="10" presetClass="entr" presetSubtype="0" fill="hold" nodeType="clickEffect">
+                                  <p:stCondLst>
+                                    <p:cond delay="0"/>
+                                  </p:stCondLst>
+                                  <p:childTnLst>
+                                    <p:set>
+                                      <p:cBhvr>
+                                        <p:cTn id="16" dur="1" fill="hold">
+                                          <p:stCondLst>
+                                            <p:cond delay="0"/>
+                                          </p:stCondLst>
+                                        </p:cTn>
+                                        <p:tgtEl>
+                                          <p:spTgt spid="4"/>
+                                        </p:tgtEl>
+                                        <p:attrNameLst>
+                                          <p:attrName>style.visibility</p:attrName>
+                                        </p:attrNameLst>
+                                      </p:cBhvr>
+                                      <p:to>
+                                        <p:strVal val="visible"/>
+                                      </p:to>
+                                    </p:set>
+                                    <p:animEffect transition="in" filter="fade">
+                                      <p:cBhvr>
+                                        <p:cTn id="17" dur="500"/>
+                                        <p:tgtEl>
+                                          <p:spTgt spid="4"/>
+                                        </p:tgtEl>
+                                      </p:cBhvr>
+                                    </p:animEffect>
+                                  </p:childTnLst>
+                                </p:cTn>
+                              </p:par>
+                            </p:childTnLst>
+                          </p:cTn>
+                        </p:par>
+                      </p:childTnLst>
+                    </p:cTn>
+                  </p:par>
+                  <p:par>
+                    <p:cTn id="18" fill="hold">
+                      <p:stCondLst>
+                        <p:cond delay="indefinite"/>
+                      </p:stCondLst>
+                      <p:childTnLst>
+                        <p:par>
+                          <p:cTn id="19" fill="hold">
+                            <p:stCondLst>
+                              <p:cond delay="0"/>
+                            </p:stCondLst>
+                            <p:childTnLst>
+                              <p:par>
+                                <p:cTn id="20" presetID="10" presetClass="entr" presetSubtype="0" fill="hold" grpId="0" nodeType="clickEffect">
+                                  <p:stCondLst>
+                                    <p:cond delay="0"/>
+                                  </p:stCondLst>
+                                  <p:childTnLst>
+                                    <p:set>
+                                      <p:cBhvr>
+                                        <p:cTn id="21" dur="1" fill="hold">
+                                          <p:stCondLst>
+                                            <p:cond delay="0"/>
+                                          </p:stCondLst>
+                                        </p:cTn>
+                                        <p:tgtEl>
+                                          <p:spTgt spid="3">
+                                            <p:txEl>
+                                              <p:pRg st="5" end="5"/>
+                                            </p:txEl>
+                                          </p:spTgt>
+                                        </p:tgtEl>
+                                        <p:attrNameLst>
+                                          <p:attrName>style.visibility</p:attrName>
+                                        </p:attrNameLst>
+                                      </p:cBhvr>
+                                      <p:to>
+                                        <p:strVal val="visible"/>
+                                      </p:to>
+                                    </p:set>
+                                    <p:animEffect transition="in" filter="fade">
+                                      <p:cBhvr>
+                                        <p:cTn id="22" dur="500"/>
+                                        <p:tgtEl>
+                                          <p:spTgt spid="3">
+                                            <p:txEl>
+                                              <p:pRg st="5" end="5"/>
+                                            </p:txEl>
+                                          </p:spTgt>
+                                        </p:tgtEl>
+                                      </p:cBhvr>
+                                    </p:animEffect>
+                                  </p:childTnLst>
+                                </p:cTn>
+                              </p:par>
+                            </p:childTnLst>
+                          </p:cTn>
+                        </p:par>
+                      </p:childTnLst>
+                    </p:cTn>
+                  </p:par>
+                  <p:par>
+                    <p:cTn id="23" fill="hold">
+                      <p:stCondLst>
+                        <p:cond delay="indefinite"/>
+                      </p:stCondLst>
+                      <p:childTnLst>
+                        <p:par>
+                          <p:cTn id="24" fill="hold">
+                            <p:stCondLst>
+                              <p:cond delay="0"/>
+                            </p:stCondLst>
+                            <p:childTnLst>
+                              <p:par>
+                                <p:cTn id="25" presetID="10" presetClass="entr" presetSubtype="0" fill="hold" nodeType="clickEffect">
+                                  <p:stCondLst>
+                                    <p:cond delay="0"/>
+                                  </p:stCondLst>
+                                  <p:childTnLst>
+                                    <p:set>
+                                      <p:cBhvr>
+                                        <p:cTn id="26" dur="1" fill="hold">
+                                          <p:stCondLst>
+                                            <p:cond delay="0"/>
+                                          </p:stCondLst>
+                                        </p:cTn>
+                                        <p:tgtEl>
+                                          <p:spTgt spid="6"/>
+                                        </p:tgtEl>
+                                        <p:attrNameLst>
+                                          <p:attrName>style.visibility</p:attrName>
+                                        </p:attrNameLst>
+                                      </p:cBhvr>
+                                      <p:to>
+                                        <p:strVal val="visible"/>
+                                      </p:to>
+                                    </p:set>
+                                    <p:animEffect transition="in" filter="fade">
+                                      <p:cBhvr>
+                                        <p:cTn id="27" dur="500"/>
+                                        <p:tgtEl>
+                                          <p:spTgt spid="6"/>
+                                        </p:tgtEl>
+                                      </p:cBhvr>
+                                    </p:animEffect>
+                                  </p:childTnLst>
+                                </p:cTn>
+                              </p:par>
+                            </p:childTnLst>
+                          </p:cTn>
+                        </p:par>
+                      </p:childTnLst>
+                    </p:cTn>
+                  </p:par>
+                  <p:par>
+                    <p:cTn id="28" fill="hold">
+                      <p:stCondLst>
+                        <p:cond delay="indefinite"/>
+                      </p:stCondLst>
+                      <p:childTnLst>
+                        <p:par>
+                          <p:cTn id="29" fill="hold">
+                            <p:stCondLst>
+                              <p:cond delay="0"/>
+                            </p:stCondLst>
+                            <p:childTnLst>
+                              <p:par>
+                                <p:cTn id="30" presetID="10" presetClass="entr" presetSubtype="0" fill="hold" nodeType="clickEffect">
+                                  <p:stCondLst>
+                                    <p:cond delay="0"/>
+                                  </p:stCondLst>
+                                  <p:childTnLst>
+                                    <p:set>
+                                      <p:cBhvr>
+                                        <p:cTn id="31" dur="1" fill="hold">
+                                          <p:stCondLst>
+                                            <p:cond delay="0"/>
+                                          </p:stCondLst>
+                                        </p:cTn>
+                                        <p:tgtEl>
+                                          <p:spTgt spid="5"/>
+                                        </p:tgtEl>
+                                        <p:attrNameLst>
+                                          <p:attrName>style.visibility</p:attrName>
+                                        </p:attrNameLst>
+                                      </p:cBhvr>
+                                      <p:to>
+                                        <p:strVal val="visible"/>
+                                      </p:to>
+                                    </p:set>
+                                    <p:animEffect transition="in" filter="fade">
+                                      <p:cBhvr>
+                                        <p:cTn id="32" dur="500"/>
+                                        <p:tgtEl>
+                                          <p:spTgt spid="5"/>
+                                        </p:tgtEl>
+                                      </p:cBhvr>
+                                    </p:animEffect>
+                                  </p:childTnLst>
+                                </p:cTn>
+                              </p:par>
+                            </p:childTnLst>
+                          </p:cTn>
+                        </p:par>
+                      </p:childTnLst>
+                    </p:cTn>
+                  </p:par>
+                </p:childTnLst>
+              </p:cTn>
+              <p:prevCondLst>
+                <p:cond evt="onPrev" delay="0">
+                  <p:tgtEl>
+                    <p:sldTgt/>
+                  </p:tgtEl>
+                </p:cond>
+              </p:prevCondLst>
+              <p:nextCondLst>
+                <p:cond evt="onNext" delay="0">
+                  <p:tgtEl>
+                    <p:sldTgt/>
+                  </p:tgtEl>
+                </p:cond>
+              </p:nextCondLst>
+            </p:seq>
+          </p:childTnLst>
+        </p:cTn>
+      </p:par>
+    </p:tnLst>
+    <p:bldLst>
+      <p:bldP spid="2" grpId="0"/>
+      <p:bldP spid="3" grpId="0" uiExpand="1" build="p"/>
+    </p:bldLst>
+  </p:timing>
 </p:sld>
 </file>
 
@@ -10452,51 +17469,70 @@
             <p:ph type="title"/>
           </p:nvPr>
         </p:nvSpPr>
-        <p:spPr>
-          <a:xfrm>
-            <a:off x="740664" y="1231393"/>
-            <a:ext cx="10515600" cy="4389120"/>
-          </a:xfrm>
-        </p:spPr>
+        <p:spPr/>
         <p:txBody>
           <a:bodyPr>
             <a:noAutofit/>
           </a:bodyPr>
           <a:lstStyle/>
           <a:p>
+            <a:pPr marL="457200" indent="-457200">
+              <a:buFont typeface="Arial" panose="020B0604020202020204" pitchFamily="34" charset="0"/>
+              <a:buChar char="•"/>
+            </a:pPr>
             <a:r>
               <a:rPr lang="en-US" sz="3200" dirty="0"/>
-              <a:t>But Sometimes Modelling with fundamental laws is really hard. </a:t>
+              <a:t>But Sometimes Modelling with fundamental laws is really hard.</a:t>
+            </a:r>
+          </a:p>
+        </p:txBody>
+      </p:sp>
+      <p:sp>
+        <p:nvSpPr>
+          <p:cNvPr id="3" name="Content Placeholder 2"/>
+          <p:cNvSpPr>
+            <a:spLocks noGrp="1"/>
+          </p:cNvSpPr>
+          <p:nvPr>
+            <p:ph idx="1"/>
+          </p:nvPr>
+        </p:nvSpPr>
+        <p:spPr/>
+        <p:txBody>
+          <a:bodyPr/>
+          <a:lstStyle/>
+          <a:p>
+            <a:r>
+              <a:rPr lang="en-US" dirty="0"/>
+              <a:t>Because: </a:t>
+            </a:r>
+          </a:p>
+          <a:p>
+            <a:pPr marL="514350" indent="-514350">
+              <a:buFont typeface="+mj-lt"/>
+              <a:buAutoNum type="arabicPeriod"/>
+            </a:pPr>
+            <a:r>
+              <a:rPr lang="en-US" dirty="0"/>
+              <a:t>Maybe we don’t have enough “Science”. </a:t>
+            </a:r>
+          </a:p>
+          <a:p>
+            <a:pPr marL="514350" indent="-514350">
+              <a:buFont typeface="+mj-lt"/>
+              <a:buAutoNum type="arabicPeriod"/>
+            </a:pPr>
+            <a:r>
+              <a:rPr lang="en-US" dirty="0"/>
+              <a:t>The phenomena under study is really complicated, and very stochastic in nature. “ consider economic, social, biological, and climate phenomena”.</a:t>
             </a:r>
             <a:br>
-              <a:rPr lang="en-US" sz="3200" dirty="0"/>
+              <a:rPr lang="en-US" dirty="0"/>
             </a:br>
             <a:br>
-              <a:rPr lang="en-US" sz="3200" dirty="0"/>
+              <a:rPr lang="en-US" dirty="0"/>
             </a:br>
-            <a:r>
-              <a:rPr lang="en-US" sz="3200" dirty="0"/>
-              <a:t>Because: </a:t>
-            </a:r>
-            <a:br>
-              <a:rPr lang="en-US" sz="3200" dirty="0"/>
-            </a:br>
-            <a:r>
-              <a:rPr lang="en-US" sz="3200" dirty="0"/>
-              <a:t>1 -  Maybe we don’t have enough “Science”. </a:t>
-            </a:r>
-            <a:br>
-              <a:rPr lang="en-US" sz="3200" dirty="0"/>
-            </a:br>
-            <a:r>
-              <a:rPr lang="en-US" sz="3200" dirty="0"/>
-              <a:t>2- The phenomena under study is really complicated, and very stochastic in nature. “ consider economic, social, biological, and climate </a:t>
-            </a:r>
-            <a:r>
-              <a:rPr lang="en-US" sz="3200" dirty="0"/>
-              <a:t>phenomena”. </a:t>
-            </a:r>
-            <a:endParaRPr lang="en-US" sz="3200" dirty="0"/>
+            <a:endParaRPr lang="en-US" dirty="0"/>
           </a:p>
         </p:txBody>
       </p:sp>
@@ -10510,6 +17546,276 @@
   <p:clrMapOvr>
     <a:masterClrMapping/>
   </p:clrMapOvr>
+  <p:timing>
+    <p:tnLst>
+      <p:par>
+        <p:cTn id="1" dur="indefinite" restart="never" nodeType="tmRoot">
+          <p:childTnLst>
+            <p:seq concurrent="1" nextAc="seek">
+              <p:cTn id="2" dur="indefinite" nodeType="mainSeq">
+                <p:childTnLst>
+                  <p:par>
+                    <p:cTn id="3" fill="hold">
+                      <p:stCondLst>
+                        <p:cond delay="indefinite"/>
+                      </p:stCondLst>
+                      <p:childTnLst>
+                        <p:par>
+                          <p:cTn id="4" fill="hold">
+                            <p:stCondLst>
+                              <p:cond delay="0"/>
+                            </p:stCondLst>
+                            <p:childTnLst>
+                              <p:par>
+                                <p:cTn id="5" presetID="10" presetClass="entr" presetSubtype="0" fill="hold" grpId="0" nodeType="clickEffect">
+                                  <p:stCondLst>
+                                    <p:cond delay="0"/>
+                                  </p:stCondLst>
+                                  <p:childTnLst>
+                                    <p:set>
+                                      <p:cBhvr>
+                                        <p:cTn id="6" dur="1" fill="hold">
+                                          <p:stCondLst>
+                                            <p:cond delay="0"/>
+                                          </p:stCondLst>
+                                        </p:cTn>
+                                        <p:tgtEl>
+                                          <p:spTgt spid="2"/>
+                                        </p:tgtEl>
+                                        <p:attrNameLst>
+                                          <p:attrName>style.visibility</p:attrName>
+                                        </p:attrNameLst>
+                                      </p:cBhvr>
+                                      <p:to>
+                                        <p:strVal val="visible"/>
+                                      </p:to>
+                                    </p:set>
+                                    <p:animEffect transition="in" filter="fade">
+                                      <p:cBhvr>
+                                        <p:cTn id="7" dur="500"/>
+                                        <p:tgtEl>
+                                          <p:spTgt spid="2"/>
+                                        </p:tgtEl>
+                                      </p:cBhvr>
+                                    </p:animEffect>
+                                  </p:childTnLst>
+                                </p:cTn>
+                              </p:par>
+                            </p:childTnLst>
+                          </p:cTn>
+                        </p:par>
+                      </p:childTnLst>
+                    </p:cTn>
+                  </p:par>
+                  <p:par>
+                    <p:cTn id="8" fill="hold">
+                      <p:stCondLst>
+                        <p:cond delay="indefinite"/>
+                      </p:stCondLst>
+                      <p:childTnLst>
+                        <p:par>
+                          <p:cTn id="9" fill="hold">
+                            <p:stCondLst>
+                              <p:cond delay="0"/>
+                            </p:stCondLst>
+                            <p:childTnLst>
+                              <p:par>
+                                <p:cTn id="10" presetID="10" presetClass="entr" presetSubtype="0" fill="hold" grpId="0" nodeType="clickEffect">
+                                  <p:stCondLst>
+                                    <p:cond delay="0"/>
+                                  </p:stCondLst>
+                                  <p:childTnLst>
+                                    <p:set>
+                                      <p:cBhvr>
+                                        <p:cTn id="11" dur="1" fill="hold">
+                                          <p:stCondLst>
+                                            <p:cond delay="0"/>
+                                          </p:stCondLst>
+                                        </p:cTn>
+                                        <p:tgtEl>
+                                          <p:spTgt spid="3">
+                                            <p:txEl>
+                                              <p:pRg st="0" end="0"/>
+                                            </p:txEl>
+                                          </p:spTgt>
+                                        </p:tgtEl>
+                                        <p:attrNameLst>
+                                          <p:attrName>style.visibility</p:attrName>
+                                        </p:attrNameLst>
+                                      </p:cBhvr>
+                                      <p:to>
+                                        <p:strVal val="visible"/>
+                                      </p:to>
+                                    </p:set>
+                                    <p:animEffect transition="in" filter="fade">
+                                      <p:cBhvr>
+                                        <p:cTn id="12" dur="500"/>
+                                        <p:tgtEl>
+                                          <p:spTgt spid="3">
+                                            <p:txEl>
+                                              <p:pRg st="0" end="0"/>
+                                            </p:txEl>
+                                          </p:spTgt>
+                                        </p:tgtEl>
+                                      </p:cBhvr>
+                                    </p:animEffect>
+                                  </p:childTnLst>
+                                </p:cTn>
+                              </p:par>
+                            </p:childTnLst>
+                          </p:cTn>
+                        </p:par>
+                      </p:childTnLst>
+                    </p:cTn>
+                  </p:par>
+                  <p:par>
+                    <p:cTn id="13" fill="hold">
+                      <p:stCondLst>
+                        <p:cond delay="indefinite"/>
+                      </p:stCondLst>
+                      <p:childTnLst>
+                        <p:par>
+                          <p:cTn id="14" fill="hold">
+                            <p:stCondLst>
+                              <p:cond delay="0"/>
+                            </p:stCondLst>
+                            <p:childTnLst>
+                              <p:par>
+                                <p:cTn id="15" presetID="10" presetClass="entr" presetSubtype="0" fill="hold" grpId="0" nodeType="clickEffect">
+                                  <p:stCondLst>
+                                    <p:cond delay="0"/>
+                                  </p:stCondLst>
+                                  <p:childTnLst>
+                                    <p:set>
+                                      <p:cBhvr>
+                                        <p:cTn id="16" dur="1" fill="hold">
+                                          <p:stCondLst>
+                                            <p:cond delay="0"/>
+                                          </p:stCondLst>
+                                        </p:cTn>
+                                        <p:tgtEl>
+                                          <p:spTgt spid="3">
+                                            <p:txEl>
+                                              <p:pRg st="1" end="1"/>
+                                            </p:txEl>
+                                          </p:spTgt>
+                                        </p:tgtEl>
+                                        <p:attrNameLst>
+                                          <p:attrName>style.visibility</p:attrName>
+                                        </p:attrNameLst>
+                                      </p:cBhvr>
+                                      <p:to>
+                                        <p:strVal val="visible"/>
+                                      </p:to>
+                                    </p:set>
+                                    <p:animEffect transition="in" filter="fade">
+                                      <p:cBhvr>
+                                        <p:cTn id="17" dur="500"/>
+                                        <p:tgtEl>
+                                          <p:spTgt spid="3">
+                                            <p:txEl>
+                                              <p:pRg st="1" end="1"/>
+                                            </p:txEl>
+                                          </p:spTgt>
+                                        </p:tgtEl>
+                                      </p:cBhvr>
+                                    </p:animEffect>
+                                  </p:childTnLst>
+                                </p:cTn>
+                              </p:par>
+                            </p:childTnLst>
+                          </p:cTn>
+                        </p:par>
+                      </p:childTnLst>
+                    </p:cTn>
+                  </p:par>
+                  <p:par>
+                    <p:cTn id="18" fill="hold">
+                      <p:stCondLst>
+                        <p:cond delay="indefinite"/>
+                      </p:stCondLst>
+                      <p:childTnLst>
+                        <p:par>
+                          <p:cTn id="19" fill="hold">
+                            <p:stCondLst>
+                              <p:cond delay="0"/>
+                            </p:stCondLst>
+                            <p:childTnLst>
+                              <p:par>
+                                <p:cTn id="20" presetID="10" presetClass="entr" presetSubtype="0" fill="hold" grpId="0" nodeType="clickEffect">
+                                  <p:stCondLst>
+                                    <p:cond delay="0"/>
+                                  </p:stCondLst>
+                                  <p:childTnLst>
+                                    <p:set>
+                                      <p:cBhvr>
+                                        <p:cTn id="21" dur="1" fill="hold">
+                                          <p:stCondLst>
+                                            <p:cond delay="0"/>
+                                          </p:stCondLst>
+                                        </p:cTn>
+                                        <p:tgtEl>
+                                          <p:spTgt spid="3">
+                                            <p:txEl>
+                                              <p:pRg st="2" end="2"/>
+                                            </p:txEl>
+                                          </p:spTgt>
+                                        </p:tgtEl>
+                                        <p:attrNameLst>
+                                          <p:attrName>style.visibility</p:attrName>
+                                        </p:attrNameLst>
+                                      </p:cBhvr>
+                                      <p:to>
+                                        <p:strVal val="visible"/>
+                                      </p:to>
+                                    </p:set>
+                                    <p:animEffect transition="in" filter="fade">
+                                      <p:cBhvr>
+                                        <p:cTn id="22" dur="500"/>
+                                        <p:tgtEl>
+                                          <p:spTgt spid="3">
+                                            <p:txEl>
+                                              <p:pRg st="2" end="2"/>
+                                            </p:txEl>
+                                          </p:spTgt>
+                                        </p:tgtEl>
+                                      </p:cBhvr>
+                                    </p:animEffect>
+                                  </p:childTnLst>
+                                </p:cTn>
+                              </p:par>
+                            </p:childTnLst>
+                          </p:cTn>
+                        </p:par>
+                      </p:childTnLst>
+                    </p:cTn>
+                  </p:par>
+                </p:childTnLst>
+              </p:cTn>
+              <p:prevCondLst>
+                <p:cond evt="onPrev" delay="0">
+                  <p:tgtEl>
+                    <p:sldTgt/>
+                  </p:tgtEl>
+                </p:cond>
+              </p:prevCondLst>
+              <p:nextCondLst>
+                <p:cond evt="onNext" delay="0">
+                  <p:tgtEl>
+                    <p:sldTgt/>
+                  </p:tgtEl>
+                </p:cond>
+              </p:nextCondLst>
+            </p:seq>
+          </p:childTnLst>
+        </p:cTn>
+      </p:par>
+    </p:tnLst>
+    <p:bldLst>
+      <p:bldP spid="2" grpId="0"/>
+      <p:bldP spid="3" grpId="0" build="p"/>
+    </p:bldLst>
+  </p:timing>
 </p:sld>
 </file>
 
@@ -10548,80 +17854,6 @@
             <a:r>
               <a:rPr lang="en-US" dirty="0"/>
               <a:t>What is Machine Learning ?</a:t>
-            </a:r>
-          </a:p>
-        </p:txBody>
-      </p:sp>
-      <p:sp>
-        <p:nvSpPr>
-          <p:cNvPr id="3" name="Content Placeholder 2"/>
-          <p:cNvSpPr>
-            <a:spLocks noGrp="1"/>
-          </p:cNvSpPr>
-          <p:nvPr>
-            <p:ph idx="1"/>
-          </p:nvPr>
-        </p:nvSpPr>
-        <p:spPr/>
-        <p:txBody>
-          <a:bodyPr/>
-          <a:lstStyle/>
-          <a:p>
-            <a:r>
-              <a:rPr lang="en-US" dirty="0"/>
-              <a:t>Traditional programming vs Machine learning. </a:t>
-            </a:r>
-          </a:p>
-        </p:txBody>
-      </p:sp>
-    </p:spTree>
-    <p:extLst>
-      <p:ext uri="{BB962C8B-B14F-4D97-AF65-F5344CB8AC3E}">
-        <p14:creationId xmlns:p14="http://schemas.microsoft.com/office/powerpoint/2010/main" val="109139652"/>
-      </p:ext>
-    </p:extLst>
-  </p:cSld>
-  <p:clrMapOvr>
-    <a:masterClrMapping/>
-  </p:clrMapOvr>
-</p:sld>
-</file>
-
-<file path=ppt/slides/slide8.xml><?xml version="1.0" encoding="utf-8"?>
-<p:sld xmlns:a="http://schemas.openxmlformats.org/drawingml/2006/main" xmlns:r="http://schemas.openxmlformats.org/officeDocument/2006/relationships" xmlns:p="http://schemas.openxmlformats.org/presentationml/2006/main">
-  <p:cSld>
-    <p:spTree>
-      <p:nvGrpSpPr>
-        <p:cNvPr id="1" name=""/>
-        <p:cNvGrpSpPr/>
-        <p:nvPr/>
-      </p:nvGrpSpPr>
-      <p:grpSpPr>
-        <a:xfrm>
-          <a:off x="0" y="0"/>
-          <a:ext cx="0" cy="0"/>
-          <a:chOff x="0" y="0"/>
-          <a:chExt cx="0" cy="0"/>
-        </a:xfrm>
-      </p:grpSpPr>
-      <p:sp>
-        <p:nvSpPr>
-          <p:cNvPr id="2" name="Title 1"/>
-          <p:cNvSpPr>
-            <a:spLocks noGrp="1"/>
-          </p:cNvSpPr>
-          <p:nvPr>
-            <p:ph type="title"/>
-          </p:nvPr>
-        </p:nvSpPr>
-        <p:spPr/>
-        <p:txBody>
-          <a:bodyPr/>
-          <a:lstStyle/>
-          <a:p>
-            <a:r>
-              <a:rPr lang="en-US" dirty="0"/>
-              <a:t>How would ML solve the previous problem ?</a:t>
             </a:r>
           </a:p>
         </p:txBody>
@@ -10694,6 +17926,292 @@
           </a:prstGeom>
         </p:spPr>
       </p:pic>
+      <p:cxnSp>
+        <p:nvCxnSpPr>
+          <p:cNvPr id="7" name="Connector: Curved 6"/>
+          <p:cNvCxnSpPr>
+            <a:cxnSpLocks/>
+          </p:cNvCxnSpPr>
+          <p:nvPr/>
+        </p:nvCxnSpPr>
+        <p:spPr>
+          <a:xfrm rot="10800000">
+            <a:off x="3008244" y="4068418"/>
+            <a:ext cx="4479237" cy="1855305"/>
+          </a:xfrm>
+          <a:prstGeom prst="curvedConnector3">
+            <a:avLst>
+              <a:gd name="adj1" fmla="val -34024"/>
+            </a:avLst>
+          </a:prstGeom>
+          <a:ln w="57150">
+            <a:solidFill>
+              <a:srgbClr val="FF0000"/>
+            </a:solidFill>
+            <a:tailEnd type="triangle"/>
+          </a:ln>
+        </p:spPr>
+        <p:style>
+          <a:lnRef idx="1">
+            <a:schemeClr val="accent1"/>
+          </a:lnRef>
+          <a:fillRef idx="0">
+            <a:schemeClr val="accent1"/>
+          </a:fillRef>
+          <a:effectRef idx="0">
+            <a:schemeClr val="accent1"/>
+          </a:effectRef>
+          <a:fontRef idx="minor">
+            <a:schemeClr val="tx1"/>
+          </a:fontRef>
+        </p:style>
+      </p:cxnSp>
+    </p:spTree>
+    <p:extLst>
+      <p:ext uri="{BB962C8B-B14F-4D97-AF65-F5344CB8AC3E}">
+        <p14:creationId xmlns:p14="http://schemas.microsoft.com/office/powerpoint/2010/main" val="109139652"/>
+      </p:ext>
+    </p:extLst>
+  </p:cSld>
+  <p:clrMapOvr>
+    <a:masterClrMapping/>
+  </p:clrMapOvr>
+  <p:timing>
+    <p:tnLst>
+      <p:par>
+        <p:cTn id="1" dur="indefinite" restart="never" nodeType="tmRoot">
+          <p:childTnLst>
+            <p:seq concurrent="1" nextAc="seek">
+              <p:cTn id="2" dur="indefinite" nodeType="mainSeq">
+                <p:childTnLst>
+                  <p:par>
+                    <p:cTn id="3" fill="hold">
+                      <p:stCondLst>
+                        <p:cond delay="indefinite"/>
+                      </p:stCondLst>
+                      <p:childTnLst>
+                        <p:par>
+                          <p:cTn id="4" fill="hold">
+                            <p:stCondLst>
+                              <p:cond delay="0"/>
+                            </p:stCondLst>
+                            <p:childTnLst>
+                              <p:par>
+                                <p:cTn id="5" presetID="10" presetClass="entr" presetSubtype="0" fill="hold" nodeType="clickEffect">
+                                  <p:stCondLst>
+                                    <p:cond delay="0"/>
+                                  </p:stCondLst>
+                                  <p:childTnLst>
+                                    <p:set>
+                                      <p:cBhvr>
+                                        <p:cTn id="6" dur="1" fill="hold">
+                                          <p:stCondLst>
+                                            <p:cond delay="0"/>
+                                          </p:stCondLst>
+                                        </p:cTn>
+                                        <p:tgtEl>
+                                          <p:spTgt spid="4"/>
+                                        </p:tgtEl>
+                                        <p:attrNameLst>
+                                          <p:attrName>style.visibility</p:attrName>
+                                        </p:attrNameLst>
+                                      </p:cBhvr>
+                                      <p:to>
+                                        <p:strVal val="visible"/>
+                                      </p:to>
+                                    </p:set>
+                                    <p:animEffect transition="in" filter="fade">
+                                      <p:cBhvr>
+                                        <p:cTn id="7" dur="500"/>
+                                        <p:tgtEl>
+                                          <p:spTgt spid="4"/>
+                                        </p:tgtEl>
+                                      </p:cBhvr>
+                                    </p:animEffect>
+                                  </p:childTnLst>
+                                </p:cTn>
+                              </p:par>
+                            </p:childTnLst>
+                          </p:cTn>
+                        </p:par>
+                      </p:childTnLst>
+                    </p:cTn>
+                  </p:par>
+                  <p:par>
+                    <p:cTn id="8" fill="hold">
+                      <p:stCondLst>
+                        <p:cond delay="indefinite"/>
+                      </p:stCondLst>
+                      <p:childTnLst>
+                        <p:par>
+                          <p:cTn id="9" fill="hold">
+                            <p:stCondLst>
+                              <p:cond delay="0"/>
+                            </p:stCondLst>
+                            <p:childTnLst>
+                              <p:par>
+                                <p:cTn id="10" presetID="10" presetClass="entr" presetSubtype="0" fill="hold" nodeType="clickEffect">
+                                  <p:stCondLst>
+                                    <p:cond delay="0"/>
+                                  </p:stCondLst>
+                                  <p:childTnLst>
+                                    <p:set>
+                                      <p:cBhvr>
+                                        <p:cTn id="11" dur="1" fill="hold">
+                                          <p:stCondLst>
+                                            <p:cond delay="0"/>
+                                          </p:stCondLst>
+                                        </p:cTn>
+                                        <p:tgtEl>
+                                          <p:spTgt spid="5"/>
+                                        </p:tgtEl>
+                                        <p:attrNameLst>
+                                          <p:attrName>style.visibility</p:attrName>
+                                        </p:attrNameLst>
+                                      </p:cBhvr>
+                                      <p:to>
+                                        <p:strVal val="visible"/>
+                                      </p:to>
+                                    </p:set>
+                                    <p:animEffect transition="in" filter="fade">
+                                      <p:cBhvr>
+                                        <p:cTn id="12" dur="500"/>
+                                        <p:tgtEl>
+                                          <p:spTgt spid="5"/>
+                                        </p:tgtEl>
+                                      </p:cBhvr>
+                                    </p:animEffect>
+                                  </p:childTnLst>
+                                </p:cTn>
+                              </p:par>
+                            </p:childTnLst>
+                          </p:cTn>
+                        </p:par>
+                      </p:childTnLst>
+                    </p:cTn>
+                  </p:par>
+                  <p:par>
+                    <p:cTn id="13" fill="hold">
+                      <p:stCondLst>
+                        <p:cond delay="indefinite"/>
+                      </p:stCondLst>
+                      <p:childTnLst>
+                        <p:par>
+                          <p:cTn id="14" fill="hold">
+                            <p:stCondLst>
+                              <p:cond delay="0"/>
+                            </p:stCondLst>
+                            <p:childTnLst>
+                              <p:par>
+                                <p:cTn id="15" presetID="10" presetClass="entr" presetSubtype="0" fill="hold" nodeType="clickEffect">
+                                  <p:stCondLst>
+                                    <p:cond delay="0"/>
+                                  </p:stCondLst>
+                                  <p:childTnLst>
+                                    <p:set>
+                                      <p:cBhvr>
+                                        <p:cTn id="16" dur="1" fill="hold">
+                                          <p:stCondLst>
+                                            <p:cond delay="0"/>
+                                          </p:stCondLst>
+                                        </p:cTn>
+                                        <p:tgtEl>
+                                          <p:spTgt spid="7"/>
+                                        </p:tgtEl>
+                                        <p:attrNameLst>
+                                          <p:attrName>style.visibility</p:attrName>
+                                        </p:attrNameLst>
+                                      </p:cBhvr>
+                                      <p:to>
+                                        <p:strVal val="visible"/>
+                                      </p:to>
+                                    </p:set>
+                                    <p:animEffect transition="in" filter="fade">
+                                      <p:cBhvr>
+                                        <p:cTn id="17" dur="500"/>
+                                        <p:tgtEl>
+                                          <p:spTgt spid="7"/>
+                                        </p:tgtEl>
+                                      </p:cBhvr>
+                                    </p:animEffect>
+                                  </p:childTnLst>
+                                </p:cTn>
+                              </p:par>
+                            </p:childTnLst>
+                          </p:cTn>
+                        </p:par>
+                      </p:childTnLst>
+                    </p:cTn>
+                  </p:par>
+                </p:childTnLst>
+              </p:cTn>
+              <p:prevCondLst>
+                <p:cond evt="onPrev" delay="0">
+                  <p:tgtEl>
+                    <p:sldTgt/>
+                  </p:tgtEl>
+                </p:cond>
+              </p:prevCondLst>
+              <p:nextCondLst>
+                <p:cond evt="onNext" delay="0">
+                  <p:tgtEl>
+                    <p:sldTgt/>
+                  </p:tgtEl>
+                </p:cond>
+              </p:nextCondLst>
+            </p:seq>
+          </p:childTnLst>
+        </p:cTn>
+      </p:par>
+    </p:tnLst>
+  </p:timing>
+</p:sld>
+</file>
+
+<file path=ppt/slides/slide8.xml><?xml version="1.0" encoding="utf-8"?>
+<p:sld xmlns:a="http://schemas.openxmlformats.org/drawingml/2006/main" xmlns:r="http://schemas.openxmlformats.org/officeDocument/2006/relationships" xmlns:p="http://schemas.openxmlformats.org/presentationml/2006/main">
+  <p:cSld>
+    <p:spTree>
+      <p:nvGrpSpPr>
+        <p:cNvPr id="1" name=""/>
+        <p:cNvGrpSpPr/>
+        <p:nvPr/>
+      </p:nvGrpSpPr>
+      <p:grpSpPr>
+        <a:xfrm>
+          <a:off x="0" y="0"/>
+          <a:ext cx="0" cy="0"/>
+          <a:chOff x="0" y="0"/>
+          <a:chExt cx="0" cy="0"/>
+        </a:xfrm>
+      </p:grpSpPr>
+      <p:sp>
+        <p:nvSpPr>
+          <p:cNvPr id="2" name="Title 1"/>
+          <p:cNvSpPr>
+            <a:spLocks noGrp="1"/>
+          </p:cNvSpPr>
+          <p:nvPr>
+            <p:ph type="title"/>
+          </p:nvPr>
+        </p:nvSpPr>
+        <p:spPr>
+          <a:xfrm>
+            <a:off x="904461" y="2671003"/>
+            <a:ext cx="10515600" cy="1325563"/>
+          </a:xfrm>
+        </p:spPr>
+        <p:txBody>
+          <a:bodyPr/>
+          <a:lstStyle/>
+          <a:p>
+            <a:r>
+              <a:rPr lang="en-US" dirty="0"/>
+              <a:t>How would ML solve the previous problem ?</a:t>
+            </a:r>
+          </a:p>
+        </p:txBody>
+      </p:sp>
     </p:spTree>
     <p:extLst>
       <p:ext uri="{BB962C8B-B14F-4D97-AF65-F5344CB8AC3E}">
@@ -10763,15 +18281,29 @@
           <a:p>
             <a:r>
               <a:rPr lang="en-US" dirty="0"/>
-              <a:t>Problem definition.</a:t>
+              <a:t>Objective definition.</a:t>
             </a:r>
+          </a:p>
+          <a:p>
+            <a:pPr marL="0" indent="0">
+              <a:buNone/>
+            </a:pPr>
+            <a:r>
+              <a:rPr lang="en-US" dirty="0"/>
+              <a:t>Learn Mapping from x -&gt; y directly. </a:t>
+            </a:r>
+          </a:p>
+          <a:p>
+            <a:pPr marL="0" indent="0">
+              <a:buNone/>
+            </a:pPr>
+            <a:endParaRPr lang="en-US" dirty="0"/>
           </a:p>
           <a:p>
             <a:r>
               <a:rPr lang="en-US" dirty="0"/>
               <a:t>Model selection. </a:t>
             </a:r>
-            <a:endParaRPr lang="en-US" dirty="0"/>
           </a:p>
           <a:p>
             <a:r>
@@ -10803,6 +18335,405 @@
   <p:clrMapOvr>
     <a:masterClrMapping/>
   </p:clrMapOvr>
+  <p:timing>
+    <p:tnLst>
+      <p:par>
+        <p:cTn id="1" dur="indefinite" restart="never" nodeType="tmRoot">
+          <p:childTnLst>
+            <p:seq concurrent="1" nextAc="seek">
+              <p:cTn id="2" dur="indefinite" nodeType="mainSeq">
+                <p:childTnLst>
+                  <p:par>
+                    <p:cTn id="3" fill="hold">
+                      <p:stCondLst>
+                        <p:cond delay="indefinite"/>
+                      </p:stCondLst>
+                      <p:childTnLst>
+                        <p:par>
+                          <p:cTn id="4" fill="hold">
+                            <p:stCondLst>
+                              <p:cond delay="0"/>
+                            </p:stCondLst>
+                            <p:childTnLst>
+                              <p:par>
+                                <p:cTn id="5" presetID="10" presetClass="entr" presetSubtype="0" fill="hold" grpId="0" nodeType="clickEffect">
+                                  <p:stCondLst>
+                                    <p:cond delay="0"/>
+                                  </p:stCondLst>
+                                  <p:childTnLst>
+                                    <p:set>
+                                      <p:cBhvr>
+                                        <p:cTn id="6" dur="1" fill="hold">
+                                          <p:stCondLst>
+                                            <p:cond delay="0"/>
+                                          </p:stCondLst>
+                                        </p:cTn>
+                                        <p:tgtEl>
+                                          <p:spTgt spid="3">
+                                            <p:txEl>
+                                              <p:pRg st="0" end="0"/>
+                                            </p:txEl>
+                                          </p:spTgt>
+                                        </p:tgtEl>
+                                        <p:attrNameLst>
+                                          <p:attrName>style.visibility</p:attrName>
+                                        </p:attrNameLst>
+                                      </p:cBhvr>
+                                      <p:to>
+                                        <p:strVal val="visible"/>
+                                      </p:to>
+                                    </p:set>
+                                    <p:animEffect transition="in" filter="fade">
+                                      <p:cBhvr>
+                                        <p:cTn id="7" dur="500"/>
+                                        <p:tgtEl>
+                                          <p:spTgt spid="3">
+                                            <p:txEl>
+                                              <p:pRg st="0" end="0"/>
+                                            </p:txEl>
+                                          </p:spTgt>
+                                        </p:tgtEl>
+                                      </p:cBhvr>
+                                    </p:animEffect>
+                                  </p:childTnLst>
+                                </p:cTn>
+                              </p:par>
+                            </p:childTnLst>
+                          </p:cTn>
+                        </p:par>
+                      </p:childTnLst>
+                    </p:cTn>
+                  </p:par>
+                  <p:par>
+                    <p:cTn id="8" fill="hold">
+                      <p:stCondLst>
+                        <p:cond delay="indefinite"/>
+                      </p:stCondLst>
+                      <p:childTnLst>
+                        <p:par>
+                          <p:cTn id="9" fill="hold">
+                            <p:stCondLst>
+                              <p:cond delay="0"/>
+                            </p:stCondLst>
+                            <p:childTnLst>
+                              <p:par>
+                                <p:cTn id="10" presetID="10" presetClass="entr" presetSubtype="0" fill="hold" grpId="0" nodeType="clickEffect">
+                                  <p:stCondLst>
+                                    <p:cond delay="0"/>
+                                  </p:stCondLst>
+                                  <p:childTnLst>
+                                    <p:set>
+                                      <p:cBhvr>
+                                        <p:cTn id="11" dur="1" fill="hold">
+                                          <p:stCondLst>
+                                            <p:cond delay="0"/>
+                                          </p:stCondLst>
+                                        </p:cTn>
+                                        <p:tgtEl>
+                                          <p:spTgt spid="3">
+                                            <p:txEl>
+                                              <p:pRg st="1" end="1"/>
+                                            </p:txEl>
+                                          </p:spTgt>
+                                        </p:tgtEl>
+                                        <p:attrNameLst>
+                                          <p:attrName>style.visibility</p:attrName>
+                                        </p:attrNameLst>
+                                      </p:cBhvr>
+                                      <p:to>
+                                        <p:strVal val="visible"/>
+                                      </p:to>
+                                    </p:set>
+                                    <p:animEffect transition="in" filter="fade">
+                                      <p:cBhvr>
+                                        <p:cTn id="12" dur="500"/>
+                                        <p:tgtEl>
+                                          <p:spTgt spid="3">
+                                            <p:txEl>
+                                              <p:pRg st="1" end="1"/>
+                                            </p:txEl>
+                                          </p:spTgt>
+                                        </p:tgtEl>
+                                      </p:cBhvr>
+                                    </p:animEffect>
+                                  </p:childTnLst>
+                                </p:cTn>
+                              </p:par>
+                            </p:childTnLst>
+                          </p:cTn>
+                        </p:par>
+                      </p:childTnLst>
+                    </p:cTn>
+                  </p:par>
+                  <p:par>
+                    <p:cTn id="13" fill="hold">
+                      <p:stCondLst>
+                        <p:cond delay="indefinite"/>
+                      </p:stCondLst>
+                      <p:childTnLst>
+                        <p:par>
+                          <p:cTn id="14" fill="hold">
+                            <p:stCondLst>
+                              <p:cond delay="0"/>
+                            </p:stCondLst>
+                            <p:childTnLst>
+                              <p:par>
+                                <p:cTn id="15" presetID="10" presetClass="entr" presetSubtype="0" fill="hold" grpId="0" nodeType="clickEffect">
+                                  <p:stCondLst>
+                                    <p:cond delay="0"/>
+                                  </p:stCondLst>
+                                  <p:childTnLst>
+                                    <p:set>
+                                      <p:cBhvr>
+                                        <p:cTn id="16" dur="1" fill="hold">
+                                          <p:stCondLst>
+                                            <p:cond delay="0"/>
+                                          </p:stCondLst>
+                                        </p:cTn>
+                                        <p:tgtEl>
+                                          <p:spTgt spid="3">
+                                            <p:txEl>
+                                              <p:pRg st="3" end="3"/>
+                                            </p:txEl>
+                                          </p:spTgt>
+                                        </p:tgtEl>
+                                        <p:attrNameLst>
+                                          <p:attrName>style.visibility</p:attrName>
+                                        </p:attrNameLst>
+                                      </p:cBhvr>
+                                      <p:to>
+                                        <p:strVal val="visible"/>
+                                      </p:to>
+                                    </p:set>
+                                    <p:animEffect transition="in" filter="fade">
+                                      <p:cBhvr>
+                                        <p:cTn id="17" dur="500"/>
+                                        <p:tgtEl>
+                                          <p:spTgt spid="3">
+                                            <p:txEl>
+                                              <p:pRg st="3" end="3"/>
+                                            </p:txEl>
+                                          </p:spTgt>
+                                        </p:tgtEl>
+                                      </p:cBhvr>
+                                    </p:animEffect>
+                                  </p:childTnLst>
+                                </p:cTn>
+                              </p:par>
+                            </p:childTnLst>
+                          </p:cTn>
+                        </p:par>
+                      </p:childTnLst>
+                    </p:cTn>
+                  </p:par>
+                  <p:par>
+                    <p:cTn id="18" fill="hold">
+                      <p:stCondLst>
+                        <p:cond delay="indefinite"/>
+                      </p:stCondLst>
+                      <p:childTnLst>
+                        <p:par>
+                          <p:cTn id="19" fill="hold">
+                            <p:stCondLst>
+                              <p:cond delay="0"/>
+                            </p:stCondLst>
+                            <p:childTnLst>
+                              <p:par>
+                                <p:cTn id="20" presetID="10" presetClass="entr" presetSubtype="0" fill="hold" grpId="0" nodeType="clickEffect">
+                                  <p:stCondLst>
+                                    <p:cond delay="0"/>
+                                  </p:stCondLst>
+                                  <p:childTnLst>
+                                    <p:set>
+                                      <p:cBhvr>
+                                        <p:cTn id="21" dur="1" fill="hold">
+                                          <p:stCondLst>
+                                            <p:cond delay="0"/>
+                                          </p:stCondLst>
+                                        </p:cTn>
+                                        <p:tgtEl>
+                                          <p:spTgt spid="3">
+                                            <p:txEl>
+                                              <p:pRg st="4" end="4"/>
+                                            </p:txEl>
+                                          </p:spTgt>
+                                        </p:tgtEl>
+                                        <p:attrNameLst>
+                                          <p:attrName>style.visibility</p:attrName>
+                                        </p:attrNameLst>
+                                      </p:cBhvr>
+                                      <p:to>
+                                        <p:strVal val="visible"/>
+                                      </p:to>
+                                    </p:set>
+                                    <p:animEffect transition="in" filter="fade">
+                                      <p:cBhvr>
+                                        <p:cTn id="22" dur="500"/>
+                                        <p:tgtEl>
+                                          <p:spTgt spid="3">
+                                            <p:txEl>
+                                              <p:pRg st="4" end="4"/>
+                                            </p:txEl>
+                                          </p:spTgt>
+                                        </p:tgtEl>
+                                      </p:cBhvr>
+                                    </p:animEffect>
+                                  </p:childTnLst>
+                                </p:cTn>
+                              </p:par>
+                            </p:childTnLst>
+                          </p:cTn>
+                        </p:par>
+                      </p:childTnLst>
+                    </p:cTn>
+                  </p:par>
+                  <p:par>
+                    <p:cTn id="23" fill="hold">
+                      <p:stCondLst>
+                        <p:cond delay="indefinite"/>
+                      </p:stCondLst>
+                      <p:childTnLst>
+                        <p:par>
+                          <p:cTn id="24" fill="hold">
+                            <p:stCondLst>
+                              <p:cond delay="0"/>
+                            </p:stCondLst>
+                            <p:childTnLst>
+                              <p:par>
+                                <p:cTn id="25" presetID="10" presetClass="entr" presetSubtype="0" fill="hold" grpId="0" nodeType="clickEffect">
+                                  <p:stCondLst>
+                                    <p:cond delay="0"/>
+                                  </p:stCondLst>
+                                  <p:childTnLst>
+                                    <p:set>
+                                      <p:cBhvr>
+                                        <p:cTn id="26" dur="1" fill="hold">
+                                          <p:stCondLst>
+                                            <p:cond delay="0"/>
+                                          </p:stCondLst>
+                                        </p:cTn>
+                                        <p:tgtEl>
+                                          <p:spTgt spid="3">
+                                            <p:txEl>
+                                              <p:pRg st="5" end="5"/>
+                                            </p:txEl>
+                                          </p:spTgt>
+                                        </p:tgtEl>
+                                        <p:attrNameLst>
+                                          <p:attrName>style.visibility</p:attrName>
+                                        </p:attrNameLst>
+                                      </p:cBhvr>
+                                      <p:to>
+                                        <p:strVal val="visible"/>
+                                      </p:to>
+                                    </p:set>
+                                    <p:animEffect transition="in" filter="fade">
+                                      <p:cBhvr>
+                                        <p:cTn id="27" dur="500"/>
+                                        <p:tgtEl>
+                                          <p:spTgt spid="3">
+                                            <p:txEl>
+                                              <p:pRg st="5" end="5"/>
+                                            </p:txEl>
+                                          </p:spTgt>
+                                        </p:tgtEl>
+                                      </p:cBhvr>
+                                    </p:animEffect>
+                                  </p:childTnLst>
+                                </p:cTn>
+                              </p:par>
+                            </p:childTnLst>
+                          </p:cTn>
+                        </p:par>
+                      </p:childTnLst>
+                    </p:cTn>
+                  </p:par>
+                  <p:par>
+                    <p:cTn id="28" fill="hold">
+                      <p:stCondLst>
+                        <p:cond delay="indefinite"/>
+                      </p:stCondLst>
+                      <p:childTnLst>
+                        <p:par>
+                          <p:cTn id="29" fill="hold">
+                            <p:stCondLst>
+                              <p:cond delay="0"/>
+                            </p:stCondLst>
+                            <p:childTnLst>
+                              <p:par>
+                                <p:cTn id="30" presetID="10" presetClass="entr" presetSubtype="0" fill="hold" grpId="0" nodeType="clickEffect">
+                                  <p:stCondLst>
+                                    <p:cond delay="0"/>
+                                  </p:stCondLst>
+                                  <p:childTnLst>
+                                    <p:set>
+                                      <p:cBhvr>
+                                        <p:cTn id="31" dur="1" fill="hold">
+                                          <p:stCondLst>
+                                            <p:cond delay="0"/>
+                                          </p:stCondLst>
+                                        </p:cTn>
+                                        <p:tgtEl>
+                                          <p:spTgt spid="3">
+                                            <p:txEl>
+                                              <p:pRg st="6" end="6"/>
+                                            </p:txEl>
+                                          </p:spTgt>
+                                        </p:tgtEl>
+                                        <p:attrNameLst>
+                                          <p:attrName>style.visibility</p:attrName>
+                                        </p:attrNameLst>
+                                      </p:cBhvr>
+                                      <p:to>
+                                        <p:strVal val="visible"/>
+                                      </p:to>
+                                    </p:set>
+                                    <p:animEffect transition="in" filter="fade">
+                                      <p:cBhvr>
+                                        <p:cTn id="32" dur="500"/>
+                                        <p:tgtEl>
+                                          <p:spTgt spid="3">
+                                            <p:txEl>
+                                              <p:pRg st="6" end="6"/>
+                                            </p:txEl>
+                                          </p:spTgt>
+                                        </p:tgtEl>
+                                      </p:cBhvr>
+                                    </p:animEffect>
+                                  </p:childTnLst>
+                                </p:cTn>
+                              </p:par>
+                            </p:childTnLst>
+                          </p:cTn>
+                        </p:par>
+                      </p:childTnLst>
+                    </p:cTn>
+                  </p:par>
+                </p:childTnLst>
+              </p:cTn>
+              <p:prevCondLst>
+                <p:cond evt="onPrev" delay="0">
+                  <p:tgtEl>
+                    <p:sldTgt/>
+                  </p:tgtEl>
+                </p:cond>
+              </p:prevCondLst>
+              <p:nextCondLst>
+                <p:cond evt="onNext" delay="0">
+                  <p:tgtEl>
+                    <p:sldTgt/>
+                  </p:tgtEl>
+                </p:cond>
+              </p:nextCondLst>
+            </p:seq>
+          </p:childTnLst>
+        </p:cTn>
+      </p:par>
+    </p:tnLst>
+    <p:bldLst>
+      <p:bldP spid="3" grpId="0" build="p"/>
+    </p:bldLst>
+  </p:timing>
 </p:sld>
 </file>
 
